--- a/export/Gephi/main.pptx
+++ b/export/Gephi/main.pptx
@@ -9,11 +9,10 @@
     <p:sldId id="258" r:id="rId3"/>
     <p:sldId id="259" r:id="rId4"/>
     <p:sldId id="263" r:id="rId5"/>
-    <p:sldId id="264" r:id="rId6"/>
+    <p:sldId id="266" r:id="rId6"/>
     <p:sldId id="265" r:id="rId7"/>
-    <p:sldId id="266" r:id="rId8"/>
-    <p:sldId id="267" r:id="rId9"/>
-    <p:sldId id="268" r:id="rId10"/>
+    <p:sldId id="267" r:id="rId8"/>
+    <p:sldId id="268" r:id="rId9"/>
   </p:sldIdLst>
   <p:sldSz cx="12192000" cy="6858000"/>
   <p:notesSz cx="6858000" cy="9144000"/>
@@ -112,6 +111,11 @@
       </a:defRPr>
     </a:lvl9pPr>
   </p:defaultTextStyle>
+  <p:extLst>
+    <p:ext uri="{EFAFB233-063F-42B5-8137-9DF3F51BA10A}">
+      <p15:sldGuideLst xmlns:p15="http://schemas.microsoft.com/office/powerpoint/2012/main"/>
+    </p:ext>
+  </p:extLst>
 </p:presentation>
 </file>
 
@@ -262,7 +266,7 @@
           <a:p>
             <a:fld id="{B8190A42-8C40-49CD-9330-5131C661AC66}" type="datetimeFigureOut">
               <a:rPr lang="zh-CN" altLang="en-US" smtClean="0"/>
-              <a:t>2023/1/9</a:t>
+              <a:t>2023/1/20</a:t>
             </a:fld>
             <a:endParaRPr lang="zh-CN" altLang="en-US"/>
           </a:p>
@@ -460,7 +464,7 @@
           <a:p>
             <a:fld id="{B8190A42-8C40-49CD-9330-5131C661AC66}" type="datetimeFigureOut">
               <a:rPr lang="zh-CN" altLang="en-US" smtClean="0"/>
-              <a:t>2023/1/9</a:t>
+              <a:t>2023/1/20</a:t>
             </a:fld>
             <a:endParaRPr lang="zh-CN" altLang="en-US"/>
           </a:p>
@@ -668,7 +672,7 @@
           <a:p>
             <a:fld id="{B8190A42-8C40-49CD-9330-5131C661AC66}" type="datetimeFigureOut">
               <a:rPr lang="zh-CN" altLang="en-US" smtClean="0"/>
-              <a:t>2023/1/9</a:t>
+              <a:t>2023/1/20</a:t>
             </a:fld>
             <a:endParaRPr lang="zh-CN" altLang="en-US"/>
           </a:p>
@@ -866,7 +870,7 @@
           <a:p>
             <a:fld id="{B8190A42-8C40-49CD-9330-5131C661AC66}" type="datetimeFigureOut">
               <a:rPr lang="zh-CN" altLang="en-US" smtClean="0"/>
-              <a:t>2023/1/9</a:t>
+              <a:t>2023/1/20</a:t>
             </a:fld>
             <a:endParaRPr lang="zh-CN" altLang="en-US"/>
           </a:p>
@@ -1141,7 +1145,7 @@
           <a:p>
             <a:fld id="{B8190A42-8C40-49CD-9330-5131C661AC66}" type="datetimeFigureOut">
               <a:rPr lang="zh-CN" altLang="en-US" smtClean="0"/>
-              <a:t>2023/1/9</a:t>
+              <a:t>2023/1/20</a:t>
             </a:fld>
             <a:endParaRPr lang="zh-CN" altLang="en-US"/>
           </a:p>
@@ -1406,7 +1410,7 @@
           <a:p>
             <a:fld id="{B8190A42-8C40-49CD-9330-5131C661AC66}" type="datetimeFigureOut">
               <a:rPr lang="zh-CN" altLang="en-US" smtClean="0"/>
-              <a:t>2023/1/9</a:t>
+              <a:t>2023/1/20</a:t>
             </a:fld>
             <a:endParaRPr lang="zh-CN" altLang="en-US"/>
           </a:p>
@@ -1818,7 +1822,7 @@
           <a:p>
             <a:fld id="{B8190A42-8C40-49CD-9330-5131C661AC66}" type="datetimeFigureOut">
               <a:rPr lang="zh-CN" altLang="en-US" smtClean="0"/>
-              <a:t>2023/1/9</a:t>
+              <a:t>2023/1/20</a:t>
             </a:fld>
             <a:endParaRPr lang="zh-CN" altLang="en-US"/>
           </a:p>
@@ -1959,7 +1963,7 @@
           <a:p>
             <a:fld id="{B8190A42-8C40-49CD-9330-5131C661AC66}" type="datetimeFigureOut">
               <a:rPr lang="zh-CN" altLang="en-US" smtClean="0"/>
-              <a:t>2023/1/9</a:t>
+              <a:t>2023/1/20</a:t>
             </a:fld>
             <a:endParaRPr lang="zh-CN" altLang="en-US"/>
           </a:p>
@@ -2072,7 +2076,7 @@
           <a:p>
             <a:fld id="{B8190A42-8C40-49CD-9330-5131C661AC66}" type="datetimeFigureOut">
               <a:rPr lang="zh-CN" altLang="en-US" smtClean="0"/>
-              <a:t>2023/1/9</a:t>
+              <a:t>2023/1/20</a:t>
             </a:fld>
             <a:endParaRPr lang="zh-CN" altLang="en-US"/>
           </a:p>
@@ -2383,7 +2387,7 @@
           <a:p>
             <a:fld id="{B8190A42-8C40-49CD-9330-5131C661AC66}" type="datetimeFigureOut">
               <a:rPr lang="zh-CN" altLang="en-US" smtClean="0"/>
-              <a:t>2023/1/9</a:t>
+              <a:t>2023/1/20</a:t>
             </a:fld>
             <a:endParaRPr lang="zh-CN" altLang="en-US"/>
           </a:p>
@@ -2671,7 +2675,7 @@
           <a:p>
             <a:fld id="{B8190A42-8C40-49CD-9330-5131C661AC66}" type="datetimeFigureOut">
               <a:rPr lang="zh-CN" altLang="en-US" smtClean="0"/>
-              <a:t>2023/1/9</a:t>
+              <a:t>2023/1/20</a:t>
             </a:fld>
             <a:endParaRPr lang="zh-CN" altLang="en-US"/>
           </a:p>
@@ -2912,7 +2916,7 @@
           <a:p>
             <a:fld id="{B8190A42-8C40-49CD-9330-5131C661AC66}" type="datetimeFigureOut">
               <a:rPr lang="zh-CN" altLang="en-US" smtClean="0"/>
-              <a:t>2023/1/9</a:t>
+              <a:t>2023/1/20</a:t>
             </a:fld>
             <a:endParaRPr lang="zh-CN" altLang="en-US"/>
           </a:p>
@@ -3630,8 +3634,8 @@
           </a:p>
         </p:txBody>
       </p:sp>
-      <mc:AlternateContent xmlns:mc="http://schemas.openxmlformats.org/markup-compatibility/2006">
-        <mc:Choice xmlns:a14="http://schemas.microsoft.com/office/drawing/2010/main" Requires="a14">
+      <mc:AlternateContent xmlns:mc="http://schemas.openxmlformats.org/markup-compatibility/2006" xmlns:a14="http://schemas.microsoft.com/office/drawing/2010/main">
+        <mc:Choice Requires="a14">
           <p:sp>
             <p:nvSpPr>
               <p:cNvPr id="10" name="文本框 9">
@@ -3660,6 +3664,7 @@
               </a:bodyPr>
               <a:lstStyle/>
               <a:p>
+                <a:pPr/>
                 <a14:m>
                   <m:oMathPara xmlns:m="http://schemas.openxmlformats.org/officeDocument/2006/math">
                     <m:oMathParaPr>
@@ -3691,7 +3696,7 @@
                               <a:latin typeface="Cambria Math" panose="02040503050406030204" pitchFamily="18" charset="0"/>
                               <a:cs typeface="Times New Roman" panose="02020603050405020304" pitchFamily="18" charset="0"/>
                             </a:rPr>
-                            <m:t>-</m:t>
+                            <m:t>−</m:t>
                           </m:r>
                           <m:r>
                             <m:rPr>
@@ -3734,7 +3739,7 @@
             </p:txBody>
           </p:sp>
         </mc:Choice>
-        <mc:Fallback>
+        <mc:Fallback xmlns="">
           <p:sp>
             <p:nvSpPr>
               <p:cNvPr id="10" name="文本框 9">
@@ -4283,8 +4288,8 @@
           </a:p>
         </p:txBody>
       </p:sp>
-      <mc:AlternateContent xmlns:mc="http://schemas.openxmlformats.org/markup-compatibility/2006">
-        <mc:Choice xmlns:a14="http://schemas.microsoft.com/office/drawing/2010/main" Requires="a14">
+      <mc:AlternateContent xmlns:mc="http://schemas.openxmlformats.org/markup-compatibility/2006" xmlns:a14="http://schemas.microsoft.com/office/drawing/2010/main">
+        <mc:Choice Requires="a14">
           <p:sp>
             <p:nvSpPr>
               <p:cNvPr id="24" name="文本框 23">
@@ -4313,7 +4318,6 @@
               </a:bodyPr>
               <a:lstStyle/>
               <a:p>
-                <a:pPr/>
                 <a:r>
                   <a:rPr lang="en-US" altLang="zh-CN" dirty="0">
                     <a:cs typeface="Times New Roman" panose="02020603050405020304" pitchFamily="18" charset="0"/>
@@ -4325,7 +4329,7 @@
                     <m:sSubSup>
                       <m:sSubSupPr>
                         <m:ctrlPr>
-                          <a:rPr lang="en-US" altLang="zh-CN" dirty="0" smtClean="0">
+                          <a:rPr lang="en-US" altLang="zh-CN" i="1" dirty="0" smtClean="0">
                             <a:latin typeface="Cambria Math" panose="02040503050406030204" pitchFamily="18" charset="0"/>
                             <a:cs typeface="Times New Roman" panose="02020603050405020304" pitchFamily="18" charset="0"/>
                           </a:rPr>
@@ -4372,7 +4376,7 @@
             </p:txBody>
           </p:sp>
         </mc:Choice>
-        <mc:Fallback>
+        <mc:Fallback xmlns="">
           <p:sp>
             <p:nvSpPr>
               <p:cNvPr id="24" name="文本框 23">
@@ -4459,8 +4463,8 @@
           </a:p>
         </p:txBody>
       </p:sp>
-      <mc:AlternateContent xmlns:mc="http://schemas.openxmlformats.org/markup-compatibility/2006">
-        <mc:Choice xmlns:a14="http://schemas.microsoft.com/office/drawing/2010/main" Requires="a14">
+      <mc:AlternateContent xmlns:mc="http://schemas.openxmlformats.org/markup-compatibility/2006" xmlns:a14="http://schemas.microsoft.com/office/drawing/2010/main">
+        <mc:Choice Requires="a14">
           <p:sp>
             <p:nvSpPr>
               <p:cNvPr id="26" name="文本框 25">
@@ -4489,7 +4493,6 @@
               </a:bodyPr>
               <a:lstStyle/>
               <a:p>
-                <a:pPr/>
                 <a:r>
                   <a:rPr lang="en-US" altLang="zh-CN" dirty="0">
                     <a:cs typeface="Times New Roman" panose="02020603050405020304" pitchFamily="18" charset="0"/>
@@ -4541,14 +4544,7 @@
                             <a:latin typeface="Cambria Math" panose="02040503050406030204" pitchFamily="18" charset="0"/>
                             <a:cs typeface="Times New Roman" panose="02020603050405020304" pitchFamily="18" charset="0"/>
                           </a:rPr>
-                          <m:t>3</m:t>
-                        </m:r>
-                        <m:r>
-                          <a:rPr lang="en-US" altLang="zh-CN" b="0" i="1" dirty="0" smtClean="0">
-                            <a:latin typeface="Cambria Math" panose="02040503050406030204" pitchFamily="18" charset="0"/>
-                            <a:cs typeface="Times New Roman" panose="02020603050405020304" pitchFamily="18" charset="0"/>
-                          </a:rPr>
-                          <m:t>−</m:t>
+                          <m:t>3−</m:t>
                         </m:r>
                       </m:sup>
                     </m:sSubSup>
@@ -4562,7 +4558,7 @@
             </p:txBody>
           </p:sp>
         </mc:Choice>
-        <mc:Fallback>
+        <mc:Fallback xmlns="">
           <p:sp>
             <p:nvSpPr>
               <p:cNvPr id="26" name="文本框 25">
@@ -4649,8 +4645,8 @@
           </a:p>
         </p:txBody>
       </p:sp>
-      <mc:AlternateContent xmlns:mc="http://schemas.openxmlformats.org/markup-compatibility/2006">
-        <mc:Choice xmlns:a14="http://schemas.microsoft.com/office/drawing/2010/main" Requires="a14">
+      <mc:AlternateContent xmlns:mc="http://schemas.openxmlformats.org/markup-compatibility/2006" xmlns:a14="http://schemas.microsoft.com/office/drawing/2010/main">
+        <mc:Choice Requires="a14">
           <p:sp>
             <p:nvSpPr>
               <p:cNvPr id="29" name="文本框 28">
@@ -4679,7 +4675,6 @@
               </a:bodyPr>
               <a:lstStyle/>
               <a:p>
-                <a:pPr/>
                 <a:r>
                   <a:rPr lang="en-US" altLang="zh-CN" dirty="0">
                     <a:cs typeface="Times New Roman" panose="02020603050405020304" pitchFamily="18" charset="0"/>
@@ -4738,7 +4733,7 @@
             </p:txBody>
           </p:sp>
         </mc:Choice>
-        <mc:Fallback>
+        <mc:Fallback xmlns="">
           <p:sp>
             <p:nvSpPr>
               <p:cNvPr id="29" name="文本框 28">
@@ -5454,8 +5449,8 @@
           </a:p>
         </p:txBody>
       </p:sp>
-      <mc:AlternateContent xmlns:mc="http://schemas.openxmlformats.org/markup-compatibility/2006">
-        <mc:Choice xmlns:a14="http://schemas.microsoft.com/office/drawing/2010/main" Requires="a14">
+      <mc:AlternateContent xmlns:mc="http://schemas.openxmlformats.org/markup-compatibility/2006" xmlns:a14="http://schemas.microsoft.com/office/drawing/2010/main">
+        <mc:Choice Requires="a14">
           <p:sp>
             <p:nvSpPr>
               <p:cNvPr id="10" name="文本框 9">
@@ -5484,6 +5479,7 @@
               </a:bodyPr>
               <a:lstStyle/>
               <a:p>
+                <a:pPr/>
                 <a14:m>
                   <m:oMathPara xmlns:m="http://schemas.openxmlformats.org/officeDocument/2006/math">
                     <m:oMathParaPr>
@@ -5515,7 +5511,7 @@
                               <a:latin typeface="Cambria Math" panose="02040503050406030204" pitchFamily="18" charset="0"/>
                               <a:cs typeface="Times New Roman" panose="02020603050405020304" pitchFamily="18" charset="0"/>
                             </a:rPr>
-                            <m:t>-</m:t>
+                            <m:t>−</m:t>
                           </m:r>
                           <m:r>
                             <m:rPr>
@@ -5558,7 +5554,7 @@
             </p:txBody>
           </p:sp>
         </mc:Choice>
-        <mc:Fallback>
+        <mc:Fallback xmlns="">
           <p:sp>
             <p:nvSpPr>
               <p:cNvPr id="10" name="文本框 9">
@@ -6065,8 +6061,8 @@
           </a:p>
         </p:txBody>
       </p:sp>
-      <mc:AlternateContent xmlns:mc="http://schemas.openxmlformats.org/markup-compatibility/2006">
-        <mc:Choice xmlns:a14="http://schemas.microsoft.com/office/drawing/2010/main" Requires="a14">
+      <mc:AlternateContent xmlns:mc="http://schemas.openxmlformats.org/markup-compatibility/2006" xmlns:a14="http://schemas.microsoft.com/office/drawing/2010/main">
+        <mc:Choice Requires="a14">
           <p:sp>
             <p:nvSpPr>
               <p:cNvPr id="23" name="文本框 22">
@@ -6095,7 +6091,6 @@
               </a:bodyPr>
               <a:lstStyle/>
               <a:p>
-                <a:pPr/>
                 <a:r>
                   <a:rPr lang="en-US" altLang="zh-CN" dirty="0">
                     <a:cs typeface="Times New Roman" panose="02020603050405020304" pitchFamily="18" charset="0"/>
@@ -6107,7 +6102,3525 @@
                     <m:sSubSup>
                       <m:sSubSupPr>
                         <m:ctrlPr>
-                          <a:rPr lang="en-US" altLang="zh-CN" dirty="0" smtClean="0">
+                          <a:rPr lang="en-US" altLang="zh-CN" i="1" dirty="0" smtClean="0">
+                            <a:latin typeface="Cambria Math" panose="02040503050406030204" pitchFamily="18" charset="0"/>
+                            <a:cs typeface="Times New Roman" panose="02020603050405020304" pitchFamily="18" charset="0"/>
+                          </a:rPr>
+                        </m:ctrlPr>
+                      </m:sSubSupPr>
+                      <m:e>
+                        <m:r>
+                          <m:rPr>
+                            <m:sty m:val="p"/>
+                          </m:rPr>
+                          <a:rPr lang="en-US" altLang="zh-CN" b="0" i="0" dirty="0" smtClean="0">
+                            <a:latin typeface="Cambria Math" panose="02040503050406030204" pitchFamily="18" charset="0"/>
+                            <a:cs typeface="Times New Roman" panose="02020603050405020304" pitchFamily="18" charset="0"/>
+                          </a:rPr>
+                          <m:t>NH</m:t>
+                        </m:r>
+                      </m:e>
+                      <m:sub>
+                        <m:r>
+                          <a:rPr lang="en-US" altLang="zh-CN" b="0" i="0" dirty="0" smtClean="0">
+                            <a:latin typeface="Cambria Math" panose="02040503050406030204" pitchFamily="18" charset="0"/>
+                            <a:cs typeface="Times New Roman" panose="02020603050405020304" pitchFamily="18" charset="0"/>
+                          </a:rPr>
+                          <m:t>4</m:t>
+                        </m:r>
+                      </m:sub>
+                      <m:sup>
+                        <m:r>
+                          <a:rPr lang="en-US" altLang="zh-CN" b="0" i="0" dirty="0" smtClean="0">
+                            <a:latin typeface="Cambria Math" panose="02040503050406030204" pitchFamily="18" charset="0"/>
+                            <a:cs typeface="Times New Roman" panose="02020603050405020304" pitchFamily="18" charset="0"/>
+                          </a:rPr>
+                          <m:t>+</m:t>
+                        </m:r>
+                      </m:sup>
+                    </m:sSubSup>
+                  </m:oMath>
+                </a14:m>
+                <a:endParaRPr lang="zh-CN" altLang="en-US" dirty="0">
+                  <a:latin typeface="Times New Roman" panose="02020603050405020304" pitchFamily="18" charset="0"/>
+                  <a:cs typeface="Times New Roman" panose="02020603050405020304" pitchFamily="18" charset="0"/>
+                </a:endParaRPr>
+              </a:p>
+            </p:txBody>
+          </p:sp>
+        </mc:Choice>
+        <mc:Fallback xmlns="">
+          <p:sp>
+            <p:nvSpPr>
+              <p:cNvPr id="23" name="文本框 22">
+                <a:extLst>
+                  <a:ext uri="{FF2B5EF4-FFF2-40B4-BE49-F238E27FC236}">
+                    <a16:creationId xmlns:a16="http://schemas.microsoft.com/office/drawing/2014/main" id="{F1021420-0FCF-BE35-E11D-11BAF8A69734}"/>
+                  </a:ext>
+                </a:extLst>
+              </p:cNvPr>
+              <p:cNvSpPr txBox="1">
+                <a:spLocks noRot="1" noChangeAspect="1" noMove="1" noResize="1" noEditPoints="1" noAdjustHandles="1" noChangeArrowheads="1" noChangeShapeType="1" noTextEdit="1"/>
+              </p:cNvSpPr>
+              <p:nvPr/>
+            </p:nvSpPr>
+            <p:spPr>
+              <a:xfrm>
+                <a:off x="4902745" y="5265026"/>
+                <a:ext cx="1193255" cy="369332"/>
+              </a:xfrm>
+              <a:prstGeom prst="rect">
+                <a:avLst/>
+              </a:prstGeom>
+              <a:blipFill>
+                <a:blip r:embed="rId5"/>
+                <a:stretch>
+                  <a:fillRect l="-4082" t="-10000" b="-26667"/>
+                </a:stretch>
+              </a:blipFill>
+            </p:spPr>
+            <p:txBody>
+              <a:bodyPr/>
+              <a:lstStyle/>
+              <a:p>
+                <a:r>
+                  <a:rPr lang="zh-CN" altLang="en-US">
+                    <a:noFill/>
+                  </a:rPr>
+                  <a:t> </a:t>
+                </a:r>
+              </a:p>
+            </p:txBody>
+          </p:sp>
+        </mc:Fallback>
+      </mc:AlternateContent>
+      <p:sp>
+        <p:nvSpPr>
+          <p:cNvPr id="24" name="文本框 23">
+            <a:extLst>
+              <a:ext uri="{FF2B5EF4-FFF2-40B4-BE49-F238E27FC236}">
+                <a16:creationId xmlns:a16="http://schemas.microsoft.com/office/drawing/2014/main" id="{6F421F66-1339-A1A4-9D4C-5CA05FBA0AB9}"/>
+              </a:ext>
+            </a:extLst>
+          </p:cNvPr>
+          <p:cNvSpPr txBox="1"/>
+          <p:nvPr/>
+        </p:nvSpPr>
+        <p:spPr>
+          <a:xfrm>
+            <a:off x="6550977" y="3763706"/>
+            <a:ext cx="871145" cy="369332"/>
+          </a:xfrm>
+          <a:prstGeom prst="rect">
+            <a:avLst/>
+          </a:prstGeom>
+          <a:noFill/>
+        </p:spPr>
+        <p:txBody>
+          <a:bodyPr wrap="square" rtlCol="0">
+            <a:spAutoFit/>
+          </a:bodyPr>
+          <a:lstStyle/>
+          <a:p>
+            <a:r>
+              <a:rPr lang="en-US" altLang="zh-CN" dirty="0">
+                <a:latin typeface="Times New Roman" panose="02020603050405020304" pitchFamily="18" charset="0"/>
+                <a:cs typeface="Times New Roman" panose="02020603050405020304" pitchFamily="18" charset="0"/>
+              </a:rPr>
+              <a:t>W-DO</a:t>
+            </a:r>
+            <a:endParaRPr lang="zh-CN" altLang="en-US" dirty="0">
+              <a:latin typeface="Times New Roman" panose="02020603050405020304" pitchFamily="18" charset="0"/>
+              <a:cs typeface="Times New Roman" panose="02020603050405020304" pitchFamily="18" charset="0"/>
+            </a:endParaRPr>
+          </a:p>
+        </p:txBody>
+      </p:sp>
+      <mc:AlternateContent xmlns:mc="http://schemas.openxmlformats.org/markup-compatibility/2006" xmlns:a14="http://schemas.microsoft.com/office/drawing/2010/main">
+        <mc:Choice Requires="a14">
+          <p:sp>
+            <p:nvSpPr>
+              <p:cNvPr id="25" name="文本框 24">
+                <a:extLst>
+                  <a:ext uri="{FF2B5EF4-FFF2-40B4-BE49-F238E27FC236}">
+                    <a16:creationId xmlns:a16="http://schemas.microsoft.com/office/drawing/2014/main" id="{517D0501-9A87-52C9-0741-6973E226C6BF}"/>
+                  </a:ext>
+                </a:extLst>
+              </p:cNvPr>
+              <p:cNvSpPr txBox="1"/>
+              <p:nvPr/>
+            </p:nvSpPr>
+            <p:spPr>
+              <a:xfrm>
+                <a:off x="7584291" y="2757481"/>
+                <a:ext cx="1027022" cy="373307"/>
+              </a:xfrm>
+              <a:prstGeom prst="rect">
+                <a:avLst/>
+              </a:prstGeom>
+              <a:noFill/>
+            </p:spPr>
+            <p:txBody>
+              <a:bodyPr wrap="square" rtlCol="0">
+                <a:spAutoFit/>
+              </a:bodyPr>
+              <a:lstStyle/>
+              <a:p>
+                <a:r>
+                  <a:rPr lang="en-US" altLang="zh-CN" dirty="0">
+                    <a:cs typeface="Times New Roman" panose="02020603050405020304" pitchFamily="18" charset="0"/>
+                  </a:rPr>
+                  <a:t>W-</a:t>
+                </a:r>
+                <a14:m>
+                  <m:oMath xmlns:m="http://schemas.openxmlformats.org/officeDocument/2006/math">
+                    <m:sSubSup>
+                      <m:sSubSupPr>
+                        <m:ctrlPr>
+                          <a:rPr lang="en-US" altLang="zh-CN" i="1" dirty="0" smtClean="0">
+                            <a:latin typeface="Cambria Math" panose="02040503050406030204" pitchFamily="18" charset="0"/>
+                            <a:cs typeface="Times New Roman" panose="02020603050405020304" pitchFamily="18" charset="0"/>
+                          </a:rPr>
+                        </m:ctrlPr>
+                      </m:sSubSupPr>
+                      <m:e>
+                        <m:r>
+                          <a:rPr lang="en-US" altLang="zh-CN" b="0" i="1" dirty="0" smtClean="0">
+                            <a:latin typeface="Cambria Math" panose="02040503050406030204" pitchFamily="18" charset="0"/>
+                            <a:cs typeface="Times New Roman" panose="02020603050405020304" pitchFamily="18" charset="0"/>
+                          </a:rPr>
+                          <m:t>𝑃</m:t>
+                        </m:r>
+                        <m:r>
+                          <m:rPr>
+                            <m:sty m:val="p"/>
+                          </m:rPr>
+                          <a:rPr lang="en-US" altLang="zh-CN" i="1" dirty="0">
+                            <a:latin typeface="Cambria Math" panose="02040503050406030204" pitchFamily="18" charset="0"/>
+                            <a:cs typeface="Times New Roman" panose="02020603050405020304" pitchFamily="18" charset="0"/>
+                          </a:rPr>
+                          <m:t>O</m:t>
+                        </m:r>
+                      </m:e>
+                      <m:sub>
+                        <m:r>
+                          <a:rPr lang="en-US" altLang="zh-CN" b="0" i="1" dirty="0" smtClean="0">
+                            <a:latin typeface="Cambria Math" panose="02040503050406030204" pitchFamily="18" charset="0"/>
+                            <a:cs typeface="Times New Roman" panose="02020603050405020304" pitchFamily="18" charset="0"/>
+                          </a:rPr>
+                          <m:t>4</m:t>
+                        </m:r>
+                      </m:sub>
+                      <m:sup>
+                        <m:r>
+                          <a:rPr lang="en-US" altLang="zh-CN" b="0" i="1" dirty="0" smtClean="0">
+                            <a:latin typeface="Cambria Math" panose="02040503050406030204" pitchFamily="18" charset="0"/>
+                            <a:cs typeface="Times New Roman" panose="02020603050405020304" pitchFamily="18" charset="0"/>
+                          </a:rPr>
+                          <m:t>3−</m:t>
+                        </m:r>
+                      </m:sup>
+                    </m:sSubSup>
+                  </m:oMath>
+                </a14:m>
+                <a:endParaRPr lang="zh-CN" altLang="en-US" i="1" dirty="0">
+                  <a:latin typeface="Times New Roman" panose="02020603050405020304" pitchFamily="18" charset="0"/>
+                  <a:cs typeface="Times New Roman" panose="02020603050405020304" pitchFamily="18" charset="0"/>
+                </a:endParaRPr>
+              </a:p>
+            </p:txBody>
+          </p:sp>
+        </mc:Choice>
+        <mc:Fallback xmlns="">
+          <p:sp>
+            <p:nvSpPr>
+              <p:cNvPr id="25" name="文本框 24">
+                <a:extLst>
+                  <a:ext uri="{FF2B5EF4-FFF2-40B4-BE49-F238E27FC236}">
+                    <a16:creationId xmlns:a16="http://schemas.microsoft.com/office/drawing/2014/main" id="{517D0501-9A87-52C9-0741-6973E226C6BF}"/>
+                  </a:ext>
+                </a:extLst>
+              </p:cNvPr>
+              <p:cNvSpPr txBox="1">
+                <a:spLocks noRot="1" noChangeAspect="1" noMove="1" noResize="1" noEditPoints="1" noAdjustHandles="1" noChangeArrowheads="1" noChangeShapeType="1" noTextEdit="1"/>
+              </p:cNvSpPr>
+              <p:nvPr/>
+            </p:nvSpPr>
+            <p:spPr>
+              <a:xfrm>
+                <a:off x="7584291" y="2757481"/>
+                <a:ext cx="1027022" cy="373307"/>
+              </a:xfrm>
+              <a:prstGeom prst="rect">
+                <a:avLst/>
+              </a:prstGeom>
+              <a:blipFill>
+                <a:blip r:embed="rId6"/>
+                <a:stretch>
+                  <a:fillRect l="-4734" t="-6452" b="-24194"/>
+                </a:stretch>
+              </a:blipFill>
+            </p:spPr>
+            <p:txBody>
+              <a:bodyPr/>
+              <a:lstStyle/>
+              <a:p>
+                <a:r>
+                  <a:rPr lang="zh-CN" altLang="en-US">
+                    <a:noFill/>
+                  </a:rPr>
+                  <a:t> </a:t>
+                </a:r>
+              </a:p>
+            </p:txBody>
+          </p:sp>
+        </mc:Fallback>
+      </mc:AlternateContent>
+      <p:sp>
+        <p:nvSpPr>
+          <p:cNvPr id="26" name="文本框 25">
+            <a:extLst>
+              <a:ext uri="{FF2B5EF4-FFF2-40B4-BE49-F238E27FC236}">
+                <a16:creationId xmlns:a16="http://schemas.microsoft.com/office/drawing/2014/main" id="{A40D5B8D-D864-5F33-BA13-11A16C11CEBB}"/>
+              </a:ext>
+            </a:extLst>
+          </p:cNvPr>
+          <p:cNvSpPr txBox="1"/>
+          <p:nvPr/>
+        </p:nvSpPr>
+        <p:spPr>
+          <a:xfrm>
+            <a:off x="4276722" y="4367001"/>
+            <a:ext cx="891728" cy="369332"/>
+          </a:xfrm>
+          <a:prstGeom prst="rect">
+            <a:avLst/>
+          </a:prstGeom>
+          <a:noFill/>
+        </p:spPr>
+        <p:txBody>
+          <a:bodyPr wrap="square" rtlCol="0">
+            <a:spAutoFit/>
+          </a:bodyPr>
+          <a:lstStyle/>
+          <a:p>
+            <a:r>
+              <a:rPr lang="en-US" altLang="zh-CN" dirty="0">
+                <a:latin typeface="Times New Roman" panose="02020603050405020304" pitchFamily="18" charset="0"/>
+                <a:cs typeface="Times New Roman" panose="02020603050405020304" pitchFamily="18" charset="0"/>
+              </a:rPr>
+              <a:t>W-TN</a:t>
+            </a:r>
+            <a:endParaRPr lang="zh-CN" altLang="en-US" dirty="0">
+              <a:latin typeface="Times New Roman" panose="02020603050405020304" pitchFamily="18" charset="0"/>
+              <a:cs typeface="Times New Roman" panose="02020603050405020304" pitchFamily="18" charset="0"/>
+            </a:endParaRPr>
+          </a:p>
+        </p:txBody>
+      </p:sp>
+      <mc:AlternateContent xmlns:mc="http://schemas.openxmlformats.org/markup-compatibility/2006" xmlns:a14="http://schemas.microsoft.com/office/drawing/2010/main">
+        <mc:Choice Requires="a14">
+          <p:sp>
+            <p:nvSpPr>
+              <p:cNvPr id="27" name="文本框 26">
+                <a:extLst>
+                  <a:ext uri="{FF2B5EF4-FFF2-40B4-BE49-F238E27FC236}">
+                    <a16:creationId xmlns:a16="http://schemas.microsoft.com/office/drawing/2014/main" id="{CC00D2D0-69A7-079D-C136-0488402040E7}"/>
+                  </a:ext>
+                </a:extLst>
+              </p:cNvPr>
+              <p:cNvSpPr txBox="1"/>
+              <p:nvPr/>
+            </p:nvSpPr>
+            <p:spPr>
+              <a:xfrm>
+                <a:off x="8838163" y="2691128"/>
+                <a:ext cx="1049964" cy="369332"/>
+              </a:xfrm>
+              <a:prstGeom prst="rect">
+                <a:avLst/>
+              </a:prstGeom>
+              <a:noFill/>
+            </p:spPr>
+            <p:txBody>
+              <a:bodyPr wrap="square" rtlCol="0">
+                <a:spAutoFit/>
+              </a:bodyPr>
+              <a:lstStyle/>
+              <a:p>
+                <a:r>
+                  <a:rPr lang="en-US" altLang="zh-CN" dirty="0">
+                    <a:cs typeface="Times New Roman" panose="02020603050405020304" pitchFamily="18" charset="0"/>
+                  </a:rPr>
+                  <a:t>W-</a:t>
+                </a:r>
+                <a14:m>
+                  <m:oMath xmlns:m="http://schemas.openxmlformats.org/officeDocument/2006/math">
+                    <m:sSubSup>
+                      <m:sSubSupPr>
+                        <m:ctrlPr>
+                          <a:rPr lang="en-US" altLang="zh-CN" i="1" dirty="0" smtClean="0">
+                            <a:latin typeface="Cambria Math" panose="02040503050406030204" pitchFamily="18" charset="0"/>
+                            <a:cs typeface="Times New Roman" panose="02020603050405020304" pitchFamily="18" charset="0"/>
+                          </a:rPr>
+                        </m:ctrlPr>
+                      </m:sSubSupPr>
+                      <m:e>
+                        <m:r>
+                          <m:rPr>
+                            <m:sty m:val="p"/>
+                          </m:rPr>
+                          <a:rPr lang="en-US" altLang="zh-CN" i="1" dirty="0">
+                            <a:latin typeface="Cambria Math" panose="02040503050406030204" pitchFamily="18" charset="0"/>
+                            <a:cs typeface="Times New Roman" panose="02020603050405020304" pitchFamily="18" charset="0"/>
+                          </a:rPr>
+                          <m:t>NO</m:t>
+                        </m:r>
+                      </m:e>
+                      <m:sub>
+                        <m:r>
+                          <a:rPr lang="en-US" altLang="zh-CN" b="0" i="1" dirty="0" smtClean="0">
+                            <a:latin typeface="Cambria Math" panose="02040503050406030204" pitchFamily="18" charset="0"/>
+                            <a:cs typeface="Times New Roman" panose="02020603050405020304" pitchFamily="18" charset="0"/>
+                          </a:rPr>
+                          <m:t>3</m:t>
+                        </m:r>
+                      </m:sub>
+                      <m:sup>
+                        <m:r>
+                          <a:rPr lang="en-US" altLang="zh-CN" b="0" i="1" dirty="0" smtClean="0">
+                            <a:latin typeface="Cambria Math" panose="02040503050406030204" pitchFamily="18" charset="0"/>
+                            <a:cs typeface="Times New Roman" panose="02020603050405020304" pitchFamily="18" charset="0"/>
+                          </a:rPr>
+                          <m:t>−</m:t>
+                        </m:r>
+                      </m:sup>
+                    </m:sSubSup>
+                  </m:oMath>
+                </a14:m>
+                <a:endParaRPr lang="zh-CN" altLang="en-US" i="1" dirty="0">
+                  <a:latin typeface="Times New Roman" panose="02020603050405020304" pitchFamily="18" charset="0"/>
+                  <a:cs typeface="Times New Roman" panose="02020603050405020304" pitchFamily="18" charset="0"/>
+                </a:endParaRPr>
+              </a:p>
+            </p:txBody>
+          </p:sp>
+        </mc:Choice>
+        <mc:Fallback xmlns="">
+          <p:sp>
+            <p:nvSpPr>
+              <p:cNvPr id="27" name="文本框 26">
+                <a:extLst>
+                  <a:ext uri="{FF2B5EF4-FFF2-40B4-BE49-F238E27FC236}">
+                    <a16:creationId xmlns:a16="http://schemas.microsoft.com/office/drawing/2014/main" id="{CC00D2D0-69A7-079D-C136-0488402040E7}"/>
+                  </a:ext>
+                </a:extLst>
+              </p:cNvPr>
+              <p:cNvSpPr txBox="1">
+                <a:spLocks noRot="1" noChangeAspect="1" noMove="1" noResize="1" noEditPoints="1" noAdjustHandles="1" noChangeArrowheads="1" noChangeShapeType="1" noTextEdit="1"/>
+              </p:cNvSpPr>
+              <p:nvPr/>
+            </p:nvSpPr>
+            <p:spPr>
+              <a:xfrm>
+                <a:off x="8838163" y="2691128"/>
+                <a:ext cx="1049964" cy="369332"/>
+              </a:xfrm>
+              <a:prstGeom prst="rect">
+                <a:avLst/>
+              </a:prstGeom>
+              <a:blipFill>
+                <a:blip r:embed="rId7"/>
+                <a:stretch>
+                  <a:fillRect l="-5233" t="-8197" b="-24590"/>
+                </a:stretch>
+              </a:blipFill>
+            </p:spPr>
+            <p:txBody>
+              <a:bodyPr/>
+              <a:lstStyle/>
+              <a:p>
+                <a:r>
+                  <a:rPr lang="zh-CN" altLang="en-US">
+                    <a:noFill/>
+                  </a:rPr>
+                  <a:t> </a:t>
+                </a:r>
+              </a:p>
+            </p:txBody>
+          </p:sp>
+        </mc:Fallback>
+      </mc:AlternateContent>
+      <p:sp>
+        <p:nvSpPr>
+          <p:cNvPr id="29" name="文本框 28">
+            <a:extLst>
+              <a:ext uri="{FF2B5EF4-FFF2-40B4-BE49-F238E27FC236}">
+                <a16:creationId xmlns:a16="http://schemas.microsoft.com/office/drawing/2014/main" id="{DADA5DBD-53DB-3CDF-53B1-37F69928E36E}"/>
+              </a:ext>
+            </a:extLst>
+          </p:cNvPr>
+          <p:cNvSpPr txBox="1"/>
+          <p:nvPr/>
+        </p:nvSpPr>
+        <p:spPr>
+          <a:xfrm>
+            <a:off x="2659436" y="4895543"/>
+            <a:ext cx="1507669" cy="369332"/>
+          </a:xfrm>
+          <a:prstGeom prst="rect">
+            <a:avLst/>
+          </a:prstGeom>
+          <a:noFill/>
+        </p:spPr>
+        <p:txBody>
+          <a:bodyPr wrap="square" rtlCol="0">
+            <a:spAutoFit/>
+          </a:bodyPr>
+          <a:lstStyle/>
+          <a:p>
+            <a:r>
+              <a:rPr lang="en-US" altLang="zh-CN" dirty="0">
+                <a:latin typeface="Times New Roman" panose="02020603050405020304" pitchFamily="18" charset="0"/>
+                <a:cs typeface="Times New Roman" panose="02020603050405020304" pitchFamily="18" charset="0"/>
+              </a:rPr>
+              <a:t>S-Size-d(0.5)</a:t>
+            </a:r>
+            <a:endParaRPr lang="zh-CN" altLang="en-US" dirty="0">
+              <a:latin typeface="Times New Roman" panose="02020603050405020304" pitchFamily="18" charset="0"/>
+              <a:cs typeface="Times New Roman" panose="02020603050405020304" pitchFamily="18" charset="0"/>
+            </a:endParaRPr>
+          </a:p>
+        </p:txBody>
+      </p:sp>
+      <p:sp>
+        <p:nvSpPr>
+          <p:cNvPr id="30" name="文本框 29">
+            <a:extLst>
+              <a:ext uri="{FF2B5EF4-FFF2-40B4-BE49-F238E27FC236}">
+                <a16:creationId xmlns:a16="http://schemas.microsoft.com/office/drawing/2014/main" id="{61CC3685-A157-07F3-8ACE-22F27A1286A1}"/>
+              </a:ext>
+            </a:extLst>
+          </p:cNvPr>
+          <p:cNvSpPr txBox="1"/>
+          <p:nvPr/>
+        </p:nvSpPr>
+        <p:spPr>
+          <a:xfrm>
+            <a:off x="2218471" y="3961838"/>
+            <a:ext cx="1507669" cy="369332"/>
+          </a:xfrm>
+          <a:prstGeom prst="rect">
+            <a:avLst/>
+          </a:prstGeom>
+          <a:noFill/>
+        </p:spPr>
+        <p:txBody>
+          <a:bodyPr wrap="square" rtlCol="0">
+            <a:spAutoFit/>
+          </a:bodyPr>
+          <a:lstStyle/>
+          <a:p>
+            <a:r>
+              <a:rPr lang="en-US" altLang="zh-CN" dirty="0">
+                <a:latin typeface="Times New Roman" panose="02020603050405020304" pitchFamily="18" charset="0"/>
+                <a:cs typeface="Times New Roman" panose="02020603050405020304" pitchFamily="18" charset="0"/>
+              </a:rPr>
+              <a:t>S-Size-d(0.9)</a:t>
+            </a:r>
+            <a:endParaRPr lang="zh-CN" altLang="en-US" dirty="0">
+              <a:latin typeface="Times New Roman" panose="02020603050405020304" pitchFamily="18" charset="0"/>
+              <a:cs typeface="Times New Roman" panose="02020603050405020304" pitchFamily="18" charset="0"/>
+            </a:endParaRPr>
+          </a:p>
+        </p:txBody>
+      </p:sp>
+      <p:sp>
+        <p:nvSpPr>
+          <p:cNvPr id="31" name="文本框 30">
+            <a:extLst>
+              <a:ext uri="{FF2B5EF4-FFF2-40B4-BE49-F238E27FC236}">
+                <a16:creationId xmlns:a16="http://schemas.microsoft.com/office/drawing/2014/main" id="{2BF980DD-01E5-DC7A-E9B6-0DFBCD7F79D4}"/>
+              </a:ext>
+            </a:extLst>
+          </p:cNvPr>
+          <p:cNvSpPr txBox="1"/>
+          <p:nvPr/>
+        </p:nvSpPr>
+        <p:spPr>
+          <a:xfrm>
+            <a:off x="7743577" y="3830560"/>
+            <a:ext cx="1026461" cy="369332"/>
+          </a:xfrm>
+          <a:prstGeom prst="rect">
+            <a:avLst/>
+          </a:prstGeom>
+          <a:noFill/>
+        </p:spPr>
+        <p:txBody>
+          <a:bodyPr wrap="square" rtlCol="0">
+            <a:spAutoFit/>
+          </a:bodyPr>
+          <a:lstStyle/>
+          <a:p>
+            <a:r>
+              <a:rPr lang="en-US" altLang="zh-CN" dirty="0">
+                <a:latin typeface="Times New Roman" panose="02020603050405020304" pitchFamily="18" charset="0"/>
+                <a:cs typeface="Times New Roman" panose="02020603050405020304" pitchFamily="18" charset="0"/>
+              </a:rPr>
+              <a:t>W-TP</a:t>
+            </a:r>
+            <a:endParaRPr lang="zh-CN" altLang="en-US" dirty="0">
+              <a:latin typeface="Times New Roman" panose="02020603050405020304" pitchFamily="18" charset="0"/>
+              <a:cs typeface="Times New Roman" panose="02020603050405020304" pitchFamily="18" charset="0"/>
+            </a:endParaRPr>
+          </a:p>
+        </p:txBody>
+      </p:sp>
+      <p:sp>
+        <p:nvSpPr>
+          <p:cNvPr id="32" name="文本框 31">
+            <a:extLst>
+              <a:ext uri="{FF2B5EF4-FFF2-40B4-BE49-F238E27FC236}">
+                <a16:creationId xmlns:a16="http://schemas.microsoft.com/office/drawing/2014/main" id="{D0D1A036-B7BC-7969-72FA-4877BE3186A8}"/>
+              </a:ext>
+            </a:extLst>
+          </p:cNvPr>
+          <p:cNvSpPr txBox="1"/>
+          <p:nvPr/>
+        </p:nvSpPr>
+        <p:spPr>
+          <a:xfrm>
+            <a:off x="6585106" y="6316580"/>
+            <a:ext cx="1407043" cy="369332"/>
+          </a:xfrm>
+          <a:prstGeom prst="rect">
+            <a:avLst/>
+          </a:prstGeom>
+          <a:noFill/>
+        </p:spPr>
+        <p:txBody>
+          <a:bodyPr wrap="square" rtlCol="0">
+            <a:spAutoFit/>
+          </a:bodyPr>
+          <a:lstStyle/>
+          <a:p>
+            <a:r>
+              <a:rPr lang="en-US" altLang="zh-CN" i="1" dirty="0" err="1">
+                <a:latin typeface="Times New Roman" panose="02020603050405020304" pitchFamily="18" charset="0"/>
+                <a:cs typeface="Times New Roman" panose="02020603050405020304" pitchFamily="18" charset="0"/>
+              </a:rPr>
+              <a:t>AOB_amoA</a:t>
+            </a:r>
+            <a:endParaRPr lang="zh-CN" altLang="en-US" i="1" dirty="0">
+              <a:latin typeface="Times New Roman" panose="02020603050405020304" pitchFamily="18" charset="0"/>
+              <a:cs typeface="Times New Roman" panose="02020603050405020304" pitchFamily="18" charset="0"/>
+            </a:endParaRPr>
+          </a:p>
+        </p:txBody>
+      </p:sp>
+      <p:sp>
+        <p:nvSpPr>
+          <p:cNvPr id="33" name="文本框 32">
+            <a:extLst>
+              <a:ext uri="{FF2B5EF4-FFF2-40B4-BE49-F238E27FC236}">
+                <a16:creationId xmlns:a16="http://schemas.microsoft.com/office/drawing/2014/main" id="{D5EAA022-BB53-E587-9981-4A391387EB55}"/>
+              </a:ext>
+            </a:extLst>
+          </p:cNvPr>
+          <p:cNvSpPr txBox="1"/>
+          <p:nvPr/>
+        </p:nvSpPr>
+        <p:spPr>
+          <a:xfrm>
+            <a:off x="4811752" y="1339856"/>
+            <a:ext cx="755650" cy="369332"/>
+          </a:xfrm>
+          <a:prstGeom prst="rect">
+            <a:avLst/>
+          </a:prstGeom>
+          <a:noFill/>
+        </p:spPr>
+        <p:txBody>
+          <a:bodyPr wrap="square" rtlCol="0">
+            <a:spAutoFit/>
+          </a:bodyPr>
+          <a:lstStyle/>
+          <a:p>
+            <a:r>
+              <a:rPr lang="en-US" altLang="zh-CN" i="1" dirty="0" err="1">
+                <a:latin typeface="Times New Roman" panose="02020603050405020304" pitchFamily="18" charset="0"/>
+                <a:cs typeface="Times New Roman" panose="02020603050405020304" pitchFamily="18" charset="0"/>
+              </a:rPr>
+              <a:t>nifH</a:t>
+            </a:r>
+            <a:endParaRPr lang="zh-CN" altLang="en-US" i="1" dirty="0">
+              <a:latin typeface="Times New Roman" panose="02020603050405020304" pitchFamily="18" charset="0"/>
+              <a:cs typeface="Times New Roman" panose="02020603050405020304" pitchFamily="18" charset="0"/>
+            </a:endParaRPr>
+          </a:p>
+        </p:txBody>
+      </p:sp>
+      <p:sp>
+        <p:nvSpPr>
+          <p:cNvPr id="34" name="文本框 33">
+            <a:extLst>
+              <a:ext uri="{FF2B5EF4-FFF2-40B4-BE49-F238E27FC236}">
+                <a16:creationId xmlns:a16="http://schemas.microsoft.com/office/drawing/2014/main" id="{38DBDAEB-2EBC-C134-8261-C9AAA2199E26}"/>
+              </a:ext>
+            </a:extLst>
+          </p:cNvPr>
+          <p:cNvSpPr txBox="1"/>
+          <p:nvPr/>
+        </p:nvSpPr>
+        <p:spPr>
+          <a:xfrm>
+            <a:off x="5792511" y="6466010"/>
+            <a:ext cx="862770" cy="369332"/>
+          </a:xfrm>
+          <a:prstGeom prst="rect">
+            <a:avLst/>
+          </a:prstGeom>
+          <a:noFill/>
+        </p:spPr>
+        <p:txBody>
+          <a:bodyPr wrap="square" rtlCol="0">
+            <a:spAutoFit/>
+          </a:bodyPr>
+          <a:lstStyle/>
+          <a:p>
+            <a:r>
+              <a:rPr lang="en-US" altLang="zh-CN" dirty="0">
+                <a:latin typeface="Times New Roman" panose="02020603050405020304" pitchFamily="18" charset="0"/>
+                <a:cs typeface="Times New Roman" panose="02020603050405020304" pitchFamily="18" charset="0"/>
+              </a:rPr>
+              <a:t>BIX</a:t>
+            </a:r>
+            <a:endParaRPr lang="zh-CN" altLang="en-US" dirty="0">
+              <a:latin typeface="Times New Roman" panose="02020603050405020304" pitchFamily="18" charset="0"/>
+              <a:cs typeface="Times New Roman" panose="02020603050405020304" pitchFamily="18" charset="0"/>
+            </a:endParaRPr>
+          </a:p>
+        </p:txBody>
+      </p:sp>
+      <p:sp>
+        <p:nvSpPr>
+          <p:cNvPr id="35" name="文本框 34">
+            <a:extLst>
+              <a:ext uri="{FF2B5EF4-FFF2-40B4-BE49-F238E27FC236}">
+                <a16:creationId xmlns:a16="http://schemas.microsoft.com/office/drawing/2014/main" id="{7F3D7208-D233-9383-7426-0B86BF79EC81}"/>
+              </a:ext>
+            </a:extLst>
+          </p:cNvPr>
+          <p:cNvSpPr txBox="1"/>
+          <p:nvPr/>
+        </p:nvSpPr>
+        <p:spPr>
+          <a:xfrm>
+            <a:off x="8498797" y="1672010"/>
+            <a:ext cx="1013633" cy="369332"/>
+          </a:xfrm>
+          <a:prstGeom prst="rect">
+            <a:avLst/>
+          </a:prstGeom>
+          <a:noFill/>
+        </p:spPr>
+        <p:txBody>
+          <a:bodyPr wrap="square" rtlCol="0">
+            <a:spAutoFit/>
+          </a:bodyPr>
+          <a:lstStyle/>
+          <a:p>
+            <a:r>
+              <a:rPr lang="en-US" altLang="zh-CN" dirty="0">
+                <a:latin typeface="Times New Roman" panose="02020603050405020304" pitchFamily="18" charset="0"/>
+                <a:cs typeface="Times New Roman" panose="02020603050405020304" pitchFamily="18" charset="0"/>
+              </a:rPr>
+              <a:t>Ⅰ-Area</a:t>
+            </a:r>
+            <a:endParaRPr lang="zh-CN" altLang="en-US" dirty="0">
+              <a:latin typeface="Times New Roman" panose="02020603050405020304" pitchFamily="18" charset="0"/>
+              <a:cs typeface="Times New Roman" panose="02020603050405020304" pitchFamily="18" charset="0"/>
+            </a:endParaRPr>
+          </a:p>
+        </p:txBody>
+      </p:sp>
+      <p:sp>
+        <p:nvSpPr>
+          <p:cNvPr id="36" name="文本框 35">
+            <a:extLst>
+              <a:ext uri="{FF2B5EF4-FFF2-40B4-BE49-F238E27FC236}">
+                <a16:creationId xmlns:a16="http://schemas.microsoft.com/office/drawing/2014/main" id="{5928C538-10A0-EAE5-80FA-3FF4C537FE3B}"/>
+              </a:ext>
+            </a:extLst>
+          </p:cNvPr>
+          <p:cNvSpPr txBox="1"/>
+          <p:nvPr/>
+        </p:nvSpPr>
+        <p:spPr>
+          <a:xfrm>
+            <a:off x="3677537" y="800599"/>
+            <a:ext cx="871145" cy="369332"/>
+          </a:xfrm>
+          <a:prstGeom prst="rect">
+            <a:avLst/>
+          </a:prstGeom>
+          <a:noFill/>
+        </p:spPr>
+        <p:txBody>
+          <a:bodyPr wrap="square" rtlCol="0">
+            <a:spAutoFit/>
+          </a:bodyPr>
+          <a:lstStyle/>
+          <a:p>
+            <a:r>
+              <a:rPr lang="en-US" altLang="zh-CN" dirty="0">
+                <a:latin typeface="Times New Roman" panose="02020603050405020304" pitchFamily="18" charset="0"/>
+                <a:cs typeface="Times New Roman" panose="02020603050405020304" pitchFamily="18" charset="0"/>
+              </a:rPr>
+              <a:t>W-pH</a:t>
+            </a:r>
+            <a:endParaRPr lang="zh-CN" altLang="en-US" dirty="0">
+              <a:latin typeface="Times New Roman" panose="02020603050405020304" pitchFamily="18" charset="0"/>
+              <a:cs typeface="Times New Roman" panose="02020603050405020304" pitchFamily="18" charset="0"/>
+            </a:endParaRPr>
+          </a:p>
+        </p:txBody>
+      </p:sp>
+      <p:sp>
+        <p:nvSpPr>
+          <p:cNvPr id="37" name="文本框 36">
+            <a:extLst>
+              <a:ext uri="{FF2B5EF4-FFF2-40B4-BE49-F238E27FC236}">
+                <a16:creationId xmlns:a16="http://schemas.microsoft.com/office/drawing/2014/main" id="{B89DD10B-F0E3-BBA6-0C82-0F5526DEDF2E}"/>
+              </a:ext>
+            </a:extLst>
+          </p:cNvPr>
+          <p:cNvSpPr txBox="1"/>
+          <p:nvPr/>
+        </p:nvSpPr>
+        <p:spPr>
+          <a:xfrm>
+            <a:off x="7870491" y="5809159"/>
+            <a:ext cx="660400" cy="369332"/>
+          </a:xfrm>
+          <a:prstGeom prst="rect">
+            <a:avLst/>
+          </a:prstGeom>
+          <a:noFill/>
+        </p:spPr>
+        <p:txBody>
+          <a:bodyPr wrap="square" rtlCol="0">
+            <a:spAutoFit/>
+          </a:bodyPr>
+          <a:lstStyle/>
+          <a:p>
+            <a:r>
+              <a:rPr lang="en-US" altLang="zh-CN" i="1" dirty="0" err="1">
+                <a:latin typeface="Times New Roman" panose="02020603050405020304" pitchFamily="18" charset="0"/>
+                <a:cs typeface="Times New Roman" panose="02020603050405020304" pitchFamily="18" charset="0"/>
+              </a:rPr>
+              <a:t>hzsA</a:t>
+            </a:r>
+            <a:endParaRPr lang="zh-CN" altLang="en-US" i="1" dirty="0">
+              <a:latin typeface="Times New Roman" panose="02020603050405020304" pitchFamily="18" charset="0"/>
+              <a:cs typeface="Times New Roman" panose="02020603050405020304" pitchFamily="18" charset="0"/>
+            </a:endParaRPr>
+          </a:p>
+        </p:txBody>
+      </p:sp>
+      <p:sp>
+        <p:nvSpPr>
+          <p:cNvPr id="38" name="文本框 37">
+            <a:extLst>
+              <a:ext uri="{FF2B5EF4-FFF2-40B4-BE49-F238E27FC236}">
+                <a16:creationId xmlns:a16="http://schemas.microsoft.com/office/drawing/2014/main" id="{FB2ACA89-96D9-E78E-C0AC-C215A1E86562}"/>
+              </a:ext>
+            </a:extLst>
+          </p:cNvPr>
+          <p:cNvSpPr txBox="1"/>
+          <p:nvPr/>
+        </p:nvSpPr>
+        <p:spPr>
+          <a:xfrm>
+            <a:off x="3559719" y="3406057"/>
+            <a:ext cx="1013633" cy="369332"/>
+          </a:xfrm>
+          <a:prstGeom prst="rect">
+            <a:avLst/>
+          </a:prstGeom>
+          <a:noFill/>
+        </p:spPr>
+        <p:txBody>
+          <a:bodyPr wrap="square" rtlCol="0">
+            <a:spAutoFit/>
+          </a:bodyPr>
+          <a:lstStyle/>
+          <a:p>
+            <a:r>
+              <a:rPr lang="en-US" altLang="zh-CN" dirty="0">
+                <a:latin typeface="Times New Roman" panose="02020603050405020304" pitchFamily="18" charset="0"/>
+                <a:cs typeface="Times New Roman" panose="02020603050405020304" pitchFamily="18" charset="0"/>
+              </a:rPr>
+              <a:t>Ⅱ-Area</a:t>
+            </a:r>
+            <a:endParaRPr lang="zh-CN" altLang="en-US" dirty="0">
+              <a:latin typeface="Times New Roman" panose="02020603050405020304" pitchFamily="18" charset="0"/>
+              <a:cs typeface="Times New Roman" panose="02020603050405020304" pitchFamily="18" charset="0"/>
+            </a:endParaRPr>
+          </a:p>
+        </p:txBody>
+      </p:sp>
+      <p:sp>
+        <p:nvSpPr>
+          <p:cNvPr id="41" name="文本框 40">
+            <a:extLst>
+              <a:ext uri="{FF2B5EF4-FFF2-40B4-BE49-F238E27FC236}">
+                <a16:creationId xmlns:a16="http://schemas.microsoft.com/office/drawing/2014/main" id="{355EDA7B-BA86-14F4-2C67-3CB08D4CB8E8}"/>
+              </a:ext>
+            </a:extLst>
+          </p:cNvPr>
+          <p:cNvSpPr txBox="1"/>
+          <p:nvPr/>
+        </p:nvSpPr>
+        <p:spPr>
+          <a:xfrm>
+            <a:off x="3239642" y="2210314"/>
+            <a:ext cx="2170971" cy="369332"/>
+          </a:xfrm>
+          <a:prstGeom prst="rect">
+            <a:avLst/>
+          </a:prstGeom>
+          <a:noFill/>
+        </p:spPr>
+        <p:txBody>
+          <a:bodyPr wrap="square" rtlCol="0">
+            <a:spAutoFit/>
+          </a:bodyPr>
+          <a:lstStyle/>
+          <a:p>
+            <a:r>
+              <a:rPr lang="en-US" altLang="zh-CN" i="1" dirty="0">
+                <a:latin typeface="Times New Roman" panose="02020603050405020304" pitchFamily="18" charset="0"/>
+                <a:cs typeface="Times New Roman" panose="02020603050405020304" pitchFamily="18" charset="0"/>
+              </a:rPr>
+              <a:t>Bacterial 16S rRNA</a:t>
+            </a:r>
+            <a:endParaRPr lang="zh-CN" altLang="en-US" i="1" dirty="0">
+              <a:latin typeface="Times New Roman" panose="02020603050405020304" pitchFamily="18" charset="0"/>
+              <a:cs typeface="Times New Roman" panose="02020603050405020304" pitchFamily="18" charset="0"/>
+            </a:endParaRPr>
+          </a:p>
+        </p:txBody>
+      </p:sp>
+      <p:sp>
+        <p:nvSpPr>
+          <p:cNvPr id="42" name="文本框 41">
+            <a:extLst>
+              <a:ext uri="{FF2B5EF4-FFF2-40B4-BE49-F238E27FC236}">
+                <a16:creationId xmlns:a16="http://schemas.microsoft.com/office/drawing/2014/main" id="{DF4B6B79-841B-BFEE-E14B-7C4705296749}"/>
+              </a:ext>
+            </a:extLst>
+          </p:cNvPr>
+          <p:cNvSpPr txBox="1"/>
+          <p:nvPr/>
+        </p:nvSpPr>
+        <p:spPr>
+          <a:xfrm>
+            <a:off x="2861930" y="1661173"/>
+            <a:ext cx="755650" cy="369332"/>
+          </a:xfrm>
+          <a:prstGeom prst="rect">
+            <a:avLst/>
+          </a:prstGeom>
+          <a:noFill/>
+        </p:spPr>
+        <p:txBody>
+          <a:bodyPr wrap="square" rtlCol="0">
+            <a:spAutoFit/>
+          </a:bodyPr>
+          <a:lstStyle/>
+          <a:p>
+            <a:r>
+              <a:rPr lang="en-US" altLang="zh-CN" i="1" dirty="0" err="1">
+                <a:latin typeface="Times New Roman" panose="02020603050405020304" pitchFamily="18" charset="0"/>
+                <a:cs typeface="Times New Roman" panose="02020603050405020304" pitchFamily="18" charset="0"/>
+              </a:rPr>
+              <a:t>napA</a:t>
+            </a:r>
+            <a:endParaRPr lang="zh-CN" altLang="en-US" i="1" dirty="0">
+              <a:latin typeface="Times New Roman" panose="02020603050405020304" pitchFamily="18" charset="0"/>
+              <a:cs typeface="Times New Roman" panose="02020603050405020304" pitchFamily="18" charset="0"/>
+            </a:endParaRPr>
+          </a:p>
+        </p:txBody>
+      </p:sp>
+      <p:sp>
+        <p:nvSpPr>
+          <p:cNvPr id="43" name="文本框 42">
+            <a:extLst>
+              <a:ext uri="{FF2B5EF4-FFF2-40B4-BE49-F238E27FC236}">
+                <a16:creationId xmlns:a16="http://schemas.microsoft.com/office/drawing/2014/main" id="{CE940132-6452-4973-A006-859FEBF8AC80}"/>
+              </a:ext>
+            </a:extLst>
+          </p:cNvPr>
+          <p:cNvSpPr txBox="1"/>
+          <p:nvPr/>
+        </p:nvSpPr>
+        <p:spPr>
+          <a:xfrm>
+            <a:off x="2594480" y="2746775"/>
+            <a:ext cx="755650" cy="369332"/>
+          </a:xfrm>
+          <a:prstGeom prst="rect">
+            <a:avLst/>
+          </a:prstGeom>
+          <a:noFill/>
+        </p:spPr>
+        <p:txBody>
+          <a:bodyPr wrap="square" rtlCol="0">
+            <a:spAutoFit/>
+          </a:bodyPr>
+          <a:lstStyle/>
+          <a:p>
+            <a:r>
+              <a:rPr lang="en-US" altLang="zh-CN" i="1" dirty="0" err="1">
+                <a:latin typeface="Times New Roman" panose="02020603050405020304" pitchFamily="18" charset="0"/>
+                <a:cs typeface="Times New Roman" panose="02020603050405020304" pitchFamily="18" charset="0"/>
+              </a:rPr>
+              <a:t>nxrA</a:t>
+            </a:r>
+            <a:endParaRPr lang="zh-CN" altLang="en-US" i="1" dirty="0">
+              <a:latin typeface="Times New Roman" panose="02020603050405020304" pitchFamily="18" charset="0"/>
+              <a:cs typeface="Times New Roman" panose="02020603050405020304" pitchFamily="18" charset="0"/>
+            </a:endParaRPr>
+          </a:p>
+        </p:txBody>
+      </p:sp>
+      <p:sp>
+        <p:nvSpPr>
+          <p:cNvPr id="44" name="文本框 43">
+            <a:extLst>
+              <a:ext uri="{FF2B5EF4-FFF2-40B4-BE49-F238E27FC236}">
+                <a16:creationId xmlns:a16="http://schemas.microsoft.com/office/drawing/2014/main" id="{09DC4D30-5389-26F3-65A8-3DAE7A6B017E}"/>
+              </a:ext>
+            </a:extLst>
+          </p:cNvPr>
+          <p:cNvSpPr txBox="1"/>
+          <p:nvPr/>
+        </p:nvSpPr>
+        <p:spPr>
+          <a:xfrm>
+            <a:off x="3743844" y="5692105"/>
+            <a:ext cx="660400" cy="369332"/>
+          </a:xfrm>
+          <a:prstGeom prst="rect">
+            <a:avLst/>
+          </a:prstGeom>
+          <a:noFill/>
+        </p:spPr>
+        <p:txBody>
+          <a:bodyPr wrap="square" rtlCol="0">
+            <a:spAutoFit/>
+          </a:bodyPr>
+          <a:lstStyle/>
+          <a:p>
+            <a:r>
+              <a:rPr lang="en-US" altLang="zh-CN" i="1" dirty="0" err="1">
+                <a:latin typeface="Times New Roman" panose="02020603050405020304" pitchFamily="18" charset="0"/>
+                <a:cs typeface="Times New Roman" panose="02020603050405020304" pitchFamily="18" charset="0"/>
+              </a:rPr>
+              <a:t>nirS</a:t>
+            </a:r>
+            <a:endParaRPr lang="zh-CN" altLang="en-US" i="1" dirty="0">
+              <a:latin typeface="Times New Roman" panose="02020603050405020304" pitchFamily="18" charset="0"/>
+              <a:cs typeface="Times New Roman" panose="02020603050405020304" pitchFamily="18" charset="0"/>
+            </a:endParaRPr>
+          </a:p>
+        </p:txBody>
+      </p:sp>
+    </p:spTree>
+    <p:extLst>
+      <p:ext uri="{BB962C8B-B14F-4D97-AF65-F5344CB8AC3E}">
+        <p14:creationId xmlns:p14="http://schemas.microsoft.com/office/powerpoint/2010/main" val="1997911710"/>
+      </p:ext>
+    </p:extLst>
+  </p:cSld>
+  <p:clrMapOvr>
+    <a:masterClrMapping/>
+  </p:clrMapOvr>
+</p:sld>
+</file>
+
+<file path=ppt/slides/slide3.xml><?xml version="1.0" encoding="utf-8"?>
+<p:sld xmlns:a="http://schemas.openxmlformats.org/drawingml/2006/main" xmlns:r="http://schemas.openxmlformats.org/officeDocument/2006/relationships" xmlns:p="http://schemas.openxmlformats.org/presentationml/2006/main">
+  <p:cSld>
+    <p:spTree>
+      <p:nvGrpSpPr>
+        <p:cNvPr id="1" name=""/>
+        <p:cNvGrpSpPr/>
+        <p:nvPr/>
+      </p:nvGrpSpPr>
+      <p:grpSpPr>
+        <a:xfrm>
+          <a:off x="0" y="0"/>
+          <a:ext cx="0" cy="0"/>
+          <a:chOff x="0" y="0"/>
+          <a:chExt cx="0" cy="0"/>
+        </a:xfrm>
+      </p:grpSpPr>
+      <p:pic>
+        <p:nvPicPr>
+          <p:cNvPr id="3" name="图形 2">
+            <a:extLst>
+              <a:ext uri="{FF2B5EF4-FFF2-40B4-BE49-F238E27FC236}">
+                <a16:creationId xmlns:a16="http://schemas.microsoft.com/office/drawing/2014/main" id="{ECE718AB-3B8D-C781-7E42-4BA0254CF1FC}"/>
+              </a:ext>
+            </a:extLst>
+          </p:cNvPr>
+          <p:cNvPicPr>
+            <a:picLocks noChangeAspect="1"/>
+          </p:cNvPicPr>
+          <p:nvPr/>
+        </p:nvPicPr>
+        <p:blipFill>
+          <a:blip r:embed="rId2">
+            <a:extLst>
+              <a:ext uri="{28A0092B-C50C-407E-A947-70E740481C1C}">
+                <a14:useLocalDpi xmlns:a14="http://schemas.microsoft.com/office/drawing/2010/main" val="0"/>
+              </a:ext>
+              <a:ext uri="{96DAC541-7B7A-43D3-8B79-37D633B846F1}">
+                <asvg:svgBlip xmlns:asvg="http://schemas.microsoft.com/office/drawing/2016/SVG/main" r:embed="rId3"/>
+              </a:ext>
+            </a:extLst>
+          </a:blip>
+          <a:stretch>
+            <a:fillRect/>
+          </a:stretch>
+        </p:blipFill>
+        <p:spPr>
+          <a:xfrm>
+            <a:off x="2597441" y="0"/>
+            <a:ext cx="6997118" cy="6858000"/>
+          </a:xfrm>
+          <a:prstGeom prst="rect">
+            <a:avLst/>
+          </a:prstGeom>
+        </p:spPr>
+      </p:pic>
+      <p:sp>
+        <p:nvSpPr>
+          <p:cNvPr id="4" name="文本框 3">
+            <a:extLst>
+              <a:ext uri="{FF2B5EF4-FFF2-40B4-BE49-F238E27FC236}">
+                <a16:creationId xmlns:a16="http://schemas.microsoft.com/office/drawing/2014/main" id="{5DEF623D-5929-56DC-451F-533FEB134128}"/>
+              </a:ext>
+            </a:extLst>
+          </p:cNvPr>
+          <p:cNvSpPr txBox="1"/>
+          <p:nvPr/>
+        </p:nvSpPr>
+        <p:spPr>
+          <a:xfrm>
+            <a:off x="6772385" y="6272055"/>
+            <a:ext cx="755650" cy="369332"/>
+          </a:xfrm>
+          <a:prstGeom prst="rect">
+            <a:avLst/>
+          </a:prstGeom>
+          <a:noFill/>
+        </p:spPr>
+        <p:txBody>
+          <a:bodyPr wrap="square" rtlCol="0">
+            <a:spAutoFit/>
+          </a:bodyPr>
+          <a:lstStyle/>
+          <a:p>
+            <a:r>
+              <a:rPr lang="en-US" altLang="zh-CN" i="1" dirty="0" err="1">
+                <a:latin typeface="Times New Roman" panose="02020603050405020304" pitchFamily="18" charset="0"/>
+                <a:cs typeface="Times New Roman" panose="02020603050405020304" pitchFamily="18" charset="0"/>
+              </a:rPr>
+              <a:t>cnorB</a:t>
+            </a:r>
+            <a:endParaRPr lang="zh-CN" altLang="en-US" i="1" dirty="0">
+              <a:latin typeface="Times New Roman" panose="02020603050405020304" pitchFamily="18" charset="0"/>
+              <a:cs typeface="Times New Roman" panose="02020603050405020304" pitchFamily="18" charset="0"/>
+            </a:endParaRPr>
+          </a:p>
+        </p:txBody>
+      </p:sp>
+      <p:sp>
+        <p:nvSpPr>
+          <p:cNvPr id="5" name="文本框 4">
+            <a:extLst>
+              <a:ext uri="{FF2B5EF4-FFF2-40B4-BE49-F238E27FC236}">
+                <a16:creationId xmlns:a16="http://schemas.microsoft.com/office/drawing/2014/main" id="{64EDC2E5-7828-84D1-3EC1-160768700C2A}"/>
+              </a:ext>
+            </a:extLst>
+          </p:cNvPr>
+          <p:cNvSpPr txBox="1"/>
+          <p:nvPr/>
+        </p:nvSpPr>
+        <p:spPr>
+          <a:xfrm>
+            <a:off x="5608034" y="4111373"/>
+            <a:ext cx="660400" cy="369332"/>
+          </a:xfrm>
+          <a:prstGeom prst="rect">
+            <a:avLst/>
+          </a:prstGeom>
+          <a:noFill/>
+        </p:spPr>
+        <p:txBody>
+          <a:bodyPr wrap="square" rtlCol="0">
+            <a:spAutoFit/>
+          </a:bodyPr>
+          <a:lstStyle/>
+          <a:p>
+            <a:r>
+              <a:rPr lang="en-US" altLang="zh-CN" dirty="0">
+                <a:latin typeface="Times New Roman" panose="02020603050405020304" pitchFamily="18" charset="0"/>
+                <a:cs typeface="Times New Roman" panose="02020603050405020304" pitchFamily="18" charset="0"/>
+              </a:rPr>
+              <a:t>W-T</a:t>
+            </a:r>
+            <a:endParaRPr lang="zh-CN" altLang="en-US" dirty="0">
+              <a:latin typeface="Times New Roman" panose="02020603050405020304" pitchFamily="18" charset="0"/>
+              <a:cs typeface="Times New Roman" panose="02020603050405020304" pitchFamily="18" charset="0"/>
+            </a:endParaRPr>
+          </a:p>
+        </p:txBody>
+      </p:sp>
+      <p:sp>
+        <p:nvSpPr>
+          <p:cNvPr id="7" name="文本框 6">
+            <a:extLst>
+              <a:ext uri="{FF2B5EF4-FFF2-40B4-BE49-F238E27FC236}">
+                <a16:creationId xmlns:a16="http://schemas.microsoft.com/office/drawing/2014/main" id="{78639B65-36BB-9128-B6A5-743B711CA095}"/>
+              </a:ext>
+            </a:extLst>
+          </p:cNvPr>
+          <p:cNvSpPr txBox="1"/>
+          <p:nvPr/>
+        </p:nvSpPr>
+        <p:spPr>
+          <a:xfrm>
+            <a:off x="9118399" y="3528364"/>
+            <a:ext cx="660400" cy="369332"/>
+          </a:xfrm>
+          <a:prstGeom prst="rect">
+            <a:avLst/>
+          </a:prstGeom>
+          <a:noFill/>
+        </p:spPr>
+        <p:txBody>
+          <a:bodyPr wrap="square" rtlCol="0">
+            <a:spAutoFit/>
+          </a:bodyPr>
+          <a:lstStyle/>
+          <a:p>
+            <a:r>
+              <a:rPr lang="en-US" altLang="zh-CN" i="1" dirty="0">
+                <a:latin typeface="Times New Roman" panose="02020603050405020304" pitchFamily="18" charset="0"/>
+                <a:cs typeface="Times New Roman" panose="02020603050405020304" pitchFamily="18" charset="0"/>
+              </a:rPr>
+              <a:t>β</a:t>
+            </a:r>
+            <a:r>
+              <a:rPr lang="en-US" altLang="zh-CN" dirty="0">
+                <a:latin typeface="Times New Roman" panose="02020603050405020304" pitchFamily="18" charset="0"/>
+                <a:cs typeface="Times New Roman" panose="02020603050405020304" pitchFamily="18" charset="0"/>
+              </a:rPr>
+              <a:t>:</a:t>
+            </a:r>
+            <a:r>
+              <a:rPr lang="en-US" altLang="zh-CN" i="1" dirty="0">
+                <a:latin typeface="Times New Roman" panose="02020603050405020304" pitchFamily="18" charset="0"/>
+                <a:cs typeface="Times New Roman" panose="02020603050405020304" pitchFamily="18" charset="0"/>
+              </a:rPr>
+              <a:t>α</a:t>
+            </a:r>
+            <a:endParaRPr lang="zh-CN" altLang="en-US" i="1" dirty="0">
+              <a:latin typeface="Times New Roman" panose="02020603050405020304" pitchFamily="18" charset="0"/>
+              <a:cs typeface="Times New Roman" panose="02020603050405020304" pitchFamily="18" charset="0"/>
+            </a:endParaRPr>
+          </a:p>
+        </p:txBody>
+      </p:sp>
+      <p:sp>
+        <p:nvSpPr>
+          <p:cNvPr id="8" name="文本框 7">
+            <a:extLst>
+              <a:ext uri="{FF2B5EF4-FFF2-40B4-BE49-F238E27FC236}">
+                <a16:creationId xmlns:a16="http://schemas.microsoft.com/office/drawing/2014/main" id="{22CB30B8-3BD9-5803-A3C3-C443DCEE2B9D}"/>
+              </a:ext>
+            </a:extLst>
+          </p:cNvPr>
+          <p:cNvSpPr txBox="1"/>
+          <p:nvPr/>
+        </p:nvSpPr>
+        <p:spPr>
+          <a:xfrm>
+            <a:off x="4562798" y="3078251"/>
+            <a:ext cx="1293016" cy="369332"/>
+          </a:xfrm>
+          <a:prstGeom prst="rect">
+            <a:avLst/>
+          </a:prstGeom>
+          <a:noFill/>
+        </p:spPr>
+        <p:txBody>
+          <a:bodyPr wrap="square" rtlCol="0">
+            <a:spAutoFit/>
+          </a:bodyPr>
+          <a:lstStyle/>
+          <a:p>
+            <a:r>
+              <a:rPr lang="en-US" altLang="zh-CN" i="1" dirty="0" err="1">
+                <a:latin typeface="Times New Roman" panose="02020603050405020304" pitchFamily="18" charset="0"/>
+                <a:cs typeface="Times New Roman" panose="02020603050405020304" pitchFamily="18" charset="0"/>
+              </a:rPr>
+              <a:t>AOA_amoA</a:t>
+            </a:r>
+            <a:endParaRPr lang="zh-CN" altLang="en-US" i="1" dirty="0">
+              <a:latin typeface="Times New Roman" panose="02020603050405020304" pitchFamily="18" charset="0"/>
+              <a:cs typeface="Times New Roman" panose="02020603050405020304" pitchFamily="18" charset="0"/>
+            </a:endParaRPr>
+          </a:p>
+        </p:txBody>
+      </p:sp>
+      <p:sp>
+        <p:nvSpPr>
+          <p:cNvPr id="9" name="文本框 8">
+            <a:extLst>
+              <a:ext uri="{FF2B5EF4-FFF2-40B4-BE49-F238E27FC236}">
+                <a16:creationId xmlns:a16="http://schemas.microsoft.com/office/drawing/2014/main" id="{C5152C41-ECEB-DEF4-1868-5BF76704418E}"/>
+              </a:ext>
+            </a:extLst>
+          </p:cNvPr>
+          <p:cNvSpPr txBox="1"/>
+          <p:nvPr/>
+        </p:nvSpPr>
+        <p:spPr>
+          <a:xfrm>
+            <a:off x="2569297" y="2953263"/>
+            <a:ext cx="660400" cy="369332"/>
+          </a:xfrm>
+          <a:prstGeom prst="rect">
+            <a:avLst/>
+          </a:prstGeom>
+          <a:noFill/>
+        </p:spPr>
+        <p:txBody>
+          <a:bodyPr wrap="square" rtlCol="0">
+            <a:spAutoFit/>
+          </a:bodyPr>
+          <a:lstStyle/>
+          <a:p>
+            <a:r>
+              <a:rPr lang="en-US" altLang="zh-CN" dirty="0">
+                <a:latin typeface="Times New Roman" panose="02020603050405020304" pitchFamily="18" charset="0"/>
+                <a:cs typeface="Times New Roman" panose="02020603050405020304" pitchFamily="18" charset="0"/>
+              </a:rPr>
+              <a:t>HIX</a:t>
+            </a:r>
+            <a:endParaRPr lang="zh-CN" altLang="en-US" dirty="0">
+              <a:latin typeface="Times New Roman" panose="02020603050405020304" pitchFamily="18" charset="0"/>
+              <a:cs typeface="Times New Roman" panose="02020603050405020304" pitchFamily="18" charset="0"/>
+            </a:endParaRPr>
+          </a:p>
+        </p:txBody>
+      </p:sp>
+      <mc:AlternateContent xmlns:mc="http://schemas.openxmlformats.org/markup-compatibility/2006" xmlns:a14="http://schemas.microsoft.com/office/drawing/2010/main">
+        <mc:Choice Requires="a14">
+          <p:sp>
+            <p:nvSpPr>
+              <p:cNvPr id="10" name="文本框 9">
+                <a:extLst>
+                  <a:ext uri="{FF2B5EF4-FFF2-40B4-BE49-F238E27FC236}">
+                    <a16:creationId xmlns:a16="http://schemas.microsoft.com/office/drawing/2014/main" id="{CFB68870-629F-6675-0281-38666C942F01}"/>
+                  </a:ext>
+                </a:extLst>
+              </p:cNvPr>
+              <p:cNvSpPr txBox="1"/>
+              <p:nvPr/>
+            </p:nvSpPr>
+            <p:spPr>
+              <a:xfrm>
+                <a:off x="6442185" y="3336753"/>
+                <a:ext cx="660400" cy="369332"/>
+              </a:xfrm>
+              <a:prstGeom prst="rect">
+                <a:avLst/>
+              </a:prstGeom>
+              <a:noFill/>
+            </p:spPr>
+            <p:txBody>
+              <a:bodyPr wrap="square" rtlCol="0">
+                <a:spAutoFit/>
+              </a:bodyPr>
+              <a:lstStyle/>
+              <a:p>
+                <a:pPr/>
+                <a14:m>
+                  <m:oMathPara xmlns:m="http://schemas.openxmlformats.org/officeDocument/2006/math">
+                    <m:oMathParaPr>
+                      <m:jc m:val="centerGroup"/>
+                    </m:oMathParaPr>
+                    <m:oMath xmlns:m="http://schemas.openxmlformats.org/officeDocument/2006/math">
+                      <m:sSubSup>
+                        <m:sSubSupPr>
+                          <m:ctrlPr>
+                            <a:rPr lang="en-US" altLang="zh-CN" i="1" dirty="0" smtClean="0">
+                              <a:latin typeface="Cambria Math" panose="02040503050406030204" pitchFamily="18" charset="0"/>
+                              <a:cs typeface="Times New Roman" panose="02020603050405020304" pitchFamily="18" charset="0"/>
+                            </a:rPr>
+                          </m:ctrlPr>
+                        </m:sSubSupPr>
+                        <m:e>
+                          <m:r>
+                            <m:rPr>
+                              <m:sty m:val="p"/>
+                            </m:rPr>
+                            <a:rPr lang="en-US" altLang="zh-CN" i="1" dirty="0">
+                              <a:latin typeface="Cambria Math" panose="02040503050406030204" pitchFamily="18" charset="0"/>
+                              <a:cs typeface="Times New Roman" panose="02020603050405020304" pitchFamily="18" charset="0"/>
+                            </a:rPr>
+                            <m:t>W</m:t>
+                          </m:r>
+                          <m:r>
+                            <a:rPr lang="en-US" altLang="zh-CN" i="1" dirty="0">
+                              <a:latin typeface="Cambria Math" panose="02040503050406030204" pitchFamily="18" charset="0"/>
+                              <a:cs typeface="Times New Roman" panose="02020603050405020304" pitchFamily="18" charset="0"/>
+                            </a:rPr>
+                            <m:t>−</m:t>
+                          </m:r>
+                          <m:r>
+                            <m:rPr>
+                              <m:sty m:val="p"/>
+                            </m:rPr>
+                            <a:rPr lang="en-US" altLang="zh-CN" i="1" dirty="0">
+                              <a:latin typeface="Cambria Math" panose="02040503050406030204" pitchFamily="18" charset="0"/>
+                              <a:cs typeface="Times New Roman" panose="02020603050405020304" pitchFamily="18" charset="0"/>
+                            </a:rPr>
+                            <m:t>NO</m:t>
+                          </m:r>
+                        </m:e>
+                        <m:sub>
+                          <m:r>
+                            <a:rPr lang="en-US" altLang="zh-CN" b="0" i="1" dirty="0" smtClean="0">
+                              <a:latin typeface="Cambria Math" panose="02040503050406030204" pitchFamily="18" charset="0"/>
+                              <a:cs typeface="Times New Roman" panose="02020603050405020304" pitchFamily="18" charset="0"/>
+                            </a:rPr>
+                            <m:t>2</m:t>
+                          </m:r>
+                        </m:sub>
+                        <m:sup>
+                          <m:r>
+                            <a:rPr lang="en-US" altLang="zh-CN" b="0" i="1" dirty="0" smtClean="0">
+                              <a:latin typeface="Cambria Math" panose="02040503050406030204" pitchFamily="18" charset="0"/>
+                              <a:cs typeface="Times New Roman" panose="02020603050405020304" pitchFamily="18" charset="0"/>
+                            </a:rPr>
+                            <m:t>−</m:t>
+                          </m:r>
+                        </m:sup>
+                      </m:sSubSup>
+                    </m:oMath>
+                  </m:oMathPara>
+                </a14:m>
+                <a:endParaRPr lang="zh-CN" altLang="en-US" i="1" dirty="0">
+                  <a:latin typeface="Times New Roman" panose="02020603050405020304" pitchFamily="18" charset="0"/>
+                  <a:cs typeface="Times New Roman" panose="02020603050405020304" pitchFamily="18" charset="0"/>
+                </a:endParaRPr>
+              </a:p>
+            </p:txBody>
+          </p:sp>
+        </mc:Choice>
+        <mc:Fallback xmlns="">
+          <p:sp>
+            <p:nvSpPr>
+              <p:cNvPr id="10" name="文本框 9">
+                <a:extLst>
+                  <a:ext uri="{FF2B5EF4-FFF2-40B4-BE49-F238E27FC236}">
+                    <a16:creationId xmlns:a16="http://schemas.microsoft.com/office/drawing/2014/main" id="{CFB68870-629F-6675-0281-38666C942F01}"/>
+                  </a:ext>
+                </a:extLst>
+              </p:cNvPr>
+              <p:cNvSpPr txBox="1">
+                <a:spLocks noRot="1" noChangeAspect="1" noMove="1" noResize="1" noEditPoints="1" noAdjustHandles="1" noChangeArrowheads="1" noChangeShapeType="1" noTextEdit="1"/>
+              </p:cNvSpPr>
+              <p:nvPr/>
+            </p:nvSpPr>
+            <p:spPr>
+              <a:xfrm>
+                <a:off x="6442185" y="3336753"/>
+                <a:ext cx="660400" cy="369332"/>
+              </a:xfrm>
+              <a:prstGeom prst="rect">
+                <a:avLst/>
+              </a:prstGeom>
+              <a:blipFill>
+                <a:blip r:embed="rId4"/>
+                <a:stretch>
+                  <a:fillRect r="-27778" b="-1639"/>
+                </a:stretch>
+              </a:blipFill>
+            </p:spPr>
+            <p:txBody>
+              <a:bodyPr/>
+              <a:lstStyle/>
+              <a:p>
+                <a:r>
+                  <a:rPr lang="zh-CN" altLang="en-US">
+                    <a:noFill/>
+                  </a:rPr>
+                  <a:t> </a:t>
+                </a:r>
+              </a:p>
+            </p:txBody>
+          </p:sp>
+        </mc:Fallback>
+      </mc:AlternateContent>
+      <p:sp>
+        <p:nvSpPr>
+          <p:cNvPr id="11" name="文本框 10">
+            <a:extLst>
+              <a:ext uri="{FF2B5EF4-FFF2-40B4-BE49-F238E27FC236}">
+                <a16:creationId xmlns:a16="http://schemas.microsoft.com/office/drawing/2014/main" id="{D423C292-21F0-D8D8-EA13-246E029F37B8}"/>
+              </a:ext>
+            </a:extLst>
+          </p:cNvPr>
+          <p:cNvSpPr txBox="1"/>
+          <p:nvPr/>
+        </p:nvSpPr>
+        <p:spPr>
+          <a:xfrm>
+            <a:off x="3953842" y="6127104"/>
+            <a:ext cx="1507669" cy="369332"/>
+          </a:xfrm>
+          <a:prstGeom prst="rect">
+            <a:avLst/>
+          </a:prstGeom>
+          <a:noFill/>
+        </p:spPr>
+        <p:txBody>
+          <a:bodyPr wrap="square" rtlCol="0">
+            <a:spAutoFit/>
+          </a:bodyPr>
+          <a:lstStyle/>
+          <a:p>
+            <a:r>
+              <a:rPr lang="en-US" altLang="zh-CN" dirty="0">
+                <a:latin typeface="Times New Roman" panose="02020603050405020304" pitchFamily="18" charset="0"/>
+                <a:cs typeface="Times New Roman" panose="02020603050405020304" pitchFamily="18" charset="0"/>
+              </a:rPr>
+              <a:t>S-Size-d(0.1)</a:t>
+            </a:r>
+            <a:endParaRPr lang="zh-CN" altLang="en-US" dirty="0">
+              <a:latin typeface="Times New Roman" panose="02020603050405020304" pitchFamily="18" charset="0"/>
+              <a:cs typeface="Times New Roman" panose="02020603050405020304" pitchFamily="18" charset="0"/>
+            </a:endParaRPr>
+          </a:p>
+        </p:txBody>
+      </p:sp>
+      <p:sp>
+        <p:nvSpPr>
+          <p:cNvPr id="12" name="文本框 11">
+            <a:extLst>
+              <a:ext uri="{FF2B5EF4-FFF2-40B4-BE49-F238E27FC236}">
+                <a16:creationId xmlns:a16="http://schemas.microsoft.com/office/drawing/2014/main" id="{7870F593-0BA8-1FD3-AF28-00336C2C23CA}"/>
+              </a:ext>
+            </a:extLst>
+          </p:cNvPr>
+          <p:cNvSpPr txBox="1"/>
+          <p:nvPr/>
+        </p:nvSpPr>
+        <p:spPr>
+          <a:xfrm>
+            <a:off x="7887268" y="4668781"/>
+            <a:ext cx="2170971" cy="369332"/>
+          </a:xfrm>
+          <a:prstGeom prst="rect">
+            <a:avLst/>
+          </a:prstGeom>
+          <a:noFill/>
+        </p:spPr>
+        <p:txBody>
+          <a:bodyPr wrap="square" rtlCol="0">
+            <a:spAutoFit/>
+          </a:bodyPr>
+          <a:lstStyle/>
+          <a:p>
+            <a:r>
+              <a:rPr lang="en-US" altLang="zh-CN" i="1" dirty="0">
+                <a:latin typeface="Times New Roman" panose="02020603050405020304" pitchFamily="18" charset="0"/>
+                <a:cs typeface="Times New Roman" panose="02020603050405020304" pitchFamily="18" charset="0"/>
+              </a:rPr>
+              <a:t>Bacterial 16S rRNA</a:t>
+            </a:r>
+            <a:endParaRPr lang="zh-CN" altLang="en-US" i="1" dirty="0">
+              <a:latin typeface="Times New Roman" panose="02020603050405020304" pitchFamily="18" charset="0"/>
+              <a:cs typeface="Times New Roman" panose="02020603050405020304" pitchFamily="18" charset="0"/>
+            </a:endParaRPr>
+          </a:p>
+        </p:txBody>
+      </p:sp>
+      <p:sp>
+        <p:nvSpPr>
+          <p:cNvPr id="13" name="文本框 12">
+            <a:extLst>
+              <a:ext uri="{FF2B5EF4-FFF2-40B4-BE49-F238E27FC236}">
+                <a16:creationId xmlns:a16="http://schemas.microsoft.com/office/drawing/2014/main" id="{FACCA1E3-3A6A-2233-DAF5-8DD35EA145F8}"/>
+              </a:ext>
+            </a:extLst>
+          </p:cNvPr>
+          <p:cNvSpPr txBox="1"/>
+          <p:nvPr/>
+        </p:nvSpPr>
+        <p:spPr>
+          <a:xfrm>
+            <a:off x="5462569" y="1080636"/>
+            <a:ext cx="660400" cy="369332"/>
+          </a:xfrm>
+          <a:prstGeom prst="rect">
+            <a:avLst/>
+          </a:prstGeom>
+          <a:noFill/>
+        </p:spPr>
+        <p:txBody>
+          <a:bodyPr wrap="square" rtlCol="0">
+            <a:spAutoFit/>
+          </a:bodyPr>
+          <a:lstStyle/>
+          <a:p>
+            <a:r>
+              <a:rPr lang="en-US" altLang="zh-CN" i="1" dirty="0" err="1">
+                <a:latin typeface="Times New Roman" panose="02020603050405020304" pitchFamily="18" charset="0"/>
+                <a:cs typeface="Times New Roman" panose="02020603050405020304" pitchFamily="18" charset="0"/>
+              </a:rPr>
+              <a:t>hzsB</a:t>
+            </a:r>
+            <a:endParaRPr lang="zh-CN" altLang="en-US" i="1" dirty="0">
+              <a:latin typeface="Times New Roman" panose="02020603050405020304" pitchFamily="18" charset="0"/>
+              <a:cs typeface="Times New Roman" panose="02020603050405020304" pitchFamily="18" charset="0"/>
+            </a:endParaRPr>
+          </a:p>
+        </p:txBody>
+      </p:sp>
+      <p:sp>
+        <p:nvSpPr>
+          <p:cNvPr id="14" name="文本框 13">
+            <a:extLst>
+              <a:ext uri="{FF2B5EF4-FFF2-40B4-BE49-F238E27FC236}">
+                <a16:creationId xmlns:a16="http://schemas.microsoft.com/office/drawing/2014/main" id="{CF5F0C98-558A-9887-9A2A-C6193851AB2B}"/>
+              </a:ext>
+            </a:extLst>
+          </p:cNvPr>
+          <p:cNvSpPr txBox="1"/>
+          <p:nvPr/>
+        </p:nvSpPr>
+        <p:spPr>
+          <a:xfrm>
+            <a:off x="8594753" y="2363213"/>
+            <a:ext cx="1027950" cy="369332"/>
+          </a:xfrm>
+          <a:prstGeom prst="rect">
+            <a:avLst/>
+          </a:prstGeom>
+          <a:noFill/>
+        </p:spPr>
+        <p:txBody>
+          <a:bodyPr wrap="square" rtlCol="0">
+            <a:spAutoFit/>
+          </a:bodyPr>
+          <a:lstStyle/>
+          <a:p>
+            <a:r>
+              <a:rPr lang="en-US" altLang="zh-CN" dirty="0">
+                <a:latin typeface="Times New Roman" panose="02020603050405020304" pitchFamily="18" charset="0"/>
+                <a:cs typeface="Times New Roman" panose="02020603050405020304" pitchFamily="18" charset="0"/>
+              </a:rPr>
+              <a:t>W-COD</a:t>
+            </a:r>
+            <a:endParaRPr lang="zh-CN" altLang="en-US" dirty="0">
+              <a:latin typeface="Times New Roman" panose="02020603050405020304" pitchFamily="18" charset="0"/>
+              <a:cs typeface="Times New Roman" panose="02020603050405020304" pitchFamily="18" charset="0"/>
+            </a:endParaRPr>
+          </a:p>
+        </p:txBody>
+      </p:sp>
+      <p:sp>
+        <p:nvSpPr>
+          <p:cNvPr id="17" name="文本框 16">
+            <a:extLst>
+              <a:ext uri="{FF2B5EF4-FFF2-40B4-BE49-F238E27FC236}">
+                <a16:creationId xmlns:a16="http://schemas.microsoft.com/office/drawing/2014/main" id="{C9485676-25BD-1CC2-051A-285910D8AAB3}"/>
+              </a:ext>
+            </a:extLst>
+          </p:cNvPr>
+          <p:cNvSpPr txBox="1"/>
+          <p:nvPr/>
+        </p:nvSpPr>
+        <p:spPr>
+          <a:xfrm>
+            <a:off x="7490971" y="390784"/>
+            <a:ext cx="660400" cy="369332"/>
+          </a:xfrm>
+          <a:prstGeom prst="rect">
+            <a:avLst/>
+          </a:prstGeom>
+          <a:noFill/>
+        </p:spPr>
+        <p:txBody>
+          <a:bodyPr wrap="square" rtlCol="0">
+            <a:spAutoFit/>
+          </a:bodyPr>
+          <a:lstStyle/>
+          <a:p>
+            <a:r>
+              <a:rPr lang="en-US" altLang="zh-CN" dirty="0">
+                <a:latin typeface="Times New Roman" panose="02020603050405020304" pitchFamily="18" charset="0"/>
+                <a:cs typeface="Times New Roman" panose="02020603050405020304" pitchFamily="18" charset="0"/>
+              </a:rPr>
+              <a:t>S-TP</a:t>
+            </a:r>
+            <a:endParaRPr lang="zh-CN" altLang="en-US" dirty="0">
+              <a:latin typeface="Times New Roman" panose="02020603050405020304" pitchFamily="18" charset="0"/>
+              <a:cs typeface="Times New Roman" panose="02020603050405020304" pitchFamily="18" charset="0"/>
+            </a:endParaRPr>
+          </a:p>
+        </p:txBody>
+      </p:sp>
+      <p:sp>
+        <p:nvSpPr>
+          <p:cNvPr id="18" name="文本框 17">
+            <a:extLst>
+              <a:ext uri="{FF2B5EF4-FFF2-40B4-BE49-F238E27FC236}">
+                <a16:creationId xmlns:a16="http://schemas.microsoft.com/office/drawing/2014/main" id="{E79ACB91-AE25-568B-7726-212F32A1CDD2}"/>
+              </a:ext>
+            </a:extLst>
+          </p:cNvPr>
+          <p:cNvSpPr txBox="1"/>
+          <p:nvPr/>
+        </p:nvSpPr>
+        <p:spPr>
+          <a:xfrm>
+            <a:off x="2272774" y="1612698"/>
+            <a:ext cx="2364557" cy="369332"/>
+          </a:xfrm>
+          <a:prstGeom prst="rect">
+            <a:avLst/>
+          </a:prstGeom>
+          <a:noFill/>
+        </p:spPr>
+        <p:txBody>
+          <a:bodyPr wrap="square" rtlCol="0">
+            <a:spAutoFit/>
+          </a:bodyPr>
+          <a:lstStyle/>
+          <a:p>
+            <a:r>
+              <a:rPr lang="en-US" altLang="zh-CN" dirty="0">
+                <a:latin typeface="Times New Roman" panose="02020603050405020304" pitchFamily="18" charset="0"/>
+                <a:cs typeface="Times New Roman" panose="02020603050405020304" pitchFamily="18" charset="0"/>
+              </a:rPr>
+              <a:t>S-Size-d[(0.9-01)/0.5]</a:t>
+            </a:r>
+            <a:endParaRPr lang="zh-CN" altLang="en-US" dirty="0">
+              <a:latin typeface="Times New Roman" panose="02020603050405020304" pitchFamily="18" charset="0"/>
+              <a:cs typeface="Times New Roman" panose="02020603050405020304" pitchFamily="18" charset="0"/>
+            </a:endParaRPr>
+          </a:p>
+        </p:txBody>
+      </p:sp>
+      <p:sp>
+        <p:nvSpPr>
+          <p:cNvPr id="20" name="文本框 19">
+            <a:extLst>
+              <a:ext uri="{FF2B5EF4-FFF2-40B4-BE49-F238E27FC236}">
+                <a16:creationId xmlns:a16="http://schemas.microsoft.com/office/drawing/2014/main" id="{65A9213E-F2CE-8D99-AC39-68BAF800AA5A}"/>
+              </a:ext>
+            </a:extLst>
+          </p:cNvPr>
+          <p:cNvSpPr txBox="1"/>
+          <p:nvPr/>
+        </p:nvSpPr>
+        <p:spPr>
+          <a:xfrm>
+            <a:off x="6984154" y="4568335"/>
+            <a:ext cx="1013633" cy="369332"/>
+          </a:xfrm>
+          <a:prstGeom prst="rect">
+            <a:avLst/>
+          </a:prstGeom>
+          <a:noFill/>
+        </p:spPr>
+        <p:txBody>
+          <a:bodyPr wrap="square" rtlCol="0">
+            <a:spAutoFit/>
+          </a:bodyPr>
+          <a:lstStyle/>
+          <a:p>
+            <a:r>
+              <a:rPr lang="en-US" altLang="zh-CN" dirty="0">
+                <a:latin typeface="Times New Roman" panose="02020603050405020304" pitchFamily="18" charset="0"/>
+                <a:cs typeface="Times New Roman" panose="02020603050405020304" pitchFamily="18" charset="0"/>
+              </a:rPr>
+              <a:t>Ⅲ-Area</a:t>
+            </a:r>
+            <a:endParaRPr lang="zh-CN" altLang="en-US" dirty="0">
+              <a:latin typeface="Times New Roman" panose="02020603050405020304" pitchFamily="18" charset="0"/>
+              <a:cs typeface="Times New Roman" panose="02020603050405020304" pitchFamily="18" charset="0"/>
+            </a:endParaRPr>
+          </a:p>
+        </p:txBody>
+      </p:sp>
+      <p:sp>
+        <p:nvSpPr>
+          <p:cNvPr id="21" name="文本框 20">
+            <a:extLst>
+              <a:ext uri="{FF2B5EF4-FFF2-40B4-BE49-F238E27FC236}">
+                <a16:creationId xmlns:a16="http://schemas.microsoft.com/office/drawing/2014/main" id="{AEF3B675-2EB4-A36D-E078-90A26391415E}"/>
+              </a:ext>
+            </a:extLst>
+          </p:cNvPr>
+          <p:cNvSpPr txBox="1"/>
+          <p:nvPr/>
+        </p:nvSpPr>
+        <p:spPr>
+          <a:xfrm>
+            <a:off x="7306416" y="2370016"/>
+            <a:ext cx="1016424" cy="369332"/>
+          </a:xfrm>
+          <a:prstGeom prst="rect">
+            <a:avLst/>
+          </a:prstGeom>
+          <a:noFill/>
+        </p:spPr>
+        <p:txBody>
+          <a:bodyPr wrap="square" rtlCol="0">
+            <a:spAutoFit/>
+          </a:bodyPr>
+          <a:lstStyle/>
+          <a:p>
+            <a:r>
+              <a:rPr lang="en-US" altLang="zh-CN" dirty="0">
+                <a:latin typeface="Times New Roman" panose="02020603050405020304" pitchFamily="18" charset="0"/>
+                <a:cs typeface="Times New Roman" panose="02020603050405020304" pitchFamily="18" charset="0"/>
+              </a:rPr>
+              <a:t>Ⅳ-Area</a:t>
+            </a:r>
+            <a:endParaRPr lang="zh-CN" altLang="en-US" dirty="0">
+              <a:latin typeface="Times New Roman" panose="02020603050405020304" pitchFamily="18" charset="0"/>
+              <a:cs typeface="Times New Roman" panose="02020603050405020304" pitchFamily="18" charset="0"/>
+            </a:endParaRPr>
+          </a:p>
+        </p:txBody>
+      </p:sp>
+      <p:sp>
+        <p:nvSpPr>
+          <p:cNvPr id="22" name="文本框 21">
+            <a:extLst>
+              <a:ext uri="{FF2B5EF4-FFF2-40B4-BE49-F238E27FC236}">
+                <a16:creationId xmlns:a16="http://schemas.microsoft.com/office/drawing/2014/main" id="{E70DEC70-3EFB-E3D8-D4DA-8CD48528D5CD}"/>
+              </a:ext>
+            </a:extLst>
+          </p:cNvPr>
+          <p:cNvSpPr txBox="1"/>
+          <p:nvPr/>
+        </p:nvSpPr>
+        <p:spPr>
+          <a:xfrm>
+            <a:off x="5824481" y="2288619"/>
+            <a:ext cx="895554" cy="369332"/>
+          </a:xfrm>
+          <a:prstGeom prst="rect">
+            <a:avLst/>
+          </a:prstGeom>
+          <a:noFill/>
+        </p:spPr>
+        <p:txBody>
+          <a:bodyPr wrap="square" rtlCol="0">
+            <a:spAutoFit/>
+          </a:bodyPr>
+          <a:lstStyle/>
+          <a:p>
+            <a:r>
+              <a:rPr lang="en-US" altLang="zh-CN" dirty="0">
+                <a:latin typeface="Times New Roman" panose="02020603050405020304" pitchFamily="18" charset="0"/>
+                <a:cs typeface="Times New Roman" panose="02020603050405020304" pitchFamily="18" charset="0"/>
+              </a:rPr>
+              <a:t>Ⅴ-Area</a:t>
+            </a:r>
+            <a:endParaRPr lang="zh-CN" altLang="en-US" dirty="0">
+              <a:latin typeface="Times New Roman" panose="02020603050405020304" pitchFamily="18" charset="0"/>
+              <a:cs typeface="Times New Roman" panose="02020603050405020304" pitchFamily="18" charset="0"/>
+            </a:endParaRPr>
+          </a:p>
+        </p:txBody>
+      </p:sp>
+      <mc:AlternateContent xmlns:mc="http://schemas.openxmlformats.org/markup-compatibility/2006" xmlns:a14="http://schemas.microsoft.com/office/drawing/2010/main">
+        <mc:Choice Requires="a14">
+          <p:sp>
+            <p:nvSpPr>
+              <p:cNvPr id="23" name="文本框 22">
+                <a:extLst>
+                  <a:ext uri="{FF2B5EF4-FFF2-40B4-BE49-F238E27FC236}">
+                    <a16:creationId xmlns:a16="http://schemas.microsoft.com/office/drawing/2014/main" id="{6A55402D-2F83-0B09-D3B3-E76C741E80B5}"/>
+                  </a:ext>
+                </a:extLst>
+              </p:cNvPr>
+              <p:cNvSpPr txBox="1"/>
+              <p:nvPr/>
+            </p:nvSpPr>
+            <p:spPr>
+              <a:xfrm>
+                <a:off x="5416796" y="6336469"/>
+                <a:ext cx="1193255" cy="369332"/>
+              </a:xfrm>
+              <a:prstGeom prst="rect">
+                <a:avLst/>
+              </a:prstGeom>
+              <a:noFill/>
+            </p:spPr>
+            <p:txBody>
+              <a:bodyPr wrap="square" rtlCol="0">
+                <a:spAutoFit/>
+              </a:bodyPr>
+              <a:lstStyle/>
+              <a:p>
+                <a:r>
+                  <a:rPr lang="en-US" altLang="zh-CN" dirty="0">
+                    <a:cs typeface="Times New Roman" panose="02020603050405020304" pitchFamily="18" charset="0"/>
+                  </a:rPr>
+                  <a:t>W-</a:t>
+                </a:r>
+                <a14:m>
+                  <m:oMath xmlns:m="http://schemas.openxmlformats.org/officeDocument/2006/math">
+                    <m:sSubSup>
+                      <m:sSubSupPr>
+                        <m:ctrlPr>
+                          <a:rPr lang="en-US" altLang="zh-CN" i="1" dirty="0" smtClean="0">
+                            <a:latin typeface="Cambria Math" panose="02040503050406030204" pitchFamily="18" charset="0"/>
+                            <a:cs typeface="Times New Roman" panose="02020603050405020304" pitchFamily="18" charset="0"/>
+                          </a:rPr>
+                        </m:ctrlPr>
+                      </m:sSubSupPr>
+                      <m:e>
+                        <m:r>
+                          <m:rPr>
+                            <m:sty m:val="p"/>
+                          </m:rPr>
+                          <a:rPr lang="en-US" altLang="zh-CN" b="0" i="0" dirty="0" smtClean="0">
+                            <a:latin typeface="Cambria Math" panose="02040503050406030204" pitchFamily="18" charset="0"/>
+                            <a:cs typeface="Times New Roman" panose="02020603050405020304" pitchFamily="18" charset="0"/>
+                          </a:rPr>
+                          <m:t>NH</m:t>
+                        </m:r>
+                      </m:e>
+                      <m:sub>
+                        <m:r>
+                          <a:rPr lang="en-US" altLang="zh-CN" b="0" i="0" dirty="0" smtClean="0">
+                            <a:latin typeface="Cambria Math" panose="02040503050406030204" pitchFamily="18" charset="0"/>
+                            <a:cs typeface="Times New Roman" panose="02020603050405020304" pitchFamily="18" charset="0"/>
+                          </a:rPr>
+                          <m:t>4</m:t>
+                        </m:r>
+                      </m:sub>
+                      <m:sup>
+                        <m:r>
+                          <a:rPr lang="en-US" altLang="zh-CN" b="0" i="0" dirty="0" smtClean="0">
+                            <a:latin typeface="Cambria Math" panose="02040503050406030204" pitchFamily="18" charset="0"/>
+                            <a:cs typeface="Times New Roman" panose="02020603050405020304" pitchFamily="18" charset="0"/>
+                          </a:rPr>
+                          <m:t>+</m:t>
+                        </m:r>
+                      </m:sup>
+                    </m:sSubSup>
+                  </m:oMath>
+                </a14:m>
+                <a:endParaRPr lang="zh-CN" altLang="en-US" dirty="0">
+                  <a:latin typeface="Times New Roman" panose="02020603050405020304" pitchFamily="18" charset="0"/>
+                  <a:cs typeface="Times New Roman" panose="02020603050405020304" pitchFamily="18" charset="0"/>
+                </a:endParaRPr>
+              </a:p>
+            </p:txBody>
+          </p:sp>
+        </mc:Choice>
+        <mc:Fallback xmlns="">
+          <p:sp>
+            <p:nvSpPr>
+              <p:cNvPr id="23" name="文本框 22">
+                <a:extLst>
+                  <a:ext uri="{FF2B5EF4-FFF2-40B4-BE49-F238E27FC236}">
+                    <a16:creationId xmlns:a16="http://schemas.microsoft.com/office/drawing/2014/main" id="{6A55402D-2F83-0B09-D3B3-E76C741E80B5}"/>
+                  </a:ext>
+                </a:extLst>
+              </p:cNvPr>
+              <p:cNvSpPr txBox="1">
+                <a:spLocks noRot="1" noChangeAspect="1" noMove="1" noResize="1" noEditPoints="1" noAdjustHandles="1" noChangeArrowheads="1" noChangeShapeType="1" noTextEdit="1"/>
+              </p:cNvSpPr>
+              <p:nvPr/>
+            </p:nvSpPr>
+            <p:spPr>
+              <a:xfrm>
+                <a:off x="5416796" y="6336469"/>
+                <a:ext cx="1193255" cy="369332"/>
+              </a:xfrm>
+              <a:prstGeom prst="rect">
+                <a:avLst/>
+              </a:prstGeom>
+              <a:blipFill>
+                <a:blip r:embed="rId5"/>
+                <a:stretch>
+                  <a:fillRect l="-4615" t="-8197" b="-24590"/>
+                </a:stretch>
+              </a:blipFill>
+            </p:spPr>
+            <p:txBody>
+              <a:bodyPr/>
+              <a:lstStyle/>
+              <a:p>
+                <a:r>
+                  <a:rPr lang="zh-CN" altLang="en-US">
+                    <a:noFill/>
+                  </a:rPr>
+                  <a:t> </a:t>
+                </a:r>
+              </a:p>
+            </p:txBody>
+          </p:sp>
+        </mc:Fallback>
+      </mc:AlternateContent>
+      <p:sp>
+        <p:nvSpPr>
+          <p:cNvPr id="24" name="文本框 23">
+            <a:extLst>
+              <a:ext uri="{FF2B5EF4-FFF2-40B4-BE49-F238E27FC236}">
+                <a16:creationId xmlns:a16="http://schemas.microsoft.com/office/drawing/2014/main" id="{A4390276-761E-3704-0227-E4671C9F28B2}"/>
+              </a:ext>
+            </a:extLst>
+          </p:cNvPr>
+          <p:cNvSpPr txBox="1"/>
+          <p:nvPr/>
+        </p:nvSpPr>
+        <p:spPr>
+          <a:xfrm>
+            <a:off x="7710268" y="3554383"/>
+            <a:ext cx="871145" cy="369332"/>
+          </a:xfrm>
+          <a:prstGeom prst="rect">
+            <a:avLst/>
+          </a:prstGeom>
+          <a:noFill/>
+        </p:spPr>
+        <p:txBody>
+          <a:bodyPr wrap="square" rtlCol="0">
+            <a:spAutoFit/>
+          </a:bodyPr>
+          <a:lstStyle/>
+          <a:p>
+            <a:r>
+              <a:rPr lang="en-US" altLang="zh-CN" dirty="0">
+                <a:latin typeface="Times New Roman" panose="02020603050405020304" pitchFamily="18" charset="0"/>
+                <a:cs typeface="Times New Roman" panose="02020603050405020304" pitchFamily="18" charset="0"/>
+              </a:rPr>
+              <a:t>W-DO</a:t>
+            </a:r>
+            <a:endParaRPr lang="zh-CN" altLang="en-US" dirty="0">
+              <a:latin typeface="Times New Roman" panose="02020603050405020304" pitchFamily="18" charset="0"/>
+              <a:cs typeface="Times New Roman" panose="02020603050405020304" pitchFamily="18" charset="0"/>
+            </a:endParaRPr>
+          </a:p>
+        </p:txBody>
+      </p:sp>
+      <mc:AlternateContent xmlns:mc="http://schemas.openxmlformats.org/markup-compatibility/2006" xmlns:a14="http://schemas.microsoft.com/office/drawing/2010/main">
+        <mc:Choice Requires="a14">
+          <p:sp>
+            <p:nvSpPr>
+              <p:cNvPr id="25" name="文本框 24">
+                <a:extLst>
+                  <a:ext uri="{FF2B5EF4-FFF2-40B4-BE49-F238E27FC236}">
+                    <a16:creationId xmlns:a16="http://schemas.microsoft.com/office/drawing/2014/main" id="{81287AC7-4898-1230-DAA4-776071429587}"/>
+                  </a:ext>
+                </a:extLst>
+              </p:cNvPr>
+              <p:cNvSpPr txBox="1"/>
+              <p:nvPr/>
+            </p:nvSpPr>
+            <p:spPr>
+              <a:xfrm>
+                <a:off x="4695795" y="17477"/>
+                <a:ext cx="1027022" cy="373307"/>
+              </a:xfrm>
+              <a:prstGeom prst="rect">
+                <a:avLst/>
+              </a:prstGeom>
+              <a:noFill/>
+            </p:spPr>
+            <p:txBody>
+              <a:bodyPr wrap="square" rtlCol="0">
+                <a:spAutoFit/>
+              </a:bodyPr>
+              <a:lstStyle/>
+              <a:p>
+                <a:r>
+                  <a:rPr lang="en-US" altLang="zh-CN" dirty="0">
+                    <a:cs typeface="Times New Roman" panose="02020603050405020304" pitchFamily="18" charset="0"/>
+                  </a:rPr>
+                  <a:t>W-</a:t>
+                </a:r>
+                <a14:m>
+                  <m:oMath xmlns:m="http://schemas.openxmlformats.org/officeDocument/2006/math">
+                    <m:sSubSup>
+                      <m:sSubSupPr>
+                        <m:ctrlPr>
+                          <a:rPr lang="en-US" altLang="zh-CN" i="1" dirty="0" smtClean="0">
+                            <a:latin typeface="Cambria Math" panose="02040503050406030204" pitchFamily="18" charset="0"/>
+                            <a:cs typeface="Times New Roman" panose="02020603050405020304" pitchFamily="18" charset="0"/>
+                          </a:rPr>
+                        </m:ctrlPr>
+                      </m:sSubSupPr>
+                      <m:e>
+                        <m:r>
+                          <a:rPr lang="en-US" altLang="zh-CN" b="0" i="1" dirty="0" smtClean="0">
+                            <a:latin typeface="Cambria Math" panose="02040503050406030204" pitchFamily="18" charset="0"/>
+                            <a:cs typeface="Times New Roman" panose="02020603050405020304" pitchFamily="18" charset="0"/>
+                          </a:rPr>
+                          <m:t>𝑃</m:t>
+                        </m:r>
+                        <m:r>
+                          <m:rPr>
+                            <m:sty m:val="p"/>
+                          </m:rPr>
+                          <a:rPr lang="en-US" altLang="zh-CN" i="1" dirty="0">
+                            <a:latin typeface="Cambria Math" panose="02040503050406030204" pitchFamily="18" charset="0"/>
+                            <a:cs typeface="Times New Roman" panose="02020603050405020304" pitchFamily="18" charset="0"/>
+                          </a:rPr>
+                          <m:t>O</m:t>
+                        </m:r>
+                      </m:e>
+                      <m:sub>
+                        <m:r>
+                          <a:rPr lang="en-US" altLang="zh-CN" b="0" i="1" dirty="0" smtClean="0">
+                            <a:latin typeface="Cambria Math" panose="02040503050406030204" pitchFamily="18" charset="0"/>
+                            <a:cs typeface="Times New Roman" panose="02020603050405020304" pitchFamily="18" charset="0"/>
+                          </a:rPr>
+                          <m:t>4</m:t>
+                        </m:r>
+                      </m:sub>
+                      <m:sup>
+                        <m:r>
+                          <a:rPr lang="en-US" altLang="zh-CN" b="0" i="1" dirty="0" smtClean="0">
+                            <a:latin typeface="Cambria Math" panose="02040503050406030204" pitchFamily="18" charset="0"/>
+                            <a:cs typeface="Times New Roman" panose="02020603050405020304" pitchFamily="18" charset="0"/>
+                          </a:rPr>
+                          <m:t>3−</m:t>
+                        </m:r>
+                      </m:sup>
+                    </m:sSubSup>
+                  </m:oMath>
+                </a14:m>
+                <a:endParaRPr lang="zh-CN" altLang="en-US" i="1" dirty="0">
+                  <a:latin typeface="Times New Roman" panose="02020603050405020304" pitchFamily="18" charset="0"/>
+                  <a:cs typeface="Times New Roman" panose="02020603050405020304" pitchFamily="18" charset="0"/>
+                </a:endParaRPr>
+              </a:p>
+            </p:txBody>
+          </p:sp>
+        </mc:Choice>
+        <mc:Fallback xmlns="">
+          <p:sp>
+            <p:nvSpPr>
+              <p:cNvPr id="25" name="文本框 24">
+                <a:extLst>
+                  <a:ext uri="{FF2B5EF4-FFF2-40B4-BE49-F238E27FC236}">
+                    <a16:creationId xmlns:a16="http://schemas.microsoft.com/office/drawing/2014/main" id="{81287AC7-4898-1230-DAA4-776071429587}"/>
+                  </a:ext>
+                </a:extLst>
+              </p:cNvPr>
+              <p:cNvSpPr txBox="1">
+                <a:spLocks noRot="1" noChangeAspect="1" noMove="1" noResize="1" noEditPoints="1" noAdjustHandles="1" noChangeArrowheads="1" noChangeShapeType="1" noTextEdit="1"/>
+              </p:cNvSpPr>
+              <p:nvPr/>
+            </p:nvSpPr>
+            <p:spPr>
+              <a:xfrm>
+                <a:off x="4695795" y="17477"/>
+                <a:ext cx="1027022" cy="373307"/>
+              </a:xfrm>
+              <a:prstGeom prst="rect">
+                <a:avLst/>
+              </a:prstGeom>
+              <a:blipFill>
+                <a:blip r:embed="rId6"/>
+                <a:stretch>
+                  <a:fillRect l="-4734" t="-8197" b="-26230"/>
+                </a:stretch>
+              </a:blipFill>
+            </p:spPr>
+            <p:txBody>
+              <a:bodyPr/>
+              <a:lstStyle/>
+              <a:p>
+                <a:r>
+                  <a:rPr lang="zh-CN" altLang="en-US">
+                    <a:noFill/>
+                  </a:rPr>
+                  <a:t> </a:t>
+                </a:r>
+              </a:p>
+            </p:txBody>
+          </p:sp>
+        </mc:Fallback>
+      </mc:AlternateContent>
+      <p:sp>
+        <p:nvSpPr>
+          <p:cNvPr id="26" name="文本框 25">
+            <a:extLst>
+              <a:ext uri="{FF2B5EF4-FFF2-40B4-BE49-F238E27FC236}">
+                <a16:creationId xmlns:a16="http://schemas.microsoft.com/office/drawing/2014/main" id="{A542A25E-A1BB-A867-9D4E-719E1882AA9D}"/>
+              </a:ext>
+            </a:extLst>
+          </p:cNvPr>
+          <p:cNvSpPr txBox="1"/>
+          <p:nvPr/>
+        </p:nvSpPr>
+        <p:spPr>
+          <a:xfrm>
+            <a:off x="3833559" y="846418"/>
+            <a:ext cx="891728" cy="369332"/>
+          </a:xfrm>
+          <a:prstGeom prst="rect">
+            <a:avLst/>
+          </a:prstGeom>
+          <a:noFill/>
+        </p:spPr>
+        <p:txBody>
+          <a:bodyPr wrap="square" rtlCol="0">
+            <a:spAutoFit/>
+          </a:bodyPr>
+          <a:lstStyle/>
+          <a:p>
+            <a:r>
+              <a:rPr lang="en-US" altLang="zh-CN" dirty="0">
+                <a:latin typeface="Times New Roman" panose="02020603050405020304" pitchFamily="18" charset="0"/>
+                <a:cs typeface="Times New Roman" panose="02020603050405020304" pitchFamily="18" charset="0"/>
+              </a:rPr>
+              <a:t>W-TN</a:t>
+            </a:r>
+            <a:endParaRPr lang="zh-CN" altLang="en-US" dirty="0">
+              <a:latin typeface="Times New Roman" panose="02020603050405020304" pitchFamily="18" charset="0"/>
+              <a:cs typeface="Times New Roman" panose="02020603050405020304" pitchFamily="18" charset="0"/>
+            </a:endParaRPr>
+          </a:p>
+        </p:txBody>
+      </p:sp>
+      <mc:AlternateContent xmlns:mc="http://schemas.openxmlformats.org/markup-compatibility/2006" xmlns:a14="http://schemas.microsoft.com/office/drawing/2010/main">
+        <mc:Choice Requires="a14">
+          <p:sp>
+            <p:nvSpPr>
+              <p:cNvPr id="27" name="文本框 26">
+                <a:extLst>
+                  <a:ext uri="{FF2B5EF4-FFF2-40B4-BE49-F238E27FC236}">
+                    <a16:creationId xmlns:a16="http://schemas.microsoft.com/office/drawing/2014/main" id="{E748C5D6-5D7C-E6C7-3E52-1C9484AE93B6}"/>
+                  </a:ext>
+                </a:extLst>
+              </p:cNvPr>
+              <p:cNvSpPr txBox="1"/>
+              <p:nvPr/>
+            </p:nvSpPr>
+            <p:spPr>
+              <a:xfrm>
+                <a:off x="8233046" y="1355840"/>
+                <a:ext cx="1049964" cy="369332"/>
+              </a:xfrm>
+              <a:prstGeom prst="rect">
+                <a:avLst/>
+              </a:prstGeom>
+              <a:noFill/>
+            </p:spPr>
+            <p:txBody>
+              <a:bodyPr wrap="square" rtlCol="0">
+                <a:spAutoFit/>
+              </a:bodyPr>
+              <a:lstStyle/>
+              <a:p>
+                <a:r>
+                  <a:rPr lang="en-US" altLang="zh-CN" dirty="0">
+                    <a:cs typeface="Times New Roman" panose="02020603050405020304" pitchFamily="18" charset="0"/>
+                  </a:rPr>
+                  <a:t>W-</a:t>
+                </a:r>
+                <a14:m>
+                  <m:oMath xmlns:m="http://schemas.openxmlformats.org/officeDocument/2006/math">
+                    <m:sSubSup>
+                      <m:sSubSupPr>
+                        <m:ctrlPr>
+                          <a:rPr lang="en-US" altLang="zh-CN" i="1" dirty="0" smtClean="0">
+                            <a:latin typeface="Cambria Math" panose="02040503050406030204" pitchFamily="18" charset="0"/>
+                            <a:cs typeface="Times New Roman" panose="02020603050405020304" pitchFamily="18" charset="0"/>
+                          </a:rPr>
+                        </m:ctrlPr>
+                      </m:sSubSupPr>
+                      <m:e>
+                        <m:r>
+                          <m:rPr>
+                            <m:sty m:val="p"/>
+                          </m:rPr>
+                          <a:rPr lang="en-US" altLang="zh-CN" i="1" dirty="0">
+                            <a:latin typeface="Cambria Math" panose="02040503050406030204" pitchFamily="18" charset="0"/>
+                            <a:cs typeface="Times New Roman" panose="02020603050405020304" pitchFamily="18" charset="0"/>
+                          </a:rPr>
+                          <m:t>NO</m:t>
+                        </m:r>
+                      </m:e>
+                      <m:sub>
+                        <m:r>
+                          <a:rPr lang="en-US" altLang="zh-CN" b="0" i="1" dirty="0" smtClean="0">
+                            <a:latin typeface="Cambria Math" panose="02040503050406030204" pitchFamily="18" charset="0"/>
+                            <a:cs typeface="Times New Roman" panose="02020603050405020304" pitchFamily="18" charset="0"/>
+                          </a:rPr>
+                          <m:t>3</m:t>
+                        </m:r>
+                      </m:sub>
+                      <m:sup>
+                        <m:r>
+                          <a:rPr lang="en-US" altLang="zh-CN" b="0" i="1" dirty="0" smtClean="0">
+                            <a:latin typeface="Cambria Math" panose="02040503050406030204" pitchFamily="18" charset="0"/>
+                            <a:cs typeface="Times New Roman" panose="02020603050405020304" pitchFamily="18" charset="0"/>
+                          </a:rPr>
+                          <m:t>−</m:t>
+                        </m:r>
+                      </m:sup>
+                    </m:sSubSup>
+                  </m:oMath>
+                </a14:m>
+                <a:endParaRPr lang="zh-CN" altLang="en-US" i="1" dirty="0">
+                  <a:latin typeface="Times New Roman" panose="02020603050405020304" pitchFamily="18" charset="0"/>
+                  <a:cs typeface="Times New Roman" panose="02020603050405020304" pitchFamily="18" charset="0"/>
+                </a:endParaRPr>
+              </a:p>
+            </p:txBody>
+          </p:sp>
+        </mc:Choice>
+        <mc:Fallback xmlns="">
+          <p:sp>
+            <p:nvSpPr>
+              <p:cNvPr id="27" name="文本框 26">
+                <a:extLst>
+                  <a:ext uri="{FF2B5EF4-FFF2-40B4-BE49-F238E27FC236}">
+                    <a16:creationId xmlns:a16="http://schemas.microsoft.com/office/drawing/2014/main" id="{E748C5D6-5D7C-E6C7-3E52-1C9484AE93B6}"/>
+                  </a:ext>
+                </a:extLst>
+              </p:cNvPr>
+              <p:cNvSpPr txBox="1">
+                <a:spLocks noRot="1" noChangeAspect="1" noMove="1" noResize="1" noEditPoints="1" noAdjustHandles="1" noChangeArrowheads="1" noChangeShapeType="1" noTextEdit="1"/>
+              </p:cNvSpPr>
+              <p:nvPr/>
+            </p:nvSpPr>
+            <p:spPr>
+              <a:xfrm>
+                <a:off x="8233046" y="1355840"/>
+                <a:ext cx="1049964" cy="369332"/>
+              </a:xfrm>
+              <a:prstGeom prst="rect">
+                <a:avLst/>
+              </a:prstGeom>
+              <a:blipFill>
+                <a:blip r:embed="rId7"/>
+                <a:stretch>
+                  <a:fillRect l="-5233" t="-8197" b="-24590"/>
+                </a:stretch>
+              </a:blipFill>
+            </p:spPr>
+            <p:txBody>
+              <a:bodyPr/>
+              <a:lstStyle/>
+              <a:p>
+                <a:r>
+                  <a:rPr lang="zh-CN" altLang="en-US">
+                    <a:noFill/>
+                  </a:rPr>
+                  <a:t> </a:t>
+                </a:r>
+              </a:p>
+            </p:txBody>
+          </p:sp>
+        </mc:Fallback>
+      </mc:AlternateContent>
+      <p:sp>
+        <p:nvSpPr>
+          <p:cNvPr id="29" name="文本框 28">
+            <a:extLst>
+              <a:ext uri="{FF2B5EF4-FFF2-40B4-BE49-F238E27FC236}">
+                <a16:creationId xmlns:a16="http://schemas.microsoft.com/office/drawing/2014/main" id="{3FE22A84-1565-E37C-263F-CAA7588018EE}"/>
+              </a:ext>
+            </a:extLst>
+          </p:cNvPr>
+          <p:cNvSpPr txBox="1"/>
+          <p:nvPr/>
+        </p:nvSpPr>
+        <p:spPr>
+          <a:xfrm>
+            <a:off x="3679103" y="3975154"/>
+            <a:ext cx="1507669" cy="369332"/>
+          </a:xfrm>
+          <a:prstGeom prst="rect">
+            <a:avLst/>
+          </a:prstGeom>
+          <a:noFill/>
+        </p:spPr>
+        <p:txBody>
+          <a:bodyPr wrap="square" rtlCol="0">
+            <a:spAutoFit/>
+          </a:bodyPr>
+          <a:lstStyle/>
+          <a:p>
+            <a:r>
+              <a:rPr lang="en-US" altLang="zh-CN" dirty="0">
+                <a:latin typeface="Times New Roman" panose="02020603050405020304" pitchFamily="18" charset="0"/>
+                <a:cs typeface="Times New Roman" panose="02020603050405020304" pitchFamily="18" charset="0"/>
+              </a:rPr>
+              <a:t>S-Size-d(0.5)</a:t>
+            </a:r>
+            <a:endParaRPr lang="zh-CN" altLang="en-US" dirty="0">
+              <a:latin typeface="Times New Roman" panose="02020603050405020304" pitchFamily="18" charset="0"/>
+              <a:cs typeface="Times New Roman" panose="02020603050405020304" pitchFamily="18" charset="0"/>
+            </a:endParaRPr>
+          </a:p>
+        </p:txBody>
+      </p:sp>
+      <p:sp>
+        <p:nvSpPr>
+          <p:cNvPr id="30" name="文本框 29">
+            <a:extLst>
+              <a:ext uri="{FF2B5EF4-FFF2-40B4-BE49-F238E27FC236}">
+                <a16:creationId xmlns:a16="http://schemas.microsoft.com/office/drawing/2014/main" id="{6462AD31-D9DD-AC47-43F2-3E68B8E05490}"/>
+              </a:ext>
+            </a:extLst>
+          </p:cNvPr>
+          <p:cNvSpPr txBox="1"/>
+          <p:nvPr/>
+        </p:nvSpPr>
+        <p:spPr>
+          <a:xfrm>
+            <a:off x="2444358" y="4211916"/>
+            <a:ext cx="1507669" cy="369332"/>
+          </a:xfrm>
+          <a:prstGeom prst="rect">
+            <a:avLst/>
+          </a:prstGeom>
+          <a:noFill/>
+        </p:spPr>
+        <p:txBody>
+          <a:bodyPr wrap="square" rtlCol="0">
+            <a:spAutoFit/>
+          </a:bodyPr>
+          <a:lstStyle/>
+          <a:p>
+            <a:r>
+              <a:rPr lang="en-US" altLang="zh-CN" dirty="0">
+                <a:latin typeface="Times New Roman" panose="02020603050405020304" pitchFamily="18" charset="0"/>
+                <a:cs typeface="Times New Roman" panose="02020603050405020304" pitchFamily="18" charset="0"/>
+              </a:rPr>
+              <a:t>S-Size-d(0.9)</a:t>
+            </a:r>
+            <a:endParaRPr lang="zh-CN" altLang="en-US" dirty="0">
+              <a:latin typeface="Times New Roman" panose="02020603050405020304" pitchFamily="18" charset="0"/>
+              <a:cs typeface="Times New Roman" panose="02020603050405020304" pitchFamily="18" charset="0"/>
+            </a:endParaRPr>
+          </a:p>
+        </p:txBody>
+      </p:sp>
+      <p:sp>
+        <p:nvSpPr>
+          <p:cNvPr id="34" name="文本框 33">
+            <a:extLst>
+              <a:ext uri="{FF2B5EF4-FFF2-40B4-BE49-F238E27FC236}">
+                <a16:creationId xmlns:a16="http://schemas.microsoft.com/office/drawing/2014/main" id="{939ADB77-5427-68DC-B6E6-B2994A306387}"/>
+              </a:ext>
+            </a:extLst>
+          </p:cNvPr>
+          <p:cNvSpPr txBox="1"/>
+          <p:nvPr/>
+        </p:nvSpPr>
+        <p:spPr>
+          <a:xfrm>
+            <a:off x="7891455" y="5602499"/>
+            <a:ext cx="862770" cy="369332"/>
+          </a:xfrm>
+          <a:prstGeom prst="rect">
+            <a:avLst/>
+          </a:prstGeom>
+          <a:noFill/>
+        </p:spPr>
+        <p:txBody>
+          <a:bodyPr wrap="square" rtlCol="0">
+            <a:spAutoFit/>
+          </a:bodyPr>
+          <a:lstStyle/>
+          <a:p>
+            <a:r>
+              <a:rPr lang="en-US" altLang="zh-CN" dirty="0">
+                <a:latin typeface="Times New Roman" panose="02020603050405020304" pitchFamily="18" charset="0"/>
+                <a:cs typeface="Times New Roman" panose="02020603050405020304" pitchFamily="18" charset="0"/>
+              </a:rPr>
+              <a:t>BIX</a:t>
+            </a:r>
+            <a:endParaRPr lang="zh-CN" altLang="en-US" dirty="0">
+              <a:latin typeface="Times New Roman" panose="02020603050405020304" pitchFamily="18" charset="0"/>
+              <a:cs typeface="Times New Roman" panose="02020603050405020304" pitchFamily="18" charset="0"/>
+            </a:endParaRPr>
+          </a:p>
+        </p:txBody>
+      </p:sp>
+      <p:sp>
+        <p:nvSpPr>
+          <p:cNvPr id="35" name="文本框 34">
+            <a:extLst>
+              <a:ext uri="{FF2B5EF4-FFF2-40B4-BE49-F238E27FC236}">
+                <a16:creationId xmlns:a16="http://schemas.microsoft.com/office/drawing/2014/main" id="{A01A7D01-5969-13A9-D28C-AC5B2A596364}"/>
+              </a:ext>
+            </a:extLst>
+          </p:cNvPr>
+          <p:cNvSpPr txBox="1"/>
+          <p:nvPr/>
+        </p:nvSpPr>
+        <p:spPr>
+          <a:xfrm>
+            <a:off x="6107682" y="21452"/>
+            <a:ext cx="1013633" cy="369332"/>
+          </a:xfrm>
+          <a:prstGeom prst="rect">
+            <a:avLst/>
+          </a:prstGeom>
+          <a:noFill/>
+        </p:spPr>
+        <p:txBody>
+          <a:bodyPr wrap="square" rtlCol="0">
+            <a:spAutoFit/>
+          </a:bodyPr>
+          <a:lstStyle/>
+          <a:p>
+            <a:r>
+              <a:rPr lang="en-US" altLang="zh-CN" dirty="0">
+                <a:latin typeface="Times New Roman" panose="02020603050405020304" pitchFamily="18" charset="0"/>
+                <a:cs typeface="Times New Roman" panose="02020603050405020304" pitchFamily="18" charset="0"/>
+              </a:rPr>
+              <a:t>Ⅱ-Area</a:t>
+            </a:r>
+            <a:endParaRPr lang="zh-CN" altLang="en-US" dirty="0">
+              <a:latin typeface="Times New Roman" panose="02020603050405020304" pitchFamily="18" charset="0"/>
+              <a:cs typeface="Times New Roman" panose="02020603050405020304" pitchFamily="18" charset="0"/>
+            </a:endParaRPr>
+          </a:p>
+        </p:txBody>
+      </p:sp>
+      <p:sp>
+        <p:nvSpPr>
+          <p:cNvPr id="36" name="文本框 35">
+            <a:extLst>
+              <a:ext uri="{FF2B5EF4-FFF2-40B4-BE49-F238E27FC236}">
+                <a16:creationId xmlns:a16="http://schemas.microsoft.com/office/drawing/2014/main" id="{4443F524-9840-EA88-BA22-0F5167D53CC7}"/>
+              </a:ext>
+            </a:extLst>
+          </p:cNvPr>
+          <p:cNvSpPr txBox="1"/>
+          <p:nvPr/>
+        </p:nvSpPr>
+        <p:spPr>
+          <a:xfrm>
+            <a:off x="4543799" y="1965703"/>
+            <a:ext cx="871145" cy="369332"/>
+          </a:xfrm>
+          <a:prstGeom prst="rect">
+            <a:avLst/>
+          </a:prstGeom>
+          <a:noFill/>
+        </p:spPr>
+        <p:txBody>
+          <a:bodyPr wrap="square" rtlCol="0">
+            <a:spAutoFit/>
+          </a:bodyPr>
+          <a:lstStyle/>
+          <a:p>
+            <a:r>
+              <a:rPr lang="en-US" altLang="zh-CN" dirty="0">
+                <a:latin typeface="Times New Roman" panose="02020603050405020304" pitchFamily="18" charset="0"/>
+                <a:cs typeface="Times New Roman" panose="02020603050405020304" pitchFamily="18" charset="0"/>
+              </a:rPr>
+              <a:t>W-pH</a:t>
+            </a:r>
+            <a:endParaRPr lang="zh-CN" altLang="en-US" dirty="0">
+              <a:latin typeface="Times New Roman" panose="02020603050405020304" pitchFamily="18" charset="0"/>
+              <a:cs typeface="Times New Roman" panose="02020603050405020304" pitchFamily="18" charset="0"/>
+            </a:endParaRPr>
+          </a:p>
+        </p:txBody>
+      </p:sp>
+      <p:sp>
+        <p:nvSpPr>
+          <p:cNvPr id="37" name="文本框 36">
+            <a:extLst>
+              <a:ext uri="{FF2B5EF4-FFF2-40B4-BE49-F238E27FC236}">
+                <a16:creationId xmlns:a16="http://schemas.microsoft.com/office/drawing/2014/main" id="{9C3AF793-F958-CF45-69CF-7A9509891241}"/>
+              </a:ext>
+            </a:extLst>
+          </p:cNvPr>
+          <p:cNvSpPr txBox="1"/>
+          <p:nvPr/>
+        </p:nvSpPr>
+        <p:spPr>
+          <a:xfrm>
+            <a:off x="6114964" y="5223921"/>
+            <a:ext cx="660400" cy="369332"/>
+          </a:xfrm>
+          <a:prstGeom prst="rect">
+            <a:avLst/>
+          </a:prstGeom>
+          <a:noFill/>
+        </p:spPr>
+        <p:txBody>
+          <a:bodyPr wrap="square" rtlCol="0">
+            <a:spAutoFit/>
+          </a:bodyPr>
+          <a:lstStyle/>
+          <a:p>
+            <a:r>
+              <a:rPr lang="en-US" altLang="zh-CN" i="1" dirty="0" err="1">
+                <a:latin typeface="Times New Roman" panose="02020603050405020304" pitchFamily="18" charset="0"/>
+                <a:cs typeface="Times New Roman" panose="02020603050405020304" pitchFamily="18" charset="0"/>
+              </a:rPr>
+              <a:t>hzsA</a:t>
+            </a:r>
+            <a:endParaRPr lang="zh-CN" altLang="en-US" i="1" dirty="0">
+              <a:latin typeface="Times New Roman" panose="02020603050405020304" pitchFamily="18" charset="0"/>
+              <a:cs typeface="Times New Roman" panose="02020603050405020304" pitchFamily="18" charset="0"/>
+            </a:endParaRPr>
+          </a:p>
+        </p:txBody>
+      </p:sp>
+      <p:sp>
+        <p:nvSpPr>
+          <p:cNvPr id="38" name="文本框 37">
+            <a:extLst>
+              <a:ext uri="{FF2B5EF4-FFF2-40B4-BE49-F238E27FC236}">
+                <a16:creationId xmlns:a16="http://schemas.microsoft.com/office/drawing/2014/main" id="{FB475FCD-B163-EE45-4B0D-A1F349F4EE94}"/>
+              </a:ext>
+            </a:extLst>
+          </p:cNvPr>
+          <p:cNvSpPr txBox="1"/>
+          <p:nvPr/>
+        </p:nvSpPr>
+        <p:spPr>
+          <a:xfrm>
+            <a:off x="3326742" y="5252400"/>
+            <a:ext cx="1013633" cy="369332"/>
+          </a:xfrm>
+          <a:prstGeom prst="rect">
+            <a:avLst/>
+          </a:prstGeom>
+          <a:noFill/>
+        </p:spPr>
+        <p:txBody>
+          <a:bodyPr wrap="square" rtlCol="0">
+            <a:spAutoFit/>
+          </a:bodyPr>
+          <a:lstStyle/>
+          <a:p>
+            <a:r>
+              <a:rPr lang="en-US" altLang="zh-CN" dirty="0">
+                <a:latin typeface="Times New Roman" panose="02020603050405020304" pitchFamily="18" charset="0"/>
+                <a:cs typeface="Times New Roman" panose="02020603050405020304" pitchFamily="18" charset="0"/>
+              </a:rPr>
+              <a:t>Ⅰ-Area</a:t>
+            </a:r>
+            <a:endParaRPr lang="zh-CN" altLang="en-US" dirty="0">
+              <a:latin typeface="Times New Roman" panose="02020603050405020304" pitchFamily="18" charset="0"/>
+              <a:cs typeface="Times New Roman" panose="02020603050405020304" pitchFamily="18" charset="0"/>
+            </a:endParaRPr>
+          </a:p>
+        </p:txBody>
+      </p:sp>
+      <p:sp>
+        <p:nvSpPr>
+          <p:cNvPr id="39" name="文本框 38">
+            <a:extLst>
+              <a:ext uri="{FF2B5EF4-FFF2-40B4-BE49-F238E27FC236}">
+                <a16:creationId xmlns:a16="http://schemas.microsoft.com/office/drawing/2014/main" id="{E3184A7D-F67D-02E5-AD86-A1E44E8E4294}"/>
+              </a:ext>
+            </a:extLst>
+          </p:cNvPr>
+          <p:cNvSpPr txBox="1"/>
+          <p:nvPr/>
+        </p:nvSpPr>
+        <p:spPr>
+          <a:xfrm>
+            <a:off x="4101287" y="5051761"/>
+            <a:ext cx="2170971" cy="369332"/>
+          </a:xfrm>
+          <a:prstGeom prst="rect">
+            <a:avLst/>
+          </a:prstGeom>
+          <a:noFill/>
+        </p:spPr>
+        <p:txBody>
+          <a:bodyPr wrap="square" rtlCol="0">
+            <a:spAutoFit/>
+          </a:bodyPr>
+          <a:lstStyle/>
+          <a:p>
+            <a:r>
+              <a:rPr lang="en-US" altLang="zh-CN" i="1" dirty="0">
+                <a:latin typeface="Times New Roman" panose="02020603050405020304" pitchFamily="18" charset="0"/>
+                <a:cs typeface="Times New Roman" panose="02020603050405020304" pitchFamily="18" charset="0"/>
+              </a:rPr>
+              <a:t>Archaeal 16S rRNA</a:t>
+            </a:r>
+            <a:endParaRPr lang="zh-CN" altLang="en-US" i="1" dirty="0">
+              <a:latin typeface="Times New Roman" panose="02020603050405020304" pitchFamily="18" charset="0"/>
+              <a:cs typeface="Times New Roman" panose="02020603050405020304" pitchFamily="18" charset="0"/>
+            </a:endParaRPr>
+          </a:p>
+        </p:txBody>
+      </p:sp>
+      <p:sp>
+        <p:nvSpPr>
+          <p:cNvPr id="40" name="文本框 39">
+            <a:extLst>
+              <a:ext uri="{FF2B5EF4-FFF2-40B4-BE49-F238E27FC236}">
+                <a16:creationId xmlns:a16="http://schemas.microsoft.com/office/drawing/2014/main" id="{A24A52C9-F71D-D672-032A-234EF6B1C8DF}"/>
+              </a:ext>
+            </a:extLst>
+          </p:cNvPr>
+          <p:cNvSpPr txBox="1"/>
+          <p:nvPr/>
+        </p:nvSpPr>
+        <p:spPr>
+          <a:xfrm>
+            <a:off x="3671902" y="2678872"/>
+            <a:ext cx="779782" cy="369332"/>
+          </a:xfrm>
+          <a:prstGeom prst="rect">
+            <a:avLst/>
+          </a:prstGeom>
+          <a:noFill/>
+        </p:spPr>
+        <p:txBody>
+          <a:bodyPr wrap="square" rtlCol="0">
+            <a:spAutoFit/>
+          </a:bodyPr>
+          <a:lstStyle/>
+          <a:p>
+            <a:r>
+              <a:rPr lang="en-US" altLang="zh-CN" i="1" dirty="0" err="1">
+                <a:latin typeface="Times New Roman" panose="02020603050405020304" pitchFamily="18" charset="0"/>
+                <a:cs typeface="Times New Roman" panose="02020603050405020304" pitchFamily="18" charset="0"/>
+              </a:rPr>
+              <a:t>napA</a:t>
+            </a:r>
+            <a:endParaRPr lang="zh-CN" altLang="en-US" i="1" dirty="0">
+              <a:latin typeface="Times New Roman" panose="02020603050405020304" pitchFamily="18" charset="0"/>
+              <a:cs typeface="Times New Roman" panose="02020603050405020304" pitchFamily="18" charset="0"/>
+            </a:endParaRPr>
+          </a:p>
+        </p:txBody>
+      </p:sp>
+      <p:sp>
+        <p:nvSpPr>
+          <p:cNvPr id="41" name="文本框 40">
+            <a:extLst>
+              <a:ext uri="{FF2B5EF4-FFF2-40B4-BE49-F238E27FC236}">
+                <a16:creationId xmlns:a16="http://schemas.microsoft.com/office/drawing/2014/main" id="{23E02692-545A-A636-A897-F043D8AAEFC3}"/>
+              </a:ext>
+            </a:extLst>
+          </p:cNvPr>
+          <p:cNvSpPr txBox="1"/>
+          <p:nvPr/>
+        </p:nvSpPr>
+        <p:spPr>
+          <a:xfrm>
+            <a:off x="6839657" y="1355840"/>
+            <a:ext cx="755650" cy="369332"/>
+          </a:xfrm>
+          <a:prstGeom prst="rect">
+            <a:avLst/>
+          </a:prstGeom>
+          <a:noFill/>
+        </p:spPr>
+        <p:txBody>
+          <a:bodyPr wrap="square" rtlCol="0">
+            <a:spAutoFit/>
+          </a:bodyPr>
+          <a:lstStyle/>
+          <a:p>
+            <a:r>
+              <a:rPr lang="en-US" altLang="zh-CN" i="1" dirty="0" err="1">
+                <a:latin typeface="Times New Roman" panose="02020603050405020304" pitchFamily="18" charset="0"/>
+                <a:cs typeface="Times New Roman" panose="02020603050405020304" pitchFamily="18" charset="0"/>
+              </a:rPr>
+              <a:t>nxrA</a:t>
+            </a:r>
+            <a:endParaRPr lang="zh-CN" altLang="en-US" i="1" dirty="0">
+              <a:latin typeface="Times New Roman" panose="02020603050405020304" pitchFamily="18" charset="0"/>
+              <a:cs typeface="Times New Roman" panose="02020603050405020304" pitchFamily="18" charset="0"/>
+            </a:endParaRPr>
+          </a:p>
+        </p:txBody>
+      </p:sp>
+    </p:spTree>
+    <p:extLst>
+      <p:ext uri="{BB962C8B-B14F-4D97-AF65-F5344CB8AC3E}">
+        <p14:creationId xmlns:p14="http://schemas.microsoft.com/office/powerpoint/2010/main" val="1317754844"/>
+      </p:ext>
+    </p:extLst>
+  </p:cSld>
+  <p:clrMapOvr>
+    <a:masterClrMapping/>
+  </p:clrMapOvr>
+</p:sld>
+</file>
+
+<file path=ppt/slides/slide4.xml><?xml version="1.0" encoding="utf-8"?>
+<p:sld xmlns:a="http://schemas.openxmlformats.org/drawingml/2006/main" xmlns:r="http://schemas.openxmlformats.org/officeDocument/2006/relationships" xmlns:p="http://schemas.openxmlformats.org/presentationml/2006/main">
+  <p:cSld>
+    <p:spTree>
+      <p:nvGrpSpPr>
+        <p:cNvPr id="1" name=""/>
+        <p:cNvGrpSpPr/>
+        <p:nvPr/>
+      </p:nvGrpSpPr>
+      <p:grpSpPr>
+        <a:xfrm>
+          <a:off x="0" y="0"/>
+          <a:ext cx="0" cy="0"/>
+          <a:chOff x="0" y="0"/>
+          <a:chExt cx="0" cy="0"/>
+        </a:xfrm>
+      </p:grpSpPr>
+      <p:pic>
+        <p:nvPicPr>
+          <p:cNvPr id="3" name="图形 2">
+            <a:extLst>
+              <a:ext uri="{FF2B5EF4-FFF2-40B4-BE49-F238E27FC236}">
+                <a16:creationId xmlns:a16="http://schemas.microsoft.com/office/drawing/2014/main" id="{BBB04EFD-C722-CA3A-C3F1-4062ADCABFA6}"/>
+              </a:ext>
+            </a:extLst>
+          </p:cNvPr>
+          <p:cNvPicPr>
+            <a:picLocks noChangeAspect="1"/>
+          </p:cNvPicPr>
+          <p:nvPr/>
+        </p:nvPicPr>
+        <p:blipFill>
+          <a:blip r:embed="rId2">
+            <a:extLst>
+              <a:ext uri="{28A0092B-C50C-407E-A947-70E740481C1C}">
+                <a14:useLocalDpi xmlns:a14="http://schemas.microsoft.com/office/drawing/2010/main" val="0"/>
+              </a:ext>
+              <a:ext uri="{96DAC541-7B7A-43D3-8B79-37D633B846F1}">
+                <asvg:svgBlip xmlns:asvg="http://schemas.microsoft.com/office/drawing/2016/SVG/main" r:embed="rId3"/>
+              </a:ext>
+            </a:extLst>
+          </a:blip>
+          <a:stretch>
+            <a:fillRect/>
+          </a:stretch>
+        </p:blipFill>
+        <p:spPr>
+          <a:xfrm>
+            <a:off x="2616729" y="0"/>
+            <a:ext cx="6958542" cy="6858000"/>
+          </a:xfrm>
+          <a:prstGeom prst="rect">
+            <a:avLst/>
+          </a:prstGeom>
+        </p:spPr>
+      </p:pic>
+      <p:sp>
+        <p:nvSpPr>
+          <p:cNvPr id="4" name="文本框 3">
+            <a:extLst>
+              <a:ext uri="{FF2B5EF4-FFF2-40B4-BE49-F238E27FC236}">
+                <a16:creationId xmlns:a16="http://schemas.microsoft.com/office/drawing/2014/main" id="{47008350-841A-1B0E-E479-ACFBEE4FD01B}"/>
+              </a:ext>
+            </a:extLst>
+          </p:cNvPr>
+          <p:cNvSpPr txBox="1"/>
+          <p:nvPr/>
+        </p:nvSpPr>
+        <p:spPr>
+          <a:xfrm>
+            <a:off x="5659037" y="1323079"/>
+            <a:ext cx="755650" cy="369332"/>
+          </a:xfrm>
+          <a:prstGeom prst="rect">
+            <a:avLst/>
+          </a:prstGeom>
+          <a:noFill/>
+        </p:spPr>
+        <p:txBody>
+          <a:bodyPr wrap="square" rtlCol="0">
+            <a:spAutoFit/>
+          </a:bodyPr>
+          <a:lstStyle/>
+          <a:p>
+            <a:r>
+              <a:rPr lang="en-US" altLang="zh-CN" i="1" dirty="0" err="1">
+                <a:latin typeface="Times New Roman" panose="02020603050405020304" pitchFamily="18" charset="0"/>
+                <a:cs typeface="Times New Roman" panose="02020603050405020304" pitchFamily="18" charset="0"/>
+              </a:rPr>
+              <a:t>norB</a:t>
+            </a:r>
+            <a:endParaRPr lang="zh-CN" altLang="en-US" i="1" dirty="0">
+              <a:latin typeface="Times New Roman" panose="02020603050405020304" pitchFamily="18" charset="0"/>
+              <a:cs typeface="Times New Roman" panose="02020603050405020304" pitchFamily="18" charset="0"/>
+            </a:endParaRPr>
+          </a:p>
+        </p:txBody>
+      </p:sp>
+      <p:sp>
+        <p:nvSpPr>
+          <p:cNvPr id="8" name="文本框 7">
+            <a:extLst>
+              <a:ext uri="{FF2B5EF4-FFF2-40B4-BE49-F238E27FC236}">
+                <a16:creationId xmlns:a16="http://schemas.microsoft.com/office/drawing/2014/main" id="{A0907646-7EEB-A5D7-540F-36954AA9FCB1}"/>
+              </a:ext>
+            </a:extLst>
+          </p:cNvPr>
+          <p:cNvSpPr txBox="1"/>
+          <p:nvPr/>
+        </p:nvSpPr>
+        <p:spPr>
+          <a:xfrm>
+            <a:off x="4543286" y="153453"/>
+            <a:ext cx="1293016" cy="369332"/>
+          </a:xfrm>
+          <a:prstGeom prst="rect">
+            <a:avLst/>
+          </a:prstGeom>
+          <a:noFill/>
+        </p:spPr>
+        <p:txBody>
+          <a:bodyPr wrap="square" rtlCol="0">
+            <a:spAutoFit/>
+          </a:bodyPr>
+          <a:lstStyle/>
+          <a:p>
+            <a:r>
+              <a:rPr lang="en-US" altLang="zh-CN" i="1" dirty="0" err="1">
+                <a:latin typeface="Times New Roman" panose="02020603050405020304" pitchFamily="18" charset="0"/>
+                <a:cs typeface="Times New Roman" panose="02020603050405020304" pitchFamily="18" charset="0"/>
+              </a:rPr>
+              <a:t>AOA_amoA</a:t>
+            </a:r>
+            <a:endParaRPr lang="zh-CN" altLang="en-US" i="1" dirty="0">
+              <a:latin typeface="Times New Roman" panose="02020603050405020304" pitchFamily="18" charset="0"/>
+              <a:cs typeface="Times New Roman" panose="02020603050405020304" pitchFamily="18" charset="0"/>
+            </a:endParaRPr>
+          </a:p>
+        </p:txBody>
+      </p:sp>
+      <p:sp>
+        <p:nvSpPr>
+          <p:cNvPr id="9" name="文本框 8">
+            <a:extLst>
+              <a:ext uri="{FF2B5EF4-FFF2-40B4-BE49-F238E27FC236}">
+                <a16:creationId xmlns:a16="http://schemas.microsoft.com/office/drawing/2014/main" id="{4D470463-7700-F5FF-D675-C3FEC5A62AA4}"/>
+              </a:ext>
+            </a:extLst>
+          </p:cNvPr>
+          <p:cNvSpPr txBox="1"/>
+          <p:nvPr/>
+        </p:nvSpPr>
+        <p:spPr>
+          <a:xfrm>
+            <a:off x="3906781" y="4001381"/>
+            <a:ext cx="660400" cy="369332"/>
+          </a:xfrm>
+          <a:prstGeom prst="rect">
+            <a:avLst/>
+          </a:prstGeom>
+          <a:noFill/>
+        </p:spPr>
+        <p:txBody>
+          <a:bodyPr wrap="square" rtlCol="0">
+            <a:spAutoFit/>
+          </a:bodyPr>
+          <a:lstStyle/>
+          <a:p>
+            <a:r>
+              <a:rPr lang="en-US" altLang="zh-CN" dirty="0">
+                <a:latin typeface="Times New Roman" panose="02020603050405020304" pitchFamily="18" charset="0"/>
+                <a:cs typeface="Times New Roman" panose="02020603050405020304" pitchFamily="18" charset="0"/>
+              </a:rPr>
+              <a:t>HIX</a:t>
+            </a:r>
+            <a:endParaRPr lang="zh-CN" altLang="en-US" dirty="0">
+              <a:latin typeface="Times New Roman" panose="02020603050405020304" pitchFamily="18" charset="0"/>
+              <a:cs typeface="Times New Roman" panose="02020603050405020304" pitchFamily="18" charset="0"/>
+            </a:endParaRPr>
+          </a:p>
+        </p:txBody>
+      </p:sp>
+      <mc:AlternateContent xmlns:mc="http://schemas.openxmlformats.org/markup-compatibility/2006">
+        <mc:Choice xmlns:a14="http://schemas.microsoft.com/office/drawing/2010/main" Requires="a14">
+          <p:sp>
+            <p:nvSpPr>
+              <p:cNvPr id="10" name="文本框 9">
+                <a:extLst>
+                  <a:ext uri="{FF2B5EF4-FFF2-40B4-BE49-F238E27FC236}">
+                    <a16:creationId xmlns:a16="http://schemas.microsoft.com/office/drawing/2014/main" id="{820233C3-61C7-8C10-BD5A-79B012C0E9CE}"/>
+                  </a:ext>
+                </a:extLst>
+              </p:cNvPr>
+              <p:cNvSpPr txBox="1"/>
+              <p:nvPr/>
+            </p:nvSpPr>
+            <p:spPr>
+              <a:xfrm>
+                <a:off x="2491616" y="4249547"/>
+                <a:ext cx="947978" cy="369332"/>
+              </a:xfrm>
+              <a:prstGeom prst="rect">
+                <a:avLst/>
+              </a:prstGeom>
+              <a:noFill/>
+            </p:spPr>
+            <p:txBody>
+              <a:bodyPr wrap="square" rtlCol="0">
+                <a:spAutoFit/>
+              </a:bodyPr>
+              <a:lstStyle/>
+              <a:p>
+                <a:pPr/>
+                <a:r>
+                  <a:rPr lang="en-US" altLang="zh-CN" dirty="0">
+                    <a:latin typeface="Times New Roman" panose="02020603050405020304" pitchFamily="18" charset="0"/>
+                    <a:cs typeface="Times New Roman" panose="02020603050405020304" pitchFamily="18" charset="0"/>
+                  </a:rPr>
+                  <a:t>W-</a:t>
+                </a:r>
+                <a14:m>
+                  <m:oMath xmlns:m="http://schemas.openxmlformats.org/officeDocument/2006/math">
+                    <m:sSubSup>
+                      <m:sSubSupPr>
+                        <m:ctrlPr>
+                          <a:rPr lang="en-US" altLang="zh-CN" i="1" dirty="0" smtClean="0">
+                            <a:latin typeface="Cambria Math" panose="02040503050406030204" pitchFamily="18" charset="0"/>
+                            <a:cs typeface="Times New Roman" panose="02020603050405020304" pitchFamily="18" charset="0"/>
+                          </a:rPr>
+                        </m:ctrlPr>
+                      </m:sSubSupPr>
+                      <m:e>
+                        <m:r>
+                          <m:rPr>
+                            <m:sty m:val="p"/>
+                          </m:rPr>
+                          <a:rPr lang="en-US" altLang="zh-CN" i="1" dirty="0">
+                            <a:latin typeface="Cambria Math" panose="02040503050406030204" pitchFamily="18" charset="0"/>
+                            <a:cs typeface="Times New Roman" panose="02020603050405020304" pitchFamily="18" charset="0"/>
+                          </a:rPr>
+                          <m:t>NO</m:t>
+                        </m:r>
+                      </m:e>
+                      <m:sub>
+                        <m:r>
+                          <a:rPr lang="en-US" altLang="zh-CN" b="0" i="1" dirty="0" smtClean="0">
+                            <a:latin typeface="Cambria Math" panose="02040503050406030204" pitchFamily="18" charset="0"/>
+                            <a:cs typeface="Times New Roman" panose="02020603050405020304" pitchFamily="18" charset="0"/>
+                          </a:rPr>
+                          <m:t>2</m:t>
+                        </m:r>
+                      </m:sub>
+                      <m:sup>
+                        <m:r>
+                          <a:rPr lang="en-US" altLang="zh-CN" b="0" i="1" dirty="0" smtClean="0">
+                            <a:latin typeface="Cambria Math" panose="02040503050406030204" pitchFamily="18" charset="0"/>
+                            <a:cs typeface="Times New Roman" panose="02020603050405020304" pitchFamily="18" charset="0"/>
+                          </a:rPr>
+                          <m:t>−</m:t>
+                        </m:r>
+                      </m:sup>
+                    </m:sSubSup>
+                  </m:oMath>
+                </a14:m>
+                <a:endParaRPr lang="zh-CN" altLang="en-US" i="1" dirty="0">
+                  <a:latin typeface="Times New Roman" panose="02020603050405020304" pitchFamily="18" charset="0"/>
+                  <a:cs typeface="Times New Roman" panose="02020603050405020304" pitchFamily="18" charset="0"/>
+                </a:endParaRPr>
+              </a:p>
+            </p:txBody>
+          </p:sp>
+        </mc:Choice>
+        <mc:Fallback>
+          <p:sp>
+            <p:nvSpPr>
+              <p:cNvPr id="10" name="文本框 9">
+                <a:extLst>
+                  <a:ext uri="{FF2B5EF4-FFF2-40B4-BE49-F238E27FC236}">
+                    <a16:creationId xmlns:a16="http://schemas.microsoft.com/office/drawing/2014/main" id="{820233C3-61C7-8C10-BD5A-79B012C0E9CE}"/>
+                  </a:ext>
+                </a:extLst>
+              </p:cNvPr>
+              <p:cNvSpPr txBox="1">
+                <a:spLocks noRot="1" noChangeAspect="1" noMove="1" noResize="1" noEditPoints="1" noAdjustHandles="1" noChangeArrowheads="1" noChangeShapeType="1" noTextEdit="1"/>
+              </p:cNvSpPr>
+              <p:nvPr/>
+            </p:nvSpPr>
+            <p:spPr>
+              <a:xfrm>
+                <a:off x="2491616" y="4249547"/>
+                <a:ext cx="947978" cy="369332"/>
+              </a:xfrm>
+              <a:prstGeom prst="rect">
+                <a:avLst/>
+              </a:prstGeom>
+              <a:blipFill>
+                <a:blip r:embed="rId4"/>
+                <a:stretch>
+                  <a:fillRect l="-5806" t="-8197" b="-24590"/>
+                </a:stretch>
+              </a:blipFill>
+            </p:spPr>
+            <p:txBody>
+              <a:bodyPr/>
+              <a:lstStyle/>
+              <a:p>
+                <a:r>
+                  <a:rPr lang="zh-CN" altLang="en-US">
+                    <a:noFill/>
+                  </a:rPr>
+                  <a:t> </a:t>
+                </a:r>
+              </a:p>
+            </p:txBody>
+          </p:sp>
+        </mc:Fallback>
+      </mc:AlternateContent>
+      <p:sp>
+        <p:nvSpPr>
+          <p:cNvPr id="12" name="文本框 11">
+            <a:extLst>
+              <a:ext uri="{FF2B5EF4-FFF2-40B4-BE49-F238E27FC236}">
+                <a16:creationId xmlns:a16="http://schemas.microsoft.com/office/drawing/2014/main" id="{1A471535-75B1-B034-C4FD-8592F63F6487}"/>
+              </a:ext>
+            </a:extLst>
+          </p:cNvPr>
+          <p:cNvSpPr txBox="1"/>
+          <p:nvPr/>
+        </p:nvSpPr>
+        <p:spPr>
+          <a:xfrm>
+            <a:off x="8267124" y="2274323"/>
+            <a:ext cx="2170971" cy="369332"/>
+          </a:xfrm>
+          <a:prstGeom prst="rect">
+            <a:avLst/>
+          </a:prstGeom>
+          <a:noFill/>
+        </p:spPr>
+        <p:txBody>
+          <a:bodyPr wrap="square" rtlCol="0">
+            <a:spAutoFit/>
+          </a:bodyPr>
+          <a:lstStyle/>
+          <a:p>
+            <a:r>
+              <a:rPr lang="en-US" altLang="zh-CN" i="1" dirty="0">
+                <a:latin typeface="Times New Roman" panose="02020603050405020304" pitchFamily="18" charset="0"/>
+                <a:cs typeface="Times New Roman" panose="02020603050405020304" pitchFamily="18" charset="0"/>
+              </a:rPr>
+              <a:t>Archaeal 16S rDNA</a:t>
+            </a:r>
+            <a:endParaRPr lang="zh-CN" altLang="en-US" i="1" dirty="0">
+              <a:latin typeface="Times New Roman" panose="02020603050405020304" pitchFamily="18" charset="0"/>
+              <a:cs typeface="Times New Roman" panose="02020603050405020304" pitchFamily="18" charset="0"/>
+            </a:endParaRPr>
+          </a:p>
+        </p:txBody>
+      </p:sp>
+      <p:sp>
+        <p:nvSpPr>
+          <p:cNvPr id="13" name="文本框 12">
+            <a:extLst>
+              <a:ext uri="{FF2B5EF4-FFF2-40B4-BE49-F238E27FC236}">
+                <a16:creationId xmlns:a16="http://schemas.microsoft.com/office/drawing/2014/main" id="{8D56678E-9987-A1A3-4A31-0529374F1C2F}"/>
+              </a:ext>
+            </a:extLst>
+          </p:cNvPr>
+          <p:cNvSpPr txBox="1"/>
+          <p:nvPr/>
+        </p:nvSpPr>
+        <p:spPr>
+          <a:xfrm>
+            <a:off x="5122700" y="2741989"/>
+            <a:ext cx="660400" cy="369332"/>
+          </a:xfrm>
+          <a:prstGeom prst="rect">
+            <a:avLst/>
+          </a:prstGeom>
+          <a:noFill/>
+        </p:spPr>
+        <p:txBody>
+          <a:bodyPr wrap="square" rtlCol="0">
+            <a:spAutoFit/>
+          </a:bodyPr>
+          <a:lstStyle/>
+          <a:p>
+            <a:r>
+              <a:rPr lang="en-US" altLang="zh-CN" i="1" dirty="0" err="1">
+                <a:latin typeface="Times New Roman" panose="02020603050405020304" pitchFamily="18" charset="0"/>
+                <a:cs typeface="Times New Roman" panose="02020603050405020304" pitchFamily="18" charset="0"/>
+              </a:rPr>
+              <a:t>hzsA</a:t>
+            </a:r>
+            <a:endParaRPr lang="zh-CN" altLang="en-US" i="1" dirty="0">
+              <a:latin typeface="Times New Roman" panose="02020603050405020304" pitchFamily="18" charset="0"/>
+              <a:cs typeface="Times New Roman" panose="02020603050405020304" pitchFamily="18" charset="0"/>
+            </a:endParaRPr>
+          </a:p>
+        </p:txBody>
+      </p:sp>
+      <p:sp>
+        <p:nvSpPr>
+          <p:cNvPr id="14" name="文本框 13">
+            <a:extLst>
+              <a:ext uri="{FF2B5EF4-FFF2-40B4-BE49-F238E27FC236}">
+                <a16:creationId xmlns:a16="http://schemas.microsoft.com/office/drawing/2014/main" id="{DF59A2D2-570F-88DA-1B13-3D4BC85DB87F}"/>
+              </a:ext>
+            </a:extLst>
+          </p:cNvPr>
+          <p:cNvSpPr txBox="1"/>
+          <p:nvPr/>
+        </p:nvSpPr>
+        <p:spPr>
+          <a:xfrm>
+            <a:off x="7892849" y="5840278"/>
+            <a:ext cx="1027950" cy="369332"/>
+          </a:xfrm>
+          <a:prstGeom prst="rect">
+            <a:avLst/>
+          </a:prstGeom>
+          <a:noFill/>
+        </p:spPr>
+        <p:txBody>
+          <a:bodyPr wrap="square" rtlCol="0">
+            <a:spAutoFit/>
+          </a:bodyPr>
+          <a:lstStyle/>
+          <a:p>
+            <a:r>
+              <a:rPr lang="en-US" altLang="zh-CN" dirty="0">
+                <a:latin typeface="Times New Roman" panose="02020603050405020304" pitchFamily="18" charset="0"/>
+                <a:cs typeface="Times New Roman" panose="02020603050405020304" pitchFamily="18" charset="0"/>
+              </a:rPr>
+              <a:t>COD</a:t>
+            </a:r>
+            <a:endParaRPr lang="zh-CN" altLang="en-US" dirty="0">
+              <a:latin typeface="Times New Roman" panose="02020603050405020304" pitchFamily="18" charset="0"/>
+              <a:cs typeface="Times New Roman" panose="02020603050405020304" pitchFamily="18" charset="0"/>
+            </a:endParaRPr>
+          </a:p>
+        </p:txBody>
+      </p:sp>
+      <p:sp>
+        <p:nvSpPr>
+          <p:cNvPr id="16" name="文本框 15">
+            <a:extLst>
+              <a:ext uri="{FF2B5EF4-FFF2-40B4-BE49-F238E27FC236}">
+                <a16:creationId xmlns:a16="http://schemas.microsoft.com/office/drawing/2014/main" id="{BC87B14D-8F79-0D19-88DF-AD2004E0D1BC}"/>
+              </a:ext>
+            </a:extLst>
+          </p:cNvPr>
+          <p:cNvSpPr txBox="1"/>
+          <p:nvPr/>
+        </p:nvSpPr>
+        <p:spPr>
+          <a:xfrm>
+            <a:off x="3664920" y="677246"/>
+            <a:ext cx="660400" cy="369332"/>
+          </a:xfrm>
+          <a:prstGeom prst="rect">
+            <a:avLst/>
+          </a:prstGeom>
+          <a:noFill/>
+        </p:spPr>
+        <p:txBody>
+          <a:bodyPr wrap="square" rtlCol="0">
+            <a:spAutoFit/>
+          </a:bodyPr>
+          <a:lstStyle/>
+          <a:p>
+            <a:r>
+              <a:rPr lang="en-US" altLang="zh-CN" i="1" dirty="0" err="1">
+                <a:latin typeface="Times New Roman" panose="02020603050405020304" pitchFamily="18" charset="0"/>
+                <a:cs typeface="Times New Roman" panose="02020603050405020304" pitchFamily="18" charset="0"/>
+              </a:rPr>
+              <a:t>nirK</a:t>
+            </a:r>
+            <a:endParaRPr lang="zh-CN" altLang="en-US" i="1" dirty="0">
+              <a:latin typeface="Times New Roman" panose="02020603050405020304" pitchFamily="18" charset="0"/>
+              <a:cs typeface="Times New Roman" panose="02020603050405020304" pitchFamily="18" charset="0"/>
+            </a:endParaRPr>
+          </a:p>
+        </p:txBody>
+      </p:sp>
+      <p:sp>
+        <p:nvSpPr>
+          <p:cNvPr id="17" name="文本框 16">
+            <a:extLst>
+              <a:ext uri="{FF2B5EF4-FFF2-40B4-BE49-F238E27FC236}">
+                <a16:creationId xmlns:a16="http://schemas.microsoft.com/office/drawing/2014/main" id="{F36010F0-38A1-7199-F79A-DE3A30D36487}"/>
+              </a:ext>
+            </a:extLst>
+          </p:cNvPr>
+          <p:cNvSpPr txBox="1"/>
+          <p:nvPr/>
+        </p:nvSpPr>
+        <p:spPr>
+          <a:xfrm>
+            <a:off x="8654148" y="4774349"/>
+            <a:ext cx="660400" cy="369332"/>
+          </a:xfrm>
+          <a:prstGeom prst="rect">
+            <a:avLst/>
+          </a:prstGeom>
+          <a:noFill/>
+        </p:spPr>
+        <p:txBody>
+          <a:bodyPr wrap="square" rtlCol="0">
+            <a:spAutoFit/>
+          </a:bodyPr>
+          <a:lstStyle/>
+          <a:p>
+            <a:r>
+              <a:rPr lang="en-US" altLang="zh-CN" dirty="0">
+                <a:latin typeface="Times New Roman" panose="02020603050405020304" pitchFamily="18" charset="0"/>
+                <a:cs typeface="Times New Roman" panose="02020603050405020304" pitchFamily="18" charset="0"/>
+              </a:rPr>
+              <a:t>S-TP</a:t>
+            </a:r>
+            <a:endParaRPr lang="zh-CN" altLang="en-US" dirty="0">
+              <a:latin typeface="Times New Roman" panose="02020603050405020304" pitchFamily="18" charset="0"/>
+              <a:cs typeface="Times New Roman" panose="02020603050405020304" pitchFamily="18" charset="0"/>
+            </a:endParaRPr>
+          </a:p>
+        </p:txBody>
+      </p:sp>
+      <p:sp>
+        <p:nvSpPr>
+          <p:cNvPr id="19" name="文本框 18">
+            <a:extLst>
+              <a:ext uri="{FF2B5EF4-FFF2-40B4-BE49-F238E27FC236}">
+                <a16:creationId xmlns:a16="http://schemas.microsoft.com/office/drawing/2014/main" id="{6F8CAB66-051F-2833-DD70-FB63D8CA4A1A}"/>
+              </a:ext>
+            </a:extLst>
+          </p:cNvPr>
+          <p:cNvSpPr txBox="1"/>
+          <p:nvPr/>
+        </p:nvSpPr>
+        <p:spPr>
+          <a:xfrm>
+            <a:off x="3769303" y="2767234"/>
+            <a:ext cx="862770" cy="369332"/>
+          </a:xfrm>
+          <a:prstGeom prst="rect">
+            <a:avLst/>
+          </a:prstGeom>
+          <a:noFill/>
+        </p:spPr>
+        <p:txBody>
+          <a:bodyPr wrap="square" rtlCol="0">
+            <a:spAutoFit/>
+          </a:bodyPr>
+          <a:lstStyle/>
+          <a:p>
+            <a:r>
+              <a:rPr lang="en-US" altLang="zh-CN" dirty="0">
+                <a:latin typeface="Times New Roman" panose="02020603050405020304" pitchFamily="18" charset="0"/>
+                <a:cs typeface="Times New Roman" panose="02020603050405020304" pitchFamily="18" charset="0"/>
+              </a:rPr>
+              <a:t>S-TN</a:t>
+            </a:r>
+            <a:endParaRPr lang="zh-CN" altLang="en-US" dirty="0">
+              <a:latin typeface="Times New Roman" panose="02020603050405020304" pitchFamily="18" charset="0"/>
+              <a:cs typeface="Times New Roman" panose="02020603050405020304" pitchFamily="18" charset="0"/>
+            </a:endParaRPr>
+          </a:p>
+        </p:txBody>
+      </p:sp>
+      <p:sp>
+        <p:nvSpPr>
+          <p:cNvPr id="20" name="文本框 19">
+            <a:extLst>
+              <a:ext uri="{FF2B5EF4-FFF2-40B4-BE49-F238E27FC236}">
+                <a16:creationId xmlns:a16="http://schemas.microsoft.com/office/drawing/2014/main" id="{DF423C5D-EA97-311A-7B5A-1BB39374289A}"/>
+              </a:ext>
+            </a:extLst>
+          </p:cNvPr>
+          <p:cNvSpPr txBox="1"/>
+          <p:nvPr/>
+        </p:nvSpPr>
+        <p:spPr>
+          <a:xfrm>
+            <a:off x="4321195" y="1602995"/>
+            <a:ext cx="1013633" cy="369332"/>
+          </a:xfrm>
+          <a:prstGeom prst="rect">
+            <a:avLst/>
+          </a:prstGeom>
+          <a:noFill/>
+        </p:spPr>
+        <p:txBody>
+          <a:bodyPr wrap="square" rtlCol="0">
+            <a:spAutoFit/>
+          </a:bodyPr>
+          <a:lstStyle/>
+          <a:p>
+            <a:r>
+              <a:rPr lang="en-US" altLang="zh-CN" dirty="0">
+                <a:latin typeface="Times New Roman" panose="02020603050405020304" pitchFamily="18" charset="0"/>
+                <a:cs typeface="Times New Roman" panose="02020603050405020304" pitchFamily="18" charset="0"/>
+              </a:rPr>
+              <a:t>Ⅲ-Area</a:t>
+            </a:r>
+            <a:endParaRPr lang="zh-CN" altLang="en-US" dirty="0">
+              <a:latin typeface="Times New Roman" panose="02020603050405020304" pitchFamily="18" charset="0"/>
+              <a:cs typeface="Times New Roman" panose="02020603050405020304" pitchFamily="18" charset="0"/>
+            </a:endParaRPr>
+          </a:p>
+        </p:txBody>
+      </p:sp>
+      <p:sp>
+        <p:nvSpPr>
+          <p:cNvPr id="21" name="文本框 20">
+            <a:extLst>
+              <a:ext uri="{FF2B5EF4-FFF2-40B4-BE49-F238E27FC236}">
+                <a16:creationId xmlns:a16="http://schemas.microsoft.com/office/drawing/2014/main" id="{3708D4E3-233E-32AD-0072-5853723D6B5D}"/>
+              </a:ext>
+            </a:extLst>
+          </p:cNvPr>
+          <p:cNvSpPr txBox="1"/>
+          <p:nvPr/>
+        </p:nvSpPr>
+        <p:spPr>
+          <a:xfrm>
+            <a:off x="7210073" y="276283"/>
+            <a:ext cx="1016424" cy="369332"/>
+          </a:xfrm>
+          <a:prstGeom prst="rect">
+            <a:avLst/>
+          </a:prstGeom>
+          <a:noFill/>
+        </p:spPr>
+        <p:txBody>
+          <a:bodyPr wrap="square" rtlCol="0">
+            <a:spAutoFit/>
+          </a:bodyPr>
+          <a:lstStyle/>
+          <a:p>
+            <a:r>
+              <a:rPr lang="en-US" altLang="zh-CN" dirty="0">
+                <a:latin typeface="Times New Roman" panose="02020603050405020304" pitchFamily="18" charset="0"/>
+                <a:cs typeface="Times New Roman" panose="02020603050405020304" pitchFamily="18" charset="0"/>
+              </a:rPr>
+              <a:t>Ⅳ-Area</a:t>
+            </a:r>
+            <a:endParaRPr lang="zh-CN" altLang="en-US" dirty="0">
+              <a:latin typeface="Times New Roman" panose="02020603050405020304" pitchFamily="18" charset="0"/>
+              <a:cs typeface="Times New Roman" panose="02020603050405020304" pitchFamily="18" charset="0"/>
+            </a:endParaRPr>
+          </a:p>
+        </p:txBody>
+      </p:sp>
+      <p:sp>
+        <p:nvSpPr>
+          <p:cNvPr id="22" name="文本框 21">
+            <a:extLst>
+              <a:ext uri="{FF2B5EF4-FFF2-40B4-BE49-F238E27FC236}">
+                <a16:creationId xmlns:a16="http://schemas.microsoft.com/office/drawing/2014/main" id="{BA2DE789-F49B-D33E-C717-65999E78FB7C}"/>
+              </a:ext>
+            </a:extLst>
+          </p:cNvPr>
+          <p:cNvSpPr txBox="1"/>
+          <p:nvPr/>
+        </p:nvSpPr>
+        <p:spPr>
+          <a:xfrm>
+            <a:off x="4125754" y="6247710"/>
+            <a:ext cx="895554" cy="369332"/>
+          </a:xfrm>
+          <a:prstGeom prst="rect">
+            <a:avLst/>
+          </a:prstGeom>
+          <a:noFill/>
+        </p:spPr>
+        <p:txBody>
+          <a:bodyPr wrap="square" rtlCol="0">
+            <a:spAutoFit/>
+          </a:bodyPr>
+          <a:lstStyle/>
+          <a:p>
+            <a:r>
+              <a:rPr lang="en-US" altLang="zh-CN" dirty="0">
+                <a:latin typeface="Times New Roman" panose="02020603050405020304" pitchFamily="18" charset="0"/>
+                <a:cs typeface="Times New Roman" panose="02020603050405020304" pitchFamily="18" charset="0"/>
+              </a:rPr>
+              <a:t>Ⅴ-Area</a:t>
+            </a:r>
+            <a:endParaRPr lang="zh-CN" altLang="en-US" dirty="0">
+              <a:latin typeface="Times New Roman" panose="02020603050405020304" pitchFamily="18" charset="0"/>
+              <a:cs typeface="Times New Roman" panose="02020603050405020304" pitchFamily="18" charset="0"/>
+            </a:endParaRPr>
+          </a:p>
+        </p:txBody>
+      </p:sp>
+      <mc:AlternateContent xmlns:mc="http://schemas.openxmlformats.org/markup-compatibility/2006">
+        <mc:Choice xmlns:a14="http://schemas.microsoft.com/office/drawing/2010/main" Requires="a14">
+          <p:sp>
+            <p:nvSpPr>
+              <p:cNvPr id="23" name="文本框 22">
+                <a:extLst>
+                  <a:ext uri="{FF2B5EF4-FFF2-40B4-BE49-F238E27FC236}">
+                    <a16:creationId xmlns:a16="http://schemas.microsoft.com/office/drawing/2014/main" id="{4A3A2F79-C757-C7D1-4E13-C56F2872907B}"/>
+                  </a:ext>
+                </a:extLst>
+              </p:cNvPr>
+              <p:cNvSpPr txBox="1"/>
+              <p:nvPr/>
+            </p:nvSpPr>
+            <p:spPr>
+              <a:xfrm>
+                <a:off x="6787327" y="1437773"/>
+                <a:ext cx="1193255" cy="369332"/>
+              </a:xfrm>
+              <a:prstGeom prst="rect">
+                <a:avLst/>
+              </a:prstGeom>
+              <a:noFill/>
+            </p:spPr>
+            <p:txBody>
+              <a:bodyPr wrap="square" rtlCol="0">
+                <a:spAutoFit/>
+              </a:bodyPr>
+              <a:lstStyle/>
+              <a:p>
+                <a:r>
+                  <a:rPr lang="en-US" altLang="zh-CN" dirty="0">
+                    <a:latin typeface="Times New Roman" panose="02020603050405020304" pitchFamily="18" charset="0"/>
+                    <a:cs typeface="Times New Roman" panose="02020603050405020304" pitchFamily="18" charset="0"/>
+                  </a:rPr>
+                  <a:t>W-</a:t>
+                </a:r>
+                <a14:m>
+                  <m:oMath xmlns:m="http://schemas.openxmlformats.org/officeDocument/2006/math">
+                    <m:sSubSup>
+                      <m:sSubSupPr>
+                        <m:ctrlPr>
+                          <a:rPr lang="en-US" altLang="zh-CN" i="1" dirty="0" smtClean="0">
                             <a:latin typeface="Cambria Math" panose="02040503050406030204" pitchFamily="18" charset="0"/>
                             <a:cs typeface="Times New Roman" panose="02020603050405020304" pitchFamily="18" charset="0"/>
                           </a:rPr>
@@ -6160,7 +9673,7 @@
               <p:cNvPr id="23" name="文本框 22">
                 <a:extLst>
                   <a:ext uri="{FF2B5EF4-FFF2-40B4-BE49-F238E27FC236}">
-                    <a16:creationId xmlns:a16="http://schemas.microsoft.com/office/drawing/2014/main" id="{F1021420-0FCF-BE35-E11D-11BAF8A69734}"/>
+                    <a16:creationId xmlns:a16="http://schemas.microsoft.com/office/drawing/2014/main" id="{4A3A2F79-C757-C7D1-4E13-C56F2872907B}"/>
                   </a:ext>
                 </a:extLst>
               </p:cNvPr>
@@ -6171,7 +9684,7 @@
             </p:nvSpPr>
             <p:spPr>
               <a:xfrm>
-                <a:off x="4902745" y="5265026"/>
+                <a:off x="6787327" y="1437773"/>
                 <a:ext cx="1193255" cy="369332"/>
               </a:xfrm>
               <a:prstGeom prst="rect">
@@ -6204,16 +9717,16 @@
           <p:cNvPr id="24" name="文本框 23">
             <a:extLst>
               <a:ext uri="{FF2B5EF4-FFF2-40B4-BE49-F238E27FC236}">
-                <a16:creationId xmlns:a16="http://schemas.microsoft.com/office/drawing/2014/main" id="{6F421F66-1339-A1A4-9D4C-5CA05FBA0AB9}"/>
-              </a:ext>
-            </a:extLst>
-          </p:cNvPr>
-          <p:cNvSpPr txBox="1"/>
-          <p:nvPr/>
-        </p:nvSpPr>
-        <p:spPr>
-          <a:xfrm>
-            <a:off x="6550977" y="3763706"/>
+                <a16:creationId xmlns:a16="http://schemas.microsoft.com/office/drawing/2014/main" id="{F5097A24-5600-E81F-C496-7A714CA21219}"/>
+              </a:ext>
+            </a:extLst>
+          </p:cNvPr>
+          <p:cNvSpPr txBox="1"/>
+          <p:nvPr/>
+        </p:nvSpPr>
+        <p:spPr>
+          <a:xfrm>
+            <a:off x="4699828" y="5080725"/>
             <a:ext cx="871145" cy="369332"/>
           </a:xfrm>
           <a:prstGeom prst="rect">
@@ -6232,7 +9745,49 @@
                 <a:latin typeface="Times New Roman" panose="02020603050405020304" pitchFamily="18" charset="0"/>
                 <a:cs typeface="Times New Roman" panose="02020603050405020304" pitchFamily="18" charset="0"/>
               </a:rPr>
-              <a:t>W-DO</a:t>
+              <a:t>DO</a:t>
+            </a:r>
+            <a:endParaRPr lang="zh-CN" altLang="en-US" dirty="0">
+              <a:latin typeface="Times New Roman" panose="02020603050405020304" pitchFamily="18" charset="0"/>
+              <a:cs typeface="Times New Roman" panose="02020603050405020304" pitchFamily="18" charset="0"/>
+            </a:endParaRPr>
+          </a:p>
+        </p:txBody>
+      </p:sp>
+      <p:sp>
+        <p:nvSpPr>
+          <p:cNvPr id="26" name="文本框 25">
+            <a:extLst>
+              <a:ext uri="{FF2B5EF4-FFF2-40B4-BE49-F238E27FC236}">
+                <a16:creationId xmlns:a16="http://schemas.microsoft.com/office/drawing/2014/main" id="{E7A30733-5CE1-28AB-17B9-52F99FCE470B}"/>
+              </a:ext>
+            </a:extLst>
+          </p:cNvPr>
+          <p:cNvSpPr txBox="1"/>
+          <p:nvPr/>
+        </p:nvSpPr>
+        <p:spPr>
+          <a:xfrm>
+            <a:off x="5968097" y="24069"/>
+            <a:ext cx="891728" cy="369332"/>
+          </a:xfrm>
+          <a:prstGeom prst="rect">
+            <a:avLst/>
+          </a:prstGeom>
+          <a:noFill/>
+        </p:spPr>
+        <p:txBody>
+          <a:bodyPr wrap="square" rtlCol="0">
+            <a:spAutoFit/>
+          </a:bodyPr>
+          <a:lstStyle/>
+          <a:p>
+            <a:r>
+              <a:rPr lang="en-US" altLang="zh-CN" dirty="0">
+                <a:latin typeface="Times New Roman" panose="02020603050405020304" pitchFamily="18" charset="0"/>
+                <a:cs typeface="Times New Roman" panose="02020603050405020304" pitchFamily="18" charset="0"/>
+              </a:rPr>
+              <a:t>W-TN</a:t>
             </a:r>
             <a:endParaRPr lang="zh-CN" altLang="en-US" dirty="0">
               <a:latin typeface="Times New Roman" panose="02020603050405020304" pitchFamily="18" charset="0"/>
@@ -6245,10 +9800,10 @@
         <mc:Choice xmlns:a14="http://schemas.microsoft.com/office/drawing/2010/main" Requires="a14">
           <p:sp>
             <p:nvSpPr>
-              <p:cNvPr id="25" name="文本框 24">
+              <p:cNvPr id="27" name="文本框 26">
                 <a:extLst>
                   <a:ext uri="{FF2B5EF4-FFF2-40B4-BE49-F238E27FC236}">
-                    <a16:creationId xmlns:a16="http://schemas.microsoft.com/office/drawing/2014/main" id="{517D0501-9A87-52C9-0741-6973E226C6BF}"/>
+                    <a16:creationId xmlns:a16="http://schemas.microsoft.com/office/drawing/2014/main" id="{FDE3BD70-60AC-148C-BA73-BA4A836E5A5D}"/>
                   </a:ext>
                 </a:extLst>
               </p:cNvPr>
@@ -6257,197 +9812,7 @@
             </p:nvSpPr>
             <p:spPr>
               <a:xfrm>
-                <a:off x="7584291" y="2757481"/>
-                <a:ext cx="1027022" cy="373307"/>
-              </a:xfrm>
-              <a:prstGeom prst="rect">
-                <a:avLst/>
-              </a:prstGeom>
-              <a:noFill/>
-            </p:spPr>
-            <p:txBody>
-              <a:bodyPr wrap="square" rtlCol="0">
-                <a:spAutoFit/>
-              </a:bodyPr>
-              <a:lstStyle/>
-              <a:p>
-                <a:pPr/>
-                <a:r>
-                  <a:rPr lang="en-US" altLang="zh-CN" dirty="0">
-                    <a:cs typeface="Times New Roman" panose="02020603050405020304" pitchFamily="18" charset="0"/>
-                  </a:rPr>
-                  <a:t>W-</a:t>
-                </a:r>
-                <a14:m>
-                  <m:oMath xmlns:m="http://schemas.openxmlformats.org/officeDocument/2006/math">
-                    <m:sSubSup>
-                      <m:sSubSupPr>
-                        <m:ctrlPr>
-                          <a:rPr lang="en-US" altLang="zh-CN" i="1" dirty="0" smtClean="0">
-                            <a:latin typeface="Cambria Math" panose="02040503050406030204" pitchFamily="18" charset="0"/>
-                            <a:cs typeface="Times New Roman" panose="02020603050405020304" pitchFamily="18" charset="0"/>
-                          </a:rPr>
-                        </m:ctrlPr>
-                      </m:sSubSupPr>
-                      <m:e>
-                        <m:r>
-                          <a:rPr lang="en-US" altLang="zh-CN" b="0" i="1" dirty="0" smtClean="0">
-                            <a:latin typeface="Cambria Math" panose="02040503050406030204" pitchFamily="18" charset="0"/>
-                            <a:cs typeface="Times New Roman" panose="02020603050405020304" pitchFamily="18" charset="0"/>
-                          </a:rPr>
-                          <m:t>𝑃</m:t>
-                        </m:r>
-                        <m:r>
-                          <m:rPr>
-                            <m:sty m:val="p"/>
-                          </m:rPr>
-                          <a:rPr lang="en-US" altLang="zh-CN" i="1" dirty="0">
-                            <a:latin typeface="Cambria Math" panose="02040503050406030204" pitchFamily="18" charset="0"/>
-                            <a:cs typeface="Times New Roman" panose="02020603050405020304" pitchFamily="18" charset="0"/>
-                          </a:rPr>
-                          <m:t>O</m:t>
-                        </m:r>
-                      </m:e>
-                      <m:sub>
-                        <m:r>
-                          <a:rPr lang="en-US" altLang="zh-CN" b="0" i="1" dirty="0" smtClean="0">
-                            <a:latin typeface="Cambria Math" panose="02040503050406030204" pitchFamily="18" charset="0"/>
-                            <a:cs typeface="Times New Roman" panose="02020603050405020304" pitchFamily="18" charset="0"/>
-                          </a:rPr>
-                          <m:t>4</m:t>
-                        </m:r>
-                      </m:sub>
-                      <m:sup>
-                        <m:r>
-                          <a:rPr lang="en-US" altLang="zh-CN" b="0" i="1" dirty="0" smtClean="0">
-                            <a:latin typeface="Cambria Math" panose="02040503050406030204" pitchFamily="18" charset="0"/>
-                            <a:cs typeface="Times New Roman" panose="02020603050405020304" pitchFamily="18" charset="0"/>
-                          </a:rPr>
-                          <m:t>3</m:t>
-                        </m:r>
-                        <m:r>
-                          <a:rPr lang="en-US" altLang="zh-CN" b="0" i="1" dirty="0" smtClean="0">
-                            <a:latin typeface="Cambria Math" panose="02040503050406030204" pitchFamily="18" charset="0"/>
-                            <a:cs typeface="Times New Roman" panose="02020603050405020304" pitchFamily="18" charset="0"/>
-                          </a:rPr>
-                          <m:t>−</m:t>
-                        </m:r>
-                      </m:sup>
-                    </m:sSubSup>
-                  </m:oMath>
-                </a14:m>
-                <a:endParaRPr lang="zh-CN" altLang="en-US" i="1" dirty="0">
-                  <a:latin typeface="Times New Roman" panose="02020603050405020304" pitchFamily="18" charset="0"/>
-                  <a:cs typeface="Times New Roman" panose="02020603050405020304" pitchFamily="18" charset="0"/>
-                </a:endParaRPr>
-              </a:p>
-            </p:txBody>
-          </p:sp>
-        </mc:Choice>
-        <mc:Fallback>
-          <p:sp>
-            <p:nvSpPr>
-              <p:cNvPr id="25" name="文本框 24">
-                <a:extLst>
-                  <a:ext uri="{FF2B5EF4-FFF2-40B4-BE49-F238E27FC236}">
-                    <a16:creationId xmlns:a16="http://schemas.microsoft.com/office/drawing/2014/main" id="{517D0501-9A87-52C9-0741-6973E226C6BF}"/>
-                  </a:ext>
-                </a:extLst>
-              </p:cNvPr>
-              <p:cNvSpPr txBox="1">
-                <a:spLocks noRot="1" noChangeAspect="1" noMove="1" noResize="1" noEditPoints="1" noAdjustHandles="1" noChangeArrowheads="1" noChangeShapeType="1" noTextEdit="1"/>
-              </p:cNvSpPr>
-              <p:nvPr/>
-            </p:nvSpPr>
-            <p:spPr>
-              <a:xfrm>
-                <a:off x="7584291" y="2757481"/>
-                <a:ext cx="1027022" cy="373307"/>
-              </a:xfrm>
-              <a:prstGeom prst="rect">
-                <a:avLst/>
-              </a:prstGeom>
-              <a:blipFill>
-                <a:blip r:embed="rId6"/>
-                <a:stretch>
-                  <a:fillRect l="-4734" t="-6452" b="-24194"/>
-                </a:stretch>
-              </a:blipFill>
-            </p:spPr>
-            <p:txBody>
-              <a:bodyPr/>
-              <a:lstStyle/>
-              <a:p>
-                <a:r>
-                  <a:rPr lang="zh-CN" altLang="en-US">
-                    <a:noFill/>
-                  </a:rPr>
-                  <a:t> </a:t>
-                </a:r>
-              </a:p>
-            </p:txBody>
-          </p:sp>
-        </mc:Fallback>
-      </mc:AlternateContent>
-      <p:sp>
-        <p:nvSpPr>
-          <p:cNvPr id="26" name="文本框 25">
-            <a:extLst>
-              <a:ext uri="{FF2B5EF4-FFF2-40B4-BE49-F238E27FC236}">
-                <a16:creationId xmlns:a16="http://schemas.microsoft.com/office/drawing/2014/main" id="{A40D5B8D-D864-5F33-BA13-11A16C11CEBB}"/>
-              </a:ext>
-            </a:extLst>
-          </p:cNvPr>
-          <p:cNvSpPr txBox="1"/>
-          <p:nvPr/>
-        </p:nvSpPr>
-        <p:spPr>
-          <a:xfrm>
-            <a:off x="4276722" y="4367001"/>
-            <a:ext cx="891728" cy="369332"/>
-          </a:xfrm>
-          <a:prstGeom prst="rect">
-            <a:avLst/>
-          </a:prstGeom>
-          <a:noFill/>
-        </p:spPr>
-        <p:txBody>
-          <a:bodyPr wrap="square" rtlCol="0">
-            <a:spAutoFit/>
-          </a:bodyPr>
-          <a:lstStyle/>
-          <a:p>
-            <a:r>
-              <a:rPr lang="en-US" altLang="zh-CN" dirty="0">
-                <a:latin typeface="Times New Roman" panose="02020603050405020304" pitchFamily="18" charset="0"/>
-                <a:cs typeface="Times New Roman" panose="02020603050405020304" pitchFamily="18" charset="0"/>
-              </a:rPr>
-              <a:t>W-TN</a:t>
-            </a:r>
-            <a:endParaRPr lang="zh-CN" altLang="en-US" dirty="0">
-              <a:latin typeface="Times New Roman" panose="02020603050405020304" pitchFamily="18" charset="0"/>
-              <a:cs typeface="Times New Roman" panose="02020603050405020304" pitchFamily="18" charset="0"/>
-            </a:endParaRPr>
-          </a:p>
-        </p:txBody>
-      </p:sp>
-      <mc:AlternateContent xmlns:mc="http://schemas.openxmlformats.org/markup-compatibility/2006">
-        <mc:Choice xmlns:a14="http://schemas.microsoft.com/office/drawing/2010/main" Requires="a14">
-          <p:sp>
-            <p:nvSpPr>
-              <p:cNvPr id="27" name="文本框 26">
-                <a:extLst>
-                  <a:ext uri="{FF2B5EF4-FFF2-40B4-BE49-F238E27FC236}">
-                    <a16:creationId xmlns:a16="http://schemas.microsoft.com/office/drawing/2014/main" id="{CC00D2D0-69A7-079D-C136-0488402040E7}"/>
-                  </a:ext>
-                </a:extLst>
-              </p:cNvPr>
-              <p:cNvSpPr txBox="1"/>
-              <p:nvPr/>
-            </p:nvSpPr>
-            <p:spPr>
-              <a:xfrm>
-                <a:off x="8838163" y="2691128"/>
+                <a:off x="8187308" y="1195401"/>
                 <a:ext cx="1049964" cy="369332"/>
               </a:xfrm>
               <a:prstGeom prst="rect">
@@ -6461,9 +9826,9 @@
               </a:bodyPr>
               <a:lstStyle/>
               <a:p>
-                <a:pPr/>
                 <a:r>
                   <a:rPr lang="en-US" altLang="zh-CN" dirty="0">
+                    <a:latin typeface="Times New Roman" panose="02020603050405020304" pitchFamily="18" charset="0"/>
                     <a:cs typeface="Times New Roman" panose="02020603050405020304" pitchFamily="18" charset="0"/>
                   </a:rPr>
                   <a:t>W-</a:t>
@@ -6526,7 +9891,7 @@
               <p:cNvPr id="27" name="文本框 26">
                 <a:extLst>
                   <a:ext uri="{FF2B5EF4-FFF2-40B4-BE49-F238E27FC236}">
-                    <a16:creationId xmlns:a16="http://schemas.microsoft.com/office/drawing/2014/main" id="{CC00D2D0-69A7-079D-C136-0488402040E7}"/>
+                    <a16:creationId xmlns:a16="http://schemas.microsoft.com/office/drawing/2014/main" id="{FDE3BD70-60AC-148C-BA73-BA4A836E5A5D}"/>
                   </a:ext>
                 </a:extLst>
               </p:cNvPr>
@@ -6537,16 +9902,16 @@
             </p:nvSpPr>
             <p:spPr>
               <a:xfrm>
-                <a:off x="8838163" y="2691128"/>
+                <a:off x="8187308" y="1195401"/>
                 <a:ext cx="1049964" cy="369332"/>
               </a:xfrm>
               <a:prstGeom prst="rect">
                 <a:avLst/>
               </a:prstGeom>
               <a:blipFill>
-                <a:blip r:embed="rId7"/>
+                <a:blip r:embed="rId6"/>
                 <a:stretch>
-                  <a:fillRect l="-5233" t="-8197" b="-24590"/>
+                  <a:fillRect l="-4651" t="-8197" b="-24590"/>
                 </a:stretch>
               </a:blipFill>
             </p:spPr>
@@ -6567,20 +9932,20 @@
       </mc:AlternateContent>
       <p:sp>
         <p:nvSpPr>
-          <p:cNvPr id="29" name="文本框 28">
-            <a:extLst>
-              <a:ext uri="{FF2B5EF4-FFF2-40B4-BE49-F238E27FC236}">
-                <a16:creationId xmlns:a16="http://schemas.microsoft.com/office/drawing/2014/main" id="{DADA5DBD-53DB-3CDF-53B1-37F69928E36E}"/>
-              </a:ext>
-            </a:extLst>
-          </p:cNvPr>
-          <p:cNvSpPr txBox="1"/>
-          <p:nvPr/>
-        </p:nvSpPr>
-        <p:spPr>
-          <a:xfrm>
-            <a:off x="2659436" y="4895543"/>
-            <a:ext cx="1507669" cy="369332"/>
+          <p:cNvPr id="28" name="文本框 27">
+            <a:extLst>
+              <a:ext uri="{FF2B5EF4-FFF2-40B4-BE49-F238E27FC236}">
+                <a16:creationId xmlns:a16="http://schemas.microsoft.com/office/drawing/2014/main" id="{9788780F-4B75-6309-0D16-61003F0702B7}"/>
+              </a:ext>
+            </a:extLst>
+          </p:cNvPr>
+          <p:cNvSpPr txBox="1"/>
+          <p:nvPr/>
+        </p:nvSpPr>
+        <p:spPr>
+          <a:xfrm>
+            <a:off x="7289142" y="4916386"/>
+            <a:ext cx="660400" cy="369332"/>
           </a:xfrm>
           <a:prstGeom prst="rect">
             <a:avLst/>
@@ -6598,7 +9963,7 @@
                 <a:latin typeface="Times New Roman" panose="02020603050405020304" pitchFamily="18" charset="0"/>
                 <a:cs typeface="Times New Roman" panose="02020603050405020304" pitchFamily="18" charset="0"/>
               </a:rPr>
-              <a:t>S-Size-d(0.5)</a:t>
+              <a:t>FI</a:t>
             </a:r>
             <a:endParaRPr lang="zh-CN" altLang="en-US" dirty="0">
               <a:latin typeface="Times New Roman" panose="02020603050405020304" pitchFamily="18" charset="0"/>
@@ -6609,20 +9974,20 @@
       </p:sp>
       <p:sp>
         <p:nvSpPr>
-          <p:cNvPr id="30" name="文本框 29">
-            <a:extLst>
-              <a:ext uri="{FF2B5EF4-FFF2-40B4-BE49-F238E27FC236}">
-                <a16:creationId xmlns:a16="http://schemas.microsoft.com/office/drawing/2014/main" id="{61CC3685-A157-07F3-8ACE-22F27A1286A1}"/>
-              </a:ext>
-            </a:extLst>
-          </p:cNvPr>
-          <p:cNvSpPr txBox="1"/>
-          <p:nvPr/>
-        </p:nvSpPr>
-        <p:spPr>
-          <a:xfrm>
-            <a:off x="2218471" y="3961838"/>
-            <a:ext cx="1507669" cy="369332"/>
+          <p:cNvPr id="31" name="文本框 30">
+            <a:extLst>
+              <a:ext uri="{FF2B5EF4-FFF2-40B4-BE49-F238E27FC236}">
+                <a16:creationId xmlns:a16="http://schemas.microsoft.com/office/drawing/2014/main" id="{A59461B8-DEAA-4EE1-6039-8938E50EA9D8}"/>
+              </a:ext>
+            </a:extLst>
+          </p:cNvPr>
+          <p:cNvSpPr txBox="1"/>
+          <p:nvPr/>
+        </p:nvSpPr>
+        <p:spPr>
+          <a:xfrm>
+            <a:off x="9169053" y="3536887"/>
+            <a:ext cx="328378" cy="369332"/>
           </a:xfrm>
           <a:prstGeom prst="rect">
             <a:avLst/>
@@ -6640,7 +10005,7 @@
                 <a:latin typeface="Times New Roman" panose="02020603050405020304" pitchFamily="18" charset="0"/>
                 <a:cs typeface="Times New Roman" panose="02020603050405020304" pitchFamily="18" charset="0"/>
               </a:rPr>
-              <a:t>S-Size-d(0.9)</a:t>
+              <a:t>T</a:t>
             </a:r>
             <a:endParaRPr lang="zh-CN" altLang="en-US" dirty="0">
               <a:latin typeface="Times New Roman" panose="02020603050405020304" pitchFamily="18" charset="0"/>
@@ -6651,20 +10016,104 @@
       </p:sp>
       <p:sp>
         <p:nvSpPr>
-          <p:cNvPr id="31" name="文本框 30">
-            <a:extLst>
-              <a:ext uri="{FF2B5EF4-FFF2-40B4-BE49-F238E27FC236}">
-                <a16:creationId xmlns:a16="http://schemas.microsoft.com/office/drawing/2014/main" id="{2BF980DD-01E5-DC7A-E9B6-0DFBCD7F79D4}"/>
-              </a:ext>
-            </a:extLst>
-          </p:cNvPr>
-          <p:cNvSpPr txBox="1"/>
-          <p:nvPr/>
-        </p:nvSpPr>
-        <p:spPr>
-          <a:xfrm>
-            <a:off x="7743577" y="3830560"/>
-            <a:ext cx="1026461" cy="369332"/>
+          <p:cNvPr id="32" name="文本框 31">
+            <a:extLst>
+              <a:ext uri="{FF2B5EF4-FFF2-40B4-BE49-F238E27FC236}">
+                <a16:creationId xmlns:a16="http://schemas.microsoft.com/office/drawing/2014/main" id="{DDB7E31A-9874-7DAF-6A71-A36F8DDE1467}"/>
+              </a:ext>
+            </a:extLst>
+          </p:cNvPr>
+          <p:cNvSpPr txBox="1"/>
+          <p:nvPr/>
+        </p:nvSpPr>
+        <p:spPr>
+          <a:xfrm>
+            <a:off x="7435649" y="3737012"/>
+            <a:ext cx="1407043" cy="369332"/>
+          </a:xfrm>
+          <a:prstGeom prst="rect">
+            <a:avLst/>
+          </a:prstGeom>
+          <a:noFill/>
+        </p:spPr>
+        <p:txBody>
+          <a:bodyPr wrap="square" rtlCol="0">
+            <a:spAutoFit/>
+          </a:bodyPr>
+          <a:lstStyle/>
+          <a:p>
+            <a:r>
+              <a:rPr lang="en-US" altLang="zh-CN" i="1" dirty="0" err="1">
+                <a:latin typeface="Times New Roman" panose="02020603050405020304" pitchFamily="18" charset="0"/>
+                <a:cs typeface="Times New Roman" panose="02020603050405020304" pitchFamily="18" charset="0"/>
+              </a:rPr>
+              <a:t>AOB_amoA</a:t>
+            </a:r>
+            <a:endParaRPr lang="zh-CN" altLang="en-US" i="1" dirty="0">
+              <a:latin typeface="Times New Roman" panose="02020603050405020304" pitchFamily="18" charset="0"/>
+              <a:cs typeface="Times New Roman" panose="02020603050405020304" pitchFamily="18" charset="0"/>
+            </a:endParaRPr>
+          </a:p>
+        </p:txBody>
+      </p:sp>
+      <p:sp>
+        <p:nvSpPr>
+          <p:cNvPr id="33" name="文本框 32">
+            <a:extLst>
+              <a:ext uri="{FF2B5EF4-FFF2-40B4-BE49-F238E27FC236}">
+                <a16:creationId xmlns:a16="http://schemas.microsoft.com/office/drawing/2014/main" id="{78B79276-FFE9-F462-E35C-2937202909E8}"/>
+              </a:ext>
+            </a:extLst>
+          </p:cNvPr>
+          <p:cNvSpPr txBox="1"/>
+          <p:nvPr/>
+        </p:nvSpPr>
+        <p:spPr>
+          <a:xfrm>
+            <a:off x="6356428" y="2582568"/>
+            <a:ext cx="755650" cy="369332"/>
+          </a:xfrm>
+          <a:prstGeom prst="rect">
+            <a:avLst/>
+          </a:prstGeom>
+          <a:noFill/>
+        </p:spPr>
+        <p:txBody>
+          <a:bodyPr wrap="square" rtlCol="0">
+            <a:spAutoFit/>
+          </a:bodyPr>
+          <a:lstStyle/>
+          <a:p>
+            <a:r>
+              <a:rPr lang="en-US" altLang="zh-CN" i="1" dirty="0" err="1">
+                <a:latin typeface="Times New Roman" panose="02020603050405020304" pitchFamily="18" charset="0"/>
+                <a:cs typeface="Times New Roman" panose="02020603050405020304" pitchFamily="18" charset="0"/>
+              </a:rPr>
+              <a:t>nifH</a:t>
+            </a:r>
+            <a:endParaRPr lang="zh-CN" altLang="en-US" i="1" dirty="0">
+              <a:latin typeface="Times New Roman" panose="02020603050405020304" pitchFamily="18" charset="0"/>
+              <a:cs typeface="Times New Roman" panose="02020603050405020304" pitchFamily="18" charset="0"/>
+            </a:endParaRPr>
+          </a:p>
+        </p:txBody>
+      </p:sp>
+      <p:sp>
+        <p:nvSpPr>
+          <p:cNvPr id="35" name="文本框 34">
+            <a:extLst>
+              <a:ext uri="{FF2B5EF4-FFF2-40B4-BE49-F238E27FC236}">
+                <a16:creationId xmlns:a16="http://schemas.microsoft.com/office/drawing/2014/main" id="{2E8EEAC9-2AF7-C2AF-22D5-3461C28139BA}"/>
+              </a:ext>
+            </a:extLst>
+          </p:cNvPr>
+          <p:cNvSpPr txBox="1"/>
+          <p:nvPr/>
+        </p:nvSpPr>
+        <p:spPr>
+          <a:xfrm>
+            <a:off x="6409316" y="3809891"/>
+            <a:ext cx="1013633" cy="369332"/>
           </a:xfrm>
           <a:prstGeom prst="rect">
             <a:avLst/>
@@ -6682,7 +10131,7 @@
                 <a:latin typeface="Times New Roman" panose="02020603050405020304" pitchFamily="18" charset="0"/>
                 <a:cs typeface="Times New Roman" panose="02020603050405020304" pitchFamily="18" charset="0"/>
               </a:rPr>
-              <a:t>W-TP</a:t>
+              <a:t>Ⅰ-Area</a:t>
             </a:r>
             <a:endParaRPr lang="zh-CN" altLang="en-US" dirty="0">
               <a:latin typeface="Times New Roman" panose="02020603050405020304" pitchFamily="18" charset="0"/>
@@ -6693,20 +10142,62 @@
       </p:sp>
       <p:sp>
         <p:nvSpPr>
-          <p:cNvPr id="32" name="文本框 31">
-            <a:extLst>
-              <a:ext uri="{FF2B5EF4-FFF2-40B4-BE49-F238E27FC236}">
-                <a16:creationId xmlns:a16="http://schemas.microsoft.com/office/drawing/2014/main" id="{D0D1A036-B7BC-7969-72FA-4877BE3186A8}"/>
-              </a:ext>
-            </a:extLst>
-          </p:cNvPr>
-          <p:cNvSpPr txBox="1"/>
-          <p:nvPr/>
-        </p:nvSpPr>
-        <p:spPr>
-          <a:xfrm>
-            <a:off x="6585106" y="6316580"/>
-            <a:ext cx="1407043" cy="369332"/>
+          <p:cNvPr id="36" name="文本框 35">
+            <a:extLst>
+              <a:ext uri="{FF2B5EF4-FFF2-40B4-BE49-F238E27FC236}">
+                <a16:creationId xmlns:a16="http://schemas.microsoft.com/office/drawing/2014/main" id="{F5C58E8C-796A-5FD6-F3A9-13B6F93C28C4}"/>
+              </a:ext>
+            </a:extLst>
+          </p:cNvPr>
+          <p:cNvSpPr txBox="1"/>
+          <p:nvPr/>
+        </p:nvSpPr>
+        <p:spPr>
+          <a:xfrm>
+            <a:off x="5568942" y="6438288"/>
+            <a:ext cx="871145" cy="369332"/>
+          </a:xfrm>
+          <a:prstGeom prst="rect">
+            <a:avLst/>
+          </a:prstGeom>
+          <a:noFill/>
+        </p:spPr>
+        <p:txBody>
+          <a:bodyPr wrap="square" rtlCol="0">
+            <a:spAutoFit/>
+          </a:bodyPr>
+          <a:lstStyle/>
+          <a:p>
+            <a:r>
+              <a:rPr lang="en-US" altLang="zh-CN" dirty="0">
+                <a:latin typeface="Times New Roman" panose="02020603050405020304" pitchFamily="18" charset="0"/>
+                <a:cs typeface="Times New Roman" panose="02020603050405020304" pitchFamily="18" charset="0"/>
+              </a:rPr>
+              <a:t>pH</a:t>
+            </a:r>
+            <a:endParaRPr lang="zh-CN" altLang="en-US" dirty="0">
+              <a:latin typeface="Times New Roman" panose="02020603050405020304" pitchFamily="18" charset="0"/>
+              <a:cs typeface="Times New Roman" panose="02020603050405020304" pitchFamily="18" charset="0"/>
+            </a:endParaRPr>
+          </a:p>
+        </p:txBody>
+      </p:sp>
+      <p:sp>
+        <p:nvSpPr>
+          <p:cNvPr id="37" name="文本框 36">
+            <a:extLst>
+              <a:ext uri="{FF2B5EF4-FFF2-40B4-BE49-F238E27FC236}">
+                <a16:creationId xmlns:a16="http://schemas.microsoft.com/office/drawing/2014/main" id="{E573C4B7-D2B9-4AE4-D09F-EA4723F46062}"/>
+              </a:ext>
+            </a:extLst>
+          </p:cNvPr>
+          <p:cNvSpPr txBox="1"/>
+          <p:nvPr/>
+        </p:nvSpPr>
+        <p:spPr>
+          <a:xfrm>
+            <a:off x="6797689" y="6408704"/>
+            <a:ext cx="660400" cy="369332"/>
           </a:xfrm>
           <a:prstGeom prst="rect">
             <a:avLst/>
@@ -6724,7 +10215,7 @@
                 <a:latin typeface="Times New Roman" panose="02020603050405020304" pitchFamily="18" charset="0"/>
                 <a:cs typeface="Times New Roman" panose="02020603050405020304" pitchFamily="18" charset="0"/>
               </a:rPr>
-              <a:t>AOB_amoA</a:t>
+              <a:t>hzo</a:t>
             </a:r>
             <a:endParaRPr lang="zh-CN" altLang="en-US" i="1" dirty="0">
               <a:latin typeface="Times New Roman" panose="02020603050405020304" pitchFamily="18" charset="0"/>
@@ -6735,20 +10226,62 @@
       </p:sp>
       <p:sp>
         <p:nvSpPr>
-          <p:cNvPr id="33" name="文本框 32">
-            <a:extLst>
-              <a:ext uri="{FF2B5EF4-FFF2-40B4-BE49-F238E27FC236}">
-                <a16:creationId xmlns:a16="http://schemas.microsoft.com/office/drawing/2014/main" id="{D5EAA022-BB53-E587-9981-4A391387EB55}"/>
-              </a:ext>
-            </a:extLst>
-          </p:cNvPr>
-          <p:cNvSpPr txBox="1"/>
-          <p:nvPr/>
-        </p:nvSpPr>
-        <p:spPr>
-          <a:xfrm>
-            <a:off x="4811752" y="1339856"/>
-            <a:ext cx="755650" cy="369332"/>
+          <p:cNvPr id="38" name="文本框 37">
+            <a:extLst>
+              <a:ext uri="{FF2B5EF4-FFF2-40B4-BE49-F238E27FC236}">
+                <a16:creationId xmlns:a16="http://schemas.microsoft.com/office/drawing/2014/main" id="{A8B71F12-54D1-80E8-542F-459738E3A2C9}"/>
+              </a:ext>
+            </a:extLst>
+          </p:cNvPr>
+          <p:cNvSpPr txBox="1"/>
+          <p:nvPr/>
+        </p:nvSpPr>
+        <p:spPr>
+          <a:xfrm>
+            <a:off x="3185395" y="5317324"/>
+            <a:ext cx="1013633" cy="369332"/>
+          </a:xfrm>
+          <a:prstGeom prst="rect">
+            <a:avLst/>
+          </a:prstGeom>
+          <a:noFill/>
+        </p:spPr>
+        <p:txBody>
+          <a:bodyPr wrap="square" rtlCol="0">
+            <a:spAutoFit/>
+          </a:bodyPr>
+          <a:lstStyle/>
+          <a:p>
+            <a:r>
+              <a:rPr lang="en-US" altLang="zh-CN" dirty="0">
+                <a:latin typeface="Times New Roman" panose="02020603050405020304" pitchFamily="18" charset="0"/>
+                <a:cs typeface="Times New Roman" panose="02020603050405020304" pitchFamily="18" charset="0"/>
+              </a:rPr>
+              <a:t>Ⅱ-Area</a:t>
+            </a:r>
+            <a:endParaRPr lang="zh-CN" altLang="en-US" dirty="0">
+              <a:latin typeface="Times New Roman" panose="02020603050405020304" pitchFamily="18" charset="0"/>
+              <a:cs typeface="Times New Roman" panose="02020603050405020304" pitchFamily="18" charset="0"/>
+            </a:endParaRPr>
+          </a:p>
+        </p:txBody>
+      </p:sp>
+      <p:sp>
+        <p:nvSpPr>
+          <p:cNvPr id="39" name="文本框 38">
+            <a:extLst>
+              <a:ext uri="{FF2B5EF4-FFF2-40B4-BE49-F238E27FC236}">
+                <a16:creationId xmlns:a16="http://schemas.microsoft.com/office/drawing/2014/main" id="{9F6B2E7E-85BA-AA14-7375-5E9358B386E2}"/>
+              </a:ext>
+            </a:extLst>
+          </p:cNvPr>
+          <p:cNvSpPr txBox="1"/>
+          <p:nvPr/>
+        </p:nvSpPr>
+        <p:spPr>
+          <a:xfrm>
+            <a:off x="5960662" y="5246118"/>
+            <a:ext cx="660400" cy="369332"/>
           </a:xfrm>
           <a:prstGeom prst="rect">
             <a:avLst/>
@@ -6766,7 +10299,7 @@
                 <a:latin typeface="Times New Roman" panose="02020603050405020304" pitchFamily="18" charset="0"/>
                 <a:cs typeface="Times New Roman" panose="02020603050405020304" pitchFamily="18" charset="0"/>
               </a:rPr>
-              <a:t>nifH</a:t>
+              <a:t>nosZ</a:t>
             </a:r>
             <a:endParaRPr lang="zh-CN" altLang="en-US" i="1" dirty="0">
               <a:latin typeface="Times New Roman" panose="02020603050405020304" pitchFamily="18" charset="0"/>
@@ -6777,145 +10310,145 @@
       </p:sp>
       <p:sp>
         <p:nvSpPr>
-          <p:cNvPr id="34" name="文本框 33">
-            <a:extLst>
-              <a:ext uri="{FF2B5EF4-FFF2-40B4-BE49-F238E27FC236}">
-                <a16:creationId xmlns:a16="http://schemas.microsoft.com/office/drawing/2014/main" id="{38DBDAEB-2EBC-C134-8261-C9AAA2199E26}"/>
-              </a:ext>
-            </a:extLst>
-          </p:cNvPr>
-          <p:cNvSpPr txBox="1"/>
-          <p:nvPr/>
-        </p:nvSpPr>
-        <p:spPr>
-          <a:xfrm>
-            <a:off x="5792511" y="6466010"/>
-            <a:ext cx="862770" cy="369332"/>
-          </a:xfrm>
-          <a:prstGeom prst="rect">
-            <a:avLst/>
-          </a:prstGeom>
-          <a:noFill/>
-        </p:spPr>
-        <p:txBody>
-          <a:bodyPr wrap="square" rtlCol="0">
-            <a:spAutoFit/>
-          </a:bodyPr>
-          <a:lstStyle/>
-          <a:p>
-            <a:r>
-              <a:rPr lang="en-US" altLang="zh-CN" dirty="0">
-                <a:latin typeface="Times New Roman" panose="02020603050405020304" pitchFamily="18" charset="0"/>
-                <a:cs typeface="Times New Roman" panose="02020603050405020304" pitchFamily="18" charset="0"/>
-              </a:rPr>
-              <a:t>BIX</a:t>
-            </a:r>
-            <a:endParaRPr lang="zh-CN" altLang="en-US" dirty="0">
-              <a:latin typeface="Times New Roman" panose="02020603050405020304" pitchFamily="18" charset="0"/>
-              <a:cs typeface="Times New Roman" panose="02020603050405020304" pitchFamily="18" charset="0"/>
-            </a:endParaRPr>
-          </a:p>
-        </p:txBody>
-      </p:sp>
-      <p:sp>
-        <p:nvSpPr>
-          <p:cNvPr id="35" name="文本框 34">
-            <a:extLst>
-              <a:ext uri="{FF2B5EF4-FFF2-40B4-BE49-F238E27FC236}">
-                <a16:creationId xmlns:a16="http://schemas.microsoft.com/office/drawing/2014/main" id="{7F3D7208-D233-9383-7426-0B86BF79EC81}"/>
-              </a:ext>
-            </a:extLst>
-          </p:cNvPr>
-          <p:cNvSpPr txBox="1"/>
-          <p:nvPr/>
-        </p:nvSpPr>
-        <p:spPr>
-          <a:xfrm>
-            <a:off x="8498797" y="1672010"/>
-            <a:ext cx="1013633" cy="369332"/>
-          </a:xfrm>
-          <a:prstGeom prst="rect">
-            <a:avLst/>
-          </a:prstGeom>
-          <a:noFill/>
-        </p:spPr>
-        <p:txBody>
-          <a:bodyPr wrap="square" rtlCol="0">
-            <a:spAutoFit/>
-          </a:bodyPr>
-          <a:lstStyle/>
-          <a:p>
-            <a:r>
-              <a:rPr lang="en-US" altLang="zh-CN" dirty="0">
-                <a:latin typeface="Times New Roman" panose="02020603050405020304" pitchFamily="18" charset="0"/>
-                <a:cs typeface="Times New Roman" panose="02020603050405020304" pitchFamily="18" charset="0"/>
-              </a:rPr>
-              <a:t>Ⅰ-Area</a:t>
-            </a:r>
-            <a:endParaRPr lang="zh-CN" altLang="en-US" dirty="0">
-              <a:latin typeface="Times New Roman" panose="02020603050405020304" pitchFamily="18" charset="0"/>
-              <a:cs typeface="Times New Roman" panose="02020603050405020304" pitchFamily="18" charset="0"/>
-            </a:endParaRPr>
-          </a:p>
-        </p:txBody>
-      </p:sp>
-      <p:sp>
-        <p:nvSpPr>
-          <p:cNvPr id="36" name="文本框 35">
-            <a:extLst>
-              <a:ext uri="{FF2B5EF4-FFF2-40B4-BE49-F238E27FC236}">
-                <a16:creationId xmlns:a16="http://schemas.microsoft.com/office/drawing/2014/main" id="{5928C538-10A0-EAE5-80FA-3FF4C537FE3B}"/>
-              </a:ext>
-            </a:extLst>
-          </p:cNvPr>
-          <p:cNvSpPr txBox="1"/>
-          <p:nvPr/>
-        </p:nvSpPr>
-        <p:spPr>
-          <a:xfrm>
-            <a:off x="3677537" y="800599"/>
-            <a:ext cx="871145" cy="369332"/>
-          </a:xfrm>
-          <a:prstGeom prst="rect">
-            <a:avLst/>
-          </a:prstGeom>
-          <a:noFill/>
-        </p:spPr>
-        <p:txBody>
-          <a:bodyPr wrap="square" rtlCol="0">
-            <a:spAutoFit/>
-          </a:bodyPr>
-          <a:lstStyle/>
-          <a:p>
-            <a:r>
-              <a:rPr lang="en-US" altLang="zh-CN" dirty="0">
-                <a:latin typeface="Times New Roman" panose="02020603050405020304" pitchFamily="18" charset="0"/>
-                <a:cs typeface="Times New Roman" panose="02020603050405020304" pitchFamily="18" charset="0"/>
-              </a:rPr>
-              <a:t>W-pH</a:t>
-            </a:r>
-            <a:endParaRPr lang="zh-CN" altLang="en-US" dirty="0">
-              <a:latin typeface="Times New Roman" panose="02020603050405020304" pitchFamily="18" charset="0"/>
-              <a:cs typeface="Times New Roman" panose="02020603050405020304" pitchFamily="18" charset="0"/>
-            </a:endParaRPr>
-          </a:p>
-        </p:txBody>
-      </p:sp>
-      <p:sp>
-        <p:nvSpPr>
-          <p:cNvPr id="37" name="文本框 36">
-            <a:extLst>
-              <a:ext uri="{FF2B5EF4-FFF2-40B4-BE49-F238E27FC236}">
-                <a16:creationId xmlns:a16="http://schemas.microsoft.com/office/drawing/2014/main" id="{B89DD10B-F0E3-BBA6-0C82-0F5526DEDF2E}"/>
-              </a:ext>
-            </a:extLst>
-          </p:cNvPr>
-          <p:cNvSpPr txBox="1"/>
-          <p:nvPr/>
-        </p:nvSpPr>
-        <p:spPr>
-          <a:xfrm>
-            <a:off x="7870491" y="5809159"/>
+          <p:cNvPr id="40" name="文本框 39">
+            <a:extLst>
+              <a:ext uri="{FF2B5EF4-FFF2-40B4-BE49-F238E27FC236}">
+                <a16:creationId xmlns:a16="http://schemas.microsoft.com/office/drawing/2014/main" id="{A07544F1-1E98-8B0B-CE08-308A719EC653}"/>
+              </a:ext>
+            </a:extLst>
+          </p:cNvPr>
+          <p:cNvSpPr txBox="1"/>
+          <p:nvPr/>
+        </p:nvSpPr>
+        <p:spPr>
+          <a:xfrm>
+            <a:off x="1817405" y="2974772"/>
+            <a:ext cx="2170971" cy="369332"/>
+          </a:xfrm>
+          <a:prstGeom prst="rect">
+            <a:avLst/>
+          </a:prstGeom>
+          <a:noFill/>
+        </p:spPr>
+        <p:txBody>
+          <a:bodyPr wrap="square" rtlCol="0">
+            <a:spAutoFit/>
+          </a:bodyPr>
+          <a:lstStyle/>
+          <a:p>
+            <a:r>
+              <a:rPr lang="en-US" altLang="zh-CN" i="1" dirty="0">
+                <a:latin typeface="Times New Roman" panose="02020603050405020304" pitchFamily="18" charset="0"/>
+                <a:cs typeface="Times New Roman" panose="02020603050405020304" pitchFamily="18" charset="0"/>
+              </a:rPr>
+              <a:t>Bacterial 16S rDNA</a:t>
+            </a:r>
+            <a:endParaRPr lang="zh-CN" altLang="en-US" i="1" dirty="0">
+              <a:latin typeface="Times New Roman" panose="02020603050405020304" pitchFamily="18" charset="0"/>
+              <a:cs typeface="Times New Roman" panose="02020603050405020304" pitchFamily="18" charset="0"/>
+            </a:endParaRPr>
+          </a:p>
+        </p:txBody>
+      </p:sp>
+      <p:sp>
+        <p:nvSpPr>
+          <p:cNvPr id="41" name="文本框 40">
+            <a:extLst>
+              <a:ext uri="{FF2B5EF4-FFF2-40B4-BE49-F238E27FC236}">
+                <a16:creationId xmlns:a16="http://schemas.microsoft.com/office/drawing/2014/main" id="{D92D0530-2B10-E6E8-B053-A11686673B35}"/>
+              </a:ext>
+            </a:extLst>
+          </p:cNvPr>
+          <p:cNvSpPr txBox="1"/>
+          <p:nvPr/>
+        </p:nvSpPr>
+        <p:spPr>
+          <a:xfrm>
+            <a:off x="2882132" y="1775502"/>
+            <a:ext cx="782787" cy="369332"/>
+          </a:xfrm>
+          <a:prstGeom prst="rect">
+            <a:avLst/>
+          </a:prstGeom>
+          <a:noFill/>
+        </p:spPr>
+        <p:txBody>
+          <a:bodyPr wrap="square" rtlCol="0">
+            <a:spAutoFit/>
+          </a:bodyPr>
+          <a:lstStyle/>
+          <a:p>
+            <a:r>
+              <a:rPr lang="en-US" altLang="zh-CN" i="1" dirty="0" err="1">
+                <a:latin typeface="Times New Roman" panose="02020603050405020304" pitchFamily="18" charset="0"/>
+                <a:cs typeface="Times New Roman" panose="02020603050405020304" pitchFamily="18" charset="0"/>
+              </a:rPr>
+              <a:t>narG</a:t>
+            </a:r>
+            <a:endParaRPr lang="zh-CN" altLang="en-US" i="1" dirty="0">
+              <a:latin typeface="Times New Roman" panose="02020603050405020304" pitchFamily="18" charset="0"/>
+              <a:cs typeface="Times New Roman" panose="02020603050405020304" pitchFamily="18" charset="0"/>
+            </a:endParaRPr>
+          </a:p>
+        </p:txBody>
+      </p:sp>
+      <p:sp>
+        <p:nvSpPr>
+          <p:cNvPr id="42" name="文本框 41">
+            <a:extLst>
+              <a:ext uri="{FF2B5EF4-FFF2-40B4-BE49-F238E27FC236}">
+                <a16:creationId xmlns:a16="http://schemas.microsoft.com/office/drawing/2014/main" id="{C2ED2035-C7E5-DB59-0909-0613485ADD4E}"/>
+              </a:ext>
+            </a:extLst>
+          </p:cNvPr>
+          <p:cNvSpPr txBox="1"/>
+          <p:nvPr/>
+        </p:nvSpPr>
+        <p:spPr>
+          <a:xfrm>
+            <a:off x="5223119" y="3949129"/>
+            <a:ext cx="871144" cy="369332"/>
+          </a:xfrm>
+          <a:prstGeom prst="rect">
+            <a:avLst/>
+          </a:prstGeom>
+          <a:noFill/>
+        </p:spPr>
+        <p:txBody>
+          <a:bodyPr wrap="square" rtlCol="0">
+            <a:spAutoFit/>
+          </a:bodyPr>
+          <a:lstStyle/>
+          <a:p>
+            <a:r>
+              <a:rPr lang="en-US" altLang="zh-CN" i="1" dirty="0" err="1">
+                <a:latin typeface="Times New Roman" panose="02020603050405020304" pitchFamily="18" charset="0"/>
+                <a:cs typeface="Times New Roman" panose="02020603050405020304" pitchFamily="18" charset="0"/>
+              </a:rPr>
+              <a:t>napA</a:t>
+            </a:r>
+            <a:endParaRPr lang="zh-CN" altLang="en-US" i="1" dirty="0">
+              <a:latin typeface="Times New Roman" panose="02020603050405020304" pitchFamily="18" charset="0"/>
+              <a:cs typeface="Times New Roman" panose="02020603050405020304" pitchFamily="18" charset="0"/>
+            </a:endParaRPr>
+          </a:p>
+        </p:txBody>
+      </p:sp>
+      <p:sp>
+        <p:nvSpPr>
+          <p:cNvPr id="43" name="文本框 42">
+            <a:extLst>
+              <a:ext uri="{FF2B5EF4-FFF2-40B4-BE49-F238E27FC236}">
+                <a16:creationId xmlns:a16="http://schemas.microsoft.com/office/drawing/2014/main" id="{E24395D8-6A3D-00E8-973A-A24B6F965446}"/>
+              </a:ext>
+            </a:extLst>
+          </p:cNvPr>
+          <p:cNvSpPr txBox="1"/>
+          <p:nvPr/>
+        </p:nvSpPr>
+        <p:spPr>
+          <a:xfrm>
+            <a:off x="7650382" y="2500713"/>
             <a:ext cx="660400" cy="369332"/>
           </a:xfrm>
           <a:prstGeom prst="rect">
@@ -6934,217 +10467,7 @@
                 <a:latin typeface="Times New Roman" panose="02020603050405020304" pitchFamily="18" charset="0"/>
                 <a:cs typeface="Times New Roman" panose="02020603050405020304" pitchFamily="18" charset="0"/>
               </a:rPr>
-              <a:t>hzsA</a:t>
-            </a:r>
-            <a:endParaRPr lang="zh-CN" altLang="en-US" i="1" dirty="0">
-              <a:latin typeface="Times New Roman" panose="02020603050405020304" pitchFamily="18" charset="0"/>
-              <a:cs typeface="Times New Roman" panose="02020603050405020304" pitchFamily="18" charset="0"/>
-            </a:endParaRPr>
-          </a:p>
-        </p:txBody>
-      </p:sp>
-      <p:sp>
-        <p:nvSpPr>
-          <p:cNvPr id="38" name="文本框 37">
-            <a:extLst>
-              <a:ext uri="{FF2B5EF4-FFF2-40B4-BE49-F238E27FC236}">
-                <a16:creationId xmlns:a16="http://schemas.microsoft.com/office/drawing/2014/main" id="{FB2ACA89-96D9-E78E-C0AC-C215A1E86562}"/>
-              </a:ext>
-            </a:extLst>
-          </p:cNvPr>
-          <p:cNvSpPr txBox="1"/>
-          <p:nvPr/>
-        </p:nvSpPr>
-        <p:spPr>
-          <a:xfrm>
-            <a:off x="3559719" y="3406057"/>
-            <a:ext cx="1013633" cy="369332"/>
-          </a:xfrm>
-          <a:prstGeom prst="rect">
-            <a:avLst/>
-          </a:prstGeom>
-          <a:noFill/>
-        </p:spPr>
-        <p:txBody>
-          <a:bodyPr wrap="square" rtlCol="0">
-            <a:spAutoFit/>
-          </a:bodyPr>
-          <a:lstStyle/>
-          <a:p>
-            <a:r>
-              <a:rPr lang="en-US" altLang="zh-CN" dirty="0">
-                <a:latin typeface="Times New Roman" panose="02020603050405020304" pitchFamily="18" charset="0"/>
-                <a:cs typeface="Times New Roman" panose="02020603050405020304" pitchFamily="18" charset="0"/>
-              </a:rPr>
-              <a:t>Ⅱ-Area</a:t>
-            </a:r>
-            <a:endParaRPr lang="zh-CN" altLang="en-US" dirty="0">
-              <a:latin typeface="Times New Roman" panose="02020603050405020304" pitchFamily="18" charset="0"/>
-              <a:cs typeface="Times New Roman" panose="02020603050405020304" pitchFamily="18" charset="0"/>
-            </a:endParaRPr>
-          </a:p>
-        </p:txBody>
-      </p:sp>
-      <p:sp>
-        <p:nvSpPr>
-          <p:cNvPr id="41" name="文本框 40">
-            <a:extLst>
-              <a:ext uri="{FF2B5EF4-FFF2-40B4-BE49-F238E27FC236}">
-                <a16:creationId xmlns:a16="http://schemas.microsoft.com/office/drawing/2014/main" id="{355EDA7B-BA86-14F4-2C67-3CB08D4CB8E8}"/>
-              </a:ext>
-            </a:extLst>
-          </p:cNvPr>
-          <p:cNvSpPr txBox="1"/>
-          <p:nvPr/>
-        </p:nvSpPr>
-        <p:spPr>
-          <a:xfrm>
-            <a:off x="3239642" y="2210314"/>
-            <a:ext cx="2170971" cy="369332"/>
-          </a:xfrm>
-          <a:prstGeom prst="rect">
-            <a:avLst/>
-          </a:prstGeom>
-          <a:noFill/>
-        </p:spPr>
-        <p:txBody>
-          <a:bodyPr wrap="square" rtlCol="0">
-            <a:spAutoFit/>
-          </a:bodyPr>
-          <a:lstStyle/>
-          <a:p>
-            <a:r>
-              <a:rPr lang="en-US" altLang="zh-CN" i="1" dirty="0">
-                <a:latin typeface="Times New Roman" panose="02020603050405020304" pitchFamily="18" charset="0"/>
-                <a:cs typeface="Times New Roman" panose="02020603050405020304" pitchFamily="18" charset="0"/>
-              </a:rPr>
-              <a:t>Bacterial 16S rRNA</a:t>
-            </a:r>
-            <a:endParaRPr lang="zh-CN" altLang="en-US" i="1" dirty="0">
-              <a:latin typeface="Times New Roman" panose="02020603050405020304" pitchFamily="18" charset="0"/>
-              <a:cs typeface="Times New Roman" panose="02020603050405020304" pitchFamily="18" charset="0"/>
-            </a:endParaRPr>
-          </a:p>
-        </p:txBody>
-      </p:sp>
-      <p:sp>
-        <p:nvSpPr>
-          <p:cNvPr id="42" name="文本框 41">
-            <a:extLst>
-              <a:ext uri="{FF2B5EF4-FFF2-40B4-BE49-F238E27FC236}">
-                <a16:creationId xmlns:a16="http://schemas.microsoft.com/office/drawing/2014/main" id="{DF4B6B79-841B-BFEE-E14B-7C4705296749}"/>
-              </a:ext>
-            </a:extLst>
-          </p:cNvPr>
-          <p:cNvSpPr txBox="1"/>
-          <p:nvPr/>
-        </p:nvSpPr>
-        <p:spPr>
-          <a:xfrm>
-            <a:off x="2861930" y="1661173"/>
-            <a:ext cx="755650" cy="369332"/>
-          </a:xfrm>
-          <a:prstGeom prst="rect">
-            <a:avLst/>
-          </a:prstGeom>
-          <a:noFill/>
-        </p:spPr>
-        <p:txBody>
-          <a:bodyPr wrap="square" rtlCol="0">
-            <a:spAutoFit/>
-          </a:bodyPr>
-          <a:lstStyle/>
-          <a:p>
-            <a:r>
-              <a:rPr lang="en-US" altLang="zh-CN" i="1" dirty="0" err="1">
-                <a:latin typeface="Times New Roman" panose="02020603050405020304" pitchFamily="18" charset="0"/>
-                <a:cs typeface="Times New Roman" panose="02020603050405020304" pitchFamily="18" charset="0"/>
-              </a:rPr>
-              <a:t>napA</a:t>
-            </a:r>
-            <a:endParaRPr lang="zh-CN" altLang="en-US" i="1" dirty="0">
-              <a:latin typeface="Times New Roman" panose="02020603050405020304" pitchFamily="18" charset="0"/>
-              <a:cs typeface="Times New Roman" panose="02020603050405020304" pitchFamily="18" charset="0"/>
-            </a:endParaRPr>
-          </a:p>
-        </p:txBody>
-      </p:sp>
-      <p:sp>
-        <p:nvSpPr>
-          <p:cNvPr id="43" name="文本框 42">
-            <a:extLst>
-              <a:ext uri="{FF2B5EF4-FFF2-40B4-BE49-F238E27FC236}">
-                <a16:creationId xmlns:a16="http://schemas.microsoft.com/office/drawing/2014/main" id="{CE940132-6452-4973-A006-859FEBF8AC80}"/>
-              </a:ext>
-            </a:extLst>
-          </p:cNvPr>
-          <p:cNvSpPr txBox="1"/>
-          <p:nvPr/>
-        </p:nvSpPr>
-        <p:spPr>
-          <a:xfrm>
-            <a:off x="2594480" y="2746775"/>
-            <a:ext cx="755650" cy="369332"/>
-          </a:xfrm>
-          <a:prstGeom prst="rect">
-            <a:avLst/>
-          </a:prstGeom>
-          <a:noFill/>
-        </p:spPr>
-        <p:txBody>
-          <a:bodyPr wrap="square" rtlCol="0">
-            <a:spAutoFit/>
-          </a:bodyPr>
-          <a:lstStyle/>
-          <a:p>
-            <a:r>
-              <a:rPr lang="en-US" altLang="zh-CN" i="1" dirty="0" err="1">
-                <a:latin typeface="Times New Roman" panose="02020603050405020304" pitchFamily="18" charset="0"/>
-                <a:cs typeface="Times New Roman" panose="02020603050405020304" pitchFamily="18" charset="0"/>
-              </a:rPr>
-              <a:t>nxrA</a:t>
-            </a:r>
-            <a:endParaRPr lang="zh-CN" altLang="en-US" i="1" dirty="0">
-              <a:latin typeface="Times New Roman" panose="02020603050405020304" pitchFamily="18" charset="0"/>
-              <a:cs typeface="Times New Roman" panose="02020603050405020304" pitchFamily="18" charset="0"/>
-            </a:endParaRPr>
-          </a:p>
-        </p:txBody>
-      </p:sp>
-      <p:sp>
-        <p:nvSpPr>
-          <p:cNvPr id="44" name="文本框 43">
-            <a:extLst>
-              <a:ext uri="{FF2B5EF4-FFF2-40B4-BE49-F238E27FC236}">
-                <a16:creationId xmlns:a16="http://schemas.microsoft.com/office/drawing/2014/main" id="{09DC4D30-5389-26F3-65A8-3DAE7A6B017E}"/>
-              </a:ext>
-            </a:extLst>
-          </p:cNvPr>
-          <p:cNvSpPr txBox="1"/>
-          <p:nvPr/>
-        </p:nvSpPr>
-        <p:spPr>
-          <a:xfrm>
-            <a:off x="3743844" y="5692105"/>
-            <a:ext cx="660400" cy="369332"/>
-          </a:xfrm>
-          <a:prstGeom prst="rect">
-            <a:avLst/>
-          </a:prstGeom>
-          <a:noFill/>
-        </p:spPr>
-        <p:txBody>
-          <a:bodyPr wrap="square" rtlCol="0">
-            <a:spAutoFit/>
-          </a:bodyPr>
-          <a:lstStyle/>
-          <a:p>
-            <a:r>
-              <a:rPr lang="en-US" altLang="zh-CN" i="1" dirty="0" err="1">
-                <a:latin typeface="Times New Roman" panose="02020603050405020304" pitchFamily="18" charset="0"/>
-                <a:cs typeface="Times New Roman" panose="02020603050405020304" pitchFamily="18" charset="0"/>
-              </a:rPr>
-              <a:t>nirS</a:t>
+              <a:t>hzsB</a:t>
             </a:r>
             <a:endParaRPr lang="zh-CN" altLang="en-US" i="1" dirty="0">
               <a:latin typeface="Times New Roman" panose="02020603050405020304" pitchFamily="18" charset="0"/>
@@ -7156,7 +10479,7 @@
     </p:spTree>
     <p:extLst>
       <p:ext uri="{BB962C8B-B14F-4D97-AF65-F5344CB8AC3E}">
-        <p14:creationId xmlns:p14="http://schemas.microsoft.com/office/powerpoint/2010/main" val="1997911710"/>
+        <p14:creationId xmlns:p14="http://schemas.microsoft.com/office/powerpoint/2010/main" val="811073769"/>
       </p:ext>
     </p:extLst>
   </p:cSld>
@@ -7166,7 +10489,7 @@
 </p:sld>
 </file>
 
-<file path=ppt/slides/slide3.xml><?xml version="1.0" encoding="utf-8"?>
+<file path=ppt/slides/slide5.xml><?xml version="1.0" encoding="utf-8"?>
 <p:sld xmlns:a="http://schemas.openxmlformats.org/drawingml/2006/main" xmlns:r="http://schemas.openxmlformats.org/officeDocument/2006/relationships" xmlns:p="http://schemas.openxmlformats.org/presentationml/2006/main">
   <p:cSld>
     <p:spTree>
@@ -7188,7 +10511,7 @@
           <p:cNvPr id="3" name="图形 2">
             <a:extLst>
               <a:ext uri="{FF2B5EF4-FFF2-40B4-BE49-F238E27FC236}">
-                <a16:creationId xmlns:a16="http://schemas.microsoft.com/office/drawing/2014/main" id="{ECE718AB-3B8D-C781-7E42-4BA0254CF1FC}"/>
+                <a16:creationId xmlns:a16="http://schemas.microsoft.com/office/drawing/2014/main" id="{7B51A5CC-C937-00B0-97C3-1050AF8C1CD3}"/>
               </a:ext>
             </a:extLst>
           </p:cNvPr>
@@ -7214,8 +10537,8 @@
         </p:blipFill>
         <p:spPr>
           <a:xfrm>
-            <a:off x="2597441" y="0"/>
-            <a:ext cx="6997118" cy="6858000"/>
+            <a:off x="2625451" y="0"/>
+            <a:ext cx="6941098" cy="6858000"/>
           </a:xfrm>
           <a:prstGeom prst="rect">
             <a:avLst/>
@@ -7227,16 +10550,16 @@
           <p:cNvPr id="4" name="文本框 3">
             <a:extLst>
               <a:ext uri="{FF2B5EF4-FFF2-40B4-BE49-F238E27FC236}">
-                <a16:creationId xmlns:a16="http://schemas.microsoft.com/office/drawing/2014/main" id="{5DEF623D-5929-56DC-451F-533FEB134128}"/>
-              </a:ext>
-            </a:extLst>
-          </p:cNvPr>
-          <p:cNvSpPr txBox="1"/>
-          <p:nvPr/>
-        </p:nvSpPr>
-        <p:spPr>
-          <a:xfrm>
-            <a:off x="6772385" y="6272055"/>
+                <a16:creationId xmlns:a16="http://schemas.microsoft.com/office/drawing/2014/main" id="{ACB01517-F0C4-6A12-C88A-8A900F83EC56}"/>
+              </a:ext>
+            </a:extLst>
+          </p:cNvPr>
+          <p:cNvSpPr txBox="1"/>
+          <p:nvPr/>
+        </p:nvSpPr>
+        <p:spPr>
+          <a:xfrm>
+            <a:off x="5727354" y="3292118"/>
             <a:ext cx="755650" cy="369332"/>
           </a:xfrm>
           <a:prstGeom prst="rect">
@@ -7255,7 +10578,7 @@
                 <a:latin typeface="Times New Roman" panose="02020603050405020304" pitchFamily="18" charset="0"/>
                 <a:cs typeface="Times New Roman" panose="02020603050405020304" pitchFamily="18" charset="0"/>
               </a:rPr>
-              <a:t>cnorB</a:t>
+              <a:t>norB</a:t>
             </a:r>
             <a:endParaRPr lang="zh-CN" altLang="en-US" i="1" dirty="0">
               <a:latin typeface="Times New Roman" panose="02020603050405020304" pitchFamily="18" charset="0"/>
@@ -7269,16 +10592,58 @@
           <p:cNvPr id="5" name="文本框 4">
             <a:extLst>
               <a:ext uri="{FF2B5EF4-FFF2-40B4-BE49-F238E27FC236}">
-                <a16:creationId xmlns:a16="http://schemas.microsoft.com/office/drawing/2014/main" id="{64EDC2E5-7828-84D1-3EC1-160768700C2A}"/>
-              </a:ext>
-            </a:extLst>
-          </p:cNvPr>
-          <p:cNvSpPr txBox="1"/>
-          <p:nvPr/>
-        </p:nvSpPr>
-        <p:spPr>
-          <a:xfrm>
-            <a:off x="5608034" y="4111373"/>
+                <a16:creationId xmlns:a16="http://schemas.microsoft.com/office/drawing/2014/main" id="{190487D5-E5D1-2387-1F68-6DB2DED38D33}"/>
+              </a:ext>
+            </a:extLst>
+          </p:cNvPr>
+          <p:cNvSpPr txBox="1"/>
+          <p:nvPr/>
+        </p:nvSpPr>
+        <p:spPr>
+          <a:xfrm>
+            <a:off x="4159244" y="4405397"/>
+            <a:ext cx="361670" cy="369332"/>
+          </a:xfrm>
+          <a:prstGeom prst="rect">
+            <a:avLst/>
+          </a:prstGeom>
+          <a:noFill/>
+        </p:spPr>
+        <p:txBody>
+          <a:bodyPr wrap="square" rtlCol="0">
+            <a:spAutoFit/>
+          </a:bodyPr>
+          <a:lstStyle/>
+          <a:p>
+            <a:r>
+              <a:rPr lang="en-US" altLang="zh-CN" dirty="0">
+                <a:latin typeface="Times New Roman" panose="02020603050405020304" pitchFamily="18" charset="0"/>
+                <a:cs typeface="Times New Roman" panose="02020603050405020304" pitchFamily="18" charset="0"/>
+              </a:rPr>
+              <a:t>T</a:t>
+            </a:r>
+            <a:endParaRPr lang="zh-CN" altLang="en-US" dirty="0">
+              <a:latin typeface="Times New Roman" panose="02020603050405020304" pitchFamily="18" charset="0"/>
+              <a:cs typeface="Times New Roman" panose="02020603050405020304" pitchFamily="18" charset="0"/>
+            </a:endParaRPr>
+          </a:p>
+        </p:txBody>
+      </p:sp>
+      <p:sp>
+        <p:nvSpPr>
+          <p:cNvPr id="6" name="文本框 5">
+            <a:extLst>
+              <a:ext uri="{FF2B5EF4-FFF2-40B4-BE49-F238E27FC236}">
+                <a16:creationId xmlns:a16="http://schemas.microsoft.com/office/drawing/2014/main" id="{7C9268E7-872A-4F14-F53D-763D72F39EE7}"/>
+              </a:ext>
+            </a:extLst>
+          </p:cNvPr>
+          <p:cNvSpPr txBox="1"/>
+          <p:nvPr/>
+        </p:nvSpPr>
+        <p:spPr>
+          <a:xfrm>
+            <a:off x="4822015" y="5381319"/>
             <a:ext cx="660400" cy="369332"/>
           </a:xfrm>
           <a:prstGeom prst="rect">
@@ -7293,13 +10658,27 @@
           <a:lstStyle/>
           <a:p>
             <a:r>
+              <a:rPr lang="en-US" altLang="zh-CN" i="1" dirty="0">
+                <a:latin typeface="Times New Roman" panose="02020603050405020304" pitchFamily="18" charset="0"/>
+                <a:cs typeface="Times New Roman" panose="02020603050405020304" pitchFamily="18" charset="0"/>
+              </a:rPr>
+              <a:t>β</a:t>
+            </a:r>
+            <a:r>
               <a:rPr lang="en-US" altLang="zh-CN" dirty="0">
                 <a:latin typeface="Times New Roman" panose="02020603050405020304" pitchFamily="18" charset="0"/>
                 <a:cs typeface="Times New Roman" panose="02020603050405020304" pitchFamily="18" charset="0"/>
               </a:rPr>
-              <a:t>W-T</a:t>
-            </a:r>
-            <a:endParaRPr lang="zh-CN" altLang="en-US" dirty="0">
+              <a:t>:</a:t>
+            </a:r>
+            <a:r>
+              <a:rPr lang="en-US" altLang="zh-CN" i="1" dirty="0">
+                <a:latin typeface="Times New Roman" panose="02020603050405020304" pitchFamily="18" charset="0"/>
+                <a:cs typeface="Times New Roman" panose="02020603050405020304" pitchFamily="18" charset="0"/>
+              </a:rPr>
+              <a:t>α</a:t>
+            </a:r>
+            <a:endParaRPr lang="zh-CN" altLang="en-US" i="1" dirty="0">
               <a:latin typeface="Times New Roman" panose="02020603050405020304" pitchFamily="18" charset="0"/>
               <a:cs typeface="Times New Roman" panose="02020603050405020304" pitchFamily="18" charset="0"/>
             </a:endParaRPr>
@@ -7311,49 +10690,35 @@
           <p:cNvPr id="7" name="文本框 6">
             <a:extLst>
               <a:ext uri="{FF2B5EF4-FFF2-40B4-BE49-F238E27FC236}">
-                <a16:creationId xmlns:a16="http://schemas.microsoft.com/office/drawing/2014/main" id="{78639B65-36BB-9128-B6A5-743B711CA095}"/>
-              </a:ext>
-            </a:extLst>
-          </p:cNvPr>
-          <p:cNvSpPr txBox="1"/>
-          <p:nvPr/>
-        </p:nvSpPr>
-        <p:spPr>
-          <a:xfrm>
-            <a:off x="9118399" y="3528364"/>
-            <a:ext cx="660400" cy="369332"/>
-          </a:xfrm>
-          <a:prstGeom prst="rect">
-            <a:avLst/>
-          </a:prstGeom>
-          <a:noFill/>
-        </p:spPr>
-        <p:txBody>
-          <a:bodyPr wrap="square" rtlCol="0">
-            <a:spAutoFit/>
-          </a:bodyPr>
-          <a:lstStyle/>
-          <a:p>
-            <a:r>
-              <a:rPr lang="en-US" altLang="zh-CN" i="1" dirty="0">
-                <a:latin typeface="Times New Roman" panose="02020603050405020304" pitchFamily="18" charset="0"/>
-                <a:cs typeface="Times New Roman" panose="02020603050405020304" pitchFamily="18" charset="0"/>
-              </a:rPr>
-              <a:t>β</a:t>
-            </a:r>
-            <a:r>
-              <a:rPr lang="en-US" altLang="zh-CN" dirty="0">
-                <a:latin typeface="Times New Roman" panose="02020603050405020304" pitchFamily="18" charset="0"/>
-                <a:cs typeface="Times New Roman" panose="02020603050405020304" pitchFamily="18" charset="0"/>
-              </a:rPr>
-              <a:t>:</a:t>
-            </a:r>
-            <a:r>
-              <a:rPr lang="en-US" altLang="zh-CN" i="1" dirty="0">
-                <a:latin typeface="Times New Roman" panose="02020603050405020304" pitchFamily="18" charset="0"/>
-                <a:cs typeface="Times New Roman" panose="02020603050405020304" pitchFamily="18" charset="0"/>
-              </a:rPr>
-              <a:t>α</a:t>
+                <a16:creationId xmlns:a16="http://schemas.microsoft.com/office/drawing/2014/main" id="{BD9E0878-7171-7172-5F63-25F4AEE680C7}"/>
+              </a:ext>
+            </a:extLst>
+          </p:cNvPr>
+          <p:cNvSpPr txBox="1"/>
+          <p:nvPr/>
+        </p:nvSpPr>
+        <p:spPr>
+          <a:xfrm>
+            <a:off x="2751914" y="5038113"/>
+            <a:ext cx="1293016" cy="369332"/>
+          </a:xfrm>
+          <a:prstGeom prst="rect">
+            <a:avLst/>
+          </a:prstGeom>
+          <a:noFill/>
+        </p:spPr>
+        <p:txBody>
+          <a:bodyPr wrap="square" rtlCol="0">
+            <a:spAutoFit/>
+          </a:bodyPr>
+          <a:lstStyle/>
+          <a:p>
+            <a:r>
+              <a:rPr lang="en-US" altLang="zh-CN" i="1" dirty="0" err="1">
+                <a:latin typeface="Times New Roman" panose="02020603050405020304" pitchFamily="18" charset="0"/>
+                <a:cs typeface="Times New Roman" panose="02020603050405020304" pitchFamily="18" charset="0"/>
+              </a:rPr>
+              <a:t>AOA_amoA</a:t>
             </a:r>
             <a:endParaRPr lang="zh-CN" altLang="en-US" i="1" dirty="0">
               <a:latin typeface="Times New Roman" panose="02020603050405020304" pitchFamily="18" charset="0"/>
@@ -7367,58 +10732,16 @@
           <p:cNvPr id="8" name="文本框 7">
             <a:extLst>
               <a:ext uri="{FF2B5EF4-FFF2-40B4-BE49-F238E27FC236}">
-                <a16:creationId xmlns:a16="http://schemas.microsoft.com/office/drawing/2014/main" id="{22CB30B8-3BD9-5803-A3C3-C443DCEE2B9D}"/>
-              </a:ext>
-            </a:extLst>
-          </p:cNvPr>
-          <p:cNvSpPr txBox="1"/>
-          <p:nvPr/>
-        </p:nvSpPr>
-        <p:spPr>
-          <a:xfrm>
-            <a:off x="4562798" y="3078251"/>
-            <a:ext cx="1293016" cy="369332"/>
-          </a:xfrm>
-          <a:prstGeom prst="rect">
-            <a:avLst/>
-          </a:prstGeom>
-          <a:noFill/>
-        </p:spPr>
-        <p:txBody>
-          <a:bodyPr wrap="square" rtlCol="0">
-            <a:spAutoFit/>
-          </a:bodyPr>
-          <a:lstStyle/>
-          <a:p>
-            <a:r>
-              <a:rPr lang="en-US" altLang="zh-CN" i="1" dirty="0" err="1">
-                <a:latin typeface="Times New Roman" panose="02020603050405020304" pitchFamily="18" charset="0"/>
-                <a:cs typeface="Times New Roman" panose="02020603050405020304" pitchFamily="18" charset="0"/>
-              </a:rPr>
-              <a:t>AOA_amoA</a:t>
-            </a:r>
-            <a:endParaRPr lang="zh-CN" altLang="en-US" i="1" dirty="0">
-              <a:latin typeface="Times New Roman" panose="02020603050405020304" pitchFamily="18" charset="0"/>
-              <a:cs typeface="Times New Roman" panose="02020603050405020304" pitchFamily="18" charset="0"/>
-            </a:endParaRPr>
-          </a:p>
-        </p:txBody>
-      </p:sp>
-      <p:sp>
-        <p:nvSpPr>
-          <p:cNvPr id="9" name="文本框 8">
-            <a:extLst>
-              <a:ext uri="{FF2B5EF4-FFF2-40B4-BE49-F238E27FC236}">
-                <a16:creationId xmlns:a16="http://schemas.microsoft.com/office/drawing/2014/main" id="{C5152C41-ECEB-DEF4-1868-5BF76704418E}"/>
-              </a:ext>
-            </a:extLst>
-          </p:cNvPr>
-          <p:cNvSpPr txBox="1"/>
-          <p:nvPr/>
-        </p:nvSpPr>
-        <p:spPr>
-          <a:xfrm>
-            <a:off x="2569297" y="2953263"/>
+                <a16:creationId xmlns:a16="http://schemas.microsoft.com/office/drawing/2014/main" id="{F5DD5506-8B72-6AEF-0F7A-6F7AA6783EB7}"/>
+              </a:ext>
+            </a:extLst>
+          </p:cNvPr>
+          <p:cNvSpPr txBox="1"/>
+          <p:nvPr/>
+        </p:nvSpPr>
+        <p:spPr>
+          <a:xfrm>
+            <a:off x="3860514" y="2222293"/>
             <a:ext cx="660400" cy="369332"/>
           </a:xfrm>
           <a:prstGeom prst="rect">
@@ -7450,10 +10773,10 @@
         <mc:Choice xmlns:a14="http://schemas.microsoft.com/office/drawing/2010/main" Requires="a14">
           <p:sp>
             <p:nvSpPr>
-              <p:cNvPr id="10" name="文本框 9">
+              <p:cNvPr id="9" name="文本框 8">
                 <a:extLst>
                   <a:ext uri="{FF2B5EF4-FFF2-40B4-BE49-F238E27FC236}">
-                    <a16:creationId xmlns:a16="http://schemas.microsoft.com/office/drawing/2014/main" id="{CFB68870-629F-6675-0281-38666C942F01}"/>
+                    <a16:creationId xmlns:a16="http://schemas.microsoft.com/office/drawing/2014/main" id="{8E6ED8CD-7BDF-F0FB-8448-9F7048CB078A}"/>
                   </a:ext>
                 </a:extLst>
               </p:cNvPr>
@@ -7462,8 +10785,8 @@
             </p:nvSpPr>
             <p:spPr>
               <a:xfrm>
-                <a:off x="6442185" y="3336753"/>
-                <a:ext cx="660400" cy="369332"/>
+                <a:off x="3464003" y="776380"/>
+                <a:ext cx="1013633" cy="369332"/>
               </a:xfrm>
               <a:prstGeom prst="rect">
                 <a:avLst/>
@@ -7476,71 +10799,57 @@
               </a:bodyPr>
               <a:lstStyle/>
               <a:p>
+                <a:pPr/>
+                <a:r>
+                  <a:rPr lang="en-US" altLang="zh-CN" dirty="0">
+                    <a:latin typeface="Times New Roman" panose="02020603050405020304" pitchFamily="18" charset="0"/>
+                    <a:cs typeface="Times New Roman" panose="02020603050405020304" pitchFamily="18" charset="0"/>
+                  </a:rPr>
+                  <a:t>W-</a:t>
+                </a:r>
                 <a14:m>
-                  <m:oMathPara xmlns:m="http://schemas.openxmlformats.org/officeDocument/2006/math">
-                    <m:oMathParaPr>
-                      <m:jc m:val="centerGroup"/>
-                    </m:oMathParaPr>
-                    <m:oMath xmlns:m="http://schemas.openxmlformats.org/officeDocument/2006/math">
-                      <m:sSubSup>
-                        <m:sSubSupPr>
-                          <m:ctrlPr>
-                            <a:rPr lang="en-US" altLang="zh-CN" i="1" dirty="0" smtClean="0">
-                              <a:latin typeface="Cambria Math" panose="02040503050406030204" pitchFamily="18" charset="0"/>
-                              <a:cs typeface="Times New Roman" panose="02020603050405020304" pitchFamily="18" charset="0"/>
-                            </a:rPr>
-                          </m:ctrlPr>
-                        </m:sSubSupPr>
-                        <m:e>
-                          <m:r>
-                            <m:rPr>
-                              <m:sty m:val="p"/>
-                            </m:rPr>
-                            <a:rPr lang="en-US" altLang="zh-CN" i="1" dirty="0">
-                              <a:latin typeface="Cambria Math" panose="02040503050406030204" pitchFamily="18" charset="0"/>
-                              <a:cs typeface="Times New Roman" panose="02020603050405020304" pitchFamily="18" charset="0"/>
-                            </a:rPr>
-                            <m:t>W</m:t>
-                          </m:r>
-                          <m:r>
-                            <a:rPr lang="en-US" altLang="zh-CN" i="1" dirty="0">
-                              <a:latin typeface="Cambria Math" panose="02040503050406030204" pitchFamily="18" charset="0"/>
-                              <a:cs typeface="Times New Roman" panose="02020603050405020304" pitchFamily="18" charset="0"/>
-                            </a:rPr>
-                            <m:t>-</m:t>
-                          </m:r>
-                          <m:r>
-                            <m:rPr>
-                              <m:sty m:val="p"/>
-                            </m:rPr>
-                            <a:rPr lang="en-US" altLang="zh-CN" i="1" dirty="0">
-                              <a:latin typeface="Cambria Math" panose="02040503050406030204" pitchFamily="18" charset="0"/>
-                              <a:cs typeface="Times New Roman" panose="02020603050405020304" pitchFamily="18" charset="0"/>
-                            </a:rPr>
-                            <m:t>NO</m:t>
-                          </m:r>
-                        </m:e>
-                        <m:sub>
-                          <m:r>
-                            <a:rPr lang="en-US" altLang="zh-CN" b="0" i="1" dirty="0" smtClean="0">
-                              <a:latin typeface="Cambria Math" panose="02040503050406030204" pitchFamily="18" charset="0"/>
-                              <a:cs typeface="Times New Roman" panose="02020603050405020304" pitchFamily="18" charset="0"/>
-                            </a:rPr>
-                            <m:t>2</m:t>
-                          </m:r>
-                        </m:sub>
-                        <m:sup>
-                          <m:r>
-                            <a:rPr lang="en-US" altLang="zh-CN" b="0" i="1" dirty="0" smtClean="0">
-                              <a:latin typeface="Cambria Math" panose="02040503050406030204" pitchFamily="18" charset="0"/>
-                              <a:cs typeface="Times New Roman" panose="02020603050405020304" pitchFamily="18" charset="0"/>
-                            </a:rPr>
-                            <m:t>−</m:t>
-                          </m:r>
-                        </m:sup>
-                      </m:sSubSup>
-                    </m:oMath>
-                  </m:oMathPara>
+                  <m:oMath xmlns:m="http://schemas.openxmlformats.org/officeDocument/2006/math">
+                    <m:sSubSup>
+                      <m:sSubSupPr>
+                        <m:ctrlPr>
+                          <a:rPr lang="en-US" altLang="zh-CN" i="1" dirty="0" smtClean="0">
+                            <a:latin typeface="Cambria Math" panose="02040503050406030204" pitchFamily="18" charset="0"/>
+                            <a:cs typeface="Times New Roman" panose="02020603050405020304" pitchFamily="18" charset="0"/>
+                          </a:rPr>
+                        </m:ctrlPr>
+                      </m:sSubSupPr>
+                      <m:e>
+                        <m:r>
+                          <m:rPr>
+                            <m:sty m:val="p"/>
+                          </m:rPr>
+                          <a:rPr lang="en-US" altLang="zh-CN" i="1" dirty="0">
+                            <a:latin typeface="Cambria Math" panose="02040503050406030204" pitchFamily="18" charset="0"/>
+                            <a:cs typeface="Times New Roman" panose="02020603050405020304" pitchFamily="18" charset="0"/>
+                          </a:rPr>
+                          <m:t>NO</m:t>
+                        </m:r>
+                      </m:e>
+                      <m:sub>
+                        <m:r>
+                          <a:rPr lang="en-US" altLang="zh-CN" b="0" i="1" dirty="0" smtClean="0">
+                            <a:latin typeface="Cambria Math" panose="02040503050406030204" pitchFamily="18" charset="0"/>
+                            <a:cs typeface="Times New Roman" panose="02020603050405020304" pitchFamily="18" charset="0"/>
+                          </a:rPr>
+                          <m:t>2</m:t>
+                        </m:r>
+                      </m:sub>
+                      <m:sup>
+                        <m:r>
+                          <a:rPr lang="en-US" altLang="zh-CN" b="0" i="1" dirty="0" smtClean="0">
+                            <a:latin typeface="Cambria Math" panose="02040503050406030204" pitchFamily="18" charset="0"/>
+                            <a:cs typeface="Times New Roman" panose="02020603050405020304" pitchFamily="18" charset="0"/>
+                          </a:rPr>
+                          <m:t>−</m:t>
+                        </m:r>
+                      </m:sup>
+                    </m:sSubSup>
+                  </m:oMath>
                 </a14:m>
                 <a:endParaRPr lang="zh-CN" altLang="en-US" i="1" dirty="0">
                   <a:latin typeface="Times New Roman" panose="02020603050405020304" pitchFamily="18" charset="0"/>
@@ -7553,10 +10862,10 @@
         <mc:Fallback>
           <p:sp>
             <p:nvSpPr>
-              <p:cNvPr id="10" name="文本框 9">
+              <p:cNvPr id="9" name="文本框 8">
                 <a:extLst>
                   <a:ext uri="{FF2B5EF4-FFF2-40B4-BE49-F238E27FC236}">
-                    <a16:creationId xmlns:a16="http://schemas.microsoft.com/office/drawing/2014/main" id="{CFB68870-629F-6675-0281-38666C942F01}"/>
+                    <a16:creationId xmlns:a16="http://schemas.microsoft.com/office/drawing/2014/main" id="{8E6ED8CD-7BDF-F0FB-8448-9F7048CB078A}"/>
                   </a:ext>
                 </a:extLst>
               </p:cNvPr>
@@ -7567,8 +10876,8 @@
             </p:nvSpPr>
             <p:spPr>
               <a:xfrm>
-                <a:off x="6442185" y="3336753"/>
-                <a:ext cx="660400" cy="369332"/>
+                <a:off x="3464003" y="776380"/>
+                <a:ext cx="1013633" cy="369332"/>
               </a:xfrm>
               <a:prstGeom prst="rect">
                 <a:avLst/>
@@ -7576,7 +10885,7 @@
               <a:blipFill>
                 <a:blip r:embed="rId4"/>
                 <a:stretch>
-                  <a:fillRect r="-27778" b="-1639"/>
+                  <a:fillRect l="-4790" t="-8197" b="-24590"/>
                 </a:stretch>
               </a:blipFill>
             </p:spPr>
@@ -7597,20 +10906,146 @@
       </mc:AlternateContent>
       <p:sp>
         <p:nvSpPr>
+          <p:cNvPr id="10" name="文本框 9">
+            <a:extLst>
+              <a:ext uri="{FF2B5EF4-FFF2-40B4-BE49-F238E27FC236}">
+                <a16:creationId xmlns:a16="http://schemas.microsoft.com/office/drawing/2014/main" id="{CC970D64-824B-92EE-FFFC-6631E3F131A7}"/>
+              </a:ext>
+            </a:extLst>
+          </p:cNvPr>
+          <p:cNvSpPr txBox="1"/>
+          <p:nvPr/>
+        </p:nvSpPr>
+        <p:spPr>
+          <a:xfrm>
+            <a:off x="5973548" y="4298962"/>
+            <a:ext cx="1507669" cy="369332"/>
+          </a:xfrm>
+          <a:prstGeom prst="rect">
+            <a:avLst/>
+          </a:prstGeom>
+          <a:noFill/>
+        </p:spPr>
+        <p:txBody>
+          <a:bodyPr wrap="square" rtlCol="0">
+            <a:spAutoFit/>
+          </a:bodyPr>
+          <a:lstStyle/>
+          <a:p>
+            <a:r>
+              <a:rPr lang="en-US" altLang="zh-CN" dirty="0">
+                <a:latin typeface="Times New Roman" panose="02020603050405020304" pitchFamily="18" charset="0"/>
+                <a:cs typeface="Times New Roman" panose="02020603050405020304" pitchFamily="18" charset="0"/>
+              </a:rPr>
+              <a:t>S-Size-d(0.1)</a:t>
+            </a:r>
+            <a:endParaRPr lang="zh-CN" altLang="en-US" dirty="0">
+              <a:latin typeface="Times New Roman" panose="02020603050405020304" pitchFamily="18" charset="0"/>
+              <a:cs typeface="Times New Roman" panose="02020603050405020304" pitchFamily="18" charset="0"/>
+            </a:endParaRPr>
+          </a:p>
+        </p:txBody>
+      </p:sp>
+      <p:sp>
+        <p:nvSpPr>
           <p:cNvPr id="11" name="文本框 10">
             <a:extLst>
               <a:ext uri="{FF2B5EF4-FFF2-40B4-BE49-F238E27FC236}">
-                <a16:creationId xmlns:a16="http://schemas.microsoft.com/office/drawing/2014/main" id="{D423C292-21F0-D8D8-EA13-246E029F37B8}"/>
-              </a:ext>
-            </a:extLst>
-          </p:cNvPr>
-          <p:cNvSpPr txBox="1"/>
-          <p:nvPr/>
-        </p:nvSpPr>
-        <p:spPr>
-          <a:xfrm>
-            <a:off x="3953842" y="6127104"/>
-            <a:ext cx="1507669" cy="369332"/>
+                <a16:creationId xmlns:a16="http://schemas.microsoft.com/office/drawing/2014/main" id="{AF175701-1E0D-D986-06B8-D9B43AA3CC61}"/>
+              </a:ext>
+            </a:extLst>
+          </p:cNvPr>
+          <p:cNvSpPr txBox="1"/>
+          <p:nvPr/>
+        </p:nvSpPr>
+        <p:spPr>
+          <a:xfrm>
+            <a:off x="2689286" y="3343102"/>
+            <a:ext cx="2170971" cy="369332"/>
+          </a:xfrm>
+          <a:prstGeom prst="rect">
+            <a:avLst/>
+          </a:prstGeom>
+          <a:noFill/>
+        </p:spPr>
+        <p:txBody>
+          <a:bodyPr wrap="square" rtlCol="0">
+            <a:spAutoFit/>
+          </a:bodyPr>
+          <a:lstStyle/>
+          <a:p>
+            <a:r>
+              <a:rPr lang="en-US" altLang="zh-CN" i="1" dirty="0">
+                <a:latin typeface="Times New Roman" panose="02020603050405020304" pitchFamily="18" charset="0"/>
+                <a:cs typeface="Times New Roman" panose="02020603050405020304" pitchFamily="18" charset="0"/>
+              </a:rPr>
+              <a:t>Bacterial 16S rRNA</a:t>
+            </a:r>
+            <a:endParaRPr lang="zh-CN" altLang="en-US" i="1" dirty="0">
+              <a:latin typeface="Times New Roman" panose="02020603050405020304" pitchFamily="18" charset="0"/>
+              <a:cs typeface="Times New Roman" panose="02020603050405020304" pitchFamily="18" charset="0"/>
+            </a:endParaRPr>
+          </a:p>
+        </p:txBody>
+      </p:sp>
+      <p:sp>
+        <p:nvSpPr>
+          <p:cNvPr id="12" name="文本框 11">
+            <a:extLst>
+              <a:ext uri="{FF2B5EF4-FFF2-40B4-BE49-F238E27FC236}">
+                <a16:creationId xmlns:a16="http://schemas.microsoft.com/office/drawing/2014/main" id="{1CBB9940-32EB-E9DD-5388-5C2F7D5260E9}"/>
+              </a:ext>
+            </a:extLst>
+          </p:cNvPr>
+          <p:cNvSpPr txBox="1"/>
+          <p:nvPr/>
+        </p:nvSpPr>
+        <p:spPr>
+          <a:xfrm>
+            <a:off x="4530057" y="1282033"/>
+            <a:ext cx="660400" cy="369332"/>
+          </a:xfrm>
+          <a:prstGeom prst="rect">
+            <a:avLst/>
+          </a:prstGeom>
+          <a:noFill/>
+        </p:spPr>
+        <p:txBody>
+          <a:bodyPr wrap="square" rtlCol="0">
+            <a:spAutoFit/>
+          </a:bodyPr>
+          <a:lstStyle/>
+          <a:p>
+            <a:r>
+              <a:rPr lang="en-US" altLang="zh-CN" i="1" dirty="0" err="1">
+                <a:latin typeface="Times New Roman" panose="02020603050405020304" pitchFamily="18" charset="0"/>
+                <a:cs typeface="Times New Roman" panose="02020603050405020304" pitchFamily="18" charset="0"/>
+              </a:rPr>
+              <a:t>nirK</a:t>
+            </a:r>
+            <a:endParaRPr lang="zh-CN" altLang="en-US" i="1" dirty="0">
+              <a:latin typeface="Times New Roman" panose="02020603050405020304" pitchFamily="18" charset="0"/>
+              <a:cs typeface="Times New Roman" panose="02020603050405020304" pitchFamily="18" charset="0"/>
+            </a:endParaRPr>
+          </a:p>
+        </p:txBody>
+      </p:sp>
+      <p:sp>
+        <p:nvSpPr>
+          <p:cNvPr id="13" name="文本框 12">
+            <a:extLst>
+              <a:ext uri="{FF2B5EF4-FFF2-40B4-BE49-F238E27FC236}">
+                <a16:creationId xmlns:a16="http://schemas.microsoft.com/office/drawing/2014/main" id="{2FFAA6F8-080D-E54B-8A9B-18A475400894}"/>
+              </a:ext>
+            </a:extLst>
+          </p:cNvPr>
+          <p:cNvSpPr txBox="1"/>
+          <p:nvPr/>
+        </p:nvSpPr>
+        <p:spPr>
+          <a:xfrm>
+            <a:off x="2878984" y="1750780"/>
+            <a:ext cx="688257" cy="369332"/>
           </a:xfrm>
           <a:prstGeom prst="rect">
             <a:avLst/>
@@ -7628,7 +11063,7 @@
                 <a:latin typeface="Times New Roman" panose="02020603050405020304" pitchFamily="18" charset="0"/>
                 <a:cs typeface="Times New Roman" panose="02020603050405020304" pitchFamily="18" charset="0"/>
               </a:rPr>
-              <a:t>S-Size-d(0.1)</a:t>
+              <a:t>COD</a:t>
             </a:r>
             <a:endParaRPr lang="zh-CN" altLang="en-US" dirty="0">
               <a:latin typeface="Times New Roman" panose="02020603050405020304" pitchFamily="18" charset="0"/>
@@ -7639,61 +11074,19 @@
       </p:sp>
       <p:sp>
         <p:nvSpPr>
-          <p:cNvPr id="12" name="文本框 11">
-            <a:extLst>
-              <a:ext uri="{FF2B5EF4-FFF2-40B4-BE49-F238E27FC236}">
-                <a16:creationId xmlns:a16="http://schemas.microsoft.com/office/drawing/2014/main" id="{7870F593-0BA8-1FD3-AF28-00336C2C23CA}"/>
-              </a:ext>
-            </a:extLst>
-          </p:cNvPr>
-          <p:cNvSpPr txBox="1"/>
-          <p:nvPr/>
-        </p:nvSpPr>
-        <p:spPr>
-          <a:xfrm>
-            <a:off x="7887268" y="4668781"/>
-            <a:ext cx="2170971" cy="369332"/>
-          </a:xfrm>
-          <a:prstGeom prst="rect">
-            <a:avLst/>
-          </a:prstGeom>
-          <a:noFill/>
-        </p:spPr>
-        <p:txBody>
-          <a:bodyPr wrap="square" rtlCol="0">
-            <a:spAutoFit/>
-          </a:bodyPr>
-          <a:lstStyle/>
-          <a:p>
-            <a:r>
-              <a:rPr lang="en-US" altLang="zh-CN" i="1" dirty="0">
-                <a:latin typeface="Times New Roman" panose="02020603050405020304" pitchFamily="18" charset="0"/>
-                <a:cs typeface="Times New Roman" panose="02020603050405020304" pitchFamily="18" charset="0"/>
-              </a:rPr>
-              <a:t>Bacterial 16S rRNA</a:t>
-            </a:r>
-            <a:endParaRPr lang="zh-CN" altLang="en-US" i="1" dirty="0">
-              <a:latin typeface="Times New Roman" panose="02020603050405020304" pitchFamily="18" charset="0"/>
-              <a:cs typeface="Times New Roman" panose="02020603050405020304" pitchFamily="18" charset="0"/>
-            </a:endParaRPr>
-          </a:p>
-        </p:txBody>
-      </p:sp>
-      <p:sp>
-        <p:nvSpPr>
-          <p:cNvPr id="13" name="文本框 12">
-            <a:extLst>
-              <a:ext uri="{FF2B5EF4-FFF2-40B4-BE49-F238E27FC236}">
-                <a16:creationId xmlns:a16="http://schemas.microsoft.com/office/drawing/2014/main" id="{FACCA1E3-3A6A-2233-DAF5-8DD35EA145F8}"/>
-              </a:ext>
-            </a:extLst>
-          </p:cNvPr>
-          <p:cNvSpPr txBox="1"/>
-          <p:nvPr/>
-        </p:nvSpPr>
-        <p:spPr>
-          <a:xfrm>
-            <a:off x="5462569" y="1080636"/>
+          <p:cNvPr id="14" name="文本框 13">
+            <a:extLst>
+              <a:ext uri="{FF2B5EF4-FFF2-40B4-BE49-F238E27FC236}">
+                <a16:creationId xmlns:a16="http://schemas.microsoft.com/office/drawing/2014/main" id="{F55380E0-F45E-275A-D08A-1CF3A97E9AE6}"/>
+              </a:ext>
+            </a:extLst>
+          </p:cNvPr>
+          <p:cNvSpPr txBox="1"/>
+          <p:nvPr/>
+        </p:nvSpPr>
+        <p:spPr>
+          <a:xfrm>
+            <a:off x="8048374" y="3083814"/>
             <a:ext cx="660400" cy="369332"/>
           </a:xfrm>
           <a:prstGeom prst="rect">
@@ -7708,53 +11101,11 @@
           <a:lstStyle/>
           <a:p>
             <a:r>
-              <a:rPr lang="en-US" altLang="zh-CN" i="1" dirty="0" err="1">
-                <a:latin typeface="Times New Roman" panose="02020603050405020304" pitchFamily="18" charset="0"/>
-                <a:cs typeface="Times New Roman" panose="02020603050405020304" pitchFamily="18" charset="0"/>
-              </a:rPr>
-              <a:t>hzsB</a:t>
-            </a:r>
-            <a:endParaRPr lang="zh-CN" altLang="en-US" i="1" dirty="0">
-              <a:latin typeface="Times New Roman" panose="02020603050405020304" pitchFamily="18" charset="0"/>
-              <a:cs typeface="Times New Roman" panose="02020603050405020304" pitchFamily="18" charset="0"/>
-            </a:endParaRPr>
-          </a:p>
-        </p:txBody>
-      </p:sp>
-      <p:sp>
-        <p:nvSpPr>
-          <p:cNvPr id="14" name="文本框 13">
-            <a:extLst>
-              <a:ext uri="{FF2B5EF4-FFF2-40B4-BE49-F238E27FC236}">
-                <a16:creationId xmlns:a16="http://schemas.microsoft.com/office/drawing/2014/main" id="{CF5F0C98-558A-9887-9A2A-C6193851AB2B}"/>
-              </a:ext>
-            </a:extLst>
-          </p:cNvPr>
-          <p:cNvSpPr txBox="1"/>
-          <p:nvPr/>
-        </p:nvSpPr>
-        <p:spPr>
-          <a:xfrm>
-            <a:off x="8594753" y="2363213"/>
-            <a:ext cx="1027950" cy="369332"/>
-          </a:xfrm>
-          <a:prstGeom prst="rect">
-            <a:avLst/>
-          </a:prstGeom>
-          <a:noFill/>
-        </p:spPr>
-        <p:txBody>
-          <a:bodyPr wrap="square" rtlCol="0">
-            <a:spAutoFit/>
-          </a:bodyPr>
-          <a:lstStyle/>
-          <a:p>
-            <a:r>
               <a:rPr lang="en-US" altLang="zh-CN" dirty="0">
                 <a:latin typeface="Times New Roman" panose="02020603050405020304" pitchFamily="18" charset="0"/>
                 <a:cs typeface="Times New Roman" panose="02020603050405020304" pitchFamily="18" charset="0"/>
               </a:rPr>
-              <a:t>W-COD</a:t>
+              <a:t>S-TP</a:t>
             </a:r>
             <a:endParaRPr lang="zh-CN" altLang="en-US" dirty="0">
               <a:latin typeface="Times New Roman" panose="02020603050405020304" pitchFamily="18" charset="0"/>
@@ -7765,20 +11116,62 @@
       </p:sp>
       <p:sp>
         <p:nvSpPr>
+          <p:cNvPr id="15" name="文本框 14">
+            <a:extLst>
+              <a:ext uri="{FF2B5EF4-FFF2-40B4-BE49-F238E27FC236}">
+                <a16:creationId xmlns:a16="http://schemas.microsoft.com/office/drawing/2014/main" id="{348CD30B-1FBB-6CD1-FA9A-6899A8D31CB3}"/>
+              </a:ext>
+            </a:extLst>
+          </p:cNvPr>
+          <p:cNvSpPr txBox="1"/>
+          <p:nvPr/>
+        </p:nvSpPr>
+        <p:spPr>
+          <a:xfrm>
+            <a:off x="3931779" y="138815"/>
+            <a:ext cx="2364557" cy="369332"/>
+          </a:xfrm>
+          <a:prstGeom prst="rect">
+            <a:avLst/>
+          </a:prstGeom>
+          <a:noFill/>
+        </p:spPr>
+        <p:txBody>
+          <a:bodyPr wrap="square" rtlCol="0">
+            <a:spAutoFit/>
+          </a:bodyPr>
+          <a:lstStyle/>
+          <a:p>
+            <a:r>
+              <a:rPr lang="en-US" altLang="zh-CN" dirty="0">
+                <a:latin typeface="Times New Roman" panose="02020603050405020304" pitchFamily="18" charset="0"/>
+                <a:cs typeface="Times New Roman" panose="02020603050405020304" pitchFamily="18" charset="0"/>
+              </a:rPr>
+              <a:t>Size-d[(0.9-01)/0.5]</a:t>
+            </a:r>
+            <a:endParaRPr lang="zh-CN" altLang="en-US" dirty="0">
+              <a:latin typeface="Times New Roman" panose="02020603050405020304" pitchFamily="18" charset="0"/>
+              <a:cs typeface="Times New Roman" panose="02020603050405020304" pitchFamily="18" charset="0"/>
+            </a:endParaRPr>
+          </a:p>
+        </p:txBody>
+      </p:sp>
+      <p:sp>
+        <p:nvSpPr>
           <p:cNvPr id="17" name="文本框 16">
             <a:extLst>
               <a:ext uri="{FF2B5EF4-FFF2-40B4-BE49-F238E27FC236}">
-                <a16:creationId xmlns:a16="http://schemas.microsoft.com/office/drawing/2014/main" id="{C9485676-25BD-1CC2-051A-285910D8AAB3}"/>
-              </a:ext>
-            </a:extLst>
-          </p:cNvPr>
-          <p:cNvSpPr txBox="1"/>
-          <p:nvPr/>
-        </p:nvSpPr>
-        <p:spPr>
-          <a:xfrm>
-            <a:off x="7490971" y="390784"/>
-            <a:ext cx="660400" cy="369332"/>
+                <a16:creationId xmlns:a16="http://schemas.microsoft.com/office/drawing/2014/main" id="{B3AA4BFD-7C64-6DA4-55E7-3328ED7BC1AA}"/>
+              </a:ext>
+            </a:extLst>
+          </p:cNvPr>
+          <p:cNvSpPr txBox="1"/>
+          <p:nvPr/>
+        </p:nvSpPr>
+        <p:spPr>
+          <a:xfrm>
+            <a:off x="5057734" y="6449297"/>
+            <a:ext cx="1016424" cy="369332"/>
           </a:xfrm>
           <a:prstGeom prst="rect">
             <a:avLst/>
@@ -7796,7 +11189,7 @@
                 <a:latin typeface="Times New Roman" panose="02020603050405020304" pitchFamily="18" charset="0"/>
                 <a:cs typeface="Times New Roman" panose="02020603050405020304" pitchFamily="18" charset="0"/>
               </a:rPr>
-              <a:t>S-TP</a:t>
+              <a:t>Ⅳ-Area</a:t>
             </a:r>
             <a:endParaRPr lang="zh-CN" altLang="en-US" dirty="0">
               <a:latin typeface="Times New Roman" panose="02020603050405020304" pitchFamily="18" charset="0"/>
@@ -7810,142 +11203,16 @@
           <p:cNvPr id="18" name="文本框 17">
             <a:extLst>
               <a:ext uri="{FF2B5EF4-FFF2-40B4-BE49-F238E27FC236}">
-                <a16:creationId xmlns:a16="http://schemas.microsoft.com/office/drawing/2014/main" id="{E79ACB91-AE25-568B-7726-212F32A1CDD2}"/>
-              </a:ext>
-            </a:extLst>
-          </p:cNvPr>
-          <p:cNvSpPr txBox="1"/>
-          <p:nvPr/>
-        </p:nvSpPr>
-        <p:spPr>
-          <a:xfrm>
-            <a:off x="2272774" y="1612698"/>
-            <a:ext cx="2364557" cy="369332"/>
-          </a:xfrm>
-          <a:prstGeom prst="rect">
-            <a:avLst/>
-          </a:prstGeom>
-          <a:noFill/>
-        </p:spPr>
-        <p:txBody>
-          <a:bodyPr wrap="square" rtlCol="0">
-            <a:spAutoFit/>
-          </a:bodyPr>
-          <a:lstStyle/>
-          <a:p>
-            <a:r>
-              <a:rPr lang="en-US" altLang="zh-CN" dirty="0">
-                <a:latin typeface="Times New Roman" panose="02020603050405020304" pitchFamily="18" charset="0"/>
-                <a:cs typeface="Times New Roman" panose="02020603050405020304" pitchFamily="18" charset="0"/>
-              </a:rPr>
-              <a:t>S-Size-d[(0.9-01)/0.5]</a:t>
-            </a:r>
-            <a:endParaRPr lang="zh-CN" altLang="en-US" dirty="0">
-              <a:latin typeface="Times New Roman" panose="02020603050405020304" pitchFamily="18" charset="0"/>
-              <a:cs typeface="Times New Roman" panose="02020603050405020304" pitchFamily="18" charset="0"/>
-            </a:endParaRPr>
-          </a:p>
-        </p:txBody>
-      </p:sp>
-      <p:sp>
-        <p:nvSpPr>
-          <p:cNvPr id="20" name="文本框 19">
-            <a:extLst>
-              <a:ext uri="{FF2B5EF4-FFF2-40B4-BE49-F238E27FC236}">
-                <a16:creationId xmlns:a16="http://schemas.microsoft.com/office/drawing/2014/main" id="{65A9213E-F2CE-8D99-AC39-68BAF800AA5A}"/>
-              </a:ext>
-            </a:extLst>
-          </p:cNvPr>
-          <p:cNvSpPr txBox="1"/>
-          <p:nvPr/>
-        </p:nvSpPr>
-        <p:spPr>
-          <a:xfrm>
-            <a:off x="6984154" y="4568335"/>
-            <a:ext cx="1013633" cy="369332"/>
-          </a:xfrm>
-          <a:prstGeom prst="rect">
-            <a:avLst/>
-          </a:prstGeom>
-          <a:noFill/>
-        </p:spPr>
-        <p:txBody>
-          <a:bodyPr wrap="square" rtlCol="0">
-            <a:spAutoFit/>
-          </a:bodyPr>
-          <a:lstStyle/>
-          <a:p>
-            <a:r>
-              <a:rPr lang="en-US" altLang="zh-CN" dirty="0">
-                <a:latin typeface="Times New Roman" panose="02020603050405020304" pitchFamily="18" charset="0"/>
-                <a:cs typeface="Times New Roman" panose="02020603050405020304" pitchFamily="18" charset="0"/>
-              </a:rPr>
-              <a:t>Ⅲ-Area</a:t>
-            </a:r>
-            <a:endParaRPr lang="zh-CN" altLang="en-US" dirty="0">
-              <a:latin typeface="Times New Roman" panose="02020603050405020304" pitchFamily="18" charset="0"/>
-              <a:cs typeface="Times New Roman" panose="02020603050405020304" pitchFamily="18" charset="0"/>
-            </a:endParaRPr>
-          </a:p>
-        </p:txBody>
-      </p:sp>
-      <p:sp>
-        <p:nvSpPr>
-          <p:cNvPr id="21" name="文本框 20">
-            <a:extLst>
-              <a:ext uri="{FF2B5EF4-FFF2-40B4-BE49-F238E27FC236}">
-                <a16:creationId xmlns:a16="http://schemas.microsoft.com/office/drawing/2014/main" id="{AEF3B675-2EB4-A36D-E078-90A26391415E}"/>
-              </a:ext>
-            </a:extLst>
-          </p:cNvPr>
-          <p:cNvSpPr txBox="1"/>
-          <p:nvPr/>
-        </p:nvSpPr>
-        <p:spPr>
-          <a:xfrm>
-            <a:off x="7306416" y="2370016"/>
-            <a:ext cx="1016424" cy="369332"/>
-          </a:xfrm>
-          <a:prstGeom prst="rect">
-            <a:avLst/>
-          </a:prstGeom>
-          <a:noFill/>
-        </p:spPr>
-        <p:txBody>
-          <a:bodyPr wrap="square" rtlCol="0">
-            <a:spAutoFit/>
-          </a:bodyPr>
-          <a:lstStyle/>
-          <a:p>
-            <a:r>
-              <a:rPr lang="en-US" altLang="zh-CN" dirty="0">
-                <a:latin typeface="Times New Roman" panose="02020603050405020304" pitchFamily="18" charset="0"/>
-                <a:cs typeface="Times New Roman" panose="02020603050405020304" pitchFamily="18" charset="0"/>
-              </a:rPr>
-              <a:t>Ⅳ-Area</a:t>
-            </a:r>
-            <a:endParaRPr lang="zh-CN" altLang="en-US" dirty="0">
-              <a:latin typeface="Times New Roman" panose="02020603050405020304" pitchFamily="18" charset="0"/>
-              <a:cs typeface="Times New Roman" panose="02020603050405020304" pitchFamily="18" charset="0"/>
-            </a:endParaRPr>
-          </a:p>
-        </p:txBody>
-      </p:sp>
-      <p:sp>
-        <p:nvSpPr>
-          <p:cNvPr id="22" name="文本框 21">
-            <a:extLst>
-              <a:ext uri="{FF2B5EF4-FFF2-40B4-BE49-F238E27FC236}">
-                <a16:creationId xmlns:a16="http://schemas.microsoft.com/office/drawing/2014/main" id="{E70DEC70-3EFB-E3D8-D4DA-8CD48528D5CD}"/>
-              </a:ext>
-            </a:extLst>
-          </p:cNvPr>
-          <p:cNvSpPr txBox="1"/>
-          <p:nvPr/>
-        </p:nvSpPr>
-        <p:spPr>
-          <a:xfrm>
-            <a:off x="5824481" y="2288619"/>
+                <a16:creationId xmlns:a16="http://schemas.microsoft.com/office/drawing/2014/main" id="{106FCCAD-CE46-5CD8-3954-2BFCD1D7F18C}"/>
+              </a:ext>
+            </a:extLst>
+          </p:cNvPr>
+          <p:cNvSpPr txBox="1"/>
+          <p:nvPr/>
+        </p:nvSpPr>
+        <p:spPr>
+          <a:xfrm>
+            <a:off x="5696591" y="0"/>
             <a:ext cx="895554" cy="369332"/>
           </a:xfrm>
           <a:prstGeom prst="rect">
@@ -7977,10 +11244,10 @@
         <mc:Choice xmlns:a14="http://schemas.microsoft.com/office/drawing/2010/main" Requires="a14">
           <p:sp>
             <p:nvSpPr>
-              <p:cNvPr id="23" name="文本框 22">
+              <p:cNvPr id="19" name="文本框 18">
                 <a:extLst>
                   <a:ext uri="{FF2B5EF4-FFF2-40B4-BE49-F238E27FC236}">
-                    <a16:creationId xmlns:a16="http://schemas.microsoft.com/office/drawing/2014/main" id="{6A55402D-2F83-0B09-D3B3-E76C741E80B5}"/>
+                    <a16:creationId xmlns:a16="http://schemas.microsoft.com/office/drawing/2014/main" id="{76C39F38-E7A2-6788-3146-28B94128DDE4}"/>
                   </a:ext>
                 </a:extLst>
               </p:cNvPr>
@@ -7989,7 +11256,7 @@
             </p:nvSpPr>
             <p:spPr>
               <a:xfrm>
-                <a:off x="5416796" y="6336469"/>
+                <a:off x="6783276" y="3231784"/>
                 <a:ext cx="1193255" cy="369332"/>
               </a:xfrm>
               <a:prstGeom prst="rect">
@@ -8003,9 +11270,9 @@
               </a:bodyPr>
               <a:lstStyle/>
               <a:p>
-                <a:pPr/>
                 <a:r>
                   <a:rPr lang="en-US" altLang="zh-CN" dirty="0">
+                    <a:latin typeface="Times New Roman" panose="02020603050405020304" pitchFamily="18" charset="0"/>
                     <a:cs typeface="Times New Roman" panose="02020603050405020304" pitchFamily="18" charset="0"/>
                   </a:rPr>
                   <a:t>W-</a:t>
@@ -8015,7 +11282,7 @@
                     <m:sSubSup>
                       <m:sSubSupPr>
                         <m:ctrlPr>
-                          <a:rPr lang="en-US" altLang="zh-CN" dirty="0" smtClean="0">
+                          <a:rPr lang="en-US" altLang="zh-CN" i="1" dirty="0" smtClean="0">
                             <a:latin typeface="Cambria Math" panose="02040503050406030204" pitchFamily="18" charset="0"/>
                             <a:cs typeface="Times New Roman" panose="02020603050405020304" pitchFamily="18" charset="0"/>
                           </a:rPr>
@@ -8065,10 +11332,10 @@
         <mc:Fallback>
           <p:sp>
             <p:nvSpPr>
-              <p:cNvPr id="23" name="文本框 22">
+              <p:cNvPr id="19" name="文本框 18">
                 <a:extLst>
                   <a:ext uri="{FF2B5EF4-FFF2-40B4-BE49-F238E27FC236}">
-                    <a16:creationId xmlns:a16="http://schemas.microsoft.com/office/drawing/2014/main" id="{6A55402D-2F83-0B09-D3B3-E76C741E80B5}"/>
+                    <a16:creationId xmlns:a16="http://schemas.microsoft.com/office/drawing/2014/main" id="{76C39F38-E7A2-6788-3146-28B94128DDE4}"/>
                   </a:ext>
                 </a:extLst>
               </p:cNvPr>
@@ -8079,7 +11346,7 @@
             </p:nvSpPr>
             <p:spPr>
               <a:xfrm>
-                <a:off x="5416796" y="6336469"/>
+                <a:off x="6783276" y="3231784"/>
                 <a:ext cx="1193255" cy="369332"/>
               </a:xfrm>
               <a:prstGeom prst="rect">
@@ -8109,19 +11376,19 @@
       </mc:AlternateContent>
       <p:sp>
         <p:nvSpPr>
-          <p:cNvPr id="24" name="文本框 23">
-            <a:extLst>
-              <a:ext uri="{FF2B5EF4-FFF2-40B4-BE49-F238E27FC236}">
-                <a16:creationId xmlns:a16="http://schemas.microsoft.com/office/drawing/2014/main" id="{A4390276-761E-3704-0227-E4671C9F28B2}"/>
-              </a:ext>
-            </a:extLst>
-          </p:cNvPr>
-          <p:cNvSpPr txBox="1"/>
-          <p:nvPr/>
-        </p:nvSpPr>
-        <p:spPr>
-          <a:xfrm>
-            <a:off x="7710268" y="3554383"/>
+          <p:cNvPr id="20" name="文本框 19">
+            <a:extLst>
+              <a:ext uri="{FF2B5EF4-FFF2-40B4-BE49-F238E27FC236}">
+                <a16:creationId xmlns:a16="http://schemas.microsoft.com/office/drawing/2014/main" id="{22C5D9BB-5D24-DF4A-9C9F-58D037DDE674}"/>
+              </a:ext>
+            </a:extLst>
+          </p:cNvPr>
+          <p:cNvSpPr txBox="1"/>
+          <p:nvPr/>
+        </p:nvSpPr>
+        <p:spPr>
+          <a:xfrm>
+            <a:off x="6834232" y="140208"/>
             <a:ext cx="871145" cy="369332"/>
           </a:xfrm>
           <a:prstGeom prst="rect">
@@ -8141,6 +11408,48 @@
                 <a:cs typeface="Times New Roman" panose="02020603050405020304" pitchFamily="18" charset="0"/>
               </a:rPr>
               <a:t>W-DO</a:t>
+            </a:r>
+            <a:endParaRPr lang="zh-CN" altLang="en-US" dirty="0">
+              <a:latin typeface="Times New Roman" panose="02020603050405020304" pitchFamily="18" charset="0"/>
+              <a:cs typeface="Times New Roman" panose="02020603050405020304" pitchFamily="18" charset="0"/>
+            </a:endParaRPr>
+          </a:p>
+        </p:txBody>
+      </p:sp>
+      <p:sp>
+        <p:nvSpPr>
+          <p:cNvPr id="22" name="文本框 21">
+            <a:extLst>
+              <a:ext uri="{FF2B5EF4-FFF2-40B4-BE49-F238E27FC236}">
+                <a16:creationId xmlns:a16="http://schemas.microsoft.com/office/drawing/2014/main" id="{B55CC0E8-805F-F637-C95B-62C3F7992F65}"/>
+              </a:ext>
+            </a:extLst>
+          </p:cNvPr>
+          <p:cNvSpPr txBox="1"/>
+          <p:nvPr/>
+        </p:nvSpPr>
+        <p:spPr>
+          <a:xfrm>
+            <a:off x="6683586" y="1239176"/>
+            <a:ext cx="891728" cy="369332"/>
+          </a:xfrm>
+          <a:prstGeom prst="rect">
+            <a:avLst/>
+          </a:prstGeom>
+          <a:noFill/>
+        </p:spPr>
+        <p:txBody>
+          <a:bodyPr wrap="square" rtlCol="0">
+            <a:spAutoFit/>
+          </a:bodyPr>
+          <a:lstStyle/>
+          <a:p>
+            <a:r>
+              <a:rPr lang="en-US" altLang="zh-CN" dirty="0">
+                <a:latin typeface="Times New Roman" panose="02020603050405020304" pitchFamily="18" charset="0"/>
+                <a:cs typeface="Times New Roman" panose="02020603050405020304" pitchFamily="18" charset="0"/>
+              </a:rPr>
+              <a:t>S-TN</a:t>
             </a:r>
             <a:endParaRPr lang="zh-CN" altLang="en-US" dirty="0">
               <a:latin typeface="Times New Roman" panose="02020603050405020304" pitchFamily="18" charset="0"/>
@@ -8153,10 +11462,10 @@
         <mc:Choice xmlns:a14="http://schemas.microsoft.com/office/drawing/2010/main" Requires="a14">
           <p:sp>
             <p:nvSpPr>
-              <p:cNvPr id="25" name="文本框 24">
+              <p:cNvPr id="23" name="文本框 22">
                 <a:extLst>
                   <a:ext uri="{FF2B5EF4-FFF2-40B4-BE49-F238E27FC236}">
-                    <a16:creationId xmlns:a16="http://schemas.microsoft.com/office/drawing/2014/main" id="{81287AC7-4898-1230-DAA4-776071429587}"/>
+                    <a16:creationId xmlns:a16="http://schemas.microsoft.com/office/drawing/2014/main" id="{6AB5A322-AE00-4069-9737-895908E32285}"/>
                   </a:ext>
                 </a:extLst>
               </p:cNvPr>
@@ -8165,197 +11474,7 @@
             </p:nvSpPr>
             <p:spPr>
               <a:xfrm>
-                <a:off x="4695795" y="17477"/>
-                <a:ext cx="1027022" cy="373307"/>
-              </a:xfrm>
-              <a:prstGeom prst="rect">
-                <a:avLst/>
-              </a:prstGeom>
-              <a:noFill/>
-            </p:spPr>
-            <p:txBody>
-              <a:bodyPr wrap="square" rtlCol="0">
-                <a:spAutoFit/>
-              </a:bodyPr>
-              <a:lstStyle/>
-              <a:p>
-                <a:pPr/>
-                <a:r>
-                  <a:rPr lang="en-US" altLang="zh-CN" dirty="0">
-                    <a:cs typeface="Times New Roman" panose="02020603050405020304" pitchFamily="18" charset="0"/>
-                  </a:rPr>
-                  <a:t>W-</a:t>
-                </a:r>
-                <a14:m>
-                  <m:oMath xmlns:m="http://schemas.openxmlformats.org/officeDocument/2006/math">
-                    <m:sSubSup>
-                      <m:sSubSupPr>
-                        <m:ctrlPr>
-                          <a:rPr lang="en-US" altLang="zh-CN" i="1" dirty="0" smtClean="0">
-                            <a:latin typeface="Cambria Math" panose="02040503050406030204" pitchFamily="18" charset="0"/>
-                            <a:cs typeface="Times New Roman" panose="02020603050405020304" pitchFamily="18" charset="0"/>
-                          </a:rPr>
-                        </m:ctrlPr>
-                      </m:sSubSupPr>
-                      <m:e>
-                        <m:r>
-                          <a:rPr lang="en-US" altLang="zh-CN" b="0" i="1" dirty="0" smtClean="0">
-                            <a:latin typeface="Cambria Math" panose="02040503050406030204" pitchFamily="18" charset="0"/>
-                            <a:cs typeface="Times New Roman" panose="02020603050405020304" pitchFamily="18" charset="0"/>
-                          </a:rPr>
-                          <m:t>𝑃</m:t>
-                        </m:r>
-                        <m:r>
-                          <m:rPr>
-                            <m:sty m:val="p"/>
-                          </m:rPr>
-                          <a:rPr lang="en-US" altLang="zh-CN" i="1" dirty="0">
-                            <a:latin typeface="Cambria Math" panose="02040503050406030204" pitchFamily="18" charset="0"/>
-                            <a:cs typeface="Times New Roman" panose="02020603050405020304" pitchFamily="18" charset="0"/>
-                          </a:rPr>
-                          <m:t>O</m:t>
-                        </m:r>
-                      </m:e>
-                      <m:sub>
-                        <m:r>
-                          <a:rPr lang="en-US" altLang="zh-CN" b="0" i="1" dirty="0" smtClean="0">
-                            <a:latin typeface="Cambria Math" panose="02040503050406030204" pitchFamily="18" charset="0"/>
-                            <a:cs typeface="Times New Roman" panose="02020603050405020304" pitchFamily="18" charset="0"/>
-                          </a:rPr>
-                          <m:t>4</m:t>
-                        </m:r>
-                      </m:sub>
-                      <m:sup>
-                        <m:r>
-                          <a:rPr lang="en-US" altLang="zh-CN" b="0" i="1" dirty="0" smtClean="0">
-                            <a:latin typeface="Cambria Math" panose="02040503050406030204" pitchFamily="18" charset="0"/>
-                            <a:cs typeface="Times New Roman" panose="02020603050405020304" pitchFamily="18" charset="0"/>
-                          </a:rPr>
-                          <m:t>3</m:t>
-                        </m:r>
-                        <m:r>
-                          <a:rPr lang="en-US" altLang="zh-CN" b="0" i="1" dirty="0" smtClean="0">
-                            <a:latin typeface="Cambria Math" panose="02040503050406030204" pitchFamily="18" charset="0"/>
-                            <a:cs typeface="Times New Roman" panose="02020603050405020304" pitchFamily="18" charset="0"/>
-                          </a:rPr>
-                          <m:t>−</m:t>
-                        </m:r>
-                      </m:sup>
-                    </m:sSubSup>
-                  </m:oMath>
-                </a14:m>
-                <a:endParaRPr lang="zh-CN" altLang="en-US" i="1" dirty="0">
-                  <a:latin typeface="Times New Roman" panose="02020603050405020304" pitchFamily="18" charset="0"/>
-                  <a:cs typeface="Times New Roman" panose="02020603050405020304" pitchFamily="18" charset="0"/>
-                </a:endParaRPr>
-              </a:p>
-            </p:txBody>
-          </p:sp>
-        </mc:Choice>
-        <mc:Fallback>
-          <p:sp>
-            <p:nvSpPr>
-              <p:cNvPr id="25" name="文本框 24">
-                <a:extLst>
-                  <a:ext uri="{FF2B5EF4-FFF2-40B4-BE49-F238E27FC236}">
-                    <a16:creationId xmlns:a16="http://schemas.microsoft.com/office/drawing/2014/main" id="{81287AC7-4898-1230-DAA4-776071429587}"/>
-                  </a:ext>
-                </a:extLst>
-              </p:cNvPr>
-              <p:cNvSpPr txBox="1">
-                <a:spLocks noRot="1" noChangeAspect="1" noMove="1" noResize="1" noEditPoints="1" noAdjustHandles="1" noChangeArrowheads="1" noChangeShapeType="1" noTextEdit="1"/>
-              </p:cNvSpPr>
-              <p:nvPr/>
-            </p:nvSpPr>
-            <p:spPr>
-              <a:xfrm>
-                <a:off x="4695795" y="17477"/>
-                <a:ext cx="1027022" cy="373307"/>
-              </a:xfrm>
-              <a:prstGeom prst="rect">
-                <a:avLst/>
-              </a:prstGeom>
-              <a:blipFill>
-                <a:blip r:embed="rId6"/>
-                <a:stretch>
-                  <a:fillRect l="-4734" t="-8197" b="-26230"/>
-                </a:stretch>
-              </a:blipFill>
-            </p:spPr>
-            <p:txBody>
-              <a:bodyPr/>
-              <a:lstStyle/>
-              <a:p>
-                <a:r>
-                  <a:rPr lang="zh-CN" altLang="en-US">
-                    <a:noFill/>
-                  </a:rPr>
-                  <a:t> </a:t>
-                </a:r>
-              </a:p>
-            </p:txBody>
-          </p:sp>
-        </mc:Fallback>
-      </mc:AlternateContent>
-      <p:sp>
-        <p:nvSpPr>
-          <p:cNvPr id="26" name="文本框 25">
-            <a:extLst>
-              <a:ext uri="{FF2B5EF4-FFF2-40B4-BE49-F238E27FC236}">
-                <a16:creationId xmlns:a16="http://schemas.microsoft.com/office/drawing/2014/main" id="{A542A25E-A1BB-A867-9D4E-719E1882AA9D}"/>
-              </a:ext>
-            </a:extLst>
-          </p:cNvPr>
-          <p:cNvSpPr txBox="1"/>
-          <p:nvPr/>
-        </p:nvSpPr>
-        <p:spPr>
-          <a:xfrm>
-            <a:off x="3833559" y="846418"/>
-            <a:ext cx="891728" cy="369332"/>
-          </a:xfrm>
-          <a:prstGeom prst="rect">
-            <a:avLst/>
-          </a:prstGeom>
-          <a:noFill/>
-        </p:spPr>
-        <p:txBody>
-          <a:bodyPr wrap="square" rtlCol="0">
-            <a:spAutoFit/>
-          </a:bodyPr>
-          <a:lstStyle/>
-          <a:p>
-            <a:r>
-              <a:rPr lang="en-US" altLang="zh-CN" dirty="0">
-                <a:latin typeface="Times New Roman" panose="02020603050405020304" pitchFamily="18" charset="0"/>
-                <a:cs typeface="Times New Roman" panose="02020603050405020304" pitchFamily="18" charset="0"/>
-              </a:rPr>
-              <a:t>W-TN</a:t>
-            </a:r>
-            <a:endParaRPr lang="zh-CN" altLang="en-US" dirty="0">
-              <a:latin typeface="Times New Roman" panose="02020603050405020304" pitchFamily="18" charset="0"/>
-              <a:cs typeface="Times New Roman" panose="02020603050405020304" pitchFamily="18" charset="0"/>
-            </a:endParaRPr>
-          </a:p>
-        </p:txBody>
-      </p:sp>
-      <mc:AlternateContent xmlns:mc="http://schemas.openxmlformats.org/markup-compatibility/2006">
-        <mc:Choice xmlns:a14="http://schemas.microsoft.com/office/drawing/2010/main" Requires="a14">
-          <p:sp>
-            <p:nvSpPr>
-              <p:cNvPr id="27" name="文本框 26">
-                <a:extLst>
-                  <a:ext uri="{FF2B5EF4-FFF2-40B4-BE49-F238E27FC236}">
-                    <a16:creationId xmlns:a16="http://schemas.microsoft.com/office/drawing/2014/main" id="{E748C5D6-5D7C-E6C7-3E52-1C9484AE93B6}"/>
-                  </a:ext>
-                </a:extLst>
-              </p:cNvPr>
-              <p:cNvSpPr txBox="1"/>
-              <p:nvPr/>
-            </p:nvSpPr>
-            <p:spPr>
-              <a:xfrm>
-                <a:off x="8233046" y="1355840"/>
+                <a:off x="8937063" y="2704573"/>
                 <a:ext cx="1049964" cy="369332"/>
               </a:xfrm>
               <a:prstGeom prst="rect">
@@ -8369,9 +11488,9 @@
               </a:bodyPr>
               <a:lstStyle/>
               <a:p>
-                <a:pPr/>
                 <a:r>
                   <a:rPr lang="en-US" altLang="zh-CN" dirty="0">
+                    <a:latin typeface="Times New Roman" panose="02020603050405020304" pitchFamily="18" charset="0"/>
                     <a:cs typeface="Times New Roman" panose="02020603050405020304" pitchFamily="18" charset="0"/>
                   </a:rPr>
                   <a:t>W-</a:t>
@@ -8431,10 +11550,10 @@
         <mc:Fallback>
           <p:sp>
             <p:nvSpPr>
-              <p:cNvPr id="27" name="文本框 26">
+              <p:cNvPr id="23" name="文本框 22">
                 <a:extLst>
                   <a:ext uri="{FF2B5EF4-FFF2-40B4-BE49-F238E27FC236}">
-                    <a16:creationId xmlns:a16="http://schemas.microsoft.com/office/drawing/2014/main" id="{E748C5D6-5D7C-E6C7-3E52-1C9484AE93B6}"/>
+                    <a16:creationId xmlns:a16="http://schemas.microsoft.com/office/drawing/2014/main" id="{6AB5A322-AE00-4069-9737-895908E32285}"/>
                   </a:ext>
                 </a:extLst>
               </p:cNvPr>
@@ -8445,16 +11564,16 @@
             </p:nvSpPr>
             <p:spPr>
               <a:xfrm>
-                <a:off x="8233046" y="1355840"/>
+                <a:off x="8937063" y="2704573"/>
                 <a:ext cx="1049964" cy="369332"/>
               </a:xfrm>
               <a:prstGeom prst="rect">
                 <a:avLst/>
               </a:prstGeom>
               <a:blipFill>
-                <a:blip r:embed="rId7"/>
+                <a:blip r:embed="rId6"/>
                 <a:stretch>
-                  <a:fillRect l="-5233" t="-8197" b="-24590"/>
+                  <a:fillRect l="-4651" t="-10000" b="-26667"/>
                 </a:stretch>
               </a:blipFill>
             </p:spPr>
@@ -8475,20 +11594,272 @@
       </mc:AlternateContent>
       <p:sp>
         <p:nvSpPr>
+          <p:cNvPr id="24" name="文本框 23">
+            <a:extLst>
+              <a:ext uri="{FF2B5EF4-FFF2-40B4-BE49-F238E27FC236}">
+                <a16:creationId xmlns:a16="http://schemas.microsoft.com/office/drawing/2014/main" id="{AF60975A-FADA-5B72-839C-E6AF335AC1B6}"/>
+              </a:ext>
+            </a:extLst>
+          </p:cNvPr>
+          <p:cNvSpPr txBox="1"/>
+          <p:nvPr/>
+        </p:nvSpPr>
+        <p:spPr>
+          <a:xfrm>
+            <a:off x="6619022" y="5167996"/>
+            <a:ext cx="1507669" cy="369332"/>
+          </a:xfrm>
+          <a:prstGeom prst="rect">
+            <a:avLst/>
+          </a:prstGeom>
+          <a:noFill/>
+        </p:spPr>
+        <p:txBody>
+          <a:bodyPr wrap="square" rtlCol="0">
+            <a:spAutoFit/>
+          </a:bodyPr>
+          <a:lstStyle/>
+          <a:p>
+            <a:r>
+              <a:rPr lang="en-US" altLang="zh-CN" dirty="0">
+                <a:latin typeface="Times New Roman" panose="02020603050405020304" pitchFamily="18" charset="0"/>
+                <a:cs typeface="Times New Roman" panose="02020603050405020304" pitchFamily="18" charset="0"/>
+              </a:rPr>
+              <a:t>S-Size-d(0.5)</a:t>
+            </a:r>
+            <a:endParaRPr lang="zh-CN" altLang="en-US" dirty="0">
+              <a:latin typeface="Times New Roman" panose="02020603050405020304" pitchFamily="18" charset="0"/>
+              <a:cs typeface="Times New Roman" panose="02020603050405020304" pitchFamily="18" charset="0"/>
+            </a:endParaRPr>
+          </a:p>
+        </p:txBody>
+      </p:sp>
+      <p:sp>
+        <p:nvSpPr>
+          <p:cNvPr id="25" name="文本框 24">
+            <a:extLst>
+              <a:ext uri="{FF2B5EF4-FFF2-40B4-BE49-F238E27FC236}">
+                <a16:creationId xmlns:a16="http://schemas.microsoft.com/office/drawing/2014/main" id="{CBE18203-3B83-0334-013E-572D8EA88DBC}"/>
+              </a:ext>
+            </a:extLst>
+          </p:cNvPr>
+          <p:cNvSpPr txBox="1"/>
+          <p:nvPr/>
+        </p:nvSpPr>
+        <p:spPr>
+          <a:xfrm>
+            <a:off x="4678246" y="2283414"/>
+            <a:ext cx="1507669" cy="369332"/>
+          </a:xfrm>
+          <a:prstGeom prst="rect">
+            <a:avLst/>
+          </a:prstGeom>
+          <a:noFill/>
+        </p:spPr>
+        <p:txBody>
+          <a:bodyPr wrap="square" rtlCol="0">
+            <a:spAutoFit/>
+          </a:bodyPr>
+          <a:lstStyle/>
+          <a:p>
+            <a:r>
+              <a:rPr lang="en-US" altLang="zh-CN" dirty="0">
+                <a:latin typeface="Times New Roman" panose="02020603050405020304" pitchFamily="18" charset="0"/>
+                <a:cs typeface="Times New Roman" panose="02020603050405020304" pitchFamily="18" charset="0"/>
+              </a:rPr>
+              <a:t>S-Size-d(0.9)</a:t>
+            </a:r>
+            <a:endParaRPr lang="zh-CN" altLang="en-US" dirty="0">
+              <a:latin typeface="Times New Roman" panose="02020603050405020304" pitchFamily="18" charset="0"/>
+              <a:cs typeface="Times New Roman" panose="02020603050405020304" pitchFamily="18" charset="0"/>
+            </a:endParaRPr>
+          </a:p>
+        </p:txBody>
+      </p:sp>
+      <p:sp>
+        <p:nvSpPr>
+          <p:cNvPr id="26" name="文本框 25">
+            <a:extLst>
+              <a:ext uri="{FF2B5EF4-FFF2-40B4-BE49-F238E27FC236}">
+                <a16:creationId xmlns:a16="http://schemas.microsoft.com/office/drawing/2014/main" id="{726B4AF4-1033-DE81-D238-6D73F2379200}"/>
+              </a:ext>
+            </a:extLst>
+          </p:cNvPr>
+          <p:cNvSpPr txBox="1"/>
+          <p:nvPr/>
+        </p:nvSpPr>
+        <p:spPr>
+          <a:xfrm>
+            <a:off x="8578060" y="1687191"/>
+            <a:ext cx="862770" cy="369332"/>
+          </a:xfrm>
+          <a:prstGeom prst="rect">
+            <a:avLst/>
+          </a:prstGeom>
+          <a:noFill/>
+        </p:spPr>
+        <p:txBody>
+          <a:bodyPr wrap="square" rtlCol="0">
+            <a:spAutoFit/>
+          </a:bodyPr>
+          <a:lstStyle/>
+          <a:p>
+            <a:r>
+              <a:rPr lang="en-US" altLang="zh-CN" dirty="0">
+                <a:latin typeface="Times New Roman" panose="02020603050405020304" pitchFamily="18" charset="0"/>
+                <a:cs typeface="Times New Roman" panose="02020603050405020304" pitchFamily="18" charset="0"/>
+              </a:rPr>
+              <a:t>BIX</a:t>
+            </a:r>
+            <a:endParaRPr lang="zh-CN" altLang="en-US" dirty="0">
+              <a:latin typeface="Times New Roman" panose="02020603050405020304" pitchFamily="18" charset="0"/>
+              <a:cs typeface="Times New Roman" panose="02020603050405020304" pitchFamily="18" charset="0"/>
+            </a:endParaRPr>
+          </a:p>
+        </p:txBody>
+      </p:sp>
+      <p:sp>
+        <p:nvSpPr>
+          <p:cNvPr id="27" name="文本框 26">
+            <a:extLst>
+              <a:ext uri="{FF2B5EF4-FFF2-40B4-BE49-F238E27FC236}">
+                <a16:creationId xmlns:a16="http://schemas.microsoft.com/office/drawing/2014/main" id="{E041497C-6995-DEE0-949D-C495FEC8226F}"/>
+              </a:ext>
+            </a:extLst>
+          </p:cNvPr>
+          <p:cNvSpPr txBox="1"/>
+          <p:nvPr/>
+        </p:nvSpPr>
+        <p:spPr>
+          <a:xfrm>
+            <a:off x="2410915" y="2782951"/>
+            <a:ext cx="1013633" cy="369332"/>
+          </a:xfrm>
+          <a:prstGeom prst="rect">
+            <a:avLst/>
+          </a:prstGeom>
+          <a:noFill/>
+        </p:spPr>
+        <p:txBody>
+          <a:bodyPr wrap="square" rtlCol="0">
+            <a:spAutoFit/>
+          </a:bodyPr>
+          <a:lstStyle/>
+          <a:p>
+            <a:r>
+              <a:rPr lang="en-US" altLang="zh-CN" dirty="0">
+                <a:latin typeface="Times New Roman" panose="02020603050405020304" pitchFamily="18" charset="0"/>
+                <a:cs typeface="Times New Roman" panose="02020603050405020304" pitchFamily="18" charset="0"/>
+              </a:rPr>
+              <a:t>Ⅱ-Area</a:t>
+            </a:r>
+            <a:endParaRPr lang="zh-CN" altLang="en-US" dirty="0">
+              <a:latin typeface="Times New Roman" panose="02020603050405020304" pitchFamily="18" charset="0"/>
+              <a:cs typeface="Times New Roman" panose="02020603050405020304" pitchFamily="18" charset="0"/>
+            </a:endParaRPr>
+          </a:p>
+        </p:txBody>
+      </p:sp>
+      <p:sp>
+        <p:nvSpPr>
+          <p:cNvPr id="28" name="文本框 27">
+            <a:extLst>
+              <a:ext uri="{FF2B5EF4-FFF2-40B4-BE49-F238E27FC236}">
+                <a16:creationId xmlns:a16="http://schemas.microsoft.com/office/drawing/2014/main" id="{25DF644E-4EBB-CBDD-F589-DCF7AF9625F4}"/>
+              </a:ext>
+            </a:extLst>
+          </p:cNvPr>
+          <p:cNvSpPr txBox="1"/>
+          <p:nvPr/>
+        </p:nvSpPr>
+        <p:spPr>
+          <a:xfrm>
+            <a:off x="8529752" y="4933394"/>
+            <a:ext cx="871145" cy="369332"/>
+          </a:xfrm>
+          <a:prstGeom prst="rect">
+            <a:avLst/>
+          </a:prstGeom>
+          <a:noFill/>
+        </p:spPr>
+        <p:txBody>
+          <a:bodyPr wrap="square" rtlCol="0">
+            <a:spAutoFit/>
+          </a:bodyPr>
+          <a:lstStyle/>
+          <a:p>
+            <a:r>
+              <a:rPr lang="en-US" altLang="zh-CN" dirty="0">
+                <a:latin typeface="Times New Roman" panose="02020603050405020304" pitchFamily="18" charset="0"/>
+                <a:cs typeface="Times New Roman" panose="02020603050405020304" pitchFamily="18" charset="0"/>
+              </a:rPr>
+              <a:t>pH</a:t>
+            </a:r>
+            <a:endParaRPr lang="zh-CN" altLang="en-US" dirty="0">
+              <a:latin typeface="Times New Roman" panose="02020603050405020304" pitchFamily="18" charset="0"/>
+              <a:cs typeface="Times New Roman" panose="02020603050405020304" pitchFamily="18" charset="0"/>
+            </a:endParaRPr>
+          </a:p>
+        </p:txBody>
+      </p:sp>
+      <p:sp>
+        <p:nvSpPr>
           <p:cNvPr id="29" name="文本框 28">
             <a:extLst>
               <a:ext uri="{FF2B5EF4-FFF2-40B4-BE49-F238E27FC236}">
-                <a16:creationId xmlns:a16="http://schemas.microsoft.com/office/drawing/2014/main" id="{3FE22A84-1565-E37C-263F-CAA7588018EE}"/>
-              </a:ext>
-            </a:extLst>
-          </p:cNvPr>
-          <p:cNvSpPr txBox="1"/>
-          <p:nvPr/>
-        </p:nvSpPr>
-        <p:spPr>
-          <a:xfrm>
-            <a:off x="3679103" y="3975154"/>
-            <a:ext cx="1507669" cy="369332"/>
+                <a16:creationId xmlns:a16="http://schemas.microsoft.com/office/drawing/2014/main" id="{6571BEF8-1F48-B8CC-CAD5-5396EC463EFA}"/>
+              </a:ext>
+            </a:extLst>
+          </p:cNvPr>
+          <p:cNvSpPr txBox="1"/>
+          <p:nvPr/>
+        </p:nvSpPr>
+        <p:spPr>
+          <a:xfrm>
+            <a:off x="7917660" y="787079"/>
+            <a:ext cx="660400" cy="369332"/>
+          </a:xfrm>
+          <a:prstGeom prst="rect">
+            <a:avLst/>
+          </a:prstGeom>
+          <a:noFill/>
+        </p:spPr>
+        <p:txBody>
+          <a:bodyPr wrap="square" rtlCol="0">
+            <a:spAutoFit/>
+          </a:bodyPr>
+          <a:lstStyle/>
+          <a:p>
+            <a:r>
+              <a:rPr lang="en-US" altLang="zh-CN" i="1" dirty="0" err="1">
+                <a:latin typeface="Times New Roman" panose="02020603050405020304" pitchFamily="18" charset="0"/>
+                <a:cs typeface="Times New Roman" panose="02020603050405020304" pitchFamily="18" charset="0"/>
+              </a:rPr>
+              <a:t>nirS</a:t>
+            </a:r>
+            <a:endParaRPr lang="zh-CN" altLang="en-US" i="1" dirty="0">
+              <a:latin typeface="Times New Roman" panose="02020603050405020304" pitchFamily="18" charset="0"/>
+              <a:cs typeface="Times New Roman" panose="02020603050405020304" pitchFamily="18" charset="0"/>
+            </a:endParaRPr>
+          </a:p>
+        </p:txBody>
+      </p:sp>
+      <p:sp>
+        <p:nvSpPr>
+          <p:cNvPr id="30" name="文本框 29">
+            <a:extLst>
+              <a:ext uri="{FF2B5EF4-FFF2-40B4-BE49-F238E27FC236}">
+                <a16:creationId xmlns:a16="http://schemas.microsoft.com/office/drawing/2014/main" id="{15480E83-CA74-B9A0-D00A-35A18A463099}"/>
+              </a:ext>
+            </a:extLst>
+          </p:cNvPr>
+          <p:cNvSpPr txBox="1"/>
+          <p:nvPr/>
+        </p:nvSpPr>
+        <p:spPr>
+          <a:xfrm>
+            <a:off x="2553608" y="4031216"/>
+            <a:ext cx="1013633" cy="369332"/>
           </a:xfrm>
           <a:prstGeom prst="rect">
             <a:avLst/>
@@ -8506,7 +11877,7 @@
                 <a:latin typeface="Times New Roman" panose="02020603050405020304" pitchFamily="18" charset="0"/>
                 <a:cs typeface="Times New Roman" panose="02020603050405020304" pitchFamily="18" charset="0"/>
               </a:rPr>
-              <a:t>S-Size-d(0.5)</a:t>
+              <a:t>Ⅰ-Area</a:t>
             </a:r>
             <a:endParaRPr lang="zh-CN" altLang="en-US" dirty="0">
               <a:latin typeface="Times New Roman" panose="02020603050405020304" pitchFamily="18" charset="0"/>
@@ -8517,20 +11888,188 @@
       </p:sp>
       <p:sp>
         <p:nvSpPr>
-          <p:cNvPr id="30" name="文本框 29">
-            <a:extLst>
-              <a:ext uri="{FF2B5EF4-FFF2-40B4-BE49-F238E27FC236}">
-                <a16:creationId xmlns:a16="http://schemas.microsoft.com/office/drawing/2014/main" id="{6462AD31-D9DD-AC47-43F2-3E68B8E05490}"/>
-              </a:ext>
-            </a:extLst>
-          </p:cNvPr>
-          <p:cNvSpPr txBox="1"/>
-          <p:nvPr/>
-        </p:nvSpPr>
-        <p:spPr>
-          <a:xfrm>
-            <a:off x="2444358" y="4211916"/>
-            <a:ext cx="1507669" cy="369332"/>
+          <p:cNvPr id="31" name="文本框 30">
+            <a:extLst>
+              <a:ext uri="{FF2B5EF4-FFF2-40B4-BE49-F238E27FC236}">
+                <a16:creationId xmlns:a16="http://schemas.microsoft.com/office/drawing/2014/main" id="{EE5BFFE6-E426-2D00-1C59-3BABC25E7D25}"/>
+              </a:ext>
+            </a:extLst>
+          </p:cNvPr>
+          <p:cNvSpPr txBox="1"/>
+          <p:nvPr/>
+        </p:nvSpPr>
+        <p:spPr>
+          <a:xfrm>
+            <a:off x="6983656" y="4168592"/>
+            <a:ext cx="2170971" cy="369332"/>
+          </a:xfrm>
+          <a:prstGeom prst="rect">
+            <a:avLst/>
+          </a:prstGeom>
+          <a:noFill/>
+        </p:spPr>
+        <p:txBody>
+          <a:bodyPr wrap="square" rtlCol="0">
+            <a:spAutoFit/>
+          </a:bodyPr>
+          <a:lstStyle/>
+          <a:p>
+            <a:r>
+              <a:rPr lang="en-US" altLang="zh-CN" i="1" dirty="0">
+                <a:latin typeface="Times New Roman" panose="02020603050405020304" pitchFamily="18" charset="0"/>
+                <a:cs typeface="Times New Roman" panose="02020603050405020304" pitchFamily="18" charset="0"/>
+              </a:rPr>
+              <a:t>Archaeal 16S rRNA</a:t>
+            </a:r>
+            <a:endParaRPr lang="zh-CN" altLang="en-US" i="1" dirty="0">
+              <a:latin typeface="Times New Roman" panose="02020603050405020304" pitchFamily="18" charset="0"/>
+              <a:cs typeface="Times New Roman" panose="02020603050405020304" pitchFamily="18" charset="0"/>
+            </a:endParaRPr>
+          </a:p>
+        </p:txBody>
+      </p:sp>
+      <p:sp>
+        <p:nvSpPr>
+          <p:cNvPr id="32" name="文本框 31">
+            <a:extLst>
+              <a:ext uri="{FF2B5EF4-FFF2-40B4-BE49-F238E27FC236}">
+                <a16:creationId xmlns:a16="http://schemas.microsoft.com/office/drawing/2014/main" id="{0EDB1ACF-CD0E-58EA-C53C-03F871156497}"/>
+              </a:ext>
+            </a:extLst>
+          </p:cNvPr>
+          <p:cNvSpPr txBox="1"/>
+          <p:nvPr/>
+        </p:nvSpPr>
+        <p:spPr>
+          <a:xfrm>
+            <a:off x="7692314" y="5837408"/>
+            <a:ext cx="779782" cy="369332"/>
+          </a:xfrm>
+          <a:prstGeom prst="rect">
+            <a:avLst/>
+          </a:prstGeom>
+          <a:noFill/>
+        </p:spPr>
+        <p:txBody>
+          <a:bodyPr wrap="square" rtlCol="0">
+            <a:spAutoFit/>
+          </a:bodyPr>
+          <a:lstStyle/>
+          <a:p>
+            <a:r>
+              <a:rPr lang="en-US" altLang="zh-CN" i="1" dirty="0" err="1">
+                <a:latin typeface="Times New Roman" panose="02020603050405020304" pitchFamily="18" charset="0"/>
+                <a:cs typeface="Times New Roman" panose="02020603050405020304" pitchFamily="18" charset="0"/>
+              </a:rPr>
+              <a:t>napA</a:t>
+            </a:r>
+            <a:endParaRPr lang="zh-CN" altLang="en-US" i="1" dirty="0">
+              <a:latin typeface="Times New Roman" panose="02020603050405020304" pitchFamily="18" charset="0"/>
+              <a:cs typeface="Times New Roman" panose="02020603050405020304" pitchFamily="18" charset="0"/>
+            </a:endParaRPr>
+          </a:p>
+        </p:txBody>
+      </p:sp>
+      <p:sp>
+        <p:nvSpPr>
+          <p:cNvPr id="33" name="文本框 32">
+            <a:extLst>
+              <a:ext uri="{FF2B5EF4-FFF2-40B4-BE49-F238E27FC236}">
+                <a16:creationId xmlns:a16="http://schemas.microsoft.com/office/drawing/2014/main" id="{726F1FAC-37E7-A209-E45B-69EDB88658CA}"/>
+              </a:ext>
+            </a:extLst>
+          </p:cNvPr>
+          <p:cNvSpPr txBox="1"/>
+          <p:nvPr/>
+        </p:nvSpPr>
+        <p:spPr>
+          <a:xfrm>
+            <a:off x="8906485" y="3903263"/>
+            <a:ext cx="755650" cy="369332"/>
+          </a:xfrm>
+          <a:prstGeom prst="rect">
+            <a:avLst/>
+          </a:prstGeom>
+          <a:noFill/>
+        </p:spPr>
+        <p:txBody>
+          <a:bodyPr wrap="square" rtlCol="0">
+            <a:spAutoFit/>
+          </a:bodyPr>
+          <a:lstStyle/>
+          <a:p>
+            <a:r>
+              <a:rPr lang="en-US" altLang="zh-CN" i="1" dirty="0" err="1">
+                <a:latin typeface="Times New Roman" panose="02020603050405020304" pitchFamily="18" charset="0"/>
+                <a:cs typeface="Times New Roman" panose="02020603050405020304" pitchFamily="18" charset="0"/>
+              </a:rPr>
+              <a:t>hzsA</a:t>
+            </a:r>
+            <a:endParaRPr lang="zh-CN" altLang="en-US" i="1" dirty="0">
+              <a:latin typeface="Times New Roman" panose="02020603050405020304" pitchFamily="18" charset="0"/>
+              <a:cs typeface="Times New Roman" panose="02020603050405020304" pitchFamily="18" charset="0"/>
+            </a:endParaRPr>
+          </a:p>
+        </p:txBody>
+      </p:sp>
+      <p:sp>
+        <p:nvSpPr>
+          <p:cNvPr id="34" name="文本框 33">
+            <a:extLst>
+              <a:ext uri="{FF2B5EF4-FFF2-40B4-BE49-F238E27FC236}">
+                <a16:creationId xmlns:a16="http://schemas.microsoft.com/office/drawing/2014/main" id="{56FCA179-9C92-F04F-562E-99F45AF33121}"/>
+              </a:ext>
+            </a:extLst>
+          </p:cNvPr>
+          <p:cNvSpPr txBox="1"/>
+          <p:nvPr/>
+        </p:nvSpPr>
+        <p:spPr>
+          <a:xfrm>
+            <a:off x="3567241" y="5921528"/>
+            <a:ext cx="1293016" cy="369332"/>
+          </a:xfrm>
+          <a:prstGeom prst="rect">
+            <a:avLst/>
+          </a:prstGeom>
+          <a:noFill/>
+        </p:spPr>
+        <p:txBody>
+          <a:bodyPr wrap="square" rtlCol="0">
+            <a:spAutoFit/>
+          </a:bodyPr>
+          <a:lstStyle/>
+          <a:p>
+            <a:r>
+              <a:rPr lang="en-US" altLang="zh-CN" i="1" dirty="0" err="1">
+                <a:latin typeface="Times New Roman" panose="02020603050405020304" pitchFamily="18" charset="0"/>
+                <a:cs typeface="Times New Roman" panose="02020603050405020304" pitchFamily="18" charset="0"/>
+              </a:rPr>
+              <a:t>AOB_amoA</a:t>
+            </a:r>
+            <a:endParaRPr lang="zh-CN" altLang="en-US" i="1" dirty="0">
+              <a:latin typeface="Times New Roman" panose="02020603050405020304" pitchFamily="18" charset="0"/>
+              <a:cs typeface="Times New Roman" panose="02020603050405020304" pitchFamily="18" charset="0"/>
+            </a:endParaRPr>
+          </a:p>
+        </p:txBody>
+      </p:sp>
+      <p:sp>
+        <p:nvSpPr>
+          <p:cNvPr id="35" name="文本框 34">
+            <a:extLst>
+              <a:ext uri="{FF2B5EF4-FFF2-40B4-BE49-F238E27FC236}">
+                <a16:creationId xmlns:a16="http://schemas.microsoft.com/office/drawing/2014/main" id="{A0D39117-E35E-E0CB-E544-801AE01F56AE}"/>
+              </a:ext>
+            </a:extLst>
+          </p:cNvPr>
+          <p:cNvSpPr txBox="1"/>
+          <p:nvPr/>
+        </p:nvSpPr>
+        <p:spPr>
+          <a:xfrm>
+            <a:off x="6368608" y="6419840"/>
+            <a:ext cx="1016424" cy="369332"/>
           </a:xfrm>
           <a:prstGeom prst="rect">
             <a:avLst/>
@@ -8548,7 +12087,7 @@
                 <a:latin typeface="Times New Roman" panose="02020603050405020304" pitchFamily="18" charset="0"/>
                 <a:cs typeface="Times New Roman" panose="02020603050405020304" pitchFamily="18" charset="0"/>
               </a:rPr>
-              <a:t>S-Size-d(0.9)</a:t>
+              <a:t>Ⅲ-Area</a:t>
             </a:r>
             <a:endParaRPr lang="zh-CN" altLang="en-US" dirty="0">
               <a:latin typeface="Times New Roman" panose="02020603050405020304" pitchFamily="18" charset="0"/>
@@ -8559,20 +12098,230 @@
       </p:sp>
       <p:sp>
         <p:nvSpPr>
-          <p:cNvPr id="34" name="文本框 33">
-            <a:extLst>
-              <a:ext uri="{FF2B5EF4-FFF2-40B4-BE49-F238E27FC236}">
-                <a16:creationId xmlns:a16="http://schemas.microsoft.com/office/drawing/2014/main" id="{939ADB77-5427-68DC-B6E6-B2994A306387}"/>
-              </a:ext>
-            </a:extLst>
-          </p:cNvPr>
-          <p:cNvSpPr txBox="1"/>
-          <p:nvPr/>
-        </p:nvSpPr>
-        <p:spPr>
-          <a:xfrm>
-            <a:off x="7891455" y="5602499"/>
-            <a:ext cx="862770" cy="369332"/>
+          <p:cNvPr id="36" name="文本框 35">
+            <a:extLst>
+              <a:ext uri="{FF2B5EF4-FFF2-40B4-BE49-F238E27FC236}">
+                <a16:creationId xmlns:a16="http://schemas.microsoft.com/office/drawing/2014/main" id="{A20CA23A-239F-EB19-106A-843C599C18FC}"/>
+              </a:ext>
+            </a:extLst>
+          </p:cNvPr>
+          <p:cNvSpPr txBox="1"/>
+          <p:nvPr/>
+        </p:nvSpPr>
+        <p:spPr>
+          <a:xfrm>
+            <a:off x="5892385" y="5495077"/>
+            <a:ext cx="755650" cy="369332"/>
+          </a:xfrm>
+          <a:prstGeom prst="rect">
+            <a:avLst/>
+          </a:prstGeom>
+          <a:noFill/>
+        </p:spPr>
+        <p:txBody>
+          <a:bodyPr wrap="square" rtlCol="0">
+            <a:spAutoFit/>
+          </a:bodyPr>
+          <a:lstStyle/>
+          <a:p>
+            <a:r>
+              <a:rPr lang="en-US" altLang="zh-CN" i="1" dirty="0" err="1">
+                <a:latin typeface="Times New Roman" panose="02020603050405020304" pitchFamily="18" charset="0"/>
+                <a:cs typeface="Times New Roman" panose="02020603050405020304" pitchFamily="18" charset="0"/>
+              </a:rPr>
+              <a:t>narG</a:t>
+            </a:r>
+            <a:endParaRPr lang="zh-CN" altLang="en-US" i="1" dirty="0">
+              <a:latin typeface="Times New Roman" panose="02020603050405020304" pitchFamily="18" charset="0"/>
+              <a:cs typeface="Times New Roman" panose="02020603050405020304" pitchFamily="18" charset="0"/>
+            </a:endParaRPr>
+          </a:p>
+        </p:txBody>
+      </p:sp>
+      <p:sp>
+        <p:nvSpPr>
+          <p:cNvPr id="37" name="文本框 36">
+            <a:extLst>
+              <a:ext uri="{FF2B5EF4-FFF2-40B4-BE49-F238E27FC236}">
+                <a16:creationId xmlns:a16="http://schemas.microsoft.com/office/drawing/2014/main" id="{1A07974C-37D6-7607-2270-BB45869CBBB0}"/>
+              </a:ext>
+            </a:extLst>
+          </p:cNvPr>
+          <p:cNvSpPr txBox="1"/>
+          <p:nvPr/>
+        </p:nvSpPr>
+        <p:spPr>
+          <a:xfrm>
+            <a:off x="4654152" y="3349807"/>
+            <a:ext cx="660400" cy="369332"/>
+          </a:xfrm>
+          <a:prstGeom prst="rect">
+            <a:avLst/>
+          </a:prstGeom>
+          <a:noFill/>
+        </p:spPr>
+        <p:txBody>
+          <a:bodyPr wrap="square" rtlCol="0">
+            <a:spAutoFit/>
+          </a:bodyPr>
+          <a:lstStyle/>
+          <a:p>
+            <a:r>
+              <a:rPr lang="en-US" altLang="zh-CN" i="1" dirty="0" err="1">
+                <a:latin typeface="Times New Roman" panose="02020603050405020304" pitchFamily="18" charset="0"/>
+                <a:cs typeface="Times New Roman" panose="02020603050405020304" pitchFamily="18" charset="0"/>
+              </a:rPr>
+              <a:t>hzo</a:t>
+            </a:r>
+            <a:endParaRPr lang="zh-CN" altLang="en-US" i="1" dirty="0">
+              <a:latin typeface="Times New Roman" panose="02020603050405020304" pitchFamily="18" charset="0"/>
+              <a:cs typeface="Times New Roman" panose="02020603050405020304" pitchFamily="18" charset="0"/>
+            </a:endParaRPr>
+          </a:p>
+        </p:txBody>
+      </p:sp>
+      <p:sp>
+        <p:nvSpPr>
+          <p:cNvPr id="38" name="文本框 37">
+            <a:extLst>
+              <a:ext uri="{FF2B5EF4-FFF2-40B4-BE49-F238E27FC236}">
+                <a16:creationId xmlns:a16="http://schemas.microsoft.com/office/drawing/2014/main" id="{F68644A1-07CE-6B35-0DF6-3D4948974A27}"/>
+              </a:ext>
+            </a:extLst>
+          </p:cNvPr>
+          <p:cNvSpPr txBox="1"/>
+          <p:nvPr/>
+        </p:nvSpPr>
+        <p:spPr>
+          <a:xfrm>
+            <a:off x="5270150" y="4353258"/>
+            <a:ext cx="755650" cy="369332"/>
+          </a:xfrm>
+          <a:prstGeom prst="rect">
+            <a:avLst/>
+          </a:prstGeom>
+          <a:noFill/>
+        </p:spPr>
+        <p:txBody>
+          <a:bodyPr wrap="square" rtlCol="0">
+            <a:spAutoFit/>
+          </a:bodyPr>
+          <a:lstStyle/>
+          <a:p>
+            <a:r>
+              <a:rPr lang="en-US" altLang="zh-CN" i="1" dirty="0" err="1">
+                <a:latin typeface="Times New Roman" panose="02020603050405020304" pitchFamily="18" charset="0"/>
+                <a:cs typeface="Times New Roman" panose="02020603050405020304" pitchFamily="18" charset="0"/>
+              </a:rPr>
+              <a:t>nifH</a:t>
+            </a:r>
+            <a:endParaRPr lang="zh-CN" altLang="en-US" i="1" dirty="0">
+              <a:latin typeface="Times New Roman" panose="02020603050405020304" pitchFamily="18" charset="0"/>
+              <a:cs typeface="Times New Roman" panose="02020603050405020304" pitchFamily="18" charset="0"/>
+            </a:endParaRPr>
+          </a:p>
+        </p:txBody>
+      </p:sp>
+      <p:sp>
+        <p:nvSpPr>
+          <p:cNvPr id="39" name="文本框 38">
+            <a:extLst>
+              <a:ext uri="{FF2B5EF4-FFF2-40B4-BE49-F238E27FC236}">
+                <a16:creationId xmlns:a16="http://schemas.microsoft.com/office/drawing/2014/main" id="{1EC6BF1F-DF81-08D5-D6DE-222B051192B5}"/>
+              </a:ext>
+            </a:extLst>
+          </p:cNvPr>
+          <p:cNvSpPr txBox="1"/>
+          <p:nvPr/>
+        </p:nvSpPr>
+        <p:spPr>
+          <a:xfrm>
+            <a:off x="6204320" y="2273988"/>
+            <a:ext cx="660400" cy="369332"/>
+          </a:xfrm>
+          <a:prstGeom prst="rect">
+            <a:avLst/>
+          </a:prstGeom>
+          <a:noFill/>
+        </p:spPr>
+        <p:txBody>
+          <a:bodyPr wrap="square" rtlCol="0">
+            <a:spAutoFit/>
+          </a:bodyPr>
+          <a:lstStyle/>
+          <a:p>
+            <a:r>
+              <a:rPr lang="en-US" altLang="zh-CN" i="1" dirty="0" err="1">
+                <a:latin typeface="Times New Roman" panose="02020603050405020304" pitchFamily="18" charset="0"/>
+                <a:cs typeface="Times New Roman" panose="02020603050405020304" pitchFamily="18" charset="0"/>
+              </a:rPr>
+              <a:t>hzsB</a:t>
+            </a:r>
+            <a:endParaRPr lang="zh-CN" altLang="en-US" i="1" dirty="0">
+              <a:latin typeface="Times New Roman" panose="02020603050405020304" pitchFamily="18" charset="0"/>
+              <a:cs typeface="Times New Roman" panose="02020603050405020304" pitchFamily="18" charset="0"/>
+            </a:endParaRPr>
+          </a:p>
+        </p:txBody>
+      </p:sp>
+      <p:sp>
+        <p:nvSpPr>
+          <p:cNvPr id="40" name="文本框 39">
+            <a:extLst>
+              <a:ext uri="{FF2B5EF4-FFF2-40B4-BE49-F238E27FC236}">
+                <a16:creationId xmlns:a16="http://schemas.microsoft.com/office/drawing/2014/main" id="{AA69D0B6-6691-CFE0-01C5-8ABF1555905A}"/>
+              </a:ext>
+            </a:extLst>
+          </p:cNvPr>
+          <p:cNvSpPr txBox="1"/>
+          <p:nvPr/>
+        </p:nvSpPr>
+        <p:spPr>
+          <a:xfrm>
+            <a:off x="7462114" y="2061354"/>
+            <a:ext cx="660400" cy="369332"/>
+          </a:xfrm>
+          <a:prstGeom prst="rect">
+            <a:avLst/>
+          </a:prstGeom>
+          <a:noFill/>
+        </p:spPr>
+        <p:txBody>
+          <a:bodyPr wrap="square" rtlCol="0">
+            <a:spAutoFit/>
+          </a:bodyPr>
+          <a:lstStyle/>
+          <a:p>
+            <a:r>
+              <a:rPr lang="en-US" altLang="zh-CN" i="1" dirty="0" err="1">
+                <a:latin typeface="Times New Roman" panose="02020603050405020304" pitchFamily="18" charset="0"/>
+                <a:cs typeface="Times New Roman" panose="02020603050405020304" pitchFamily="18" charset="0"/>
+              </a:rPr>
+              <a:t>nxrA</a:t>
+            </a:r>
+            <a:endParaRPr lang="zh-CN" altLang="en-US" i="1" dirty="0">
+              <a:latin typeface="Times New Roman" panose="02020603050405020304" pitchFamily="18" charset="0"/>
+              <a:cs typeface="Times New Roman" panose="02020603050405020304" pitchFamily="18" charset="0"/>
+            </a:endParaRPr>
+          </a:p>
+        </p:txBody>
+      </p:sp>
+      <p:sp>
+        <p:nvSpPr>
+          <p:cNvPr id="41" name="文本框 40">
+            <a:extLst>
+              <a:ext uri="{FF2B5EF4-FFF2-40B4-BE49-F238E27FC236}">
+                <a16:creationId xmlns:a16="http://schemas.microsoft.com/office/drawing/2014/main" id="{D3022D01-481A-A35F-E7D3-271B739BFDE0}"/>
+              </a:ext>
+            </a:extLst>
+          </p:cNvPr>
+          <p:cNvSpPr txBox="1"/>
+          <p:nvPr/>
+        </p:nvSpPr>
+        <p:spPr>
+          <a:xfrm>
+            <a:off x="5584413" y="1145659"/>
+            <a:ext cx="891728" cy="369332"/>
           </a:xfrm>
           <a:prstGeom prst="rect">
             <a:avLst/>
@@ -8590,303 +12339,9 @@
                 <a:latin typeface="Times New Roman" panose="02020603050405020304" pitchFamily="18" charset="0"/>
                 <a:cs typeface="Times New Roman" panose="02020603050405020304" pitchFamily="18" charset="0"/>
               </a:rPr>
-              <a:t>BIX</a:t>
+              <a:t>W-TN</a:t>
             </a:r>
             <a:endParaRPr lang="zh-CN" altLang="en-US" dirty="0">
-              <a:latin typeface="Times New Roman" panose="02020603050405020304" pitchFamily="18" charset="0"/>
-              <a:cs typeface="Times New Roman" panose="02020603050405020304" pitchFamily="18" charset="0"/>
-            </a:endParaRPr>
-          </a:p>
-        </p:txBody>
-      </p:sp>
-      <p:sp>
-        <p:nvSpPr>
-          <p:cNvPr id="35" name="文本框 34">
-            <a:extLst>
-              <a:ext uri="{FF2B5EF4-FFF2-40B4-BE49-F238E27FC236}">
-                <a16:creationId xmlns:a16="http://schemas.microsoft.com/office/drawing/2014/main" id="{A01A7D01-5969-13A9-D28C-AC5B2A596364}"/>
-              </a:ext>
-            </a:extLst>
-          </p:cNvPr>
-          <p:cNvSpPr txBox="1"/>
-          <p:nvPr/>
-        </p:nvSpPr>
-        <p:spPr>
-          <a:xfrm>
-            <a:off x="6107682" y="21452"/>
-            <a:ext cx="1013633" cy="369332"/>
-          </a:xfrm>
-          <a:prstGeom prst="rect">
-            <a:avLst/>
-          </a:prstGeom>
-          <a:noFill/>
-        </p:spPr>
-        <p:txBody>
-          <a:bodyPr wrap="square" rtlCol="0">
-            <a:spAutoFit/>
-          </a:bodyPr>
-          <a:lstStyle/>
-          <a:p>
-            <a:r>
-              <a:rPr lang="en-US" altLang="zh-CN" dirty="0">
-                <a:latin typeface="Times New Roman" panose="02020603050405020304" pitchFamily="18" charset="0"/>
-                <a:cs typeface="Times New Roman" panose="02020603050405020304" pitchFamily="18" charset="0"/>
-              </a:rPr>
-              <a:t>Ⅱ-Area</a:t>
-            </a:r>
-            <a:endParaRPr lang="zh-CN" altLang="en-US" dirty="0">
-              <a:latin typeface="Times New Roman" panose="02020603050405020304" pitchFamily="18" charset="0"/>
-              <a:cs typeface="Times New Roman" panose="02020603050405020304" pitchFamily="18" charset="0"/>
-            </a:endParaRPr>
-          </a:p>
-        </p:txBody>
-      </p:sp>
-      <p:sp>
-        <p:nvSpPr>
-          <p:cNvPr id="36" name="文本框 35">
-            <a:extLst>
-              <a:ext uri="{FF2B5EF4-FFF2-40B4-BE49-F238E27FC236}">
-                <a16:creationId xmlns:a16="http://schemas.microsoft.com/office/drawing/2014/main" id="{4443F524-9840-EA88-BA22-0F5167D53CC7}"/>
-              </a:ext>
-            </a:extLst>
-          </p:cNvPr>
-          <p:cNvSpPr txBox="1"/>
-          <p:nvPr/>
-        </p:nvSpPr>
-        <p:spPr>
-          <a:xfrm>
-            <a:off x="4543799" y="1965703"/>
-            <a:ext cx="871145" cy="369332"/>
-          </a:xfrm>
-          <a:prstGeom prst="rect">
-            <a:avLst/>
-          </a:prstGeom>
-          <a:noFill/>
-        </p:spPr>
-        <p:txBody>
-          <a:bodyPr wrap="square" rtlCol="0">
-            <a:spAutoFit/>
-          </a:bodyPr>
-          <a:lstStyle/>
-          <a:p>
-            <a:r>
-              <a:rPr lang="en-US" altLang="zh-CN" dirty="0">
-                <a:latin typeface="Times New Roman" panose="02020603050405020304" pitchFamily="18" charset="0"/>
-                <a:cs typeface="Times New Roman" panose="02020603050405020304" pitchFamily="18" charset="0"/>
-              </a:rPr>
-              <a:t>W-pH</a:t>
-            </a:r>
-            <a:endParaRPr lang="zh-CN" altLang="en-US" dirty="0">
-              <a:latin typeface="Times New Roman" panose="02020603050405020304" pitchFamily="18" charset="0"/>
-              <a:cs typeface="Times New Roman" panose="02020603050405020304" pitchFamily="18" charset="0"/>
-            </a:endParaRPr>
-          </a:p>
-        </p:txBody>
-      </p:sp>
-      <p:sp>
-        <p:nvSpPr>
-          <p:cNvPr id="37" name="文本框 36">
-            <a:extLst>
-              <a:ext uri="{FF2B5EF4-FFF2-40B4-BE49-F238E27FC236}">
-                <a16:creationId xmlns:a16="http://schemas.microsoft.com/office/drawing/2014/main" id="{9C3AF793-F958-CF45-69CF-7A9509891241}"/>
-              </a:ext>
-            </a:extLst>
-          </p:cNvPr>
-          <p:cNvSpPr txBox="1"/>
-          <p:nvPr/>
-        </p:nvSpPr>
-        <p:spPr>
-          <a:xfrm>
-            <a:off x="6114964" y="5223921"/>
-            <a:ext cx="660400" cy="369332"/>
-          </a:xfrm>
-          <a:prstGeom prst="rect">
-            <a:avLst/>
-          </a:prstGeom>
-          <a:noFill/>
-        </p:spPr>
-        <p:txBody>
-          <a:bodyPr wrap="square" rtlCol="0">
-            <a:spAutoFit/>
-          </a:bodyPr>
-          <a:lstStyle/>
-          <a:p>
-            <a:r>
-              <a:rPr lang="en-US" altLang="zh-CN" i="1" dirty="0" err="1">
-                <a:latin typeface="Times New Roman" panose="02020603050405020304" pitchFamily="18" charset="0"/>
-                <a:cs typeface="Times New Roman" panose="02020603050405020304" pitchFamily="18" charset="0"/>
-              </a:rPr>
-              <a:t>hzsA</a:t>
-            </a:r>
-            <a:endParaRPr lang="zh-CN" altLang="en-US" i="1" dirty="0">
-              <a:latin typeface="Times New Roman" panose="02020603050405020304" pitchFamily="18" charset="0"/>
-              <a:cs typeface="Times New Roman" panose="02020603050405020304" pitchFamily="18" charset="0"/>
-            </a:endParaRPr>
-          </a:p>
-        </p:txBody>
-      </p:sp>
-      <p:sp>
-        <p:nvSpPr>
-          <p:cNvPr id="38" name="文本框 37">
-            <a:extLst>
-              <a:ext uri="{FF2B5EF4-FFF2-40B4-BE49-F238E27FC236}">
-                <a16:creationId xmlns:a16="http://schemas.microsoft.com/office/drawing/2014/main" id="{FB475FCD-B163-EE45-4B0D-A1F349F4EE94}"/>
-              </a:ext>
-            </a:extLst>
-          </p:cNvPr>
-          <p:cNvSpPr txBox="1"/>
-          <p:nvPr/>
-        </p:nvSpPr>
-        <p:spPr>
-          <a:xfrm>
-            <a:off x="3326742" y="5252400"/>
-            <a:ext cx="1013633" cy="369332"/>
-          </a:xfrm>
-          <a:prstGeom prst="rect">
-            <a:avLst/>
-          </a:prstGeom>
-          <a:noFill/>
-        </p:spPr>
-        <p:txBody>
-          <a:bodyPr wrap="square" rtlCol="0">
-            <a:spAutoFit/>
-          </a:bodyPr>
-          <a:lstStyle/>
-          <a:p>
-            <a:r>
-              <a:rPr lang="en-US" altLang="zh-CN" dirty="0">
-                <a:latin typeface="Times New Roman" panose="02020603050405020304" pitchFamily="18" charset="0"/>
-                <a:cs typeface="Times New Roman" panose="02020603050405020304" pitchFamily="18" charset="0"/>
-              </a:rPr>
-              <a:t>Ⅰ-Area</a:t>
-            </a:r>
-            <a:endParaRPr lang="zh-CN" altLang="en-US" dirty="0">
-              <a:latin typeface="Times New Roman" panose="02020603050405020304" pitchFamily="18" charset="0"/>
-              <a:cs typeface="Times New Roman" panose="02020603050405020304" pitchFamily="18" charset="0"/>
-            </a:endParaRPr>
-          </a:p>
-        </p:txBody>
-      </p:sp>
-      <p:sp>
-        <p:nvSpPr>
-          <p:cNvPr id="39" name="文本框 38">
-            <a:extLst>
-              <a:ext uri="{FF2B5EF4-FFF2-40B4-BE49-F238E27FC236}">
-                <a16:creationId xmlns:a16="http://schemas.microsoft.com/office/drawing/2014/main" id="{E3184A7D-F67D-02E5-AD86-A1E44E8E4294}"/>
-              </a:ext>
-            </a:extLst>
-          </p:cNvPr>
-          <p:cNvSpPr txBox="1"/>
-          <p:nvPr/>
-        </p:nvSpPr>
-        <p:spPr>
-          <a:xfrm>
-            <a:off x="4101287" y="5051761"/>
-            <a:ext cx="2170971" cy="369332"/>
-          </a:xfrm>
-          <a:prstGeom prst="rect">
-            <a:avLst/>
-          </a:prstGeom>
-          <a:noFill/>
-        </p:spPr>
-        <p:txBody>
-          <a:bodyPr wrap="square" rtlCol="0">
-            <a:spAutoFit/>
-          </a:bodyPr>
-          <a:lstStyle/>
-          <a:p>
-            <a:r>
-              <a:rPr lang="en-US" altLang="zh-CN" i="1" dirty="0">
-                <a:latin typeface="Times New Roman" panose="02020603050405020304" pitchFamily="18" charset="0"/>
-                <a:cs typeface="Times New Roman" panose="02020603050405020304" pitchFamily="18" charset="0"/>
-              </a:rPr>
-              <a:t>Archaeal 16S rRNA</a:t>
-            </a:r>
-            <a:endParaRPr lang="zh-CN" altLang="en-US" i="1" dirty="0">
-              <a:latin typeface="Times New Roman" panose="02020603050405020304" pitchFamily="18" charset="0"/>
-              <a:cs typeface="Times New Roman" panose="02020603050405020304" pitchFamily="18" charset="0"/>
-            </a:endParaRPr>
-          </a:p>
-        </p:txBody>
-      </p:sp>
-      <p:sp>
-        <p:nvSpPr>
-          <p:cNvPr id="40" name="文本框 39">
-            <a:extLst>
-              <a:ext uri="{FF2B5EF4-FFF2-40B4-BE49-F238E27FC236}">
-                <a16:creationId xmlns:a16="http://schemas.microsoft.com/office/drawing/2014/main" id="{A24A52C9-F71D-D672-032A-234EF6B1C8DF}"/>
-              </a:ext>
-            </a:extLst>
-          </p:cNvPr>
-          <p:cNvSpPr txBox="1"/>
-          <p:nvPr/>
-        </p:nvSpPr>
-        <p:spPr>
-          <a:xfrm>
-            <a:off x="3671902" y="2678872"/>
-            <a:ext cx="779782" cy="369332"/>
-          </a:xfrm>
-          <a:prstGeom prst="rect">
-            <a:avLst/>
-          </a:prstGeom>
-          <a:noFill/>
-        </p:spPr>
-        <p:txBody>
-          <a:bodyPr wrap="square" rtlCol="0">
-            <a:spAutoFit/>
-          </a:bodyPr>
-          <a:lstStyle/>
-          <a:p>
-            <a:r>
-              <a:rPr lang="en-US" altLang="zh-CN" i="1" dirty="0" err="1">
-                <a:latin typeface="Times New Roman" panose="02020603050405020304" pitchFamily="18" charset="0"/>
-                <a:cs typeface="Times New Roman" panose="02020603050405020304" pitchFamily="18" charset="0"/>
-              </a:rPr>
-              <a:t>napA</a:t>
-            </a:r>
-            <a:endParaRPr lang="zh-CN" altLang="en-US" i="1" dirty="0">
-              <a:latin typeface="Times New Roman" panose="02020603050405020304" pitchFamily="18" charset="0"/>
-              <a:cs typeface="Times New Roman" panose="02020603050405020304" pitchFamily="18" charset="0"/>
-            </a:endParaRPr>
-          </a:p>
-        </p:txBody>
-      </p:sp>
-      <p:sp>
-        <p:nvSpPr>
-          <p:cNvPr id="41" name="文本框 40">
-            <a:extLst>
-              <a:ext uri="{FF2B5EF4-FFF2-40B4-BE49-F238E27FC236}">
-                <a16:creationId xmlns:a16="http://schemas.microsoft.com/office/drawing/2014/main" id="{23E02692-545A-A636-A897-F043D8AAEFC3}"/>
-              </a:ext>
-            </a:extLst>
-          </p:cNvPr>
-          <p:cNvSpPr txBox="1"/>
-          <p:nvPr/>
-        </p:nvSpPr>
-        <p:spPr>
-          <a:xfrm>
-            <a:off x="6839657" y="1355840"/>
-            <a:ext cx="755650" cy="369332"/>
-          </a:xfrm>
-          <a:prstGeom prst="rect">
-            <a:avLst/>
-          </a:prstGeom>
-          <a:noFill/>
-        </p:spPr>
-        <p:txBody>
-          <a:bodyPr wrap="square" rtlCol="0">
-            <a:spAutoFit/>
-          </a:bodyPr>
-          <a:lstStyle/>
-          <a:p>
-            <a:r>
-              <a:rPr lang="en-US" altLang="zh-CN" i="1" dirty="0" err="1">
-                <a:latin typeface="Times New Roman" panose="02020603050405020304" pitchFamily="18" charset="0"/>
-                <a:cs typeface="Times New Roman" panose="02020603050405020304" pitchFamily="18" charset="0"/>
-              </a:rPr>
-              <a:t>nxrA</a:t>
-            </a:r>
-            <a:endParaRPr lang="zh-CN" altLang="en-US" i="1" dirty="0">
               <a:latin typeface="Times New Roman" panose="02020603050405020304" pitchFamily="18" charset="0"/>
               <a:cs typeface="Times New Roman" panose="02020603050405020304" pitchFamily="18" charset="0"/>
             </a:endParaRPr>
@@ -8896,67 +12351,7 @@
     </p:spTree>
     <p:extLst>
       <p:ext uri="{BB962C8B-B14F-4D97-AF65-F5344CB8AC3E}">
-        <p14:creationId xmlns:p14="http://schemas.microsoft.com/office/powerpoint/2010/main" val="1317754844"/>
-      </p:ext>
-    </p:extLst>
-  </p:cSld>
-  <p:clrMapOvr>
-    <a:masterClrMapping/>
-  </p:clrMapOvr>
-</p:sld>
-</file>
-
-<file path=ppt/slides/slide4.xml><?xml version="1.0" encoding="utf-8"?>
-<p:sld xmlns:a="http://schemas.openxmlformats.org/drawingml/2006/main" xmlns:r="http://schemas.openxmlformats.org/officeDocument/2006/relationships" xmlns:p="http://schemas.openxmlformats.org/presentationml/2006/main">
-  <p:cSld>
-    <p:spTree>
-      <p:nvGrpSpPr>
-        <p:cNvPr id="1" name=""/>
-        <p:cNvGrpSpPr/>
-        <p:nvPr/>
-      </p:nvGrpSpPr>
-      <p:grpSpPr>
-        <a:xfrm>
-          <a:off x="0" y="0"/>
-          <a:ext cx="0" cy="0"/>
-          <a:chOff x="0" y="0"/>
-          <a:chExt cx="0" cy="0"/>
-        </a:xfrm>
-      </p:grpSpPr>
-    </p:spTree>
-    <p:extLst>
-      <p:ext uri="{BB962C8B-B14F-4D97-AF65-F5344CB8AC3E}">
-        <p14:creationId xmlns:p14="http://schemas.microsoft.com/office/powerpoint/2010/main" val="811073769"/>
-      </p:ext>
-    </p:extLst>
-  </p:cSld>
-  <p:clrMapOvr>
-    <a:masterClrMapping/>
-  </p:clrMapOvr>
-</p:sld>
-</file>
-
-<file path=ppt/slides/slide5.xml><?xml version="1.0" encoding="utf-8"?>
-<p:sld xmlns:a="http://schemas.openxmlformats.org/drawingml/2006/main" xmlns:r="http://schemas.openxmlformats.org/officeDocument/2006/relationships" xmlns:p="http://schemas.openxmlformats.org/presentationml/2006/main">
-  <p:cSld>
-    <p:spTree>
-      <p:nvGrpSpPr>
-        <p:cNvPr id="1" name=""/>
-        <p:cNvGrpSpPr/>
-        <p:nvPr/>
-      </p:nvGrpSpPr>
-      <p:grpSpPr>
-        <a:xfrm>
-          <a:off x="0" y="0"/>
-          <a:ext cx="0" cy="0"/>
-          <a:chOff x="0" y="0"/>
-          <a:chExt cx="0" cy="0"/>
-        </a:xfrm>
-      </p:grpSpPr>
-    </p:spTree>
-    <p:extLst>
-      <p:ext uri="{BB962C8B-B14F-4D97-AF65-F5344CB8AC3E}">
-        <p14:creationId xmlns:p14="http://schemas.microsoft.com/office/powerpoint/2010/main" val="673239995"/>
+        <p14:creationId xmlns:p14="http://schemas.microsoft.com/office/powerpoint/2010/main" val="986675692"/>
       </p:ext>
     </p:extLst>
   </p:cSld>
@@ -8983,6 +12378,1406 @@
           <a:chExt cx="0" cy="0"/>
         </a:xfrm>
       </p:grpSpPr>
+      <p:pic>
+        <p:nvPicPr>
+          <p:cNvPr id="3" name="图形 2">
+            <a:extLst>
+              <a:ext uri="{FF2B5EF4-FFF2-40B4-BE49-F238E27FC236}">
+                <a16:creationId xmlns:a16="http://schemas.microsoft.com/office/drawing/2014/main" id="{CF721537-21C8-7B4F-4E87-B056E9DB62A1}"/>
+              </a:ext>
+            </a:extLst>
+          </p:cNvPr>
+          <p:cNvPicPr>
+            <a:picLocks noChangeAspect="1"/>
+          </p:cNvPicPr>
+          <p:nvPr/>
+        </p:nvPicPr>
+        <p:blipFill>
+          <a:blip r:embed="rId2">
+            <a:extLst>
+              <a:ext uri="{28A0092B-C50C-407E-A947-70E740481C1C}">
+                <a14:useLocalDpi xmlns:a14="http://schemas.microsoft.com/office/drawing/2010/main" val="0"/>
+              </a:ext>
+              <a:ext uri="{96DAC541-7B7A-43D3-8B79-37D633B846F1}">
+                <asvg:svgBlip xmlns:asvg="http://schemas.microsoft.com/office/drawing/2016/SVG/main" r:embed="rId3"/>
+              </a:ext>
+            </a:extLst>
+          </a:blip>
+          <a:stretch>
+            <a:fillRect/>
+          </a:stretch>
+        </p:blipFill>
+        <p:spPr>
+          <a:xfrm>
+            <a:off x="2618855" y="0"/>
+            <a:ext cx="6954290" cy="6858000"/>
+          </a:xfrm>
+          <a:prstGeom prst="rect">
+            <a:avLst/>
+          </a:prstGeom>
+        </p:spPr>
+      </p:pic>
+      <p:sp>
+        <p:nvSpPr>
+          <p:cNvPr id="4" name="文本框 3">
+            <a:extLst>
+              <a:ext uri="{FF2B5EF4-FFF2-40B4-BE49-F238E27FC236}">
+                <a16:creationId xmlns:a16="http://schemas.microsoft.com/office/drawing/2014/main" id="{B468D49E-FEA4-A925-4774-65A00143A1F5}"/>
+              </a:ext>
+            </a:extLst>
+          </p:cNvPr>
+          <p:cNvSpPr txBox="1"/>
+          <p:nvPr/>
+        </p:nvSpPr>
+        <p:spPr>
+          <a:xfrm>
+            <a:off x="6558700" y="2871289"/>
+            <a:ext cx="755650" cy="369332"/>
+          </a:xfrm>
+          <a:prstGeom prst="rect">
+            <a:avLst/>
+          </a:prstGeom>
+          <a:noFill/>
+        </p:spPr>
+        <p:txBody>
+          <a:bodyPr wrap="square" rtlCol="0">
+            <a:spAutoFit/>
+          </a:bodyPr>
+          <a:lstStyle/>
+          <a:p>
+            <a:r>
+              <a:rPr lang="en-US" altLang="zh-CN" i="1" dirty="0" err="1">
+                <a:latin typeface="Times New Roman" panose="02020603050405020304" pitchFamily="18" charset="0"/>
+                <a:cs typeface="Times New Roman" panose="02020603050405020304" pitchFamily="18" charset="0"/>
+              </a:rPr>
+              <a:t>norB</a:t>
+            </a:r>
+            <a:endParaRPr lang="zh-CN" altLang="en-US" i="1" dirty="0">
+              <a:latin typeface="Times New Roman" panose="02020603050405020304" pitchFamily="18" charset="0"/>
+              <a:cs typeface="Times New Roman" panose="02020603050405020304" pitchFamily="18" charset="0"/>
+            </a:endParaRPr>
+          </a:p>
+        </p:txBody>
+      </p:sp>
+      <p:sp>
+        <p:nvSpPr>
+          <p:cNvPr id="5" name="文本框 4">
+            <a:extLst>
+              <a:ext uri="{FF2B5EF4-FFF2-40B4-BE49-F238E27FC236}">
+                <a16:creationId xmlns:a16="http://schemas.microsoft.com/office/drawing/2014/main" id="{9C960ACE-BAB5-CF09-7A8C-2CB47220FEF0}"/>
+              </a:ext>
+            </a:extLst>
+          </p:cNvPr>
+          <p:cNvSpPr txBox="1"/>
+          <p:nvPr/>
+        </p:nvSpPr>
+        <p:spPr>
+          <a:xfrm>
+            <a:off x="6966199" y="6343284"/>
+            <a:ext cx="660400" cy="369332"/>
+          </a:xfrm>
+          <a:prstGeom prst="rect">
+            <a:avLst/>
+          </a:prstGeom>
+          <a:noFill/>
+        </p:spPr>
+        <p:txBody>
+          <a:bodyPr wrap="square" rtlCol="0">
+            <a:spAutoFit/>
+          </a:bodyPr>
+          <a:lstStyle/>
+          <a:p>
+            <a:r>
+              <a:rPr lang="en-US" altLang="zh-CN" dirty="0">
+                <a:latin typeface="Times New Roman" panose="02020603050405020304" pitchFamily="18" charset="0"/>
+                <a:cs typeface="Times New Roman" panose="02020603050405020304" pitchFamily="18" charset="0"/>
+              </a:rPr>
+              <a:t>T</a:t>
+            </a:r>
+            <a:endParaRPr lang="zh-CN" altLang="en-US" dirty="0">
+              <a:latin typeface="Times New Roman" panose="02020603050405020304" pitchFamily="18" charset="0"/>
+              <a:cs typeface="Times New Roman" panose="02020603050405020304" pitchFamily="18" charset="0"/>
+            </a:endParaRPr>
+          </a:p>
+        </p:txBody>
+      </p:sp>
+      <p:sp>
+        <p:nvSpPr>
+          <p:cNvPr id="7" name="文本框 6">
+            <a:extLst>
+              <a:ext uri="{FF2B5EF4-FFF2-40B4-BE49-F238E27FC236}">
+                <a16:creationId xmlns:a16="http://schemas.microsoft.com/office/drawing/2014/main" id="{309DFDE1-E3C4-1AD8-209D-C30C8EE858E1}"/>
+              </a:ext>
+            </a:extLst>
+          </p:cNvPr>
+          <p:cNvSpPr txBox="1"/>
+          <p:nvPr/>
+        </p:nvSpPr>
+        <p:spPr>
+          <a:xfrm>
+            <a:off x="8722986" y="3285650"/>
+            <a:ext cx="1293016" cy="369332"/>
+          </a:xfrm>
+          <a:prstGeom prst="rect">
+            <a:avLst/>
+          </a:prstGeom>
+          <a:noFill/>
+        </p:spPr>
+        <p:txBody>
+          <a:bodyPr wrap="square" rtlCol="0">
+            <a:spAutoFit/>
+          </a:bodyPr>
+          <a:lstStyle/>
+          <a:p>
+            <a:r>
+              <a:rPr lang="en-US" altLang="zh-CN" i="1" dirty="0" err="1">
+                <a:latin typeface="Times New Roman" panose="02020603050405020304" pitchFamily="18" charset="0"/>
+                <a:cs typeface="Times New Roman" panose="02020603050405020304" pitchFamily="18" charset="0"/>
+              </a:rPr>
+              <a:t>AOA_amoA</a:t>
+            </a:r>
+            <a:endParaRPr lang="zh-CN" altLang="en-US" i="1" dirty="0">
+              <a:latin typeface="Times New Roman" panose="02020603050405020304" pitchFamily="18" charset="0"/>
+              <a:cs typeface="Times New Roman" panose="02020603050405020304" pitchFamily="18" charset="0"/>
+            </a:endParaRPr>
+          </a:p>
+        </p:txBody>
+      </p:sp>
+      <p:sp>
+        <p:nvSpPr>
+          <p:cNvPr id="8" name="文本框 7">
+            <a:extLst>
+              <a:ext uri="{FF2B5EF4-FFF2-40B4-BE49-F238E27FC236}">
+                <a16:creationId xmlns:a16="http://schemas.microsoft.com/office/drawing/2014/main" id="{116A78FD-AA26-0510-3CDA-1D87C82467E7}"/>
+              </a:ext>
+            </a:extLst>
+          </p:cNvPr>
+          <p:cNvSpPr txBox="1"/>
+          <p:nvPr/>
+        </p:nvSpPr>
+        <p:spPr>
+          <a:xfrm>
+            <a:off x="6112423" y="4102022"/>
+            <a:ext cx="660400" cy="369332"/>
+          </a:xfrm>
+          <a:prstGeom prst="rect">
+            <a:avLst/>
+          </a:prstGeom>
+          <a:noFill/>
+        </p:spPr>
+        <p:txBody>
+          <a:bodyPr wrap="square" rtlCol="0">
+            <a:spAutoFit/>
+          </a:bodyPr>
+          <a:lstStyle/>
+          <a:p>
+            <a:r>
+              <a:rPr lang="en-US" altLang="zh-CN" dirty="0">
+                <a:latin typeface="Times New Roman" panose="02020603050405020304" pitchFamily="18" charset="0"/>
+                <a:cs typeface="Times New Roman" panose="02020603050405020304" pitchFamily="18" charset="0"/>
+              </a:rPr>
+              <a:t>HIX</a:t>
+            </a:r>
+            <a:endParaRPr lang="zh-CN" altLang="en-US" dirty="0">
+              <a:latin typeface="Times New Roman" panose="02020603050405020304" pitchFamily="18" charset="0"/>
+              <a:cs typeface="Times New Roman" panose="02020603050405020304" pitchFamily="18" charset="0"/>
+            </a:endParaRPr>
+          </a:p>
+        </p:txBody>
+      </p:sp>
+      <mc:AlternateContent xmlns:mc="http://schemas.openxmlformats.org/markup-compatibility/2006">
+        <mc:Choice xmlns:a14="http://schemas.microsoft.com/office/drawing/2010/main" Requires="a14">
+          <p:sp>
+            <p:nvSpPr>
+              <p:cNvPr id="9" name="文本框 8">
+                <a:extLst>
+                  <a:ext uri="{FF2B5EF4-FFF2-40B4-BE49-F238E27FC236}">
+                    <a16:creationId xmlns:a16="http://schemas.microsoft.com/office/drawing/2014/main" id="{B6651E41-E1FE-E05F-BDD9-4BDCC5D146B1}"/>
+                  </a:ext>
+                </a:extLst>
+              </p:cNvPr>
+              <p:cNvSpPr txBox="1"/>
+              <p:nvPr/>
+            </p:nvSpPr>
+            <p:spPr>
+              <a:xfrm>
+                <a:off x="5999731" y="1332236"/>
+                <a:ext cx="1013632" cy="369332"/>
+              </a:xfrm>
+              <a:prstGeom prst="rect">
+                <a:avLst/>
+              </a:prstGeom>
+              <a:noFill/>
+            </p:spPr>
+            <p:txBody>
+              <a:bodyPr wrap="square" rtlCol="0">
+                <a:spAutoFit/>
+              </a:bodyPr>
+              <a:lstStyle/>
+              <a:p>
+                <a:pPr/>
+                <a:r>
+                  <a:rPr lang="en-US" altLang="zh-CN" dirty="0">
+                    <a:latin typeface="Times New Roman" panose="02020603050405020304" pitchFamily="18" charset="0"/>
+                    <a:cs typeface="Times New Roman" panose="02020603050405020304" pitchFamily="18" charset="0"/>
+                  </a:rPr>
+                  <a:t>W-</a:t>
+                </a:r>
+                <a14:m>
+                  <m:oMath xmlns:m="http://schemas.openxmlformats.org/officeDocument/2006/math">
+                    <m:sSubSup>
+                      <m:sSubSupPr>
+                        <m:ctrlPr>
+                          <a:rPr lang="en-US" altLang="zh-CN" i="1" dirty="0" smtClean="0">
+                            <a:latin typeface="Cambria Math" panose="02040503050406030204" pitchFamily="18" charset="0"/>
+                            <a:cs typeface="Times New Roman" panose="02020603050405020304" pitchFamily="18" charset="0"/>
+                          </a:rPr>
+                        </m:ctrlPr>
+                      </m:sSubSupPr>
+                      <m:e>
+                        <m:r>
+                          <m:rPr>
+                            <m:sty m:val="p"/>
+                          </m:rPr>
+                          <a:rPr lang="en-US" altLang="zh-CN" i="1" dirty="0">
+                            <a:latin typeface="Cambria Math" panose="02040503050406030204" pitchFamily="18" charset="0"/>
+                            <a:cs typeface="Times New Roman" panose="02020603050405020304" pitchFamily="18" charset="0"/>
+                          </a:rPr>
+                          <m:t>NO</m:t>
+                        </m:r>
+                      </m:e>
+                      <m:sub>
+                        <m:r>
+                          <a:rPr lang="en-US" altLang="zh-CN" b="0" i="1" dirty="0" smtClean="0">
+                            <a:latin typeface="Cambria Math" panose="02040503050406030204" pitchFamily="18" charset="0"/>
+                            <a:cs typeface="Times New Roman" panose="02020603050405020304" pitchFamily="18" charset="0"/>
+                          </a:rPr>
+                          <m:t>2</m:t>
+                        </m:r>
+                      </m:sub>
+                      <m:sup>
+                        <m:r>
+                          <a:rPr lang="en-US" altLang="zh-CN" b="0" i="1" dirty="0" smtClean="0">
+                            <a:latin typeface="Cambria Math" panose="02040503050406030204" pitchFamily="18" charset="0"/>
+                            <a:cs typeface="Times New Roman" panose="02020603050405020304" pitchFamily="18" charset="0"/>
+                          </a:rPr>
+                          <m:t>−</m:t>
+                        </m:r>
+                      </m:sup>
+                    </m:sSubSup>
+                  </m:oMath>
+                </a14:m>
+                <a:endParaRPr lang="zh-CN" altLang="en-US" i="1" dirty="0">
+                  <a:latin typeface="Times New Roman" panose="02020603050405020304" pitchFamily="18" charset="0"/>
+                  <a:cs typeface="Times New Roman" panose="02020603050405020304" pitchFamily="18" charset="0"/>
+                </a:endParaRPr>
+              </a:p>
+            </p:txBody>
+          </p:sp>
+        </mc:Choice>
+        <mc:Fallback>
+          <p:sp>
+            <p:nvSpPr>
+              <p:cNvPr id="9" name="文本框 8">
+                <a:extLst>
+                  <a:ext uri="{FF2B5EF4-FFF2-40B4-BE49-F238E27FC236}">
+                    <a16:creationId xmlns:a16="http://schemas.microsoft.com/office/drawing/2014/main" id="{B6651E41-E1FE-E05F-BDD9-4BDCC5D146B1}"/>
+                  </a:ext>
+                </a:extLst>
+              </p:cNvPr>
+              <p:cNvSpPr txBox="1">
+                <a:spLocks noRot="1" noChangeAspect="1" noMove="1" noResize="1" noEditPoints="1" noAdjustHandles="1" noChangeArrowheads="1" noChangeShapeType="1" noTextEdit="1"/>
+              </p:cNvSpPr>
+              <p:nvPr/>
+            </p:nvSpPr>
+            <p:spPr>
+              <a:xfrm>
+                <a:off x="5999731" y="1332236"/>
+                <a:ext cx="1013632" cy="369332"/>
+              </a:xfrm>
+              <a:prstGeom prst="rect">
+                <a:avLst/>
+              </a:prstGeom>
+              <a:blipFill>
+                <a:blip r:embed="rId4"/>
+                <a:stretch>
+                  <a:fillRect l="-4819" t="-10000" b="-26667"/>
+                </a:stretch>
+              </a:blipFill>
+            </p:spPr>
+            <p:txBody>
+              <a:bodyPr/>
+              <a:lstStyle/>
+              <a:p>
+                <a:r>
+                  <a:rPr lang="zh-CN" altLang="en-US">
+                    <a:noFill/>
+                  </a:rPr>
+                  <a:t> </a:t>
+                </a:r>
+              </a:p>
+            </p:txBody>
+          </p:sp>
+        </mc:Fallback>
+      </mc:AlternateContent>
+      <p:sp>
+        <p:nvSpPr>
+          <p:cNvPr id="11" name="文本框 10">
+            <a:extLst>
+              <a:ext uri="{FF2B5EF4-FFF2-40B4-BE49-F238E27FC236}">
+                <a16:creationId xmlns:a16="http://schemas.microsoft.com/office/drawing/2014/main" id="{866EB8A3-518E-85FD-C1A9-EE1A8172CAEC}"/>
+              </a:ext>
+            </a:extLst>
+          </p:cNvPr>
+          <p:cNvSpPr txBox="1"/>
+          <p:nvPr/>
+        </p:nvSpPr>
+        <p:spPr>
+          <a:xfrm>
+            <a:off x="4669087" y="6456721"/>
+            <a:ext cx="2170971" cy="369332"/>
+          </a:xfrm>
+          <a:prstGeom prst="rect">
+            <a:avLst/>
+          </a:prstGeom>
+          <a:noFill/>
+        </p:spPr>
+        <p:txBody>
+          <a:bodyPr wrap="square" rtlCol="0">
+            <a:spAutoFit/>
+          </a:bodyPr>
+          <a:lstStyle/>
+          <a:p>
+            <a:r>
+              <a:rPr lang="en-US" altLang="zh-CN" i="1" dirty="0">
+                <a:latin typeface="Times New Roman" panose="02020603050405020304" pitchFamily="18" charset="0"/>
+                <a:cs typeface="Times New Roman" panose="02020603050405020304" pitchFamily="18" charset="0"/>
+              </a:rPr>
+              <a:t>Bacterial 16S rRNA</a:t>
+            </a:r>
+            <a:endParaRPr lang="zh-CN" altLang="en-US" i="1" dirty="0">
+              <a:latin typeface="Times New Roman" panose="02020603050405020304" pitchFamily="18" charset="0"/>
+              <a:cs typeface="Times New Roman" panose="02020603050405020304" pitchFamily="18" charset="0"/>
+            </a:endParaRPr>
+          </a:p>
+        </p:txBody>
+      </p:sp>
+      <p:sp>
+        <p:nvSpPr>
+          <p:cNvPr id="13" name="文本框 12">
+            <a:extLst>
+              <a:ext uri="{FF2B5EF4-FFF2-40B4-BE49-F238E27FC236}">
+                <a16:creationId xmlns:a16="http://schemas.microsoft.com/office/drawing/2014/main" id="{2A4437CA-9F47-25C1-D94C-6453768F841D}"/>
+              </a:ext>
+            </a:extLst>
+          </p:cNvPr>
+          <p:cNvSpPr txBox="1"/>
+          <p:nvPr/>
+        </p:nvSpPr>
+        <p:spPr>
+          <a:xfrm>
+            <a:off x="3853513" y="2643754"/>
+            <a:ext cx="1027950" cy="369332"/>
+          </a:xfrm>
+          <a:prstGeom prst="rect">
+            <a:avLst/>
+          </a:prstGeom>
+          <a:noFill/>
+        </p:spPr>
+        <p:txBody>
+          <a:bodyPr wrap="square" rtlCol="0">
+            <a:spAutoFit/>
+          </a:bodyPr>
+          <a:lstStyle/>
+          <a:p>
+            <a:r>
+              <a:rPr lang="en-US" altLang="zh-CN" dirty="0">
+                <a:latin typeface="Times New Roman" panose="02020603050405020304" pitchFamily="18" charset="0"/>
+                <a:cs typeface="Times New Roman" panose="02020603050405020304" pitchFamily="18" charset="0"/>
+              </a:rPr>
+              <a:t>COD</a:t>
+            </a:r>
+            <a:endParaRPr lang="zh-CN" altLang="en-US" dirty="0">
+              <a:latin typeface="Times New Roman" panose="02020603050405020304" pitchFamily="18" charset="0"/>
+              <a:cs typeface="Times New Roman" panose="02020603050405020304" pitchFamily="18" charset="0"/>
+            </a:endParaRPr>
+          </a:p>
+        </p:txBody>
+      </p:sp>
+      <p:sp>
+        <p:nvSpPr>
+          <p:cNvPr id="14" name="文本框 13">
+            <a:extLst>
+              <a:ext uri="{FF2B5EF4-FFF2-40B4-BE49-F238E27FC236}">
+                <a16:creationId xmlns:a16="http://schemas.microsoft.com/office/drawing/2014/main" id="{8514CD37-0235-93ED-FE99-53F87F586E7A}"/>
+              </a:ext>
+            </a:extLst>
+          </p:cNvPr>
+          <p:cNvSpPr txBox="1"/>
+          <p:nvPr/>
+        </p:nvSpPr>
+        <p:spPr>
+          <a:xfrm>
+            <a:off x="8069274" y="883342"/>
+            <a:ext cx="660400" cy="369332"/>
+          </a:xfrm>
+          <a:prstGeom prst="rect">
+            <a:avLst/>
+          </a:prstGeom>
+          <a:noFill/>
+        </p:spPr>
+        <p:txBody>
+          <a:bodyPr wrap="square" rtlCol="0">
+            <a:spAutoFit/>
+          </a:bodyPr>
+          <a:lstStyle/>
+          <a:p>
+            <a:r>
+              <a:rPr lang="en-US" altLang="zh-CN" dirty="0">
+                <a:latin typeface="Times New Roman" panose="02020603050405020304" pitchFamily="18" charset="0"/>
+                <a:cs typeface="Times New Roman" panose="02020603050405020304" pitchFamily="18" charset="0"/>
+              </a:rPr>
+              <a:t>S-TP</a:t>
+            </a:r>
+            <a:endParaRPr lang="zh-CN" altLang="en-US" dirty="0">
+              <a:latin typeface="Times New Roman" panose="02020603050405020304" pitchFamily="18" charset="0"/>
+              <a:cs typeface="Times New Roman" panose="02020603050405020304" pitchFamily="18" charset="0"/>
+            </a:endParaRPr>
+          </a:p>
+        </p:txBody>
+      </p:sp>
+      <p:sp>
+        <p:nvSpPr>
+          <p:cNvPr id="16" name="文本框 15">
+            <a:extLst>
+              <a:ext uri="{FF2B5EF4-FFF2-40B4-BE49-F238E27FC236}">
+                <a16:creationId xmlns:a16="http://schemas.microsoft.com/office/drawing/2014/main" id="{1A92B3B6-2A3E-B3A7-44F3-C78C22376BBA}"/>
+              </a:ext>
+            </a:extLst>
+          </p:cNvPr>
+          <p:cNvSpPr txBox="1"/>
+          <p:nvPr/>
+        </p:nvSpPr>
+        <p:spPr>
+          <a:xfrm>
+            <a:off x="2536693" y="2295891"/>
+            <a:ext cx="1013633" cy="369332"/>
+          </a:xfrm>
+          <a:prstGeom prst="rect">
+            <a:avLst/>
+          </a:prstGeom>
+          <a:noFill/>
+        </p:spPr>
+        <p:txBody>
+          <a:bodyPr wrap="square" rtlCol="0">
+            <a:spAutoFit/>
+          </a:bodyPr>
+          <a:lstStyle/>
+          <a:p>
+            <a:r>
+              <a:rPr lang="en-US" altLang="zh-CN" dirty="0">
+                <a:latin typeface="Times New Roman" panose="02020603050405020304" pitchFamily="18" charset="0"/>
+                <a:cs typeface="Times New Roman" panose="02020603050405020304" pitchFamily="18" charset="0"/>
+              </a:rPr>
+              <a:t>Ⅲ-Area</a:t>
+            </a:r>
+            <a:endParaRPr lang="zh-CN" altLang="en-US" dirty="0">
+              <a:latin typeface="Times New Roman" panose="02020603050405020304" pitchFamily="18" charset="0"/>
+              <a:cs typeface="Times New Roman" panose="02020603050405020304" pitchFamily="18" charset="0"/>
+            </a:endParaRPr>
+          </a:p>
+        </p:txBody>
+      </p:sp>
+      <p:sp>
+        <p:nvSpPr>
+          <p:cNvPr id="17" name="文本框 16">
+            <a:extLst>
+              <a:ext uri="{FF2B5EF4-FFF2-40B4-BE49-F238E27FC236}">
+                <a16:creationId xmlns:a16="http://schemas.microsoft.com/office/drawing/2014/main" id="{BCDC8A93-09A7-7A66-C431-4F1D9CE910A7}"/>
+              </a:ext>
+            </a:extLst>
+          </p:cNvPr>
+          <p:cNvSpPr txBox="1"/>
+          <p:nvPr/>
+        </p:nvSpPr>
+        <p:spPr>
+          <a:xfrm>
+            <a:off x="3523531" y="4061681"/>
+            <a:ext cx="1016424" cy="369332"/>
+          </a:xfrm>
+          <a:prstGeom prst="rect">
+            <a:avLst/>
+          </a:prstGeom>
+          <a:noFill/>
+        </p:spPr>
+        <p:txBody>
+          <a:bodyPr wrap="square" rtlCol="0">
+            <a:spAutoFit/>
+          </a:bodyPr>
+          <a:lstStyle/>
+          <a:p>
+            <a:r>
+              <a:rPr lang="en-US" altLang="zh-CN" dirty="0">
+                <a:latin typeface="Times New Roman" panose="02020603050405020304" pitchFamily="18" charset="0"/>
+                <a:cs typeface="Times New Roman" panose="02020603050405020304" pitchFamily="18" charset="0"/>
+              </a:rPr>
+              <a:t>Ⅳ-Area</a:t>
+            </a:r>
+            <a:endParaRPr lang="zh-CN" altLang="en-US" dirty="0">
+              <a:latin typeface="Times New Roman" panose="02020603050405020304" pitchFamily="18" charset="0"/>
+              <a:cs typeface="Times New Roman" panose="02020603050405020304" pitchFamily="18" charset="0"/>
+            </a:endParaRPr>
+          </a:p>
+        </p:txBody>
+      </p:sp>
+      <p:sp>
+        <p:nvSpPr>
+          <p:cNvPr id="18" name="文本框 17">
+            <a:extLst>
+              <a:ext uri="{FF2B5EF4-FFF2-40B4-BE49-F238E27FC236}">
+                <a16:creationId xmlns:a16="http://schemas.microsoft.com/office/drawing/2014/main" id="{736C36F4-8736-6FCC-1445-7D52EAC74756}"/>
+              </a:ext>
+            </a:extLst>
+          </p:cNvPr>
+          <p:cNvSpPr txBox="1"/>
+          <p:nvPr/>
+        </p:nvSpPr>
+        <p:spPr>
+          <a:xfrm>
+            <a:off x="7650876" y="3274525"/>
+            <a:ext cx="895554" cy="369332"/>
+          </a:xfrm>
+          <a:prstGeom prst="rect">
+            <a:avLst/>
+          </a:prstGeom>
+          <a:noFill/>
+        </p:spPr>
+        <p:txBody>
+          <a:bodyPr wrap="square" rtlCol="0">
+            <a:spAutoFit/>
+          </a:bodyPr>
+          <a:lstStyle/>
+          <a:p>
+            <a:r>
+              <a:rPr lang="en-US" altLang="zh-CN" dirty="0">
+                <a:latin typeface="Times New Roman" panose="02020603050405020304" pitchFamily="18" charset="0"/>
+                <a:cs typeface="Times New Roman" panose="02020603050405020304" pitchFamily="18" charset="0"/>
+              </a:rPr>
+              <a:t>Ⅴ-Area</a:t>
+            </a:r>
+            <a:endParaRPr lang="zh-CN" altLang="en-US" dirty="0">
+              <a:latin typeface="Times New Roman" panose="02020603050405020304" pitchFamily="18" charset="0"/>
+              <a:cs typeface="Times New Roman" panose="02020603050405020304" pitchFamily="18" charset="0"/>
+            </a:endParaRPr>
+          </a:p>
+        </p:txBody>
+      </p:sp>
+      <mc:AlternateContent xmlns:mc="http://schemas.openxmlformats.org/markup-compatibility/2006">
+        <mc:Choice xmlns:a14="http://schemas.microsoft.com/office/drawing/2010/main" Requires="a14">
+          <p:sp>
+            <p:nvSpPr>
+              <p:cNvPr id="19" name="文本框 18">
+                <a:extLst>
+                  <a:ext uri="{FF2B5EF4-FFF2-40B4-BE49-F238E27FC236}">
+                    <a16:creationId xmlns:a16="http://schemas.microsoft.com/office/drawing/2014/main" id="{27AA1C6A-415D-0D03-83C5-DB4F420BB1EE}"/>
+                  </a:ext>
+                </a:extLst>
+              </p:cNvPr>
+              <p:cNvSpPr txBox="1"/>
+              <p:nvPr/>
+            </p:nvSpPr>
+            <p:spPr>
+              <a:xfrm>
+                <a:off x="8639402" y="2034208"/>
+                <a:ext cx="1193255" cy="369332"/>
+              </a:xfrm>
+              <a:prstGeom prst="rect">
+                <a:avLst/>
+              </a:prstGeom>
+              <a:noFill/>
+            </p:spPr>
+            <p:txBody>
+              <a:bodyPr wrap="square" rtlCol="0">
+                <a:spAutoFit/>
+              </a:bodyPr>
+              <a:lstStyle/>
+              <a:p>
+                <a:r>
+                  <a:rPr lang="en-US" altLang="zh-CN" dirty="0">
+                    <a:latin typeface="Times New Roman" panose="02020603050405020304" pitchFamily="18" charset="0"/>
+                    <a:cs typeface="Times New Roman" panose="02020603050405020304" pitchFamily="18" charset="0"/>
+                  </a:rPr>
+                  <a:t>W-</a:t>
+                </a:r>
+                <a14:m>
+                  <m:oMath xmlns:m="http://schemas.openxmlformats.org/officeDocument/2006/math">
+                    <m:sSubSup>
+                      <m:sSubSupPr>
+                        <m:ctrlPr>
+                          <a:rPr lang="en-US" altLang="zh-CN" i="1" dirty="0" smtClean="0">
+                            <a:latin typeface="Cambria Math" panose="02040503050406030204" pitchFamily="18" charset="0"/>
+                            <a:cs typeface="Times New Roman" panose="02020603050405020304" pitchFamily="18" charset="0"/>
+                          </a:rPr>
+                        </m:ctrlPr>
+                      </m:sSubSupPr>
+                      <m:e>
+                        <m:r>
+                          <m:rPr>
+                            <m:sty m:val="p"/>
+                          </m:rPr>
+                          <a:rPr lang="en-US" altLang="zh-CN" b="0" i="0" dirty="0" smtClean="0">
+                            <a:latin typeface="Cambria Math" panose="02040503050406030204" pitchFamily="18" charset="0"/>
+                            <a:cs typeface="Times New Roman" panose="02020603050405020304" pitchFamily="18" charset="0"/>
+                          </a:rPr>
+                          <m:t>NH</m:t>
+                        </m:r>
+                      </m:e>
+                      <m:sub>
+                        <m:r>
+                          <a:rPr lang="en-US" altLang="zh-CN" b="0" i="0" dirty="0" smtClean="0">
+                            <a:latin typeface="Cambria Math" panose="02040503050406030204" pitchFamily="18" charset="0"/>
+                            <a:cs typeface="Times New Roman" panose="02020603050405020304" pitchFamily="18" charset="0"/>
+                          </a:rPr>
+                          <m:t>4</m:t>
+                        </m:r>
+                      </m:sub>
+                      <m:sup>
+                        <m:r>
+                          <a:rPr lang="en-US" altLang="zh-CN" b="0" i="0" dirty="0" smtClean="0">
+                            <a:latin typeface="Cambria Math" panose="02040503050406030204" pitchFamily="18" charset="0"/>
+                            <a:cs typeface="Times New Roman" panose="02020603050405020304" pitchFamily="18" charset="0"/>
+                          </a:rPr>
+                          <m:t>+</m:t>
+                        </m:r>
+                      </m:sup>
+                    </m:sSubSup>
+                  </m:oMath>
+                </a14:m>
+                <a:endParaRPr lang="zh-CN" altLang="en-US" dirty="0">
+                  <a:latin typeface="Times New Roman" panose="02020603050405020304" pitchFamily="18" charset="0"/>
+                  <a:cs typeface="Times New Roman" panose="02020603050405020304" pitchFamily="18" charset="0"/>
+                </a:endParaRPr>
+              </a:p>
+            </p:txBody>
+          </p:sp>
+        </mc:Choice>
+        <mc:Fallback>
+          <p:sp>
+            <p:nvSpPr>
+              <p:cNvPr id="19" name="文本框 18">
+                <a:extLst>
+                  <a:ext uri="{FF2B5EF4-FFF2-40B4-BE49-F238E27FC236}">
+                    <a16:creationId xmlns:a16="http://schemas.microsoft.com/office/drawing/2014/main" id="{27AA1C6A-415D-0D03-83C5-DB4F420BB1EE}"/>
+                  </a:ext>
+                </a:extLst>
+              </p:cNvPr>
+              <p:cNvSpPr txBox="1">
+                <a:spLocks noRot="1" noChangeAspect="1" noMove="1" noResize="1" noEditPoints="1" noAdjustHandles="1" noChangeArrowheads="1" noChangeShapeType="1" noTextEdit="1"/>
+              </p:cNvSpPr>
+              <p:nvPr/>
+            </p:nvSpPr>
+            <p:spPr>
+              <a:xfrm>
+                <a:off x="8639402" y="2034208"/>
+                <a:ext cx="1193255" cy="369332"/>
+              </a:xfrm>
+              <a:prstGeom prst="rect">
+                <a:avLst/>
+              </a:prstGeom>
+              <a:blipFill>
+                <a:blip r:embed="rId5"/>
+                <a:stretch>
+                  <a:fillRect l="-4082" t="-10000" b="-26667"/>
+                </a:stretch>
+              </a:blipFill>
+            </p:spPr>
+            <p:txBody>
+              <a:bodyPr/>
+              <a:lstStyle/>
+              <a:p>
+                <a:r>
+                  <a:rPr lang="zh-CN" altLang="en-US">
+                    <a:noFill/>
+                  </a:rPr>
+                  <a:t> </a:t>
+                </a:r>
+              </a:p>
+            </p:txBody>
+          </p:sp>
+        </mc:Fallback>
+      </mc:AlternateContent>
+      <p:sp>
+        <p:nvSpPr>
+          <p:cNvPr id="20" name="文本框 19">
+            <a:extLst>
+              <a:ext uri="{FF2B5EF4-FFF2-40B4-BE49-F238E27FC236}">
+                <a16:creationId xmlns:a16="http://schemas.microsoft.com/office/drawing/2014/main" id="{640092B3-C3A1-49CC-4F51-304E1945A8BC}"/>
+              </a:ext>
+            </a:extLst>
+          </p:cNvPr>
+          <p:cNvSpPr txBox="1"/>
+          <p:nvPr/>
+        </p:nvSpPr>
+        <p:spPr>
+          <a:xfrm>
+            <a:off x="5397948" y="2506787"/>
+            <a:ext cx="871145" cy="369332"/>
+          </a:xfrm>
+          <a:prstGeom prst="rect">
+            <a:avLst/>
+          </a:prstGeom>
+          <a:noFill/>
+        </p:spPr>
+        <p:txBody>
+          <a:bodyPr wrap="square" rtlCol="0">
+            <a:spAutoFit/>
+          </a:bodyPr>
+          <a:lstStyle/>
+          <a:p>
+            <a:r>
+              <a:rPr lang="en-US" altLang="zh-CN" dirty="0">
+                <a:latin typeface="Times New Roman" panose="02020603050405020304" pitchFamily="18" charset="0"/>
+                <a:cs typeface="Times New Roman" panose="02020603050405020304" pitchFamily="18" charset="0"/>
+              </a:rPr>
+              <a:t>DO</a:t>
+            </a:r>
+            <a:endParaRPr lang="zh-CN" altLang="en-US" dirty="0">
+              <a:latin typeface="Times New Roman" panose="02020603050405020304" pitchFamily="18" charset="0"/>
+              <a:cs typeface="Times New Roman" panose="02020603050405020304" pitchFamily="18" charset="0"/>
+            </a:endParaRPr>
+          </a:p>
+        </p:txBody>
+      </p:sp>
+      <p:sp>
+        <p:nvSpPr>
+          <p:cNvPr id="22" name="文本框 21">
+            <a:extLst>
+              <a:ext uri="{FF2B5EF4-FFF2-40B4-BE49-F238E27FC236}">
+                <a16:creationId xmlns:a16="http://schemas.microsoft.com/office/drawing/2014/main" id="{F2F86481-BBF9-DBFF-E0C8-AD633172790A}"/>
+              </a:ext>
+            </a:extLst>
+          </p:cNvPr>
+          <p:cNvSpPr txBox="1"/>
+          <p:nvPr/>
+        </p:nvSpPr>
+        <p:spPr>
+          <a:xfrm>
+            <a:off x="7894004" y="5675520"/>
+            <a:ext cx="891728" cy="369332"/>
+          </a:xfrm>
+          <a:prstGeom prst="rect">
+            <a:avLst/>
+          </a:prstGeom>
+          <a:noFill/>
+        </p:spPr>
+        <p:txBody>
+          <a:bodyPr wrap="square" rtlCol="0">
+            <a:spAutoFit/>
+          </a:bodyPr>
+          <a:lstStyle/>
+          <a:p>
+            <a:r>
+              <a:rPr lang="en-US" altLang="zh-CN" dirty="0">
+                <a:latin typeface="Times New Roman" panose="02020603050405020304" pitchFamily="18" charset="0"/>
+                <a:cs typeface="Times New Roman" panose="02020603050405020304" pitchFamily="18" charset="0"/>
+              </a:rPr>
+              <a:t>W-TN</a:t>
+            </a:r>
+            <a:endParaRPr lang="zh-CN" altLang="en-US" dirty="0">
+              <a:latin typeface="Times New Roman" panose="02020603050405020304" pitchFamily="18" charset="0"/>
+              <a:cs typeface="Times New Roman" panose="02020603050405020304" pitchFamily="18" charset="0"/>
+            </a:endParaRPr>
+          </a:p>
+        </p:txBody>
+      </p:sp>
+      <p:sp>
+        <p:nvSpPr>
+          <p:cNvPr id="24" name="文本框 23">
+            <a:extLst>
+              <a:ext uri="{FF2B5EF4-FFF2-40B4-BE49-F238E27FC236}">
+                <a16:creationId xmlns:a16="http://schemas.microsoft.com/office/drawing/2014/main" id="{D713293B-8F51-2F80-9D15-A803ABCFAF52}"/>
+              </a:ext>
+            </a:extLst>
+          </p:cNvPr>
+          <p:cNvSpPr txBox="1"/>
+          <p:nvPr/>
+        </p:nvSpPr>
+        <p:spPr>
+          <a:xfrm>
+            <a:off x="4501883" y="5011420"/>
+            <a:ext cx="1507669" cy="369332"/>
+          </a:xfrm>
+          <a:prstGeom prst="rect">
+            <a:avLst/>
+          </a:prstGeom>
+          <a:noFill/>
+        </p:spPr>
+        <p:txBody>
+          <a:bodyPr wrap="square" rtlCol="0">
+            <a:spAutoFit/>
+          </a:bodyPr>
+          <a:lstStyle/>
+          <a:p>
+            <a:r>
+              <a:rPr lang="en-US" altLang="zh-CN" dirty="0">
+                <a:latin typeface="Times New Roman" panose="02020603050405020304" pitchFamily="18" charset="0"/>
+                <a:cs typeface="Times New Roman" panose="02020603050405020304" pitchFamily="18" charset="0"/>
+              </a:rPr>
+              <a:t>S-Size-d(0.5)</a:t>
+            </a:r>
+            <a:endParaRPr lang="zh-CN" altLang="en-US" dirty="0">
+              <a:latin typeface="Times New Roman" panose="02020603050405020304" pitchFamily="18" charset="0"/>
+              <a:cs typeface="Times New Roman" panose="02020603050405020304" pitchFamily="18" charset="0"/>
+            </a:endParaRPr>
+          </a:p>
+        </p:txBody>
+      </p:sp>
+      <p:sp>
+        <p:nvSpPr>
+          <p:cNvPr id="25" name="文本框 24">
+            <a:extLst>
+              <a:ext uri="{FF2B5EF4-FFF2-40B4-BE49-F238E27FC236}">
+                <a16:creationId xmlns:a16="http://schemas.microsoft.com/office/drawing/2014/main" id="{B523F1F2-CF48-6907-A30B-A896E0FE3799}"/>
+              </a:ext>
+            </a:extLst>
+          </p:cNvPr>
+          <p:cNvSpPr txBox="1"/>
+          <p:nvPr/>
+        </p:nvSpPr>
+        <p:spPr>
+          <a:xfrm>
+            <a:off x="5254805" y="4030"/>
+            <a:ext cx="1507669" cy="369332"/>
+          </a:xfrm>
+          <a:prstGeom prst="rect">
+            <a:avLst/>
+          </a:prstGeom>
+          <a:noFill/>
+        </p:spPr>
+        <p:txBody>
+          <a:bodyPr wrap="square" rtlCol="0">
+            <a:spAutoFit/>
+          </a:bodyPr>
+          <a:lstStyle/>
+          <a:p>
+            <a:r>
+              <a:rPr lang="en-US" altLang="zh-CN" dirty="0">
+                <a:latin typeface="Times New Roman" panose="02020603050405020304" pitchFamily="18" charset="0"/>
+                <a:cs typeface="Times New Roman" panose="02020603050405020304" pitchFamily="18" charset="0"/>
+              </a:rPr>
+              <a:t>S-Size-d(0.9)</a:t>
+            </a:r>
+            <a:endParaRPr lang="zh-CN" altLang="en-US" dirty="0">
+              <a:latin typeface="Times New Roman" panose="02020603050405020304" pitchFamily="18" charset="0"/>
+              <a:cs typeface="Times New Roman" panose="02020603050405020304" pitchFamily="18" charset="0"/>
+            </a:endParaRPr>
+          </a:p>
+        </p:txBody>
+      </p:sp>
+      <p:sp>
+        <p:nvSpPr>
+          <p:cNvPr id="27" name="文本框 26">
+            <a:extLst>
+              <a:ext uri="{FF2B5EF4-FFF2-40B4-BE49-F238E27FC236}">
+                <a16:creationId xmlns:a16="http://schemas.microsoft.com/office/drawing/2014/main" id="{15CA1FAB-70CE-C3CB-BE98-323C7ABC7B8C}"/>
+              </a:ext>
+            </a:extLst>
+          </p:cNvPr>
+          <p:cNvSpPr txBox="1"/>
+          <p:nvPr/>
+        </p:nvSpPr>
+        <p:spPr>
+          <a:xfrm>
+            <a:off x="4210733" y="6041587"/>
+            <a:ext cx="1013633" cy="369332"/>
+          </a:xfrm>
+          <a:prstGeom prst="rect">
+            <a:avLst/>
+          </a:prstGeom>
+          <a:noFill/>
+        </p:spPr>
+        <p:txBody>
+          <a:bodyPr wrap="square" rtlCol="0">
+            <a:spAutoFit/>
+          </a:bodyPr>
+          <a:lstStyle/>
+          <a:p>
+            <a:r>
+              <a:rPr lang="en-US" altLang="zh-CN" dirty="0">
+                <a:latin typeface="Times New Roman" panose="02020603050405020304" pitchFamily="18" charset="0"/>
+                <a:cs typeface="Times New Roman" panose="02020603050405020304" pitchFamily="18" charset="0"/>
+              </a:rPr>
+              <a:t>FI</a:t>
+            </a:r>
+            <a:endParaRPr lang="zh-CN" altLang="en-US" dirty="0">
+              <a:latin typeface="Times New Roman" panose="02020603050405020304" pitchFamily="18" charset="0"/>
+              <a:cs typeface="Times New Roman" panose="02020603050405020304" pitchFamily="18" charset="0"/>
+            </a:endParaRPr>
+          </a:p>
+        </p:txBody>
+      </p:sp>
+      <p:sp>
+        <p:nvSpPr>
+          <p:cNvPr id="28" name="文本框 27">
+            <a:extLst>
+              <a:ext uri="{FF2B5EF4-FFF2-40B4-BE49-F238E27FC236}">
+                <a16:creationId xmlns:a16="http://schemas.microsoft.com/office/drawing/2014/main" id="{52815014-F271-D883-5834-E985AF390750}"/>
+              </a:ext>
+            </a:extLst>
+          </p:cNvPr>
+          <p:cNvSpPr txBox="1"/>
+          <p:nvPr/>
+        </p:nvSpPr>
+        <p:spPr>
+          <a:xfrm>
+            <a:off x="7422310" y="4501950"/>
+            <a:ext cx="871145" cy="369332"/>
+          </a:xfrm>
+          <a:prstGeom prst="rect">
+            <a:avLst/>
+          </a:prstGeom>
+          <a:noFill/>
+        </p:spPr>
+        <p:txBody>
+          <a:bodyPr wrap="square" rtlCol="0">
+            <a:spAutoFit/>
+          </a:bodyPr>
+          <a:lstStyle/>
+          <a:p>
+            <a:r>
+              <a:rPr lang="en-US" altLang="zh-CN" dirty="0">
+                <a:latin typeface="Times New Roman" panose="02020603050405020304" pitchFamily="18" charset="0"/>
+                <a:cs typeface="Times New Roman" panose="02020603050405020304" pitchFamily="18" charset="0"/>
+              </a:rPr>
+              <a:t>pH</a:t>
+            </a:r>
+            <a:endParaRPr lang="zh-CN" altLang="en-US" dirty="0">
+              <a:latin typeface="Times New Roman" panose="02020603050405020304" pitchFamily="18" charset="0"/>
+              <a:cs typeface="Times New Roman" panose="02020603050405020304" pitchFamily="18" charset="0"/>
+            </a:endParaRPr>
+          </a:p>
+        </p:txBody>
+      </p:sp>
+      <p:sp>
+        <p:nvSpPr>
+          <p:cNvPr id="30" name="文本框 29">
+            <a:extLst>
+              <a:ext uri="{FF2B5EF4-FFF2-40B4-BE49-F238E27FC236}">
+                <a16:creationId xmlns:a16="http://schemas.microsoft.com/office/drawing/2014/main" id="{A3B176C6-4831-2E67-053A-2DFF4E5DC81E}"/>
+              </a:ext>
+            </a:extLst>
+          </p:cNvPr>
+          <p:cNvSpPr txBox="1"/>
+          <p:nvPr/>
+        </p:nvSpPr>
+        <p:spPr>
+          <a:xfrm>
+            <a:off x="4789956" y="3659260"/>
+            <a:ext cx="1013633" cy="369332"/>
+          </a:xfrm>
+          <a:prstGeom prst="rect">
+            <a:avLst/>
+          </a:prstGeom>
+          <a:noFill/>
+        </p:spPr>
+        <p:txBody>
+          <a:bodyPr wrap="square" rtlCol="0">
+            <a:spAutoFit/>
+          </a:bodyPr>
+          <a:lstStyle/>
+          <a:p>
+            <a:r>
+              <a:rPr lang="en-US" altLang="zh-CN" dirty="0">
+                <a:latin typeface="Times New Roman" panose="02020603050405020304" pitchFamily="18" charset="0"/>
+                <a:cs typeface="Times New Roman" panose="02020603050405020304" pitchFamily="18" charset="0"/>
+              </a:rPr>
+              <a:t>Ⅰ-Area</a:t>
+            </a:r>
+            <a:endParaRPr lang="zh-CN" altLang="en-US" dirty="0">
+              <a:latin typeface="Times New Roman" panose="02020603050405020304" pitchFamily="18" charset="0"/>
+              <a:cs typeface="Times New Roman" panose="02020603050405020304" pitchFamily="18" charset="0"/>
+            </a:endParaRPr>
+          </a:p>
+        </p:txBody>
+      </p:sp>
+      <p:sp>
+        <p:nvSpPr>
+          <p:cNvPr id="31" name="文本框 30">
+            <a:extLst>
+              <a:ext uri="{FF2B5EF4-FFF2-40B4-BE49-F238E27FC236}">
+                <a16:creationId xmlns:a16="http://schemas.microsoft.com/office/drawing/2014/main" id="{B9BD8932-ED69-C8B5-29BC-BB97AAA0C400}"/>
+              </a:ext>
+            </a:extLst>
+          </p:cNvPr>
+          <p:cNvSpPr txBox="1"/>
+          <p:nvPr/>
+        </p:nvSpPr>
+        <p:spPr>
+          <a:xfrm>
+            <a:off x="4102084" y="1410013"/>
+            <a:ext cx="2170971" cy="369332"/>
+          </a:xfrm>
+          <a:prstGeom prst="rect">
+            <a:avLst/>
+          </a:prstGeom>
+          <a:noFill/>
+        </p:spPr>
+        <p:txBody>
+          <a:bodyPr wrap="square" rtlCol="0">
+            <a:spAutoFit/>
+          </a:bodyPr>
+          <a:lstStyle/>
+          <a:p>
+            <a:r>
+              <a:rPr lang="en-US" altLang="zh-CN" i="1" dirty="0">
+                <a:latin typeface="Times New Roman" panose="02020603050405020304" pitchFamily="18" charset="0"/>
+                <a:cs typeface="Times New Roman" panose="02020603050405020304" pitchFamily="18" charset="0"/>
+              </a:rPr>
+              <a:t>Archaeal 16S rRNA</a:t>
+            </a:r>
+            <a:endParaRPr lang="zh-CN" altLang="en-US" i="1" dirty="0">
+              <a:latin typeface="Times New Roman" panose="02020603050405020304" pitchFamily="18" charset="0"/>
+              <a:cs typeface="Times New Roman" panose="02020603050405020304" pitchFamily="18" charset="0"/>
+            </a:endParaRPr>
+          </a:p>
+        </p:txBody>
+      </p:sp>
+      <p:sp>
+        <p:nvSpPr>
+          <p:cNvPr id="33" name="文本框 32">
+            <a:extLst>
+              <a:ext uri="{FF2B5EF4-FFF2-40B4-BE49-F238E27FC236}">
+                <a16:creationId xmlns:a16="http://schemas.microsoft.com/office/drawing/2014/main" id="{2316DD1D-137F-AB66-2799-F2BBF3FFB0D4}"/>
+              </a:ext>
+            </a:extLst>
+          </p:cNvPr>
+          <p:cNvSpPr txBox="1"/>
+          <p:nvPr/>
+        </p:nvSpPr>
+        <p:spPr>
+          <a:xfrm>
+            <a:off x="3087914" y="5106490"/>
+            <a:ext cx="755650" cy="369332"/>
+          </a:xfrm>
+          <a:prstGeom prst="rect">
+            <a:avLst/>
+          </a:prstGeom>
+          <a:noFill/>
+        </p:spPr>
+        <p:txBody>
+          <a:bodyPr wrap="square" rtlCol="0">
+            <a:spAutoFit/>
+          </a:bodyPr>
+          <a:lstStyle/>
+          <a:p>
+            <a:r>
+              <a:rPr lang="en-US" altLang="zh-CN" i="1" dirty="0" err="1">
+                <a:latin typeface="Times New Roman" panose="02020603050405020304" pitchFamily="18" charset="0"/>
+                <a:cs typeface="Times New Roman" panose="02020603050405020304" pitchFamily="18" charset="0"/>
+              </a:rPr>
+              <a:t>nxrA</a:t>
+            </a:r>
+            <a:endParaRPr lang="zh-CN" altLang="en-US" i="1" dirty="0">
+              <a:latin typeface="Times New Roman" panose="02020603050405020304" pitchFamily="18" charset="0"/>
+              <a:cs typeface="Times New Roman" panose="02020603050405020304" pitchFamily="18" charset="0"/>
+            </a:endParaRPr>
+          </a:p>
+        </p:txBody>
+      </p:sp>
+      <p:sp>
+        <p:nvSpPr>
+          <p:cNvPr id="34" name="文本框 33">
+            <a:extLst>
+              <a:ext uri="{FF2B5EF4-FFF2-40B4-BE49-F238E27FC236}">
+                <a16:creationId xmlns:a16="http://schemas.microsoft.com/office/drawing/2014/main" id="{4D807A11-76B0-E1CF-2720-BD6252FEF970}"/>
+              </a:ext>
+            </a:extLst>
+          </p:cNvPr>
+          <p:cNvSpPr txBox="1"/>
+          <p:nvPr/>
+        </p:nvSpPr>
+        <p:spPr>
+          <a:xfrm>
+            <a:off x="6143296" y="5332755"/>
+            <a:ext cx="779782" cy="369332"/>
+          </a:xfrm>
+          <a:prstGeom prst="rect">
+            <a:avLst/>
+          </a:prstGeom>
+          <a:noFill/>
+        </p:spPr>
+        <p:txBody>
+          <a:bodyPr wrap="square" rtlCol="0">
+            <a:spAutoFit/>
+          </a:bodyPr>
+          <a:lstStyle/>
+          <a:p>
+            <a:r>
+              <a:rPr lang="en-US" altLang="zh-CN" i="1" dirty="0" err="1">
+                <a:latin typeface="Times New Roman" panose="02020603050405020304" pitchFamily="18" charset="0"/>
+                <a:cs typeface="Times New Roman" panose="02020603050405020304" pitchFamily="18" charset="0"/>
+              </a:rPr>
+              <a:t>nifH</a:t>
+            </a:r>
+            <a:endParaRPr lang="zh-CN" altLang="en-US" i="1" dirty="0">
+              <a:latin typeface="Times New Roman" panose="02020603050405020304" pitchFamily="18" charset="0"/>
+              <a:cs typeface="Times New Roman" panose="02020603050405020304" pitchFamily="18" charset="0"/>
+            </a:endParaRPr>
+          </a:p>
+        </p:txBody>
+      </p:sp>
+      <p:sp>
+        <p:nvSpPr>
+          <p:cNvPr id="35" name="文本框 34">
+            <a:extLst>
+              <a:ext uri="{FF2B5EF4-FFF2-40B4-BE49-F238E27FC236}">
+                <a16:creationId xmlns:a16="http://schemas.microsoft.com/office/drawing/2014/main" id="{998F87D2-3397-078A-C227-4C4D6F8850C6}"/>
+              </a:ext>
+            </a:extLst>
+          </p:cNvPr>
+          <p:cNvSpPr txBox="1"/>
+          <p:nvPr/>
+        </p:nvSpPr>
+        <p:spPr>
+          <a:xfrm>
+            <a:off x="8729674" y="4568335"/>
+            <a:ext cx="660400" cy="369332"/>
+          </a:xfrm>
+          <a:prstGeom prst="rect">
+            <a:avLst/>
+          </a:prstGeom>
+          <a:noFill/>
+        </p:spPr>
+        <p:txBody>
+          <a:bodyPr wrap="square" rtlCol="0">
+            <a:spAutoFit/>
+          </a:bodyPr>
+          <a:lstStyle/>
+          <a:p>
+            <a:r>
+              <a:rPr lang="en-US" altLang="zh-CN" i="1" dirty="0" err="1">
+                <a:latin typeface="Times New Roman" panose="02020603050405020304" pitchFamily="18" charset="0"/>
+                <a:cs typeface="Times New Roman" panose="02020603050405020304" pitchFamily="18" charset="0"/>
+              </a:rPr>
+              <a:t>hzsA</a:t>
+            </a:r>
+            <a:endParaRPr lang="zh-CN" altLang="en-US" i="1" dirty="0">
+              <a:latin typeface="Times New Roman" panose="02020603050405020304" pitchFamily="18" charset="0"/>
+              <a:cs typeface="Times New Roman" panose="02020603050405020304" pitchFamily="18" charset="0"/>
+            </a:endParaRPr>
+          </a:p>
+        </p:txBody>
+      </p:sp>
+      <p:sp>
+        <p:nvSpPr>
+          <p:cNvPr id="36" name="文本框 35">
+            <a:extLst>
+              <a:ext uri="{FF2B5EF4-FFF2-40B4-BE49-F238E27FC236}">
+                <a16:creationId xmlns:a16="http://schemas.microsoft.com/office/drawing/2014/main" id="{83084A62-4506-4866-ABB3-E308CC51FE4B}"/>
+              </a:ext>
+            </a:extLst>
+          </p:cNvPr>
+          <p:cNvSpPr txBox="1"/>
+          <p:nvPr/>
+        </p:nvSpPr>
+        <p:spPr>
+          <a:xfrm>
+            <a:off x="7408415" y="1902809"/>
+            <a:ext cx="660400" cy="369332"/>
+          </a:xfrm>
+          <a:prstGeom prst="rect">
+            <a:avLst/>
+          </a:prstGeom>
+          <a:noFill/>
+        </p:spPr>
+        <p:txBody>
+          <a:bodyPr wrap="square" rtlCol="0">
+            <a:spAutoFit/>
+          </a:bodyPr>
+          <a:lstStyle/>
+          <a:p>
+            <a:r>
+              <a:rPr lang="en-US" altLang="zh-CN" i="1" dirty="0" err="1">
+                <a:latin typeface="Times New Roman" panose="02020603050405020304" pitchFamily="18" charset="0"/>
+                <a:cs typeface="Times New Roman" panose="02020603050405020304" pitchFamily="18" charset="0"/>
+              </a:rPr>
+              <a:t>hzo</a:t>
+            </a:r>
+            <a:endParaRPr lang="zh-CN" altLang="en-US" i="1" dirty="0">
+              <a:latin typeface="Times New Roman" panose="02020603050405020304" pitchFamily="18" charset="0"/>
+              <a:cs typeface="Times New Roman" panose="02020603050405020304" pitchFamily="18" charset="0"/>
+            </a:endParaRPr>
+          </a:p>
+        </p:txBody>
+      </p:sp>
+      <p:sp>
+        <p:nvSpPr>
+          <p:cNvPr id="37" name="文本框 36">
+            <a:extLst>
+              <a:ext uri="{FF2B5EF4-FFF2-40B4-BE49-F238E27FC236}">
+                <a16:creationId xmlns:a16="http://schemas.microsoft.com/office/drawing/2014/main" id="{AE0B6B2B-AA05-4D40-95E4-09C372C22FB1}"/>
+              </a:ext>
+            </a:extLst>
+          </p:cNvPr>
+          <p:cNvSpPr txBox="1"/>
+          <p:nvPr/>
+        </p:nvSpPr>
+        <p:spPr>
+          <a:xfrm>
+            <a:off x="2536693" y="3659260"/>
+            <a:ext cx="660400" cy="369332"/>
+          </a:xfrm>
+          <a:prstGeom prst="rect">
+            <a:avLst/>
+          </a:prstGeom>
+          <a:noFill/>
+        </p:spPr>
+        <p:txBody>
+          <a:bodyPr wrap="square" rtlCol="0">
+            <a:spAutoFit/>
+          </a:bodyPr>
+          <a:lstStyle/>
+          <a:p>
+            <a:r>
+              <a:rPr lang="en-US" altLang="zh-CN" i="1" dirty="0" err="1">
+                <a:latin typeface="Times New Roman" panose="02020603050405020304" pitchFamily="18" charset="0"/>
+                <a:cs typeface="Times New Roman" panose="02020603050405020304" pitchFamily="18" charset="0"/>
+              </a:rPr>
+              <a:t>nirK</a:t>
+            </a:r>
+            <a:endParaRPr lang="zh-CN" altLang="en-US" i="1" dirty="0">
+              <a:latin typeface="Times New Roman" panose="02020603050405020304" pitchFamily="18" charset="0"/>
+              <a:cs typeface="Times New Roman" panose="02020603050405020304" pitchFamily="18" charset="0"/>
+            </a:endParaRPr>
+          </a:p>
+        </p:txBody>
+      </p:sp>
+      <p:sp>
+        <p:nvSpPr>
+          <p:cNvPr id="38" name="文本框 37">
+            <a:extLst>
+              <a:ext uri="{FF2B5EF4-FFF2-40B4-BE49-F238E27FC236}">
+                <a16:creationId xmlns:a16="http://schemas.microsoft.com/office/drawing/2014/main" id="{96EB6442-B194-A9A3-8D5D-1F93A4498055}"/>
+              </a:ext>
+            </a:extLst>
+          </p:cNvPr>
+          <p:cNvSpPr txBox="1"/>
+          <p:nvPr/>
+        </p:nvSpPr>
+        <p:spPr>
+          <a:xfrm>
+            <a:off x="6917602" y="267244"/>
+            <a:ext cx="899521" cy="369332"/>
+          </a:xfrm>
+          <a:prstGeom prst="rect">
+            <a:avLst/>
+          </a:prstGeom>
+          <a:noFill/>
+        </p:spPr>
+        <p:txBody>
+          <a:bodyPr wrap="square" rtlCol="0">
+            <a:spAutoFit/>
+          </a:bodyPr>
+          <a:lstStyle/>
+          <a:p>
+            <a:r>
+              <a:rPr lang="en-US" altLang="zh-CN" i="1" dirty="0" err="1">
+                <a:latin typeface="Times New Roman" panose="02020603050405020304" pitchFamily="18" charset="0"/>
+                <a:cs typeface="Times New Roman" panose="02020603050405020304" pitchFamily="18" charset="0"/>
+              </a:rPr>
+              <a:t>narG</a:t>
+            </a:r>
+            <a:endParaRPr lang="zh-CN" altLang="en-US" i="1" dirty="0">
+              <a:latin typeface="Times New Roman" panose="02020603050405020304" pitchFamily="18" charset="0"/>
+              <a:cs typeface="Times New Roman" panose="02020603050405020304" pitchFamily="18" charset="0"/>
+            </a:endParaRPr>
+          </a:p>
+        </p:txBody>
+      </p:sp>
+      <p:sp>
+        <p:nvSpPr>
+          <p:cNvPr id="39" name="文本框 38">
+            <a:extLst>
+              <a:ext uri="{FF2B5EF4-FFF2-40B4-BE49-F238E27FC236}">
+                <a16:creationId xmlns:a16="http://schemas.microsoft.com/office/drawing/2014/main" id="{B050DDC0-F0E2-B4F5-1E25-C948B719A252}"/>
+              </a:ext>
+            </a:extLst>
+          </p:cNvPr>
+          <p:cNvSpPr txBox="1"/>
+          <p:nvPr/>
+        </p:nvSpPr>
+        <p:spPr>
+          <a:xfrm>
+            <a:off x="4327147" y="251844"/>
+            <a:ext cx="745636" cy="369332"/>
+          </a:xfrm>
+          <a:prstGeom prst="rect">
+            <a:avLst/>
+          </a:prstGeom>
+          <a:noFill/>
+        </p:spPr>
+        <p:txBody>
+          <a:bodyPr wrap="square" rtlCol="0">
+            <a:spAutoFit/>
+          </a:bodyPr>
+          <a:lstStyle/>
+          <a:p>
+            <a:r>
+              <a:rPr lang="en-US" altLang="zh-CN" dirty="0">
+                <a:latin typeface="Times New Roman" panose="02020603050405020304" pitchFamily="18" charset="0"/>
+                <a:cs typeface="Times New Roman" panose="02020603050405020304" pitchFamily="18" charset="0"/>
+              </a:rPr>
+              <a:t>S-TN</a:t>
+            </a:r>
+            <a:endParaRPr lang="zh-CN" altLang="en-US" dirty="0">
+              <a:latin typeface="Times New Roman" panose="02020603050405020304" pitchFamily="18" charset="0"/>
+              <a:cs typeface="Times New Roman" panose="02020603050405020304" pitchFamily="18" charset="0"/>
+            </a:endParaRPr>
+          </a:p>
+        </p:txBody>
+      </p:sp>
+      <p:sp>
+        <p:nvSpPr>
+          <p:cNvPr id="40" name="文本框 39">
+            <a:extLst>
+              <a:ext uri="{FF2B5EF4-FFF2-40B4-BE49-F238E27FC236}">
+                <a16:creationId xmlns:a16="http://schemas.microsoft.com/office/drawing/2014/main" id="{9F530E7C-54AD-3704-5323-9A99F44DF22F}"/>
+              </a:ext>
+            </a:extLst>
+          </p:cNvPr>
+          <p:cNvSpPr txBox="1"/>
+          <p:nvPr/>
+        </p:nvSpPr>
+        <p:spPr>
+          <a:xfrm>
+            <a:off x="3387155" y="1214082"/>
+            <a:ext cx="798193" cy="369332"/>
+          </a:xfrm>
+          <a:prstGeom prst="rect">
+            <a:avLst/>
+          </a:prstGeom>
+          <a:noFill/>
+        </p:spPr>
+        <p:txBody>
+          <a:bodyPr wrap="square" rtlCol="0">
+            <a:spAutoFit/>
+          </a:bodyPr>
+          <a:lstStyle/>
+          <a:p>
+            <a:r>
+              <a:rPr lang="en-US" altLang="zh-CN" i="1" dirty="0" err="1">
+                <a:latin typeface="Times New Roman" panose="02020603050405020304" pitchFamily="18" charset="0"/>
+                <a:cs typeface="Times New Roman" panose="02020603050405020304" pitchFamily="18" charset="0"/>
+              </a:rPr>
+              <a:t>napA</a:t>
+            </a:r>
+            <a:endParaRPr lang="zh-CN" altLang="en-US" i="1" dirty="0">
+              <a:latin typeface="Times New Roman" panose="02020603050405020304" pitchFamily="18" charset="0"/>
+              <a:cs typeface="Times New Roman" panose="02020603050405020304" pitchFamily="18" charset="0"/>
+            </a:endParaRPr>
+          </a:p>
+        </p:txBody>
+      </p:sp>
     </p:spTree>
     <p:extLst>
       <p:ext uri="{BB962C8B-B14F-4D97-AF65-F5344CB8AC3E}">
@@ -9016,7 +13811,7 @@
     </p:spTree>
     <p:extLst>
       <p:ext uri="{BB962C8B-B14F-4D97-AF65-F5344CB8AC3E}">
-        <p14:creationId xmlns:p14="http://schemas.microsoft.com/office/powerpoint/2010/main" val="986675692"/>
+        <p14:creationId xmlns:p14="http://schemas.microsoft.com/office/powerpoint/2010/main" val="2725043566"/>
       </p:ext>
     </p:extLst>
   </p:cSld>
@@ -9027,36 +13822,6 @@
 </file>
 
 <file path=ppt/slides/slide8.xml><?xml version="1.0" encoding="utf-8"?>
-<p:sld xmlns:a="http://schemas.openxmlformats.org/drawingml/2006/main" xmlns:r="http://schemas.openxmlformats.org/officeDocument/2006/relationships" xmlns:p="http://schemas.openxmlformats.org/presentationml/2006/main">
-  <p:cSld>
-    <p:spTree>
-      <p:nvGrpSpPr>
-        <p:cNvPr id="1" name=""/>
-        <p:cNvGrpSpPr/>
-        <p:nvPr/>
-      </p:nvGrpSpPr>
-      <p:grpSpPr>
-        <a:xfrm>
-          <a:off x="0" y="0"/>
-          <a:ext cx="0" cy="0"/>
-          <a:chOff x="0" y="0"/>
-          <a:chExt cx="0" cy="0"/>
-        </a:xfrm>
-      </p:grpSpPr>
-    </p:spTree>
-    <p:extLst>
-      <p:ext uri="{BB962C8B-B14F-4D97-AF65-F5344CB8AC3E}">
-        <p14:creationId xmlns:p14="http://schemas.microsoft.com/office/powerpoint/2010/main" val="2725043566"/>
-      </p:ext>
-    </p:extLst>
-  </p:cSld>
-  <p:clrMapOvr>
-    <a:masterClrMapping/>
-  </p:clrMapOvr>
-</p:sld>
-</file>
-
-<file path=ppt/slides/slide9.xml><?xml version="1.0" encoding="utf-8"?>
 <p:sld xmlns:a="http://schemas.openxmlformats.org/drawingml/2006/main" xmlns:r="http://schemas.openxmlformats.org/officeDocument/2006/relationships" xmlns:p="http://schemas.openxmlformats.org/presentationml/2006/main">
   <p:cSld>
     <p:spTree>
